--- a/apresentacao.pptx
+++ b/apresentacao.pptx
@@ -7,6 +7,23 @@
   <p:sldIdLst>
     <p:sldId id="256" r:id="rId2"/>
     <p:sldId id="257" r:id="rId3"/>
+    <p:sldId id="267" r:id="rId4"/>
+    <p:sldId id="258" r:id="rId5"/>
+    <p:sldId id="275" r:id="rId6"/>
+    <p:sldId id="274" r:id="rId7"/>
+    <p:sldId id="273" r:id="rId8"/>
+    <p:sldId id="272" r:id="rId9"/>
+    <p:sldId id="266" r:id="rId10"/>
+    <p:sldId id="265" r:id="rId11"/>
+    <p:sldId id="271" r:id="rId12"/>
+    <p:sldId id="270" r:id="rId13"/>
+    <p:sldId id="264" r:id="rId14"/>
+    <p:sldId id="269" r:id="rId15"/>
+    <p:sldId id="263" r:id="rId16"/>
+    <p:sldId id="268" r:id="rId17"/>
+    <p:sldId id="262" r:id="rId18"/>
+    <p:sldId id="261" r:id="rId19"/>
+    <p:sldId id="260" r:id="rId20"/>
   </p:sldIdLst>
   <p:sldSz cx="12192000" cy="6858000"/>
   <p:notesSz cx="6858000" cy="9144000"/>
@@ -3285,13 +3302,20 @@
         </p:nvSpPr>
         <p:spPr/>
         <p:txBody>
-          <a:bodyPr/>
+          <a:bodyPr>
+            <a:normAutofit/>
+          </a:bodyPr>
           <a:lstStyle/>
           <a:p>
             <a:r>
               <a:rPr lang="pt-BR" dirty="0"/>
-              <a:t>Título do Trabalho de Conclusão de Curso</a:t>
-            </a:r>
+              <a:t>Modelagem estatística aplicada na prevenção ao </a:t>
+            </a:r>
+            <a:r>
+              <a:rPr lang="pt-BR" i="1" dirty="0" err="1"/>
+              <a:t>churn</a:t>
+            </a:r>
+            <a:endParaRPr lang="pt-BR" i="1" dirty="0"/>
           </a:p>
         </p:txBody>
       </p:sp>
@@ -3320,14 +3344,19 @@
           <a:p>
             <a:r>
               <a:rPr lang="pt-BR" dirty="0"/>
-              <a:t>Nome do aluno</a:t>
+              <a:t>Lucas Franz Monteiro</a:t>
             </a:r>
           </a:p>
           <a:p>
             <a:r>
               <a:rPr lang="pt-BR" dirty="0"/>
-              <a:t>Nome do orientador</a:t>
-            </a:r>
+              <a:t>Ana Julia </a:t>
+            </a:r>
+            <a:r>
+              <a:rPr lang="pt-BR" dirty="0" err="1"/>
+              <a:t>Righetto</a:t>
+            </a:r>
+            <a:endParaRPr lang="pt-BR" dirty="0"/>
           </a:p>
         </p:txBody>
       </p:sp>
@@ -3335,6 +3364,1194 @@
     <p:extLst>
       <p:ext uri="{BB962C8B-B14F-4D97-AF65-F5344CB8AC3E}">
         <p14:creationId xmlns:p14="http://schemas.microsoft.com/office/powerpoint/2010/main" val="2935926906"/>
+      </p:ext>
+    </p:extLst>
+  </p:cSld>
+  <p:clrMapOvr>
+    <a:masterClrMapping/>
+  </p:clrMapOvr>
+</p:sld>
+</file>
+
+<file path=ppt/slides/slide10.xml><?xml version="1.0" encoding="utf-8"?>
+<p:sld xmlns:a="http://schemas.openxmlformats.org/drawingml/2006/main" xmlns:r="http://schemas.openxmlformats.org/officeDocument/2006/relationships" xmlns:p="http://schemas.openxmlformats.org/presentationml/2006/main">
+  <p:cSld>
+    <p:spTree>
+      <p:nvGrpSpPr>
+        <p:cNvPr id="1" name=""/>
+        <p:cNvGrpSpPr/>
+        <p:nvPr/>
+      </p:nvGrpSpPr>
+      <p:grpSpPr>
+        <a:xfrm>
+          <a:off x="0" y="0"/>
+          <a:ext cx="0" cy="0"/>
+          <a:chOff x="0" y="0"/>
+          <a:chExt cx="0" cy="0"/>
+        </a:xfrm>
+      </p:grpSpPr>
+      <p:sp>
+        <p:nvSpPr>
+          <p:cNvPr id="2" name="Título 1">
+            <a:extLst>
+              <a:ext uri="{FF2B5EF4-FFF2-40B4-BE49-F238E27FC236}">
+                <a16:creationId xmlns:a16="http://schemas.microsoft.com/office/drawing/2014/main" id="{EEAAE684-D6CA-4DA5-9F71-C63A77ABED75}"/>
+              </a:ext>
+            </a:extLst>
+          </p:cNvPr>
+          <p:cNvSpPr>
+            <a:spLocks noGrp="1"/>
+          </p:cNvSpPr>
+          <p:nvPr>
+            <p:ph type="title"/>
+          </p:nvPr>
+        </p:nvSpPr>
+        <p:spPr/>
+        <p:txBody>
+          <a:bodyPr/>
+          <a:lstStyle/>
+          <a:p>
+            <a:r>
+              <a:rPr lang="pt-BR" dirty="0"/>
+              <a:t>Número de observações para as quais dados geográficos de cep estão faltando</a:t>
+            </a:r>
+          </a:p>
+        </p:txBody>
+      </p:sp>
+      <p:sp>
+        <p:nvSpPr>
+          <p:cNvPr id="3" name="Espaço Reservado para Conteúdo 2">
+            <a:extLst>
+              <a:ext uri="{FF2B5EF4-FFF2-40B4-BE49-F238E27FC236}">
+                <a16:creationId xmlns:a16="http://schemas.microsoft.com/office/drawing/2014/main" id="{621030C7-AC50-461D-A40A-5DAB9C476480}"/>
+              </a:ext>
+            </a:extLst>
+          </p:cNvPr>
+          <p:cNvSpPr>
+            <a:spLocks noGrp="1"/>
+          </p:cNvSpPr>
+          <p:nvPr>
+            <p:ph idx="1"/>
+          </p:nvPr>
+        </p:nvSpPr>
+        <p:spPr/>
+        <p:txBody>
+          <a:bodyPr/>
+          <a:lstStyle/>
+          <a:p>
+            <a:endParaRPr lang="pt-BR" dirty="0"/>
+          </a:p>
+        </p:txBody>
+      </p:sp>
+      <p:graphicFrame>
+        <p:nvGraphicFramePr>
+          <p:cNvPr id="4" name="Object 3">
+            <a:extLst>
+              <a:ext uri="{FF2B5EF4-FFF2-40B4-BE49-F238E27FC236}">
+                <a16:creationId xmlns:a16="http://schemas.microsoft.com/office/drawing/2014/main" id="{57AF9DF9-6F72-43DF-534C-A2B826C69317}"/>
+              </a:ext>
+            </a:extLst>
+          </p:cNvPr>
+          <p:cNvGraphicFramePr>
+            <a:graphicFrameLocks noChangeAspect="1"/>
+          </p:cNvGraphicFramePr>
+          <p:nvPr>
+            <p:extLst>
+              <p:ext uri="{D42A27DB-BD31-4B8C-83A1-F6EECF244321}">
+                <p14:modId xmlns:p14="http://schemas.microsoft.com/office/powerpoint/2010/main" val="595839827"/>
+              </p:ext>
+            </p:extLst>
+          </p:nvPr>
+        </p:nvGraphicFramePr>
+        <p:xfrm>
+          <a:off x="989068" y="1949449"/>
+          <a:ext cx="5106932" cy="1913047"/>
+        </p:xfrm>
+        <a:graphic>
+          <a:graphicData uri="http://schemas.openxmlformats.org/presentationml/2006/ole">
+            <mc:AlternateContent xmlns:mc="http://schemas.openxmlformats.org/markup-compatibility/2006">
+              <mc:Choice xmlns:v="urn:schemas-microsoft-com:vml" Requires="v">
+                <p:oleObj name="Worksheet" r:id="rId2" imgW="3949577" imgH="1479425" progId="Excel.Sheet.12">
+                  <p:embed/>
+                </p:oleObj>
+              </mc:Choice>
+              <mc:Fallback>
+                <p:oleObj name="Worksheet" r:id="rId2" imgW="3949577" imgH="1479425" progId="Excel.Sheet.12">
+                  <p:embed/>
+                  <p:pic>
+                    <p:nvPicPr>
+                      <p:cNvPr id="0" name=""/>
+                      <p:cNvPicPr/>
+                      <p:nvPr/>
+                    </p:nvPicPr>
+                    <p:blipFill>
+                      <a:blip r:embed="rId3"/>
+                      <a:stretch>
+                        <a:fillRect/>
+                      </a:stretch>
+                    </p:blipFill>
+                    <p:spPr>
+                      <a:xfrm>
+                        <a:off x="989068" y="1949449"/>
+                        <a:ext cx="5106932" cy="1913047"/>
+                      </a:xfrm>
+                      <a:prstGeom prst="rect">
+                        <a:avLst/>
+                      </a:prstGeom>
+                    </p:spPr>
+                  </p:pic>
+                </p:oleObj>
+              </mc:Fallback>
+            </mc:AlternateContent>
+          </a:graphicData>
+        </a:graphic>
+      </p:graphicFrame>
+    </p:spTree>
+    <p:extLst>
+      <p:ext uri="{BB962C8B-B14F-4D97-AF65-F5344CB8AC3E}">
+        <p14:creationId xmlns:p14="http://schemas.microsoft.com/office/powerpoint/2010/main" val="385892869"/>
+      </p:ext>
+    </p:extLst>
+  </p:cSld>
+  <p:clrMapOvr>
+    <a:masterClrMapping/>
+  </p:clrMapOvr>
+</p:sld>
+</file>
+
+<file path=ppt/slides/slide11.xml><?xml version="1.0" encoding="utf-8"?>
+<p:sld xmlns:a="http://schemas.openxmlformats.org/drawingml/2006/main" xmlns:r="http://schemas.openxmlformats.org/officeDocument/2006/relationships" xmlns:p="http://schemas.openxmlformats.org/presentationml/2006/main">
+  <p:cSld>
+    <p:spTree>
+      <p:nvGrpSpPr>
+        <p:cNvPr id="1" name=""/>
+        <p:cNvGrpSpPr/>
+        <p:nvPr/>
+      </p:nvGrpSpPr>
+      <p:grpSpPr>
+        <a:xfrm>
+          <a:off x="0" y="0"/>
+          <a:ext cx="0" cy="0"/>
+          <a:chOff x="0" y="0"/>
+          <a:chExt cx="0" cy="0"/>
+        </a:xfrm>
+      </p:grpSpPr>
+      <p:sp>
+        <p:nvSpPr>
+          <p:cNvPr id="2" name="Título 1">
+            <a:extLst>
+              <a:ext uri="{FF2B5EF4-FFF2-40B4-BE49-F238E27FC236}">
+                <a16:creationId xmlns:a16="http://schemas.microsoft.com/office/drawing/2014/main" id="{EEAAE684-D6CA-4DA5-9F71-C63A77ABED75}"/>
+              </a:ext>
+            </a:extLst>
+          </p:cNvPr>
+          <p:cNvSpPr>
+            <a:spLocks noGrp="1"/>
+          </p:cNvSpPr>
+          <p:nvPr>
+            <p:ph type="title"/>
+          </p:nvPr>
+        </p:nvSpPr>
+        <p:spPr/>
+        <p:txBody>
+          <a:bodyPr>
+            <a:normAutofit fontScale="90000"/>
+          </a:bodyPr>
+          <a:lstStyle/>
+          <a:p>
+            <a:r>
+              <a:rPr lang="pt-BR" dirty="0"/>
+              <a:t>Quantidade de variáveis selecionadas, em cada iteração do procedimento de seleção gradual, para diferentes estratégias</a:t>
+            </a:r>
+          </a:p>
+        </p:txBody>
+      </p:sp>
+      <p:pic>
+        <p:nvPicPr>
+          <p:cNvPr id="5" name="Content Placeholder 4" descr="Chart, line chart&#10;&#10;Description automatically generated">
+            <a:extLst>
+              <a:ext uri="{FF2B5EF4-FFF2-40B4-BE49-F238E27FC236}">
+                <a16:creationId xmlns:a16="http://schemas.microsoft.com/office/drawing/2014/main" id="{95486BA8-85EA-7710-7185-31430DE70FFD}"/>
+              </a:ext>
+            </a:extLst>
+          </p:cNvPr>
+          <p:cNvPicPr>
+            <a:picLocks noGrp="1" noChangeAspect="1"/>
+          </p:cNvPicPr>
+          <p:nvPr>
+            <p:ph idx="1"/>
+          </p:nvPr>
+        </p:nvPicPr>
+        <p:blipFill>
+          <a:blip r:embed="rId2">
+            <a:extLst>
+              <a:ext uri="{28A0092B-C50C-407E-A947-70E740481C1C}">
+                <a14:useLocalDpi xmlns:a14="http://schemas.microsoft.com/office/drawing/2010/main" val="0"/>
+              </a:ext>
+            </a:extLst>
+          </a:blip>
+          <a:stretch>
+            <a:fillRect/>
+          </a:stretch>
+        </p:blipFill>
+        <p:spPr>
+          <a:xfrm>
+            <a:off x="2179795" y="1825625"/>
+            <a:ext cx="7832409" cy="4351338"/>
+          </a:xfrm>
+        </p:spPr>
+      </p:pic>
+    </p:spTree>
+    <p:extLst>
+      <p:ext uri="{BB962C8B-B14F-4D97-AF65-F5344CB8AC3E}">
+        <p14:creationId xmlns:p14="http://schemas.microsoft.com/office/powerpoint/2010/main" val="316793386"/>
+      </p:ext>
+    </p:extLst>
+  </p:cSld>
+  <p:clrMapOvr>
+    <a:masterClrMapping/>
+  </p:clrMapOvr>
+</p:sld>
+</file>
+
+<file path=ppt/slides/slide12.xml><?xml version="1.0" encoding="utf-8"?>
+<p:sld xmlns:a="http://schemas.openxmlformats.org/drawingml/2006/main" xmlns:r="http://schemas.openxmlformats.org/officeDocument/2006/relationships" xmlns:p="http://schemas.openxmlformats.org/presentationml/2006/main">
+  <p:cSld>
+    <p:spTree>
+      <p:nvGrpSpPr>
+        <p:cNvPr id="1" name=""/>
+        <p:cNvGrpSpPr/>
+        <p:nvPr/>
+      </p:nvGrpSpPr>
+      <p:grpSpPr>
+        <a:xfrm>
+          <a:off x="0" y="0"/>
+          <a:ext cx="0" cy="0"/>
+          <a:chOff x="0" y="0"/>
+          <a:chExt cx="0" cy="0"/>
+        </a:xfrm>
+      </p:grpSpPr>
+      <p:sp>
+        <p:nvSpPr>
+          <p:cNvPr id="2" name="Título 1">
+            <a:extLst>
+              <a:ext uri="{FF2B5EF4-FFF2-40B4-BE49-F238E27FC236}">
+                <a16:creationId xmlns:a16="http://schemas.microsoft.com/office/drawing/2014/main" id="{EEAAE684-D6CA-4DA5-9F71-C63A77ABED75}"/>
+              </a:ext>
+            </a:extLst>
+          </p:cNvPr>
+          <p:cNvSpPr>
+            <a:spLocks noGrp="1"/>
+          </p:cNvSpPr>
+          <p:nvPr>
+            <p:ph type="title"/>
+          </p:nvPr>
+        </p:nvSpPr>
+        <p:spPr/>
+        <p:txBody>
+          <a:bodyPr>
+            <a:normAutofit fontScale="90000"/>
+          </a:bodyPr>
+          <a:lstStyle/>
+          <a:p>
+            <a:r>
+              <a:rPr lang="pt-BR" dirty="0"/>
+              <a:t>Redução do AIC, a cada iteração do procedimento de seleção gradual de variáveis, para diferentes estratégias</a:t>
+            </a:r>
+          </a:p>
+        </p:txBody>
+      </p:sp>
+      <p:pic>
+        <p:nvPicPr>
+          <p:cNvPr id="5" name="Content Placeholder 4" descr="Chart, line chart&#10;&#10;Description automatically generated">
+            <a:extLst>
+              <a:ext uri="{FF2B5EF4-FFF2-40B4-BE49-F238E27FC236}">
+                <a16:creationId xmlns:a16="http://schemas.microsoft.com/office/drawing/2014/main" id="{63E3F1BF-5901-E650-71D4-DD74E5788B06}"/>
+              </a:ext>
+            </a:extLst>
+          </p:cNvPr>
+          <p:cNvPicPr>
+            <a:picLocks noGrp="1" noChangeAspect="1"/>
+          </p:cNvPicPr>
+          <p:nvPr>
+            <p:ph idx="1"/>
+          </p:nvPr>
+        </p:nvPicPr>
+        <p:blipFill>
+          <a:blip r:embed="rId2">
+            <a:extLst>
+              <a:ext uri="{28A0092B-C50C-407E-A947-70E740481C1C}">
+                <a14:useLocalDpi xmlns:a14="http://schemas.microsoft.com/office/drawing/2010/main" val="0"/>
+              </a:ext>
+            </a:extLst>
+          </a:blip>
+          <a:stretch>
+            <a:fillRect/>
+          </a:stretch>
+        </p:blipFill>
+        <p:spPr>
+          <a:xfrm>
+            <a:off x="2179795" y="1825625"/>
+            <a:ext cx="7832409" cy="4351338"/>
+          </a:xfrm>
+        </p:spPr>
+      </p:pic>
+    </p:spTree>
+    <p:extLst>
+      <p:ext uri="{BB962C8B-B14F-4D97-AF65-F5344CB8AC3E}">
+        <p14:creationId xmlns:p14="http://schemas.microsoft.com/office/powerpoint/2010/main" val="2128052631"/>
+      </p:ext>
+    </p:extLst>
+  </p:cSld>
+  <p:clrMapOvr>
+    <a:masterClrMapping/>
+  </p:clrMapOvr>
+</p:sld>
+</file>
+
+<file path=ppt/slides/slide13.xml><?xml version="1.0" encoding="utf-8"?>
+<p:sld xmlns:a="http://schemas.openxmlformats.org/drawingml/2006/main" xmlns:r="http://schemas.openxmlformats.org/officeDocument/2006/relationships" xmlns:p="http://schemas.openxmlformats.org/presentationml/2006/main">
+  <p:cSld>
+    <p:spTree>
+      <p:nvGrpSpPr>
+        <p:cNvPr id="1" name=""/>
+        <p:cNvGrpSpPr/>
+        <p:nvPr/>
+      </p:nvGrpSpPr>
+      <p:grpSpPr>
+        <a:xfrm>
+          <a:off x="0" y="0"/>
+          <a:ext cx="0" cy="0"/>
+          <a:chOff x="0" y="0"/>
+          <a:chExt cx="0" cy="0"/>
+        </a:xfrm>
+      </p:grpSpPr>
+      <p:sp>
+        <p:nvSpPr>
+          <p:cNvPr id="2" name="Título 1">
+            <a:extLst>
+              <a:ext uri="{FF2B5EF4-FFF2-40B4-BE49-F238E27FC236}">
+                <a16:creationId xmlns:a16="http://schemas.microsoft.com/office/drawing/2014/main" id="{EEAAE684-D6CA-4DA5-9F71-C63A77ABED75}"/>
+              </a:ext>
+            </a:extLst>
+          </p:cNvPr>
+          <p:cNvSpPr>
+            <a:spLocks noGrp="1"/>
+          </p:cNvSpPr>
+          <p:nvPr>
+            <p:ph type="title"/>
+          </p:nvPr>
+        </p:nvSpPr>
+        <p:spPr/>
+        <p:txBody>
+          <a:bodyPr>
+            <a:normAutofit fontScale="90000"/>
+          </a:bodyPr>
+          <a:lstStyle/>
+          <a:p>
+            <a:r>
+              <a:rPr lang="pt-BR" dirty="0"/>
+              <a:t>Resumo das reduções de AIC, no treinamento dos modelos de regressão logística, com diferentes estratégias de seleção</a:t>
+            </a:r>
+          </a:p>
+        </p:txBody>
+      </p:sp>
+      <p:sp>
+        <p:nvSpPr>
+          <p:cNvPr id="3" name="Espaço Reservado para Conteúdo 2">
+            <a:extLst>
+              <a:ext uri="{FF2B5EF4-FFF2-40B4-BE49-F238E27FC236}">
+                <a16:creationId xmlns:a16="http://schemas.microsoft.com/office/drawing/2014/main" id="{621030C7-AC50-461D-A40A-5DAB9C476480}"/>
+              </a:ext>
+            </a:extLst>
+          </p:cNvPr>
+          <p:cNvSpPr>
+            <a:spLocks noGrp="1"/>
+          </p:cNvSpPr>
+          <p:nvPr>
+            <p:ph idx="1"/>
+          </p:nvPr>
+        </p:nvSpPr>
+        <p:spPr/>
+        <p:txBody>
+          <a:bodyPr/>
+          <a:lstStyle/>
+          <a:p>
+            <a:endParaRPr lang="pt-BR" dirty="0"/>
+          </a:p>
+        </p:txBody>
+      </p:sp>
+      <p:graphicFrame>
+        <p:nvGraphicFramePr>
+          <p:cNvPr id="4" name="Object 3">
+            <a:extLst>
+              <a:ext uri="{FF2B5EF4-FFF2-40B4-BE49-F238E27FC236}">
+                <a16:creationId xmlns:a16="http://schemas.microsoft.com/office/drawing/2014/main" id="{FDF3C47C-D9A5-04B3-0D4F-39747C78651E}"/>
+              </a:ext>
+            </a:extLst>
+          </p:cNvPr>
+          <p:cNvGraphicFramePr>
+            <a:graphicFrameLocks noChangeAspect="1"/>
+          </p:cNvGraphicFramePr>
+          <p:nvPr>
+            <p:extLst>
+              <p:ext uri="{D42A27DB-BD31-4B8C-83A1-F6EECF244321}">
+                <p14:modId xmlns:p14="http://schemas.microsoft.com/office/powerpoint/2010/main" val="3565567389"/>
+              </p:ext>
+            </p:extLst>
+          </p:nvPr>
+        </p:nvGraphicFramePr>
+        <p:xfrm>
+          <a:off x="999359" y="1983443"/>
+          <a:ext cx="5191234" cy="2256637"/>
+        </p:xfrm>
+        <a:graphic>
+          <a:graphicData uri="http://schemas.openxmlformats.org/presentationml/2006/ole">
+            <mc:AlternateContent xmlns:mc="http://schemas.openxmlformats.org/markup-compatibility/2006">
+              <mc:Choice xmlns:v="urn:schemas-microsoft-com:vml" Requires="v">
+                <p:oleObj name="Worksheet" r:id="rId2" imgW="3403501" imgH="1479425" progId="Excel.Sheet.12">
+                  <p:embed/>
+                </p:oleObj>
+              </mc:Choice>
+              <mc:Fallback>
+                <p:oleObj name="Worksheet" r:id="rId2" imgW="3403501" imgH="1479425" progId="Excel.Sheet.12">
+                  <p:embed/>
+                  <p:pic>
+                    <p:nvPicPr>
+                      <p:cNvPr id="0" name=""/>
+                      <p:cNvPicPr/>
+                      <p:nvPr/>
+                    </p:nvPicPr>
+                    <p:blipFill>
+                      <a:blip r:embed="rId3"/>
+                      <a:stretch>
+                        <a:fillRect/>
+                      </a:stretch>
+                    </p:blipFill>
+                    <p:spPr>
+                      <a:xfrm>
+                        <a:off x="999359" y="1983443"/>
+                        <a:ext cx="5191234" cy="2256637"/>
+                      </a:xfrm>
+                      <a:prstGeom prst="rect">
+                        <a:avLst/>
+                      </a:prstGeom>
+                    </p:spPr>
+                  </p:pic>
+                </p:oleObj>
+              </mc:Fallback>
+            </mc:AlternateContent>
+          </a:graphicData>
+        </a:graphic>
+      </p:graphicFrame>
+    </p:spTree>
+    <p:extLst>
+      <p:ext uri="{BB962C8B-B14F-4D97-AF65-F5344CB8AC3E}">
+        <p14:creationId xmlns:p14="http://schemas.microsoft.com/office/powerpoint/2010/main" val="729653077"/>
+      </p:ext>
+    </p:extLst>
+  </p:cSld>
+  <p:clrMapOvr>
+    <a:masterClrMapping/>
+  </p:clrMapOvr>
+</p:sld>
+</file>
+
+<file path=ppt/slides/slide14.xml><?xml version="1.0" encoding="utf-8"?>
+<p:sld xmlns:a="http://schemas.openxmlformats.org/drawingml/2006/main" xmlns:r="http://schemas.openxmlformats.org/officeDocument/2006/relationships" xmlns:p="http://schemas.openxmlformats.org/presentationml/2006/main">
+  <p:cSld>
+    <p:spTree>
+      <p:nvGrpSpPr>
+        <p:cNvPr id="1" name=""/>
+        <p:cNvGrpSpPr/>
+        <p:nvPr/>
+      </p:nvGrpSpPr>
+      <p:grpSpPr>
+        <a:xfrm>
+          <a:off x="0" y="0"/>
+          <a:ext cx="0" cy="0"/>
+          <a:chOff x="0" y="0"/>
+          <a:chExt cx="0" cy="0"/>
+        </a:xfrm>
+      </p:grpSpPr>
+      <p:sp>
+        <p:nvSpPr>
+          <p:cNvPr id="2" name="Título 1">
+            <a:extLst>
+              <a:ext uri="{FF2B5EF4-FFF2-40B4-BE49-F238E27FC236}">
+                <a16:creationId xmlns:a16="http://schemas.microsoft.com/office/drawing/2014/main" id="{EEAAE684-D6CA-4DA5-9F71-C63A77ABED75}"/>
+              </a:ext>
+            </a:extLst>
+          </p:cNvPr>
+          <p:cNvSpPr>
+            <a:spLocks noGrp="1"/>
+          </p:cNvSpPr>
+          <p:nvPr>
+            <p:ph type="title"/>
+          </p:nvPr>
+        </p:nvSpPr>
+        <p:spPr/>
+        <p:txBody>
+          <a:bodyPr>
+            <a:normAutofit fontScale="90000"/>
+          </a:bodyPr>
+          <a:lstStyle/>
+          <a:p>
+            <a:r>
+              <a:rPr lang="pt-BR" dirty="0"/>
+              <a:t>Indicadores da capacidade preditiva do modelo de regressão logística com seleção bidirecional de variáveis, para diferentes pontos de corte</a:t>
+            </a:r>
+          </a:p>
+        </p:txBody>
+      </p:sp>
+      <p:pic>
+        <p:nvPicPr>
+          <p:cNvPr id="5" name="Content Placeholder 4" descr="Chart, line chart&#10;&#10;Description automatically generated">
+            <a:extLst>
+              <a:ext uri="{FF2B5EF4-FFF2-40B4-BE49-F238E27FC236}">
+                <a16:creationId xmlns:a16="http://schemas.microsoft.com/office/drawing/2014/main" id="{0A9FCB9A-CAE0-CDB7-CE17-C071E21D49E0}"/>
+              </a:ext>
+            </a:extLst>
+          </p:cNvPr>
+          <p:cNvPicPr>
+            <a:picLocks noGrp="1" noChangeAspect="1"/>
+          </p:cNvPicPr>
+          <p:nvPr>
+            <p:ph idx="1"/>
+          </p:nvPr>
+        </p:nvPicPr>
+        <p:blipFill>
+          <a:blip r:embed="rId2">
+            <a:extLst>
+              <a:ext uri="{28A0092B-C50C-407E-A947-70E740481C1C}">
+                <a14:useLocalDpi xmlns:a14="http://schemas.microsoft.com/office/drawing/2010/main" val="0"/>
+              </a:ext>
+            </a:extLst>
+          </a:blip>
+          <a:stretch>
+            <a:fillRect/>
+          </a:stretch>
+        </p:blipFill>
+        <p:spPr>
+          <a:xfrm>
+            <a:off x="2179795" y="1825625"/>
+            <a:ext cx="7832409" cy="4351338"/>
+          </a:xfrm>
+        </p:spPr>
+      </p:pic>
+    </p:spTree>
+    <p:extLst>
+      <p:ext uri="{BB962C8B-B14F-4D97-AF65-F5344CB8AC3E}">
+        <p14:creationId xmlns:p14="http://schemas.microsoft.com/office/powerpoint/2010/main" val="1668300271"/>
+      </p:ext>
+    </p:extLst>
+  </p:cSld>
+  <p:clrMapOvr>
+    <a:masterClrMapping/>
+  </p:clrMapOvr>
+</p:sld>
+</file>
+
+<file path=ppt/slides/slide15.xml><?xml version="1.0" encoding="utf-8"?>
+<p:sld xmlns:a="http://schemas.openxmlformats.org/drawingml/2006/main" xmlns:r="http://schemas.openxmlformats.org/officeDocument/2006/relationships" xmlns:p="http://schemas.openxmlformats.org/presentationml/2006/main">
+  <p:cSld>
+    <p:spTree>
+      <p:nvGrpSpPr>
+        <p:cNvPr id="1" name=""/>
+        <p:cNvGrpSpPr/>
+        <p:nvPr/>
+      </p:nvGrpSpPr>
+      <p:grpSpPr>
+        <a:xfrm>
+          <a:off x="0" y="0"/>
+          <a:ext cx="0" cy="0"/>
+          <a:chOff x="0" y="0"/>
+          <a:chExt cx="0" cy="0"/>
+        </a:xfrm>
+      </p:grpSpPr>
+      <p:sp>
+        <p:nvSpPr>
+          <p:cNvPr id="2" name="Título 1">
+            <a:extLst>
+              <a:ext uri="{FF2B5EF4-FFF2-40B4-BE49-F238E27FC236}">
+                <a16:creationId xmlns:a16="http://schemas.microsoft.com/office/drawing/2014/main" id="{EEAAE684-D6CA-4DA5-9F71-C63A77ABED75}"/>
+              </a:ext>
+            </a:extLst>
+          </p:cNvPr>
+          <p:cNvSpPr>
+            <a:spLocks noGrp="1"/>
+          </p:cNvSpPr>
+          <p:nvPr>
+            <p:ph type="title"/>
+          </p:nvPr>
+        </p:nvSpPr>
+        <p:spPr/>
+        <p:txBody>
+          <a:bodyPr>
+            <a:normAutofit fontScale="90000"/>
+          </a:bodyPr>
+          <a:lstStyle/>
+          <a:p>
+            <a:r>
+              <a:rPr lang="pt-BR" dirty="0"/>
+              <a:t>Coeficientes estimados para cada uma das variáveis preditoras do modelo de regressão logística clássica</a:t>
+            </a:r>
+          </a:p>
+        </p:txBody>
+      </p:sp>
+      <p:sp>
+        <p:nvSpPr>
+          <p:cNvPr id="3" name="Espaço Reservado para Conteúdo 2">
+            <a:extLst>
+              <a:ext uri="{FF2B5EF4-FFF2-40B4-BE49-F238E27FC236}">
+                <a16:creationId xmlns:a16="http://schemas.microsoft.com/office/drawing/2014/main" id="{621030C7-AC50-461D-A40A-5DAB9C476480}"/>
+              </a:ext>
+            </a:extLst>
+          </p:cNvPr>
+          <p:cNvSpPr>
+            <a:spLocks noGrp="1"/>
+          </p:cNvSpPr>
+          <p:nvPr>
+            <p:ph idx="1"/>
+          </p:nvPr>
+        </p:nvSpPr>
+        <p:spPr/>
+        <p:txBody>
+          <a:bodyPr/>
+          <a:lstStyle/>
+          <a:p>
+            <a:endParaRPr lang="pt-BR" dirty="0"/>
+          </a:p>
+        </p:txBody>
+      </p:sp>
+      <p:graphicFrame>
+        <p:nvGraphicFramePr>
+          <p:cNvPr id="5" name="Object 4">
+            <a:extLst>
+              <a:ext uri="{FF2B5EF4-FFF2-40B4-BE49-F238E27FC236}">
+                <a16:creationId xmlns:a16="http://schemas.microsoft.com/office/drawing/2014/main" id="{25D896A2-ECA1-B795-B3C1-AF853EDC268F}"/>
+              </a:ext>
+            </a:extLst>
+          </p:cNvPr>
+          <p:cNvGraphicFramePr>
+            <a:graphicFrameLocks noChangeAspect="1"/>
+          </p:cNvGraphicFramePr>
+          <p:nvPr>
+            <p:extLst>
+              <p:ext uri="{D42A27DB-BD31-4B8C-83A1-F6EECF244321}">
+                <p14:modId xmlns:p14="http://schemas.microsoft.com/office/powerpoint/2010/main" val="3098035452"/>
+              </p:ext>
+            </p:extLst>
+          </p:nvPr>
+        </p:nvGraphicFramePr>
+        <p:xfrm>
+          <a:off x="1016000" y="1949450"/>
+          <a:ext cx="6947502" cy="2023460"/>
+        </p:xfrm>
+        <a:graphic>
+          <a:graphicData uri="http://schemas.openxmlformats.org/presentationml/2006/ole">
+            <mc:AlternateContent xmlns:mc="http://schemas.openxmlformats.org/markup-compatibility/2006">
+              <mc:Choice xmlns:v="urn:schemas-microsoft-com:vml" Requires="v">
+                <p:oleObj name="Worksheet" r:id="rId2" imgW="5080000" imgH="1479425" progId="Excel.Sheet.12">
+                  <p:embed/>
+                </p:oleObj>
+              </mc:Choice>
+              <mc:Fallback>
+                <p:oleObj name="Worksheet" r:id="rId2" imgW="5080000" imgH="1479425" progId="Excel.Sheet.12">
+                  <p:embed/>
+                  <p:pic>
+                    <p:nvPicPr>
+                      <p:cNvPr id="0" name=""/>
+                      <p:cNvPicPr/>
+                      <p:nvPr/>
+                    </p:nvPicPr>
+                    <p:blipFill>
+                      <a:blip r:embed="rId3"/>
+                      <a:stretch>
+                        <a:fillRect/>
+                      </a:stretch>
+                    </p:blipFill>
+                    <p:spPr>
+                      <a:xfrm>
+                        <a:off x="1016000" y="1949450"/>
+                        <a:ext cx="6947502" cy="2023460"/>
+                      </a:xfrm>
+                      <a:prstGeom prst="rect">
+                        <a:avLst/>
+                      </a:prstGeom>
+                    </p:spPr>
+                  </p:pic>
+                </p:oleObj>
+              </mc:Fallback>
+            </mc:AlternateContent>
+          </a:graphicData>
+        </a:graphic>
+      </p:graphicFrame>
+    </p:spTree>
+    <p:extLst>
+      <p:ext uri="{BB962C8B-B14F-4D97-AF65-F5344CB8AC3E}">
+        <p14:creationId xmlns:p14="http://schemas.microsoft.com/office/powerpoint/2010/main" val="3206719965"/>
+      </p:ext>
+    </p:extLst>
+  </p:cSld>
+  <p:clrMapOvr>
+    <a:masterClrMapping/>
+  </p:clrMapOvr>
+</p:sld>
+</file>
+
+<file path=ppt/slides/slide16.xml><?xml version="1.0" encoding="utf-8"?>
+<p:sld xmlns:a="http://schemas.openxmlformats.org/drawingml/2006/main" xmlns:r="http://schemas.openxmlformats.org/officeDocument/2006/relationships" xmlns:p="http://schemas.openxmlformats.org/presentationml/2006/main">
+  <p:cSld>
+    <p:spTree>
+      <p:nvGrpSpPr>
+        <p:cNvPr id="1" name=""/>
+        <p:cNvGrpSpPr/>
+        <p:nvPr/>
+      </p:nvGrpSpPr>
+      <p:grpSpPr>
+        <a:xfrm>
+          <a:off x="0" y="0"/>
+          <a:ext cx="0" cy="0"/>
+          <a:chOff x="0" y="0"/>
+          <a:chExt cx="0" cy="0"/>
+        </a:xfrm>
+      </p:grpSpPr>
+      <p:sp>
+        <p:nvSpPr>
+          <p:cNvPr id="2" name="Título 1">
+            <a:extLst>
+              <a:ext uri="{FF2B5EF4-FFF2-40B4-BE49-F238E27FC236}">
+                <a16:creationId xmlns:a16="http://schemas.microsoft.com/office/drawing/2014/main" id="{EEAAE684-D6CA-4DA5-9F71-C63A77ABED75}"/>
+              </a:ext>
+            </a:extLst>
+          </p:cNvPr>
+          <p:cNvSpPr>
+            <a:spLocks noGrp="1"/>
+          </p:cNvSpPr>
+          <p:nvPr>
+            <p:ph type="title"/>
+          </p:nvPr>
+        </p:nvSpPr>
+        <p:spPr/>
+        <p:txBody>
+          <a:bodyPr>
+            <a:normAutofit fontScale="90000"/>
+          </a:bodyPr>
+          <a:lstStyle/>
+          <a:p>
+            <a:r>
+              <a:rPr lang="pt-BR" dirty="0"/>
+              <a:t>Indicadores da capacidade preditiva dos diversos modelos estimados, para diferentes pontos de corte</a:t>
+            </a:r>
+          </a:p>
+        </p:txBody>
+      </p:sp>
+      <p:pic>
+        <p:nvPicPr>
+          <p:cNvPr id="5" name="Content Placeholder 4" descr="Chart&#10;&#10;Description automatically generated">
+            <a:extLst>
+              <a:ext uri="{FF2B5EF4-FFF2-40B4-BE49-F238E27FC236}">
+                <a16:creationId xmlns:a16="http://schemas.microsoft.com/office/drawing/2014/main" id="{921EA4FF-D4CB-FF18-B5D4-C8BE97DBBDC7}"/>
+              </a:ext>
+            </a:extLst>
+          </p:cNvPr>
+          <p:cNvPicPr>
+            <a:picLocks noGrp="1" noChangeAspect="1"/>
+          </p:cNvPicPr>
+          <p:nvPr>
+            <p:ph idx="1"/>
+          </p:nvPr>
+        </p:nvPicPr>
+        <p:blipFill>
+          <a:blip r:embed="rId2">
+            <a:extLst>
+              <a:ext uri="{28A0092B-C50C-407E-A947-70E740481C1C}">
+                <a14:useLocalDpi xmlns:a14="http://schemas.microsoft.com/office/drawing/2010/main" val="0"/>
+              </a:ext>
+            </a:extLst>
+          </a:blip>
+          <a:stretch>
+            <a:fillRect/>
+          </a:stretch>
+        </p:blipFill>
+        <p:spPr>
+          <a:xfrm>
+            <a:off x="1744662" y="1825625"/>
+            <a:ext cx="8702676" cy="4351338"/>
+          </a:xfrm>
+        </p:spPr>
+      </p:pic>
+    </p:spTree>
+    <p:extLst>
+      <p:ext uri="{BB962C8B-B14F-4D97-AF65-F5344CB8AC3E}">
+        <p14:creationId xmlns:p14="http://schemas.microsoft.com/office/powerpoint/2010/main" val="2598672704"/>
+      </p:ext>
+    </p:extLst>
+  </p:cSld>
+  <p:clrMapOvr>
+    <a:masterClrMapping/>
+  </p:clrMapOvr>
+</p:sld>
+</file>
+
+<file path=ppt/slides/slide17.xml><?xml version="1.0" encoding="utf-8"?>
+<p:sld xmlns:a="http://schemas.openxmlformats.org/drawingml/2006/main" xmlns:r="http://schemas.openxmlformats.org/officeDocument/2006/relationships" xmlns:p="http://schemas.openxmlformats.org/presentationml/2006/main">
+  <p:cSld>
+    <p:spTree>
+      <p:nvGrpSpPr>
+        <p:cNvPr id="1" name=""/>
+        <p:cNvGrpSpPr/>
+        <p:nvPr/>
+      </p:nvGrpSpPr>
+      <p:grpSpPr>
+        <a:xfrm>
+          <a:off x="0" y="0"/>
+          <a:ext cx="0" cy="0"/>
+          <a:chOff x="0" y="0"/>
+          <a:chExt cx="0" cy="0"/>
+        </a:xfrm>
+      </p:grpSpPr>
+      <p:sp>
+        <p:nvSpPr>
+          <p:cNvPr id="2" name="Título 1">
+            <a:extLst>
+              <a:ext uri="{FF2B5EF4-FFF2-40B4-BE49-F238E27FC236}">
+                <a16:creationId xmlns:a16="http://schemas.microsoft.com/office/drawing/2014/main" id="{EEAAE684-D6CA-4DA5-9F71-C63A77ABED75}"/>
+              </a:ext>
+            </a:extLst>
+          </p:cNvPr>
+          <p:cNvSpPr>
+            <a:spLocks noGrp="1"/>
+          </p:cNvSpPr>
+          <p:nvPr>
+            <p:ph type="title"/>
+          </p:nvPr>
+        </p:nvSpPr>
+        <p:spPr/>
+        <p:txBody>
+          <a:bodyPr/>
+          <a:lstStyle/>
+          <a:p>
+            <a:endParaRPr lang="pt-BR"/>
+          </a:p>
+        </p:txBody>
+      </p:sp>
+      <p:sp>
+        <p:nvSpPr>
+          <p:cNvPr id="3" name="Espaço Reservado para Conteúdo 2">
+            <a:extLst>
+              <a:ext uri="{FF2B5EF4-FFF2-40B4-BE49-F238E27FC236}">
+                <a16:creationId xmlns:a16="http://schemas.microsoft.com/office/drawing/2014/main" id="{621030C7-AC50-461D-A40A-5DAB9C476480}"/>
+              </a:ext>
+            </a:extLst>
+          </p:cNvPr>
+          <p:cNvSpPr>
+            <a:spLocks noGrp="1"/>
+          </p:cNvSpPr>
+          <p:nvPr>
+            <p:ph idx="1"/>
+          </p:nvPr>
+        </p:nvSpPr>
+        <p:spPr/>
+        <p:txBody>
+          <a:bodyPr/>
+          <a:lstStyle/>
+          <a:p>
+            <a:endParaRPr lang="pt-BR" dirty="0"/>
+          </a:p>
+        </p:txBody>
+      </p:sp>
+      <p:graphicFrame>
+        <p:nvGraphicFramePr>
+          <p:cNvPr id="4" name="Object 3">
+            <a:extLst>
+              <a:ext uri="{FF2B5EF4-FFF2-40B4-BE49-F238E27FC236}">
+                <a16:creationId xmlns:a16="http://schemas.microsoft.com/office/drawing/2014/main" id="{7E7DBEC8-EF34-4C3F-5B7C-93C2FBF7BF1E}"/>
+              </a:ext>
+            </a:extLst>
+          </p:cNvPr>
+          <p:cNvGraphicFramePr>
+            <a:graphicFrameLocks noChangeAspect="1"/>
+          </p:cNvGraphicFramePr>
+          <p:nvPr>
+            <p:extLst>
+              <p:ext uri="{D42A27DB-BD31-4B8C-83A1-F6EECF244321}">
+                <p14:modId xmlns:p14="http://schemas.microsoft.com/office/powerpoint/2010/main" val="2659719792"/>
+              </p:ext>
+            </p:extLst>
+          </p:nvPr>
+        </p:nvGraphicFramePr>
+        <p:xfrm>
+          <a:off x="838200" y="1825625"/>
+          <a:ext cx="3628040" cy="4668997"/>
+        </p:xfrm>
+        <a:graphic>
+          <a:graphicData uri="http://schemas.openxmlformats.org/presentationml/2006/ole">
+            <mc:AlternateContent xmlns:mc="http://schemas.openxmlformats.org/markup-compatibility/2006">
+              <mc:Choice xmlns:v="urn:schemas-microsoft-com:vml" Requires="v">
+                <p:oleObj name="Worksheet" r:id="rId2" imgW="3009727" imgH="3873383" progId="Excel.Sheet.12">
+                  <p:embed/>
+                </p:oleObj>
+              </mc:Choice>
+              <mc:Fallback>
+                <p:oleObj name="Worksheet" r:id="rId2" imgW="3009727" imgH="3873383" progId="Excel.Sheet.12">
+                  <p:embed/>
+                  <p:pic>
+                    <p:nvPicPr>
+                      <p:cNvPr id="0" name=""/>
+                      <p:cNvPicPr/>
+                      <p:nvPr/>
+                    </p:nvPicPr>
+                    <p:blipFill>
+                      <a:blip r:embed="rId3"/>
+                      <a:stretch>
+                        <a:fillRect/>
+                      </a:stretch>
+                    </p:blipFill>
+                    <p:spPr>
+                      <a:xfrm>
+                        <a:off x="838200" y="1825625"/>
+                        <a:ext cx="3628040" cy="4668997"/>
+                      </a:xfrm>
+                      <a:prstGeom prst="rect">
+                        <a:avLst/>
+                      </a:prstGeom>
+                    </p:spPr>
+                  </p:pic>
+                </p:oleObj>
+              </mc:Fallback>
+            </mc:AlternateContent>
+          </a:graphicData>
+        </a:graphic>
+      </p:graphicFrame>
+    </p:spTree>
+    <p:extLst>
+      <p:ext uri="{BB962C8B-B14F-4D97-AF65-F5344CB8AC3E}">
+        <p14:creationId xmlns:p14="http://schemas.microsoft.com/office/powerpoint/2010/main" val="4142994433"/>
+      </p:ext>
+    </p:extLst>
+  </p:cSld>
+  <p:clrMapOvr>
+    <a:masterClrMapping/>
+  </p:clrMapOvr>
+</p:sld>
+</file>
+
+<file path=ppt/slides/slide18.xml><?xml version="1.0" encoding="utf-8"?>
+<p:sld xmlns:a="http://schemas.openxmlformats.org/drawingml/2006/main" xmlns:r="http://schemas.openxmlformats.org/officeDocument/2006/relationships" xmlns:p="http://schemas.openxmlformats.org/presentationml/2006/main">
+  <p:cSld>
+    <p:spTree>
+      <p:nvGrpSpPr>
+        <p:cNvPr id="1" name=""/>
+        <p:cNvGrpSpPr/>
+        <p:nvPr/>
+      </p:nvGrpSpPr>
+      <p:grpSpPr>
+        <a:xfrm>
+          <a:off x="0" y="0"/>
+          <a:ext cx="0" cy="0"/>
+          <a:chOff x="0" y="0"/>
+          <a:chExt cx="0" cy="0"/>
+        </a:xfrm>
+      </p:grpSpPr>
+      <p:sp>
+        <p:nvSpPr>
+          <p:cNvPr id="2" name="Título 1">
+            <a:extLst>
+              <a:ext uri="{FF2B5EF4-FFF2-40B4-BE49-F238E27FC236}">
+                <a16:creationId xmlns:a16="http://schemas.microsoft.com/office/drawing/2014/main" id="{EEAAE684-D6CA-4DA5-9F71-C63A77ABED75}"/>
+              </a:ext>
+            </a:extLst>
+          </p:cNvPr>
+          <p:cNvSpPr>
+            <a:spLocks noGrp="1"/>
+          </p:cNvSpPr>
+          <p:nvPr>
+            <p:ph type="title"/>
+          </p:nvPr>
+        </p:nvSpPr>
+        <p:spPr/>
+        <p:txBody>
+          <a:bodyPr/>
+          <a:lstStyle/>
+          <a:p>
+            <a:endParaRPr lang="pt-BR"/>
+          </a:p>
+        </p:txBody>
+      </p:sp>
+      <p:sp>
+        <p:nvSpPr>
+          <p:cNvPr id="3" name="Espaço Reservado para Conteúdo 2">
+            <a:extLst>
+              <a:ext uri="{FF2B5EF4-FFF2-40B4-BE49-F238E27FC236}">
+                <a16:creationId xmlns:a16="http://schemas.microsoft.com/office/drawing/2014/main" id="{621030C7-AC50-461D-A40A-5DAB9C476480}"/>
+              </a:ext>
+            </a:extLst>
+          </p:cNvPr>
+          <p:cNvSpPr>
+            <a:spLocks noGrp="1"/>
+          </p:cNvSpPr>
+          <p:nvPr>
+            <p:ph idx="1"/>
+          </p:nvPr>
+        </p:nvSpPr>
+        <p:spPr/>
+        <p:txBody>
+          <a:bodyPr/>
+          <a:lstStyle/>
+          <a:p>
+            <a:endParaRPr lang="pt-BR" dirty="0"/>
+          </a:p>
+        </p:txBody>
+      </p:sp>
+      <p:graphicFrame>
+        <p:nvGraphicFramePr>
+          <p:cNvPr id="4" name="Object 3">
+            <a:extLst>
+              <a:ext uri="{FF2B5EF4-FFF2-40B4-BE49-F238E27FC236}">
+                <a16:creationId xmlns:a16="http://schemas.microsoft.com/office/drawing/2014/main" id="{415191EB-3EF2-5D04-73EF-17F2299270F6}"/>
+              </a:ext>
+            </a:extLst>
+          </p:cNvPr>
+          <p:cNvGraphicFramePr>
+            <a:graphicFrameLocks noChangeAspect="1"/>
+          </p:cNvGraphicFramePr>
+          <p:nvPr>
+            <p:extLst>
+              <p:ext uri="{D42A27DB-BD31-4B8C-83A1-F6EECF244321}">
+                <p14:modId xmlns:p14="http://schemas.microsoft.com/office/powerpoint/2010/main" val="2784418263"/>
+              </p:ext>
+            </p:extLst>
+          </p:nvPr>
+        </p:nvGraphicFramePr>
+        <p:xfrm>
+          <a:off x="838199" y="1825624"/>
+          <a:ext cx="6688051" cy="1603375"/>
+        </p:xfrm>
+        <a:graphic>
+          <a:graphicData uri="http://schemas.openxmlformats.org/presentationml/2006/ole">
+            <mc:AlternateContent xmlns:mc="http://schemas.openxmlformats.org/markup-compatibility/2006">
+              <mc:Choice xmlns:v="urn:schemas-microsoft-com:vml" Requires="v">
+                <p:oleObj name="Worksheet" r:id="rId2" imgW="3867113" imgH="927217" progId="Excel.Sheet.12">
+                  <p:embed/>
+                </p:oleObj>
+              </mc:Choice>
+              <mc:Fallback>
+                <p:oleObj name="Worksheet" r:id="rId2" imgW="3867113" imgH="927217" progId="Excel.Sheet.12">
+                  <p:embed/>
+                  <p:pic>
+                    <p:nvPicPr>
+                      <p:cNvPr id="0" name=""/>
+                      <p:cNvPicPr/>
+                      <p:nvPr/>
+                    </p:nvPicPr>
+                    <p:blipFill>
+                      <a:blip r:embed="rId3"/>
+                      <a:stretch>
+                        <a:fillRect/>
+                      </a:stretch>
+                    </p:blipFill>
+                    <p:spPr>
+                      <a:xfrm>
+                        <a:off x="838199" y="1825624"/>
+                        <a:ext cx="6688051" cy="1603375"/>
+                      </a:xfrm>
+                      <a:prstGeom prst="rect">
+                        <a:avLst/>
+                      </a:prstGeom>
+                    </p:spPr>
+                  </p:pic>
+                </p:oleObj>
+              </mc:Fallback>
+            </mc:AlternateContent>
+          </a:graphicData>
+        </a:graphic>
+      </p:graphicFrame>
+    </p:spTree>
+    <p:extLst>
+      <p:ext uri="{BB962C8B-B14F-4D97-AF65-F5344CB8AC3E}">
+        <p14:creationId xmlns:p14="http://schemas.microsoft.com/office/powerpoint/2010/main" val="147509650"/>
+      </p:ext>
+    </p:extLst>
+  </p:cSld>
+  <p:clrMapOvr>
+    <a:masterClrMapping/>
+  </p:clrMapOvr>
+</p:sld>
+</file>
+
+<file path=ppt/slides/slide19.xml><?xml version="1.0" encoding="utf-8"?>
+<p:sld xmlns:a="http://schemas.openxmlformats.org/drawingml/2006/main" xmlns:r="http://schemas.openxmlformats.org/officeDocument/2006/relationships" xmlns:p="http://schemas.openxmlformats.org/presentationml/2006/main">
+  <p:cSld>
+    <p:spTree>
+      <p:nvGrpSpPr>
+        <p:cNvPr id="1" name=""/>
+        <p:cNvGrpSpPr/>
+        <p:nvPr/>
+      </p:nvGrpSpPr>
+      <p:grpSpPr>
+        <a:xfrm>
+          <a:off x="0" y="0"/>
+          <a:ext cx="0" cy="0"/>
+          <a:chOff x="0" y="0"/>
+          <a:chExt cx="0" cy="0"/>
+        </a:xfrm>
+      </p:grpSpPr>
+      <p:sp>
+        <p:nvSpPr>
+          <p:cNvPr id="2" name="Título 1">
+            <a:extLst>
+              <a:ext uri="{FF2B5EF4-FFF2-40B4-BE49-F238E27FC236}">
+                <a16:creationId xmlns:a16="http://schemas.microsoft.com/office/drawing/2014/main" id="{EEAAE684-D6CA-4DA5-9F71-C63A77ABED75}"/>
+              </a:ext>
+            </a:extLst>
+          </p:cNvPr>
+          <p:cNvSpPr>
+            <a:spLocks noGrp="1"/>
+          </p:cNvSpPr>
+          <p:nvPr>
+            <p:ph type="title"/>
+          </p:nvPr>
+        </p:nvSpPr>
+        <p:spPr/>
+        <p:txBody>
+          <a:bodyPr/>
+          <a:lstStyle/>
+          <a:p>
+            <a:endParaRPr lang="pt-BR"/>
+          </a:p>
+        </p:txBody>
+      </p:sp>
+      <p:sp>
+        <p:nvSpPr>
+          <p:cNvPr id="3" name="Espaço Reservado para Conteúdo 2">
+            <a:extLst>
+              <a:ext uri="{FF2B5EF4-FFF2-40B4-BE49-F238E27FC236}">
+                <a16:creationId xmlns:a16="http://schemas.microsoft.com/office/drawing/2014/main" id="{621030C7-AC50-461D-A40A-5DAB9C476480}"/>
+              </a:ext>
+            </a:extLst>
+          </p:cNvPr>
+          <p:cNvSpPr>
+            <a:spLocks noGrp="1"/>
+          </p:cNvSpPr>
+          <p:nvPr>
+            <p:ph idx="1"/>
+          </p:nvPr>
+        </p:nvSpPr>
+        <p:spPr/>
+        <p:txBody>
+          <a:bodyPr/>
+          <a:lstStyle/>
+          <a:p>
+            <a:endParaRPr lang="pt-BR"/>
+          </a:p>
+        </p:txBody>
+      </p:sp>
+    </p:spTree>
+    <p:extLst>
+      <p:ext uri="{BB962C8B-B14F-4D97-AF65-F5344CB8AC3E}">
+        <p14:creationId xmlns:p14="http://schemas.microsoft.com/office/powerpoint/2010/main" val="339457202"/>
       </p:ext>
     </p:extLst>
   </p:cSld>
@@ -3382,39 +4599,860 @@
           <a:bodyPr/>
           <a:lstStyle/>
           <a:p>
-            <a:endParaRPr lang="pt-BR"/>
-          </a:p>
-        </p:txBody>
-      </p:sp>
-      <p:sp>
-        <p:nvSpPr>
-          <p:cNvPr id="3" name="Espaço Reservado para Conteúdo 2">
-            <a:extLst>
-              <a:ext uri="{FF2B5EF4-FFF2-40B4-BE49-F238E27FC236}">
-                <a16:creationId xmlns:a16="http://schemas.microsoft.com/office/drawing/2014/main" id="{621030C7-AC50-461D-A40A-5DAB9C476480}"/>
-              </a:ext>
-            </a:extLst>
-          </p:cNvPr>
-          <p:cNvSpPr>
-            <a:spLocks noGrp="1"/>
-          </p:cNvSpPr>
+            <a:r>
+              <a:rPr lang="pt-BR" dirty="0"/>
+              <a:t>Distribuição dos motivos de </a:t>
+            </a:r>
+            <a:r>
+              <a:rPr lang="pt-BR" i="1" dirty="0" err="1"/>
+              <a:t>churn</a:t>
+            </a:r>
+            <a:endParaRPr lang="pt-BR" i="1" dirty="0"/>
+          </a:p>
+        </p:txBody>
+      </p:sp>
+      <p:pic>
+        <p:nvPicPr>
+          <p:cNvPr id="5" name="Content Placeholder 4" descr="Chart, bar chart&#10;&#10;Description automatically generated">
+            <a:extLst>
+              <a:ext uri="{FF2B5EF4-FFF2-40B4-BE49-F238E27FC236}">
+                <a16:creationId xmlns:a16="http://schemas.microsoft.com/office/drawing/2014/main" id="{4F8B2046-5B82-21AC-4199-10375D92CCCF}"/>
+              </a:ext>
+            </a:extLst>
+          </p:cNvPr>
+          <p:cNvPicPr>
+            <a:picLocks noGrp="1" noChangeAspect="1"/>
+          </p:cNvPicPr>
           <p:nvPr>
             <p:ph idx="1"/>
           </p:nvPr>
-        </p:nvSpPr>
-        <p:spPr/>
-        <p:txBody>
-          <a:bodyPr/>
-          <a:lstStyle/>
-          <a:p>
-            <a:endParaRPr lang="pt-BR"/>
-          </a:p>
-        </p:txBody>
-      </p:sp>
+        </p:nvPicPr>
+        <p:blipFill>
+          <a:blip r:embed="rId2">
+            <a:extLst>
+              <a:ext uri="{28A0092B-C50C-407E-A947-70E740481C1C}">
+                <a14:useLocalDpi xmlns:a14="http://schemas.microsoft.com/office/drawing/2010/main" val="0"/>
+              </a:ext>
+            </a:extLst>
+          </a:blip>
+          <a:stretch>
+            <a:fillRect/>
+          </a:stretch>
+        </p:blipFill>
+        <p:spPr>
+          <a:xfrm>
+            <a:off x="2366282" y="1825625"/>
+            <a:ext cx="7459436" cy="4351338"/>
+          </a:xfrm>
+        </p:spPr>
+      </p:pic>
     </p:spTree>
     <p:extLst>
       <p:ext uri="{BB962C8B-B14F-4D97-AF65-F5344CB8AC3E}">
         <p14:creationId xmlns:p14="http://schemas.microsoft.com/office/powerpoint/2010/main" val="2071146194"/>
+      </p:ext>
+    </p:extLst>
+  </p:cSld>
+  <p:clrMapOvr>
+    <a:masterClrMapping/>
+  </p:clrMapOvr>
+</p:sld>
+</file>
+
+<file path=ppt/slides/slide3.xml><?xml version="1.0" encoding="utf-8"?>
+<p:sld xmlns:a="http://schemas.openxmlformats.org/drawingml/2006/main" xmlns:r="http://schemas.openxmlformats.org/officeDocument/2006/relationships" xmlns:p="http://schemas.openxmlformats.org/presentationml/2006/main">
+  <p:cSld>
+    <p:spTree>
+      <p:nvGrpSpPr>
+        <p:cNvPr id="1" name=""/>
+        <p:cNvGrpSpPr/>
+        <p:nvPr/>
+      </p:nvGrpSpPr>
+      <p:grpSpPr>
+        <a:xfrm>
+          <a:off x="0" y="0"/>
+          <a:ext cx="0" cy="0"/>
+          <a:chOff x="0" y="0"/>
+          <a:chExt cx="0" cy="0"/>
+        </a:xfrm>
+      </p:grpSpPr>
+      <p:sp>
+        <p:nvSpPr>
+          <p:cNvPr id="2" name="Título 1">
+            <a:extLst>
+              <a:ext uri="{FF2B5EF4-FFF2-40B4-BE49-F238E27FC236}">
+                <a16:creationId xmlns:a16="http://schemas.microsoft.com/office/drawing/2014/main" id="{EEAAE684-D6CA-4DA5-9F71-C63A77ABED75}"/>
+              </a:ext>
+            </a:extLst>
+          </p:cNvPr>
+          <p:cNvSpPr>
+            <a:spLocks noGrp="1"/>
+          </p:cNvSpPr>
+          <p:nvPr>
+            <p:ph type="title"/>
+          </p:nvPr>
+        </p:nvSpPr>
+        <p:spPr/>
+        <p:txBody>
+          <a:bodyPr/>
+          <a:lstStyle/>
+          <a:p>
+            <a:r>
+              <a:rPr lang="pt-BR" dirty="0"/>
+              <a:t>Percentual de </a:t>
+            </a:r>
+            <a:r>
+              <a:rPr lang="pt-BR" i="1" dirty="0" err="1"/>
+              <a:t>chun</a:t>
+            </a:r>
+            <a:r>
+              <a:rPr lang="pt-BR" dirty="0"/>
+              <a:t>, por índice de satisfação do cliente</a:t>
+            </a:r>
+          </a:p>
+        </p:txBody>
+      </p:sp>
+      <p:sp>
+        <p:nvSpPr>
+          <p:cNvPr id="3" name="Espaço Reservado para Conteúdo 2">
+            <a:extLst>
+              <a:ext uri="{FF2B5EF4-FFF2-40B4-BE49-F238E27FC236}">
+                <a16:creationId xmlns:a16="http://schemas.microsoft.com/office/drawing/2014/main" id="{621030C7-AC50-461D-A40A-5DAB9C476480}"/>
+              </a:ext>
+            </a:extLst>
+          </p:cNvPr>
+          <p:cNvSpPr>
+            <a:spLocks noGrp="1"/>
+          </p:cNvSpPr>
+          <p:nvPr>
+            <p:ph idx="1"/>
+          </p:nvPr>
+        </p:nvSpPr>
+        <p:spPr/>
+        <p:txBody>
+          <a:bodyPr/>
+          <a:lstStyle/>
+          <a:p>
+            <a:endParaRPr lang="pt-BR" dirty="0"/>
+          </a:p>
+        </p:txBody>
+      </p:sp>
+      <p:graphicFrame>
+        <p:nvGraphicFramePr>
+          <p:cNvPr id="5" name="Object 4">
+            <a:extLst>
+              <a:ext uri="{FF2B5EF4-FFF2-40B4-BE49-F238E27FC236}">
+                <a16:creationId xmlns:a16="http://schemas.microsoft.com/office/drawing/2014/main" id="{AE3DB616-EA5B-3585-F365-E1C1A2156669}"/>
+              </a:ext>
+            </a:extLst>
+          </p:cNvPr>
+          <p:cNvGraphicFramePr>
+            <a:graphicFrameLocks noChangeAspect="1"/>
+          </p:cNvGraphicFramePr>
+          <p:nvPr>
+            <p:extLst>
+              <p:ext uri="{D42A27DB-BD31-4B8C-83A1-F6EECF244321}">
+                <p14:modId xmlns:p14="http://schemas.microsoft.com/office/powerpoint/2010/main" val="2153029549"/>
+              </p:ext>
+            </p:extLst>
+          </p:nvPr>
+        </p:nvGraphicFramePr>
+        <p:xfrm>
+          <a:off x="3805948" y="2987402"/>
+          <a:ext cx="4737471" cy="1752764"/>
+        </p:xfrm>
+        <a:graphic>
+          <a:graphicData uri="http://schemas.openxmlformats.org/presentationml/2006/ole">
+            <mc:AlternateContent xmlns:mc="http://schemas.openxmlformats.org/markup-compatibility/2006">
+              <mc:Choice xmlns:v="urn:schemas-microsoft-com:vml" Requires="v">
+                <p:oleObj name="Worksheet" r:id="rId2" imgW="3003414" imgH="1111155" progId="Excel.Sheet.12">
+                  <p:embed/>
+                </p:oleObj>
+              </mc:Choice>
+              <mc:Fallback>
+                <p:oleObj name="Worksheet" r:id="rId2" imgW="3003414" imgH="1111155" progId="Excel.Sheet.12">
+                  <p:embed/>
+                  <p:pic>
+                    <p:nvPicPr>
+                      <p:cNvPr id="0" name=""/>
+                      <p:cNvPicPr/>
+                      <p:nvPr/>
+                    </p:nvPicPr>
+                    <p:blipFill>
+                      <a:blip r:embed="rId3"/>
+                      <a:stretch>
+                        <a:fillRect/>
+                      </a:stretch>
+                    </p:blipFill>
+                    <p:spPr>
+                      <a:xfrm>
+                        <a:off x="3805948" y="2987402"/>
+                        <a:ext cx="4737471" cy="1752764"/>
+                      </a:xfrm>
+                      <a:prstGeom prst="rect">
+                        <a:avLst/>
+                      </a:prstGeom>
+                    </p:spPr>
+                  </p:pic>
+                </p:oleObj>
+              </mc:Fallback>
+            </mc:AlternateContent>
+          </a:graphicData>
+        </a:graphic>
+      </p:graphicFrame>
+    </p:spTree>
+    <p:extLst>
+      <p:ext uri="{BB962C8B-B14F-4D97-AF65-F5344CB8AC3E}">
+        <p14:creationId xmlns:p14="http://schemas.microsoft.com/office/powerpoint/2010/main" val="2862953440"/>
+      </p:ext>
+    </p:extLst>
+  </p:cSld>
+  <p:clrMapOvr>
+    <a:masterClrMapping/>
+  </p:clrMapOvr>
+</p:sld>
+</file>
+
+<file path=ppt/slides/slide4.xml><?xml version="1.0" encoding="utf-8"?>
+<p:sld xmlns:a="http://schemas.openxmlformats.org/drawingml/2006/main" xmlns:r="http://schemas.openxmlformats.org/officeDocument/2006/relationships" xmlns:p="http://schemas.openxmlformats.org/presentationml/2006/main">
+  <p:cSld>
+    <p:spTree>
+      <p:nvGrpSpPr>
+        <p:cNvPr id="1" name=""/>
+        <p:cNvGrpSpPr/>
+        <p:nvPr/>
+      </p:nvGrpSpPr>
+      <p:grpSpPr>
+        <a:xfrm>
+          <a:off x="0" y="0"/>
+          <a:ext cx="0" cy="0"/>
+          <a:chOff x="0" y="0"/>
+          <a:chExt cx="0" cy="0"/>
+        </a:xfrm>
+      </p:grpSpPr>
+      <p:sp>
+        <p:nvSpPr>
+          <p:cNvPr id="2" name="Título 1">
+            <a:extLst>
+              <a:ext uri="{FF2B5EF4-FFF2-40B4-BE49-F238E27FC236}">
+                <a16:creationId xmlns:a16="http://schemas.microsoft.com/office/drawing/2014/main" id="{EEAAE684-D6CA-4DA5-9F71-C63A77ABED75}"/>
+              </a:ext>
+            </a:extLst>
+          </p:cNvPr>
+          <p:cNvSpPr>
+            <a:spLocks noGrp="1"/>
+          </p:cNvSpPr>
+          <p:nvPr>
+            <p:ph type="title"/>
+          </p:nvPr>
+        </p:nvSpPr>
+        <p:spPr/>
+        <p:txBody>
+          <a:bodyPr>
+            <a:normAutofit fontScale="90000"/>
+          </a:bodyPr>
+          <a:lstStyle/>
+          <a:p>
+            <a:r>
+              <a:rPr lang="pt-BR" dirty="0"/>
+              <a:t>Distribuição de clientes, por condado, com destaque para os condados com maiores e menores representatividades</a:t>
+            </a:r>
+          </a:p>
+        </p:txBody>
+      </p:sp>
+      <p:pic>
+        <p:nvPicPr>
+          <p:cNvPr id="5" name="Content Placeholder 4" descr="A picture containing chart&#10;&#10;Description automatically generated">
+            <a:extLst>
+              <a:ext uri="{FF2B5EF4-FFF2-40B4-BE49-F238E27FC236}">
+                <a16:creationId xmlns:a16="http://schemas.microsoft.com/office/drawing/2014/main" id="{FEA8880A-5ED1-11E5-4B01-ADA717800AC7}"/>
+              </a:ext>
+            </a:extLst>
+          </p:cNvPr>
+          <p:cNvPicPr>
+            <a:picLocks noGrp="1" noChangeAspect="1"/>
+          </p:cNvPicPr>
+          <p:nvPr>
+            <p:ph idx="1"/>
+          </p:nvPr>
+        </p:nvPicPr>
+        <p:blipFill>
+          <a:blip r:embed="rId2">
+            <a:extLst>
+              <a:ext uri="{28A0092B-C50C-407E-A947-70E740481C1C}">
+                <a14:useLocalDpi xmlns:a14="http://schemas.microsoft.com/office/drawing/2010/main" val="0"/>
+              </a:ext>
+            </a:extLst>
+          </a:blip>
+          <a:stretch>
+            <a:fillRect/>
+          </a:stretch>
+        </p:blipFill>
+        <p:spPr>
+          <a:xfrm>
+            <a:off x="2179795" y="1825625"/>
+            <a:ext cx="7832409" cy="4351338"/>
+          </a:xfrm>
+        </p:spPr>
+      </p:pic>
+    </p:spTree>
+    <p:extLst>
+      <p:ext uri="{BB962C8B-B14F-4D97-AF65-F5344CB8AC3E}">
+        <p14:creationId xmlns:p14="http://schemas.microsoft.com/office/powerpoint/2010/main" val="3964000865"/>
+      </p:ext>
+    </p:extLst>
+  </p:cSld>
+  <p:clrMapOvr>
+    <a:masterClrMapping/>
+  </p:clrMapOvr>
+</p:sld>
+</file>
+
+<file path=ppt/slides/slide5.xml><?xml version="1.0" encoding="utf-8"?>
+<p:sld xmlns:a="http://schemas.openxmlformats.org/drawingml/2006/main" xmlns:r="http://schemas.openxmlformats.org/officeDocument/2006/relationships" xmlns:p="http://schemas.openxmlformats.org/presentationml/2006/main">
+  <p:cSld>
+    <p:spTree>
+      <p:nvGrpSpPr>
+        <p:cNvPr id="1" name=""/>
+        <p:cNvGrpSpPr/>
+        <p:nvPr/>
+      </p:nvGrpSpPr>
+      <p:grpSpPr>
+        <a:xfrm>
+          <a:off x="0" y="0"/>
+          <a:ext cx="0" cy="0"/>
+          <a:chOff x="0" y="0"/>
+          <a:chExt cx="0" cy="0"/>
+        </a:xfrm>
+      </p:grpSpPr>
+      <p:sp>
+        <p:nvSpPr>
+          <p:cNvPr id="2" name="Título 1">
+            <a:extLst>
+              <a:ext uri="{FF2B5EF4-FFF2-40B4-BE49-F238E27FC236}">
+                <a16:creationId xmlns:a16="http://schemas.microsoft.com/office/drawing/2014/main" id="{EEAAE684-D6CA-4DA5-9F71-C63A77ABED75}"/>
+              </a:ext>
+            </a:extLst>
+          </p:cNvPr>
+          <p:cNvSpPr>
+            <a:spLocks noGrp="1"/>
+          </p:cNvSpPr>
+          <p:nvPr>
+            <p:ph type="title"/>
+          </p:nvPr>
+        </p:nvSpPr>
+        <p:spPr/>
+        <p:txBody>
+          <a:bodyPr>
+            <a:normAutofit fontScale="90000"/>
+          </a:bodyPr>
+          <a:lstStyle/>
+          <a:p>
+            <a:r>
+              <a:rPr lang="pt-BR" dirty="0"/>
+              <a:t>Proporção de habitantes, por condado, que foram ou são clientes da companhia, com destaque para os condados com maiores e menores representatividades</a:t>
+            </a:r>
+          </a:p>
+        </p:txBody>
+      </p:sp>
+      <p:pic>
+        <p:nvPicPr>
+          <p:cNvPr id="5" name="Content Placeholder 4" descr="Chart&#10;&#10;Description automatically generated">
+            <a:extLst>
+              <a:ext uri="{FF2B5EF4-FFF2-40B4-BE49-F238E27FC236}">
+                <a16:creationId xmlns:a16="http://schemas.microsoft.com/office/drawing/2014/main" id="{BEA3D646-845A-D81B-361B-32B8A0B15CA9}"/>
+              </a:ext>
+            </a:extLst>
+          </p:cNvPr>
+          <p:cNvPicPr>
+            <a:picLocks noGrp="1" noChangeAspect="1"/>
+          </p:cNvPicPr>
+          <p:nvPr>
+            <p:ph idx="1"/>
+          </p:nvPr>
+        </p:nvPicPr>
+        <p:blipFill>
+          <a:blip r:embed="rId2">
+            <a:extLst>
+              <a:ext uri="{28A0092B-C50C-407E-A947-70E740481C1C}">
+                <a14:useLocalDpi xmlns:a14="http://schemas.microsoft.com/office/drawing/2010/main" val="0"/>
+              </a:ext>
+            </a:extLst>
+          </a:blip>
+          <a:stretch>
+            <a:fillRect/>
+          </a:stretch>
+        </p:blipFill>
+        <p:spPr>
+          <a:xfrm>
+            <a:off x="2179795" y="1825625"/>
+            <a:ext cx="7832409" cy="4351338"/>
+          </a:xfrm>
+        </p:spPr>
+      </p:pic>
+    </p:spTree>
+    <p:extLst>
+      <p:ext uri="{BB962C8B-B14F-4D97-AF65-F5344CB8AC3E}">
+        <p14:creationId xmlns:p14="http://schemas.microsoft.com/office/powerpoint/2010/main" val="2109913169"/>
+      </p:ext>
+    </p:extLst>
+  </p:cSld>
+  <p:clrMapOvr>
+    <a:masterClrMapping/>
+  </p:clrMapOvr>
+</p:sld>
+</file>
+
+<file path=ppt/slides/slide6.xml><?xml version="1.0" encoding="utf-8"?>
+<p:sld xmlns:a="http://schemas.openxmlformats.org/drawingml/2006/main" xmlns:r="http://schemas.openxmlformats.org/officeDocument/2006/relationships" xmlns:p="http://schemas.openxmlformats.org/presentationml/2006/main">
+  <p:cSld>
+    <p:spTree>
+      <p:nvGrpSpPr>
+        <p:cNvPr id="1" name=""/>
+        <p:cNvGrpSpPr/>
+        <p:nvPr/>
+      </p:nvGrpSpPr>
+      <p:grpSpPr>
+        <a:xfrm>
+          <a:off x="0" y="0"/>
+          <a:ext cx="0" cy="0"/>
+          <a:chOff x="0" y="0"/>
+          <a:chExt cx="0" cy="0"/>
+        </a:xfrm>
+      </p:grpSpPr>
+      <p:sp>
+        <p:nvSpPr>
+          <p:cNvPr id="2" name="Título 1">
+            <a:extLst>
+              <a:ext uri="{FF2B5EF4-FFF2-40B4-BE49-F238E27FC236}">
+                <a16:creationId xmlns:a16="http://schemas.microsoft.com/office/drawing/2014/main" id="{EEAAE684-D6CA-4DA5-9F71-C63A77ABED75}"/>
+              </a:ext>
+            </a:extLst>
+          </p:cNvPr>
+          <p:cNvSpPr>
+            <a:spLocks noGrp="1"/>
+          </p:cNvSpPr>
+          <p:nvPr>
+            <p:ph type="title"/>
+          </p:nvPr>
+        </p:nvSpPr>
+        <p:spPr/>
+        <p:txBody>
+          <a:bodyPr/>
+          <a:lstStyle/>
+          <a:p>
+            <a:r>
+              <a:rPr lang="pt-BR" dirty="0"/>
+              <a:t>Índice de </a:t>
+            </a:r>
+            <a:r>
+              <a:rPr lang="pt-BR" i="1" dirty="0" err="1"/>
+              <a:t>churn</a:t>
+            </a:r>
+            <a:r>
+              <a:rPr lang="pt-BR" dirty="0"/>
+              <a:t> por condado</a:t>
+            </a:r>
+          </a:p>
+        </p:txBody>
+      </p:sp>
+      <p:pic>
+        <p:nvPicPr>
+          <p:cNvPr id="5" name="Content Placeholder 4" descr="A picture containing diagram&#10;&#10;Description automatically generated">
+            <a:extLst>
+              <a:ext uri="{FF2B5EF4-FFF2-40B4-BE49-F238E27FC236}">
+                <a16:creationId xmlns:a16="http://schemas.microsoft.com/office/drawing/2014/main" id="{FA3247FF-ECBC-1579-3FDA-3879380E5E11}"/>
+              </a:ext>
+            </a:extLst>
+          </p:cNvPr>
+          <p:cNvPicPr>
+            <a:picLocks noGrp="1" noChangeAspect="1"/>
+          </p:cNvPicPr>
+          <p:nvPr>
+            <p:ph idx="1"/>
+          </p:nvPr>
+        </p:nvPicPr>
+        <p:blipFill>
+          <a:blip r:embed="rId2">
+            <a:extLst>
+              <a:ext uri="{28A0092B-C50C-407E-A947-70E740481C1C}">
+                <a14:useLocalDpi xmlns:a14="http://schemas.microsoft.com/office/drawing/2010/main" val="0"/>
+              </a:ext>
+            </a:extLst>
+          </a:blip>
+          <a:stretch>
+            <a:fillRect/>
+          </a:stretch>
+        </p:blipFill>
+        <p:spPr>
+          <a:xfrm>
+            <a:off x="2179795" y="1825625"/>
+            <a:ext cx="7832409" cy="4351338"/>
+          </a:xfrm>
+        </p:spPr>
+      </p:pic>
+    </p:spTree>
+    <p:extLst>
+      <p:ext uri="{BB962C8B-B14F-4D97-AF65-F5344CB8AC3E}">
+        <p14:creationId xmlns:p14="http://schemas.microsoft.com/office/powerpoint/2010/main" val="4170699538"/>
+      </p:ext>
+    </p:extLst>
+  </p:cSld>
+  <p:clrMapOvr>
+    <a:masterClrMapping/>
+  </p:clrMapOvr>
+</p:sld>
+</file>
+
+<file path=ppt/slides/slide7.xml><?xml version="1.0" encoding="utf-8"?>
+<p:sld xmlns:a="http://schemas.openxmlformats.org/drawingml/2006/main" xmlns:r="http://schemas.openxmlformats.org/officeDocument/2006/relationships" xmlns:p="http://schemas.openxmlformats.org/presentationml/2006/main">
+  <p:cSld>
+    <p:spTree>
+      <p:nvGrpSpPr>
+        <p:cNvPr id="1" name=""/>
+        <p:cNvGrpSpPr/>
+        <p:nvPr/>
+      </p:nvGrpSpPr>
+      <p:grpSpPr>
+        <a:xfrm>
+          <a:off x="0" y="0"/>
+          <a:ext cx="0" cy="0"/>
+          <a:chOff x="0" y="0"/>
+          <a:chExt cx="0" cy="0"/>
+        </a:xfrm>
+      </p:grpSpPr>
+      <p:sp>
+        <p:nvSpPr>
+          <p:cNvPr id="2" name="Título 1">
+            <a:extLst>
+              <a:ext uri="{FF2B5EF4-FFF2-40B4-BE49-F238E27FC236}">
+                <a16:creationId xmlns:a16="http://schemas.microsoft.com/office/drawing/2014/main" id="{EEAAE684-D6CA-4DA5-9F71-C63A77ABED75}"/>
+              </a:ext>
+            </a:extLst>
+          </p:cNvPr>
+          <p:cNvSpPr>
+            <a:spLocks noGrp="1"/>
+          </p:cNvSpPr>
+          <p:nvPr>
+            <p:ph type="title"/>
+          </p:nvPr>
+        </p:nvSpPr>
+        <p:spPr/>
+        <p:txBody>
+          <a:bodyPr/>
+          <a:lstStyle/>
+          <a:p>
+            <a:r>
+              <a:rPr lang="pt-BR" dirty="0"/>
+              <a:t>Distribuição do </a:t>
+            </a:r>
+            <a:r>
+              <a:rPr lang="pt-BR" i="1" dirty="0" err="1"/>
+              <a:t>churn</a:t>
+            </a:r>
+            <a:r>
+              <a:rPr lang="pt-BR" dirty="0"/>
+              <a:t>, por condado</a:t>
+            </a:r>
+          </a:p>
+        </p:txBody>
+      </p:sp>
+      <p:pic>
+        <p:nvPicPr>
+          <p:cNvPr id="5" name="Content Placeholder 4" descr="Diagram&#10;&#10;Description automatically generated">
+            <a:extLst>
+              <a:ext uri="{FF2B5EF4-FFF2-40B4-BE49-F238E27FC236}">
+                <a16:creationId xmlns:a16="http://schemas.microsoft.com/office/drawing/2014/main" id="{C7343FD7-C847-D55E-9EA4-8BEBD6B0B7CE}"/>
+              </a:ext>
+            </a:extLst>
+          </p:cNvPr>
+          <p:cNvPicPr>
+            <a:picLocks noGrp="1" noChangeAspect="1"/>
+          </p:cNvPicPr>
+          <p:nvPr>
+            <p:ph idx="1"/>
+          </p:nvPr>
+        </p:nvPicPr>
+        <p:blipFill>
+          <a:blip r:embed="rId2">
+            <a:extLst>
+              <a:ext uri="{28A0092B-C50C-407E-A947-70E740481C1C}">
+                <a14:useLocalDpi xmlns:a14="http://schemas.microsoft.com/office/drawing/2010/main" val="0"/>
+              </a:ext>
+            </a:extLst>
+          </a:blip>
+          <a:stretch>
+            <a:fillRect/>
+          </a:stretch>
+        </p:blipFill>
+        <p:spPr>
+          <a:xfrm>
+            <a:off x="2179795" y="1825625"/>
+            <a:ext cx="7832409" cy="4351338"/>
+          </a:xfrm>
+        </p:spPr>
+      </p:pic>
+    </p:spTree>
+    <p:extLst>
+      <p:ext uri="{BB962C8B-B14F-4D97-AF65-F5344CB8AC3E}">
+        <p14:creationId xmlns:p14="http://schemas.microsoft.com/office/powerpoint/2010/main" val="1362394602"/>
+      </p:ext>
+    </p:extLst>
+  </p:cSld>
+  <p:clrMapOvr>
+    <a:masterClrMapping/>
+  </p:clrMapOvr>
+</p:sld>
+</file>
+
+<file path=ppt/slides/slide8.xml><?xml version="1.0" encoding="utf-8"?>
+<p:sld xmlns:a="http://schemas.openxmlformats.org/drawingml/2006/main" xmlns:r="http://schemas.openxmlformats.org/officeDocument/2006/relationships" xmlns:p="http://schemas.openxmlformats.org/presentationml/2006/main">
+  <p:cSld>
+    <p:spTree>
+      <p:nvGrpSpPr>
+        <p:cNvPr id="1" name=""/>
+        <p:cNvGrpSpPr/>
+        <p:nvPr/>
+      </p:nvGrpSpPr>
+      <p:grpSpPr>
+        <a:xfrm>
+          <a:off x="0" y="0"/>
+          <a:ext cx="0" cy="0"/>
+          <a:chOff x="0" y="0"/>
+          <a:chExt cx="0" cy="0"/>
+        </a:xfrm>
+      </p:grpSpPr>
+      <p:sp>
+        <p:nvSpPr>
+          <p:cNvPr id="2" name="Título 1">
+            <a:extLst>
+              <a:ext uri="{FF2B5EF4-FFF2-40B4-BE49-F238E27FC236}">
+                <a16:creationId xmlns:a16="http://schemas.microsoft.com/office/drawing/2014/main" id="{EEAAE684-D6CA-4DA5-9F71-C63A77ABED75}"/>
+              </a:ext>
+            </a:extLst>
+          </p:cNvPr>
+          <p:cNvSpPr>
+            <a:spLocks noGrp="1"/>
+          </p:cNvSpPr>
+          <p:nvPr>
+            <p:ph type="title"/>
+          </p:nvPr>
+        </p:nvSpPr>
+        <p:spPr/>
+        <p:txBody>
+          <a:bodyPr/>
+          <a:lstStyle/>
+          <a:p>
+            <a:r>
+              <a:rPr lang="pt-BR" dirty="0"/>
+              <a:t>Motivos mais frequentes de </a:t>
+            </a:r>
+            <a:r>
+              <a:rPr lang="pt-BR" i="1" dirty="0" err="1"/>
+              <a:t>churn</a:t>
+            </a:r>
+            <a:r>
+              <a:rPr lang="pt-BR" dirty="0"/>
+              <a:t>, por condado</a:t>
+            </a:r>
+          </a:p>
+        </p:txBody>
+      </p:sp>
+      <p:pic>
+        <p:nvPicPr>
+          <p:cNvPr id="5" name="Content Placeholder 4" descr="Chart&#10;&#10;Description automatically generated">
+            <a:extLst>
+              <a:ext uri="{FF2B5EF4-FFF2-40B4-BE49-F238E27FC236}">
+                <a16:creationId xmlns:a16="http://schemas.microsoft.com/office/drawing/2014/main" id="{201BFCEF-ADDA-E2E5-E577-B4150FD0B1A1}"/>
+              </a:ext>
+            </a:extLst>
+          </p:cNvPr>
+          <p:cNvPicPr>
+            <a:picLocks noGrp="1" noChangeAspect="1"/>
+          </p:cNvPicPr>
+          <p:nvPr>
+            <p:ph idx="1"/>
+          </p:nvPr>
+        </p:nvPicPr>
+        <p:blipFill>
+          <a:blip r:embed="rId2">
+            <a:extLst>
+              <a:ext uri="{28A0092B-C50C-407E-A947-70E740481C1C}">
+                <a14:useLocalDpi xmlns:a14="http://schemas.microsoft.com/office/drawing/2010/main" val="0"/>
+              </a:ext>
+            </a:extLst>
+          </a:blip>
+          <a:stretch>
+            <a:fillRect/>
+          </a:stretch>
+        </p:blipFill>
+        <p:spPr>
+          <a:xfrm>
+            <a:off x="2179795" y="1825625"/>
+            <a:ext cx="7832409" cy="4351338"/>
+          </a:xfrm>
+        </p:spPr>
+      </p:pic>
+    </p:spTree>
+    <p:extLst>
+      <p:ext uri="{BB962C8B-B14F-4D97-AF65-F5344CB8AC3E}">
+        <p14:creationId xmlns:p14="http://schemas.microsoft.com/office/powerpoint/2010/main" val="2313604559"/>
+      </p:ext>
+    </p:extLst>
+  </p:cSld>
+  <p:clrMapOvr>
+    <a:masterClrMapping/>
+  </p:clrMapOvr>
+</p:sld>
+</file>
+
+<file path=ppt/slides/slide9.xml><?xml version="1.0" encoding="utf-8"?>
+<p:sld xmlns:a="http://schemas.openxmlformats.org/drawingml/2006/main" xmlns:r="http://schemas.openxmlformats.org/officeDocument/2006/relationships" xmlns:p="http://schemas.openxmlformats.org/presentationml/2006/main">
+  <p:cSld>
+    <p:spTree>
+      <p:nvGrpSpPr>
+        <p:cNvPr id="1" name=""/>
+        <p:cNvGrpSpPr/>
+        <p:nvPr/>
+      </p:nvGrpSpPr>
+      <p:grpSpPr>
+        <a:xfrm>
+          <a:off x="0" y="0"/>
+          <a:ext cx="0" cy="0"/>
+          <a:chOff x="0" y="0"/>
+          <a:chExt cx="0" cy="0"/>
+        </a:xfrm>
+      </p:grpSpPr>
+      <p:sp>
+        <p:nvSpPr>
+          <p:cNvPr id="2" name="Título 1">
+            <a:extLst>
+              <a:ext uri="{FF2B5EF4-FFF2-40B4-BE49-F238E27FC236}">
+                <a16:creationId xmlns:a16="http://schemas.microsoft.com/office/drawing/2014/main" id="{EEAAE684-D6CA-4DA5-9F71-C63A77ABED75}"/>
+              </a:ext>
+            </a:extLst>
+          </p:cNvPr>
+          <p:cNvSpPr>
+            <a:spLocks noGrp="1"/>
+          </p:cNvSpPr>
+          <p:nvPr>
+            <p:ph type="title"/>
+          </p:nvPr>
+        </p:nvSpPr>
+        <p:spPr/>
+        <p:txBody>
+          <a:bodyPr/>
+          <a:lstStyle/>
+          <a:p>
+            <a:r>
+              <a:rPr lang="pt-BR" dirty="0"/>
+              <a:t>Dez maiores correlações, em valor absoluto, entre variáveis preditoras numéricas</a:t>
+            </a:r>
+          </a:p>
+        </p:txBody>
+      </p:sp>
+      <p:pic>
+        <p:nvPicPr>
+          <p:cNvPr id="5" name="Content Placeholder 4" descr="Chart, histogram&#10;&#10;Description automatically generated">
+            <a:extLst>
+              <a:ext uri="{FF2B5EF4-FFF2-40B4-BE49-F238E27FC236}">
+                <a16:creationId xmlns:a16="http://schemas.microsoft.com/office/drawing/2014/main" id="{C8D871E9-1D22-C22D-20E9-234682E5428A}"/>
+              </a:ext>
+            </a:extLst>
+          </p:cNvPr>
+          <p:cNvPicPr>
+            <a:picLocks noGrp="1" noChangeAspect="1"/>
+          </p:cNvPicPr>
+          <p:nvPr>
+            <p:ph idx="1"/>
+          </p:nvPr>
+        </p:nvPicPr>
+        <p:blipFill>
+          <a:blip r:embed="rId2">
+            <a:extLst>
+              <a:ext uri="{28A0092B-C50C-407E-A947-70E740481C1C}">
+                <a14:useLocalDpi xmlns:a14="http://schemas.microsoft.com/office/drawing/2010/main" val="0"/>
+              </a:ext>
+            </a:extLst>
+          </a:blip>
+          <a:stretch>
+            <a:fillRect/>
+          </a:stretch>
+        </p:blipFill>
+        <p:spPr>
+          <a:xfrm>
+            <a:off x="6758080" y="2013608"/>
+            <a:ext cx="5294916" cy="3971188"/>
+          </a:xfrm>
+        </p:spPr>
+      </p:pic>
+      <p:graphicFrame>
+        <p:nvGraphicFramePr>
+          <p:cNvPr id="7" name="Object 6">
+            <a:extLst>
+              <a:ext uri="{FF2B5EF4-FFF2-40B4-BE49-F238E27FC236}">
+                <a16:creationId xmlns:a16="http://schemas.microsoft.com/office/drawing/2014/main" id="{4BD177E0-9DBA-F31B-7E16-14C3CD3AC82E}"/>
+              </a:ext>
+            </a:extLst>
+          </p:cNvPr>
+          <p:cNvGraphicFramePr>
+            <a:graphicFrameLocks noChangeAspect="1"/>
+          </p:cNvGraphicFramePr>
+          <p:nvPr>
+            <p:extLst>
+              <p:ext uri="{D42A27DB-BD31-4B8C-83A1-F6EECF244321}">
+                <p14:modId xmlns:p14="http://schemas.microsoft.com/office/powerpoint/2010/main" val="1739972797"/>
+              </p:ext>
+            </p:extLst>
+          </p:nvPr>
+        </p:nvGraphicFramePr>
+        <p:xfrm>
+          <a:off x="985930" y="2413000"/>
+          <a:ext cx="5772150" cy="2032000"/>
+        </p:xfrm>
+        <a:graphic>
+          <a:graphicData uri="http://schemas.openxmlformats.org/presentationml/2006/ole">
+            <mc:AlternateContent xmlns:mc="http://schemas.openxmlformats.org/markup-compatibility/2006">
+              <mc:Choice xmlns:v="urn:schemas-microsoft-com:vml" Requires="v">
+                <p:oleObj name="Worksheet" r:id="rId3" imgW="5772064" imgH="2032029" progId="Excel.Sheet.12">
+                  <p:embed/>
+                </p:oleObj>
+              </mc:Choice>
+              <mc:Fallback>
+                <p:oleObj name="Worksheet" r:id="rId3" imgW="5772064" imgH="2032029" progId="Excel.Sheet.12">
+                  <p:embed/>
+                  <p:pic>
+                    <p:nvPicPr>
+                      <p:cNvPr id="0" name=""/>
+                      <p:cNvPicPr/>
+                      <p:nvPr/>
+                    </p:nvPicPr>
+                    <p:blipFill>
+                      <a:blip r:embed="rId4"/>
+                      <a:stretch>
+                        <a:fillRect/>
+                      </a:stretch>
+                    </p:blipFill>
+                    <p:spPr>
+                      <a:xfrm>
+                        <a:off x="985930" y="2413000"/>
+                        <a:ext cx="5772150" cy="2032000"/>
+                      </a:xfrm>
+                      <a:prstGeom prst="rect">
+                        <a:avLst/>
+                      </a:prstGeom>
+                    </p:spPr>
+                  </p:pic>
+                </p:oleObj>
+              </mc:Fallback>
+            </mc:AlternateContent>
+          </a:graphicData>
+        </a:graphic>
+      </p:graphicFrame>
+    </p:spTree>
+    <p:extLst>
+      <p:ext uri="{BB962C8B-B14F-4D97-AF65-F5344CB8AC3E}">
+        <p14:creationId xmlns:p14="http://schemas.microsoft.com/office/powerpoint/2010/main" val="1379324607"/>
       </p:ext>
     </p:extLst>
   </p:cSld>

--- a/apresentacao.pptx
+++ b/apresentacao.pptx
@@ -7,12 +7,12 @@
   <p:sldIdLst>
     <p:sldId id="256" r:id="rId2"/>
     <p:sldId id="257" r:id="rId3"/>
-    <p:sldId id="267" r:id="rId4"/>
-    <p:sldId id="258" r:id="rId5"/>
-    <p:sldId id="275" r:id="rId6"/>
-    <p:sldId id="274" r:id="rId7"/>
-    <p:sldId id="273" r:id="rId8"/>
-    <p:sldId id="272" r:id="rId9"/>
+    <p:sldId id="258" r:id="rId4"/>
+    <p:sldId id="275" r:id="rId5"/>
+    <p:sldId id="274" r:id="rId6"/>
+    <p:sldId id="273" r:id="rId7"/>
+    <p:sldId id="272" r:id="rId8"/>
+    <p:sldId id="267" r:id="rId9"/>
     <p:sldId id="266" r:id="rId10"/>
     <p:sldId id="265" r:id="rId11"/>
     <p:sldId id="271" r:id="rId12"/>
@@ -23,7 +23,6 @@
     <p:sldId id="268" r:id="rId17"/>
     <p:sldId id="262" r:id="rId18"/>
     <p:sldId id="261" r:id="rId19"/>
-    <p:sldId id="260" r:id="rId20"/>
   </p:sldIdLst>
   <p:sldSz cx="12192000" cy="6858000"/>
   <p:notesSz cx="6858000" cy="9144000"/>
@@ -3413,96 +3412,538 @@
           <a:p>
             <a:r>
               <a:rPr lang="pt-BR" dirty="0"/>
-              <a:t>Número de observações para as quais dados geográficos de cep estão faltando</a:t>
+              <a:t>Dados geográficos de cep faltantes</a:t>
             </a:r>
-          </a:p>
-        </p:txBody>
-      </p:sp>
-      <p:sp>
-        <p:nvSpPr>
-          <p:cNvPr id="3" name="Espaço Reservado para Conteúdo 2">
-            <a:extLst>
-              <a:ext uri="{FF2B5EF4-FFF2-40B4-BE49-F238E27FC236}">
-                <a16:creationId xmlns:a16="http://schemas.microsoft.com/office/drawing/2014/main" id="{621030C7-AC50-461D-A40A-5DAB9C476480}"/>
-              </a:ext>
-            </a:extLst>
-          </p:cNvPr>
-          <p:cNvSpPr>
-            <a:spLocks noGrp="1"/>
-          </p:cNvSpPr>
-          <p:nvPr>
-            <p:ph idx="1"/>
-          </p:nvPr>
-        </p:nvSpPr>
-        <p:spPr/>
-        <p:txBody>
-          <a:bodyPr/>
-          <a:lstStyle/>
-          <a:p>
-            <a:endParaRPr lang="pt-BR" dirty="0"/>
           </a:p>
         </p:txBody>
       </p:sp>
       <p:graphicFrame>
         <p:nvGraphicFramePr>
-          <p:cNvPr id="4" name="Object 3">
+          <p:cNvPr id="11" name="Content Placeholder 10">
             <a:extLst>
               <a:ext uri="{FF2B5EF4-FFF2-40B4-BE49-F238E27FC236}">
-                <a16:creationId xmlns:a16="http://schemas.microsoft.com/office/drawing/2014/main" id="{57AF9DF9-6F72-43DF-534C-A2B826C69317}"/>
+                <a16:creationId xmlns:a16="http://schemas.microsoft.com/office/drawing/2014/main" id="{6CD1FBF8-8C92-9599-B66A-68F5887011A2}"/>
               </a:ext>
             </a:extLst>
           </p:cNvPr>
           <p:cNvGraphicFramePr>
-            <a:graphicFrameLocks noChangeAspect="1"/>
+            <a:graphicFrameLocks noGrp="1"/>
           </p:cNvGraphicFramePr>
           <p:nvPr>
-            <p:extLst>
-              <p:ext uri="{D42A27DB-BD31-4B8C-83A1-F6EECF244321}">
-                <p14:modId xmlns:p14="http://schemas.microsoft.com/office/powerpoint/2010/main" val="595839827"/>
-              </p:ext>
-            </p:extLst>
+            <p:ph idx="1"/>
           </p:nvPr>
         </p:nvGraphicFramePr>
         <p:xfrm>
-          <a:off x="989068" y="1949449"/>
-          <a:ext cx="5106932" cy="1913047"/>
+          <a:off x="2838450" y="2680494"/>
+          <a:ext cx="6515100" cy="2641600"/>
         </p:xfrm>
         <a:graphic>
-          <a:graphicData uri="http://schemas.openxmlformats.org/presentationml/2006/ole">
-            <mc:AlternateContent xmlns:mc="http://schemas.openxmlformats.org/markup-compatibility/2006">
-              <mc:Choice xmlns:v="urn:schemas-microsoft-com:vml" Requires="v">
-                <p:oleObj name="Worksheet" r:id="rId2" imgW="3949577" imgH="1479425" progId="Excel.Sheet.12">
-                  <p:embed/>
-                </p:oleObj>
-              </mc:Choice>
-              <mc:Fallback>
-                <p:oleObj name="Worksheet" r:id="rId2" imgW="3949577" imgH="1479425" progId="Excel.Sheet.12">
-                  <p:embed/>
-                  <p:pic>
-                    <p:nvPicPr>
-                      <p:cNvPr id="0" name=""/>
-                      <p:cNvPicPr/>
-                      <p:nvPr/>
-                    </p:nvPicPr>
-                    <p:blipFill>
-                      <a:blip r:embed="rId3"/>
-                      <a:stretch>
-                        <a:fillRect/>
-                      </a:stretch>
-                    </p:blipFill>
-                    <p:spPr>
-                      <a:xfrm>
-                        <a:off x="989068" y="1949449"/>
-                        <a:ext cx="5106932" cy="1913047"/>
-                      </a:xfrm>
-                      <a:prstGeom prst="rect">
-                        <a:avLst/>
-                      </a:prstGeom>
-                    </p:spPr>
-                  </p:pic>
-                </p:oleObj>
-              </mc:Fallback>
-            </mc:AlternateContent>
+          <a:graphicData uri="http://schemas.openxmlformats.org/drawingml/2006/table">
+            <a:tbl>
+              <a:tblPr/>
+              <a:tblGrid>
+                <a:gridCol w="4546600">
+                  <a:extLst>
+                    <a:ext uri="{9D8B030D-6E8A-4147-A177-3AD203B41FA5}">
+                      <a16:colId xmlns:a16="http://schemas.microsoft.com/office/drawing/2014/main" val="2488641986"/>
+                    </a:ext>
+                  </a:extLst>
+                </a:gridCol>
+                <a:gridCol w="1968500">
+                  <a:extLst>
+                    <a:ext uri="{9D8B030D-6E8A-4147-A177-3AD203B41FA5}">
+                      <a16:colId xmlns:a16="http://schemas.microsoft.com/office/drawing/2014/main" val="3752970117"/>
+                    </a:ext>
+                  </a:extLst>
+                </a:gridCol>
+              </a:tblGrid>
+              <a:tr h="990600">
+                <a:tc>
+                  <a:txBody>
+                    <a:bodyPr/>
+                    <a:lstStyle/>
+                    <a:p>
+                      <a:pPr algn="l" fontAlgn="ctr"/>
+                      <a:r>
+                        <a:rPr lang="pt-BR" sz="2000" b="0" i="0" u="none" strike="noStrike">
+                          <a:solidFill>
+                            <a:srgbClr val="000000"/>
+                          </a:solidFill>
+                          <a:effectLst/>
+                          <a:latin typeface="Calibri" panose="020F0502020204030204" pitchFamily="34" charset="0"/>
+                        </a:rPr>
+                        <a:t>Variável</a:t>
+                      </a:r>
+                    </a:p>
+                  </a:txBody>
+                  <a:tcPr marL="6350" marR="6350" marT="6350" marB="0" anchor="ctr">
+                    <a:lnL>
+                      <a:noFill/>
+                    </a:lnL>
+                    <a:lnR>
+                      <a:noFill/>
+                    </a:lnR>
+                    <a:lnT w="6350" cap="flat" cmpd="sng" algn="ctr">
+                      <a:solidFill>
+                        <a:srgbClr val="000000"/>
+                      </a:solidFill>
+                      <a:prstDash val="solid"/>
+                      <a:round/>
+                      <a:headEnd type="none" w="med" len="med"/>
+                      <a:tailEnd type="none" w="med" len="med"/>
+                    </a:lnT>
+                    <a:lnB w="6350" cap="flat" cmpd="sng" algn="ctr">
+                      <a:solidFill>
+                        <a:srgbClr val="000000"/>
+                      </a:solidFill>
+                      <a:prstDash val="solid"/>
+                      <a:round/>
+                      <a:headEnd type="none" w="med" len="med"/>
+                      <a:tailEnd type="none" w="med" len="med"/>
+                    </a:lnB>
+                  </a:tcPr>
+                </a:tc>
+                <a:tc>
+                  <a:txBody>
+                    <a:bodyPr/>
+                    <a:lstStyle/>
+                    <a:p>
+                      <a:pPr algn="ctr" fontAlgn="ctr"/>
+                      <a:r>
+                        <a:rPr lang="pt-BR" sz="2000" b="0" i="0" u="none" strike="noStrike">
+                          <a:solidFill>
+                            <a:srgbClr val="000000"/>
+                          </a:solidFill>
+                          <a:effectLst/>
+                          <a:latin typeface="Calibri" panose="020F0502020204030204" pitchFamily="34" charset="0"/>
+                        </a:rPr>
+                        <a:t>Quantidade de observações com dados faltantes</a:t>
+                      </a:r>
+                    </a:p>
+                  </a:txBody>
+                  <a:tcPr marL="6350" marR="6350" marT="6350" marB="0" anchor="ctr">
+                    <a:lnL>
+                      <a:noFill/>
+                    </a:lnL>
+                    <a:lnR>
+                      <a:noFill/>
+                    </a:lnR>
+                    <a:lnT w="6350" cap="flat" cmpd="sng" algn="ctr">
+                      <a:solidFill>
+                        <a:srgbClr val="000000"/>
+                      </a:solidFill>
+                      <a:prstDash val="solid"/>
+                      <a:round/>
+                      <a:headEnd type="none" w="med" len="med"/>
+                      <a:tailEnd type="none" w="med" len="med"/>
+                    </a:lnT>
+                    <a:lnB w="6350" cap="flat" cmpd="sng" algn="ctr">
+                      <a:solidFill>
+                        <a:srgbClr val="000000"/>
+                      </a:solidFill>
+                      <a:prstDash val="solid"/>
+                      <a:round/>
+                      <a:headEnd type="none" w="med" len="med"/>
+                      <a:tailEnd type="none" w="med" len="med"/>
+                    </a:lnB>
+                  </a:tcPr>
+                </a:tc>
+                <a:extLst>
+                  <a:ext uri="{0D108BD9-81ED-4DB2-BD59-A6C34878D82A}">
+                    <a16:rowId xmlns:a16="http://schemas.microsoft.com/office/drawing/2014/main" val="1098913289"/>
+                  </a:ext>
+                </a:extLst>
+              </a:tr>
+              <a:tr h="330200">
+                <a:tc>
+                  <a:txBody>
+                    <a:bodyPr/>
+                    <a:lstStyle/>
+                    <a:p>
+                      <a:pPr algn="l" fontAlgn="b"/>
+                      <a:r>
+                        <a:rPr lang="pt-BR" sz="2000" b="0" i="0" u="none" strike="noStrike">
+                          <a:solidFill>
+                            <a:srgbClr val="000000"/>
+                          </a:solidFill>
+                          <a:effectLst/>
+                          <a:latin typeface="Calibri" panose="020F0502020204030204" pitchFamily="34" charset="0"/>
+                        </a:rPr>
+                        <a:t>zip_code_renda_familiar_mediana</a:t>
+                      </a:r>
+                    </a:p>
+                  </a:txBody>
+                  <a:tcPr marL="6350" marR="6350" marT="6350" marB="0" anchor="b">
+                    <a:lnL>
+                      <a:noFill/>
+                    </a:lnL>
+                    <a:lnR>
+                      <a:noFill/>
+                    </a:lnR>
+                    <a:lnT w="6350" cap="flat" cmpd="sng" algn="ctr">
+                      <a:solidFill>
+                        <a:srgbClr val="000000"/>
+                      </a:solidFill>
+                      <a:prstDash val="solid"/>
+                      <a:round/>
+                      <a:headEnd type="none" w="med" len="med"/>
+                      <a:tailEnd type="none" w="med" len="med"/>
+                    </a:lnT>
+                    <a:lnB>
+                      <a:noFill/>
+                    </a:lnB>
+                  </a:tcPr>
+                </a:tc>
+                <a:tc>
+                  <a:txBody>
+                    <a:bodyPr/>
+                    <a:lstStyle/>
+                    <a:p>
+                      <a:pPr algn="r" fontAlgn="b"/>
+                      <a:r>
+                        <a:rPr lang="pt-BR" sz="2000" b="0" i="0" u="none" strike="noStrike">
+                          <a:solidFill>
+                            <a:srgbClr val="000000"/>
+                          </a:solidFill>
+                          <a:effectLst/>
+                          <a:latin typeface="Calibri" panose="020F0502020204030204" pitchFamily="34" charset="0"/>
+                        </a:rPr>
+                        <a:t>428</a:t>
+                      </a:r>
+                    </a:p>
+                  </a:txBody>
+                  <a:tcPr marL="6350" marR="6350" marT="6350" marB="0" anchor="b">
+                    <a:lnL>
+                      <a:noFill/>
+                    </a:lnL>
+                    <a:lnR>
+                      <a:noFill/>
+                    </a:lnR>
+                    <a:lnT w="6350" cap="flat" cmpd="sng" algn="ctr">
+                      <a:solidFill>
+                        <a:srgbClr val="000000"/>
+                      </a:solidFill>
+                      <a:prstDash val="solid"/>
+                      <a:round/>
+                      <a:headEnd type="none" w="med" len="med"/>
+                      <a:tailEnd type="none" w="med" len="med"/>
+                    </a:lnT>
+                    <a:lnB>
+                      <a:noFill/>
+                    </a:lnB>
+                  </a:tcPr>
+                </a:tc>
+                <a:extLst>
+                  <a:ext uri="{0D108BD9-81ED-4DB2-BD59-A6C34878D82A}">
+                    <a16:rowId xmlns:a16="http://schemas.microsoft.com/office/drawing/2014/main" val="228100398"/>
+                  </a:ext>
+                </a:extLst>
+              </a:tr>
+              <a:tr h="330200">
+                <a:tc>
+                  <a:txBody>
+                    <a:bodyPr/>
+                    <a:lstStyle/>
+                    <a:p>
+                      <a:pPr algn="l" fontAlgn="b"/>
+                      <a:r>
+                        <a:rPr lang="pt-BR" sz="2000" b="0" i="0" u="none" strike="noStrike">
+                          <a:solidFill>
+                            <a:srgbClr val="000000"/>
+                          </a:solidFill>
+                          <a:effectLst/>
+                          <a:latin typeface="Calibri" panose="020F0502020204030204" pitchFamily="34" charset="0"/>
+                        </a:rPr>
+                        <a:t>zip_code_indice_gini_desigualdade_renda</a:t>
+                      </a:r>
+                    </a:p>
+                  </a:txBody>
+                  <a:tcPr marL="6350" marR="6350" marT="6350" marB="0" anchor="b">
+                    <a:lnL>
+                      <a:noFill/>
+                    </a:lnL>
+                    <a:lnR>
+                      <a:noFill/>
+                    </a:lnR>
+                    <a:lnT>
+                      <a:noFill/>
+                    </a:lnT>
+                    <a:lnB>
+                      <a:noFill/>
+                    </a:lnB>
+                  </a:tcPr>
+                </a:tc>
+                <a:tc>
+                  <a:txBody>
+                    <a:bodyPr/>
+                    <a:lstStyle/>
+                    <a:p>
+                      <a:pPr algn="r" fontAlgn="b"/>
+                      <a:r>
+                        <a:rPr lang="pt-BR" sz="2000" b="0" i="0" u="none" strike="noStrike">
+                          <a:solidFill>
+                            <a:srgbClr val="000000"/>
+                          </a:solidFill>
+                          <a:effectLst/>
+                          <a:latin typeface="Calibri" panose="020F0502020204030204" pitchFamily="34" charset="0"/>
+                        </a:rPr>
+                        <a:t>104</a:t>
+                      </a:r>
+                    </a:p>
+                  </a:txBody>
+                  <a:tcPr marL="6350" marR="6350" marT="6350" marB="0" anchor="b">
+                    <a:lnL>
+                      <a:noFill/>
+                    </a:lnL>
+                    <a:lnR>
+                      <a:noFill/>
+                    </a:lnR>
+                    <a:lnT>
+                      <a:noFill/>
+                    </a:lnT>
+                    <a:lnB>
+                      <a:noFill/>
+                    </a:lnB>
+                  </a:tcPr>
+                </a:tc>
+                <a:extLst>
+                  <a:ext uri="{0D108BD9-81ED-4DB2-BD59-A6C34878D82A}">
+                    <a16:rowId xmlns:a16="http://schemas.microsoft.com/office/drawing/2014/main" val="1591268374"/>
+                  </a:ext>
+                </a:extLst>
+              </a:tr>
+              <a:tr h="330200">
+                <a:tc>
+                  <a:txBody>
+                    <a:bodyPr/>
+                    <a:lstStyle/>
+                    <a:p>
+                      <a:pPr algn="l" fontAlgn="b"/>
+                      <a:r>
+                        <a:rPr lang="pt-BR" sz="2000" b="0" i="0" u="none" strike="noStrike">
+                          <a:solidFill>
+                            <a:srgbClr val="000000"/>
+                          </a:solidFill>
+                          <a:effectLst/>
+                          <a:latin typeface="Calibri" panose="020F0502020204030204" pitchFamily="34" charset="0"/>
+                        </a:rPr>
+                        <a:t>zip_code_idade_mediana_habitantes</a:t>
+                      </a:r>
+                    </a:p>
+                  </a:txBody>
+                  <a:tcPr marL="6350" marR="6350" marT="6350" marB="0" anchor="b">
+                    <a:lnL>
+                      <a:noFill/>
+                    </a:lnL>
+                    <a:lnR>
+                      <a:noFill/>
+                    </a:lnR>
+                    <a:lnT>
+                      <a:noFill/>
+                    </a:lnT>
+                    <a:lnB>
+                      <a:noFill/>
+                    </a:lnB>
+                  </a:tcPr>
+                </a:tc>
+                <a:tc>
+                  <a:txBody>
+                    <a:bodyPr/>
+                    <a:lstStyle/>
+                    <a:p>
+                      <a:pPr algn="r" fontAlgn="b"/>
+                      <a:r>
+                        <a:rPr lang="pt-BR" sz="2000" b="0" i="0" u="none" strike="noStrike">
+                          <a:solidFill>
+                            <a:srgbClr val="000000"/>
+                          </a:solidFill>
+                          <a:effectLst/>
+                          <a:latin typeface="Calibri" panose="020F0502020204030204" pitchFamily="34" charset="0"/>
+                        </a:rPr>
+                        <a:t>84</a:t>
+                      </a:r>
+                    </a:p>
+                  </a:txBody>
+                  <a:tcPr marL="6350" marR="6350" marT="6350" marB="0" anchor="b">
+                    <a:lnL>
+                      <a:noFill/>
+                    </a:lnL>
+                    <a:lnR>
+                      <a:noFill/>
+                    </a:lnR>
+                    <a:lnT>
+                      <a:noFill/>
+                    </a:lnT>
+                    <a:lnB>
+                      <a:noFill/>
+                    </a:lnB>
+                  </a:tcPr>
+                </a:tc>
+                <a:extLst>
+                  <a:ext uri="{0D108BD9-81ED-4DB2-BD59-A6C34878D82A}">
+                    <a16:rowId xmlns:a16="http://schemas.microsoft.com/office/drawing/2014/main" val="9573656"/>
+                  </a:ext>
+                </a:extLst>
+              </a:tr>
+              <a:tr h="330200">
+                <a:tc>
+                  <a:txBody>
+                    <a:bodyPr/>
+                    <a:lstStyle/>
+                    <a:p>
+                      <a:pPr algn="l" fontAlgn="b"/>
+                      <a:r>
+                        <a:rPr lang="fr-FR" sz="2000" b="0" i="0" u="none" strike="noStrike">
+                          <a:solidFill>
+                            <a:srgbClr val="000000"/>
+                          </a:solidFill>
+                          <a:effectLst/>
+                          <a:latin typeface="Calibri" panose="020F0502020204030204" pitchFamily="34" charset="0"/>
+                        </a:rPr>
+                        <a:t>zip_code_tx_habitantes_homens</a:t>
+                      </a:r>
+                    </a:p>
+                  </a:txBody>
+                  <a:tcPr marL="6350" marR="6350" marT="6350" marB="0" anchor="b">
+                    <a:lnL>
+                      <a:noFill/>
+                    </a:lnL>
+                    <a:lnR>
+                      <a:noFill/>
+                    </a:lnR>
+                    <a:lnT>
+                      <a:noFill/>
+                    </a:lnT>
+                    <a:lnB>
+                      <a:noFill/>
+                    </a:lnB>
+                  </a:tcPr>
+                </a:tc>
+                <a:tc>
+                  <a:txBody>
+                    <a:bodyPr/>
+                    <a:lstStyle/>
+                    <a:p>
+                      <a:pPr algn="r" fontAlgn="b"/>
+                      <a:r>
+                        <a:rPr lang="pt-BR" sz="2000" b="0" i="0" u="none" strike="noStrike">
+                          <a:solidFill>
+                            <a:srgbClr val="000000"/>
+                          </a:solidFill>
+                          <a:effectLst/>
+                          <a:latin typeface="Calibri" panose="020F0502020204030204" pitchFamily="34" charset="0"/>
+                        </a:rPr>
+                        <a:t>20</a:t>
+                      </a:r>
+                    </a:p>
+                  </a:txBody>
+                  <a:tcPr marL="6350" marR="6350" marT="6350" marB="0" anchor="b">
+                    <a:lnL>
+                      <a:noFill/>
+                    </a:lnL>
+                    <a:lnR>
+                      <a:noFill/>
+                    </a:lnR>
+                    <a:lnT>
+                      <a:noFill/>
+                    </a:lnT>
+                    <a:lnB>
+                      <a:noFill/>
+                    </a:lnB>
+                  </a:tcPr>
+                </a:tc>
+                <a:extLst>
+                  <a:ext uri="{0D108BD9-81ED-4DB2-BD59-A6C34878D82A}">
+                    <a16:rowId xmlns:a16="http://schemas.microsoft.com/office/drawing/2014/main" val="660419361"/>
+                  </a:ext>
+                </a:extLst>
+              </a:tr>
+              <a:tr h="330200">
+                <a:tc>
+                  <a:txBody>
+                    <a:bodyPr/>
+                    <a:lstStyle/>
+                    <a:p>
+                      <a:pPr algn="l" fontAlgn="b"/>
+                      <a:r>
+                        <a:rPr lang="pt-BR" sz="2000" b="0" i="0" u="none" strike="noStrike">
+                          <a:solidFill>
+                            <a:srgbClr val="000000"/>
+                          </a:solidFill>
+                          <a:effectLst/>
+                          <a:latin typeface="Calibri" panose="020F0502020204030204" pitchFamily="34" charset="0"/>
+                        </a:rPr>
+                        <a:t>zip_code_tx_habitantes_menor_18_anos</a:t>
+                      </a:r>
+                    </a:p>
+                  </a:txBody>
+                  <a:tcPr marL="6350" marR="6350" marT="6350" marB="0" anchor="b">
+                    <a:lnL>
+                      <a:noFill/>
+                    </a:lnL>
+                    <a:lnR>
+                      <a:noFill/>
+                    </a:lnR>
+                    <a:lnT>
+                      <a:noFill/>
+                    </a:lnT>
+                    <a:lnB w="6350" cap="flat" cmpd="sng" algn="ctr">
+                      <a:solidFill>
+                        <a:srgbClr val="000000"/>
+                      </a:solidFill>
+                      <a:prstDash val="solid"/>
+                      <a:round/>
+                      <a:headEnd type="none" w="med" len="med"/>
+                      <a:tailEnd type="none" w="med" len="med"/>
+                    </a:lnB>
+                  </a:tcPr>
+                </a:tc>
+                <a:tc>
+                  <a:txBody>
+                    <a:bodyPr/>
+                    <a:lstStyle/>
+                    <a:p>
+                      <a:pPr algn="r" fontAlgn="b"/>
+                      <a:r>
+                        <a:rPr lang="pt-BR" sz="2000" b="0" i="0" u="none" strike="noStrike" dirty="0">
+                          <a:solidFill>
+                            <a:srgbClr val="000000"/>
+                          </a:solidFill>
+                          <a:effectLst/>
+                          <a:latin typeface="Calibri" panose="020F0502020204030204" pitchFamily="34" charset="0"/>
+                        </a:rPr>
+                        <a:t>20</a:t>
+                      </a:r>
+                    </a:p>
+                  </a:txBody>
+                  <a:tcPr marL="6350" marR="6350" marT="6350" marB="0" anchor="b">
+                    <a:lnL>
+                      <a:noFill/>
+                    </a:lnL>
+                    <a:lnR>
+                      <a:noFill/>
+                    </a:lnR>
+                    <a:lnT>
+                      <a:noFill/>
+                    </a:lnT>
+                    <a:lnB w="6350" cap="flat" cmpd="sng" algn="ctr">
+                      <a:solidFill>
+                        <a:srgbClr val="000000"/>
+                      </a:solidFill>
+                      <a:prstDash val="solid"/>
+                      <a:round/>
+                      <a:headEnd type="none" w="med" len="med"/>
+                      <a:tailEnd type="none" w="med" len="med"/>
+                    </a:lnB>
+                  </a:tcPr>
+                </a:tc>
+                <a:extLst>
+                  <a:ext uri="{0D108BD9-81ED-4DB2-BD59-A6C34878D82A}">
+                    <a16:rowId xmlns:a16="http://schemas.microsoft.com/office/drawing/2014/main" val="2251847042"/>
+                  </a:ext>
+                </a:extLst>
+              </a:tr>
+            </a:tbl>
           </a:graphicData>
         </a:graphic>
       </p:graphicFrame>
@@ -3555,13 +3996,20 @@
         <p:spPr/>
         <p:txBody>
           <a:bodyPr>
-            <a:normAutofit fontScale="90000"/>
+            <a:normAutofit/>
           </a:bodyPr>
           <a:lstStyle/>
           <a:p>
             <a:r>
               <a:rPr lang="pt-BR" dirty="0"/>
-              <a:t>Quantidade de variáveis selecionadas, em cada iteração do procedimento de seleção gradual, para diferentes estratégias</a:t>
+              <a:t>Quantidade de variáveis selecionadas</a:t>
+            </a:r>
+            <a:br>
+              <a:rPr lang="pt-BR" dirty="0"/>
+            </a:br>
+            <a:r>
+              <a:rPr lang="pt-BR" sz="1800" dirty="0"/>
+              <a:t>Em cada iteração do procedimento de seleção gradual, para diferentes estratégias</a:t>
             </a:r>
           </a:p>
         </p:txBody>
@@ -3650,13 +4098,20 @@
         <p:spPr/>
         <p:txBody>
           <a:bodyPr>
-            <a:normAutofit fontScale="90000"/>
+            <a:normAutofit/>
           </a:bodyPr>
           <a:lstStyle/>
           <a:p>
             <a:r>
               <a:rPr lang="pt-BR" dirty="0"/>
-              <a:t>Redução do AIC, a cada iteração do procedimento de seleção gradual de variáveis, para diferentes estratégias</a:t>
+              <a:t>Redução do AIC</a:t>
+            </a:r>
+            <a:br>
+              <a:rPr lang="pt-BR" dirty="0"/>
+            </a:br>
+            <a:r>
+              <a:rPr lang="pt-BR" sz="1800" dirty="0"/>
+              <a:t>A cada iteração do procedimento de seleção gradual de variáveis, para diferentes estratégias</a:t>
             </a:r>
           </a:p>
         </p:txBody>
@@ -3745,102 +4200,1148 @@
         <p:spPr/>
         <p:txBody>
           <a:bodyPr>
-            <a:normAutofit fontScale="90000"/>
+            <a:normAutofit/>
           </a:bodyPr>
           <a:lstStyle/>
           <a:p>
             <a:r>
               <a:rPr lang="pt-BR" dirty="0"/>
-              <a:t>Resumo das reduções de AIC, no treinamento dos modelos de regressão logística, com diferentes estratégias de seleção</a:t>
+              <a:t>Resumo das reduções de AIC</a:t>
             </a:r>
-          </a:p>
-        </p:txBody>
-      </p:sp>
-      <p:sp>
-        <p:nvSpPr>
-          <p:cNvPr id="3" name="Espaço Reservado para Conteúdo 2">
-            <a:extLst>
-              <a:ext uri="{FF2B5EF4-FFF2-40B4-BE49-F238E27FC236}">
-                <a16:creationId xmlns:a16="http://schemas.microsoft.com/office/drawing/2014/main" id="{621030C7-AC50-461D-A40A-5DAB9C476480}"/>
-              </a:ext>
-            </a:extLst>
-          </p:cNvPr>
-          <p:cNvSpPr>
-            <a:spLocks noGrp="1"/>
-          </p:cNvSpPr>
-          <p:nvPr>
-            <p:ph idx="1"/>
-          </p:nvPr>
-        </p:nvSpPr>
-        <p:spPr/>
-        <p:txBody>
-          <a:bodyPr/>
-          <a:lstStyle/>
-          <a:p>
-            <a:endParaRPr lang="pt-BR" dirty="0"/>
+            <a:br>
+              <a:rPr lang="pt-BR" dirty="0"/>
+            </a:br>
+            <a:r>
+              <a:rPr lang="pt-BR" sz="1800" dirty="0"/>
+              <a:t>No treinamento dos modelos de regressão logística, com diferentes estratégias de seleção</a:t>
+            </a:r>
           </a:p>
         </p:txBody>
       </p:sp>
       <p:graphicFrame>
         <p:nvGraphicFramePr>
-          <p:cNvPr id="4" name="Object 3">
+          <p:cNvPr id="5" name="Content Placeholder 4">
             <a:extLst>
               <a:ext uri="{FF2B5EF4-FFF2-40B4-BE49-F238E27FC236}">
-                <a16:creationId xmlns:a16="http://schemas.microsoft.com/office/drawing/2014/main" id="{FDF3C47C-D9A5-04B3-0D4F-39747C78651E}"/>
+                <a16:creationId xmlns:a16="http://schemas.microsoft.com/office/drawing/2014/main" id="{794C0F0C-4BE7-3FCB-CB84-90FBDF22C25F}"/>
               </a:ext>
             </a:extLst>
           </p:cNvPr>
           <p:cNvGraphicFramePr>
-            <a:graphicFrameLocks noChangeAspect="1"/>
+            <a:graphicFrameLocks noGrp="1"/>
           </p:cNvGraphicFramePr>
           <p:nvPr>
-            <p:extLst>
-              <p:ext uri="{D42A27DB-BD31-4B8C-83A1-F6EECF244321}">
-                <p14:modId xmlns:p14="http://schemas.microsoft.com/office/powerpoint/2010/main" val="3565567389"/>
-              </p:ext>
-            </p:extLst>
+            <p:ph idx="1"/>
           </p:nvPr>
         </p:nvGraphicFramePr>
         <p:xfrm>
-          <a:off x="999359" y="1983443"/>
-          <a:ext cx="5191234" cy="2256637"/>
+          <a:off x="3333750" y="2680494"/>
+          <a:ext cx="5524500" cy="2641600"/>
         </p:xfrm>
         <a:graphic>
-          <a:graphicData uri="http://schemas.openxmlformats.org/presentationml/2006/ole">
-            <mc:AlternateContent xmlns:mc="http://schemas.openxmlformats.org/markup-compatibility/2006">
-              <mc:Choice xmlns:v="urn:schemas-microsoft-com:vml" Requires="v">
-                <p:oleObj name="Worksheet" r:id="rId2" imgW="3403501" imgH="1479425" progId="Excel.Sheet.12">
-                  <p:embed/>
-                </p:oleObj>
-              </mc:Choice>
-              <mc:Fallback>
-                <p:oleObj name="Worksheet" r:id="rId2" imgW="3403501" imgH="1479425" progId="Excel.Sheet.12">
-                  <p:embed/>
-                  <p:pic>
-                    <p:nvPicPr>
-                      <p:cNvPr id="0" name=""/>
-                      <p:cNvPicPr/>
-                      <p:nvPr/>
-                    </p:nvPicPr>
-                    <p:blipFill>
-                      <a:blip r:embed="rId3"/>
-                      <a:stretch>
-                        <a:fillRect/>
-                      </a:stretch>
-                    </p:blipFill>
-                    <p:spPr>
-                      <a:xfrm>
-                        <a:off x="999359" y="1983443"/>
-                        <a:ext cx="5191234" cy="2256637"/>
-                      </a:xfrm>
-                      <a:prstGeom prst="rect">
-                        <a:avLst/>
-                      </a:prstGeom>
-                    </p:spPr>
-                  </p:pic>
-                </p:oleObj>
-              </mc:Fallback>
-            </mc:AlternateContent>
+          <a:graphicData uri="http://schemas.openxmlformats.org/drawingml/2006/table">
+            <a:tbl>
+              <a:tblPr/>
+              <a:tblGrid>
+                <a:gridCol w="1333500">
+                  <a:extLst>
+                    <a:ext uri="{9D8B030D-6E8A-4147-A177-3AD203B41FA5}">
+                      <a16:colId xmlns:a16="http://schemas.microsoft.com/office/drawing/2014/main" val="2623065779"/>
+                    </a:ext>
+                  </a:extLst>
+                </a:gridCol>
+                <a:gridCol w="1397000">
+                  <a:extLst>
+                    <a:ext uri="{9D8B030D-6E8A-4147-A177-3AD203B41FA5}">
+                      <a16:colId xmlns:a16="http://schemas.microsoft.com/office/drawing/2014/main" val="934462430"/>
+                    </a:ext>
+                  </a:extLst>
+                </a:gridCol>
+                <a:gridCol w="1397000">
+                  <a:extLst>
+                    <a:ext uri="{9D8B030D-6E8A-4147-A177-3AD203B41FA5}">
+                      <a16:colId xmlns:a16="http://schemas.microsoft.com/office/drawing/2014/main" val="2867827687"/>
+                    </a:ext>
+                  </a:extLst>
+                </a:gridCol>
+                <a:gridCol w="1397000">
+                  <a:extLst>
+                    <a:ext uri="{9D8B030D-6E8A-4147-A177-3AD203B41FA5}">
+                      <a16:colId xmlns:a16="http://schemas.microsoft.com/office/drawing/2014/main" val="2150867556"/>
+                    </a:ext>
+                  </a:extLst>
+                </a:gridCol>
+              </a:tblGrid>
+              <a:tr h="660400">
+                <a:tc>
+                  <a:txBody>
+                    <a:bodyPr/>
+                    <a:lstStyle/>
+                    <a:p>
+                      <a:pPr algn="l" fontAlgn="ctr"/>
+                      <a:r>
+                        <a:rPr lang="pt-BR" sz="2000" b="0" i="0" u="none" strike="noStrike">
+                          <a:solidFill>
+                            <a:srgbClr val="000000"/>
+                          </a:solidFill>
+                          <a:effectLst/>
+                          <a:latin typeface="Calibri" panose="020F0502020204030204" pitchFamily="34" charset="0"/>
+                        </a:rPr>
+                        <a:t>Estratégia</a:t>
+                      </a:r>
+                    </a:p>
+                  </a:txBody>
+                  <a:tcPr marL="6350" marR="6350" marT="6350" marB="0" anchor="ctr">
+                    <a:lnL>
+                      <a:noFill/>
+                    </a:lnL>
+                    <a:lnR>
+                      <a:noFill/>
+                    </a:lnR>
+                    <a:lnT w="6350" cap="flat" cmpd="sng" algn="ctr">
+                      <a:solidFill>
+                        <a:srgbClr val="000000"/>
+                      </a:solidFill>
+                      <a:prstDash val="solid"/>
+                      <a:round/>
+                      <a:headEnd type="none" w="med" len="med"/>
+                      <a:tailEnd type="none" w="med" len="med"/>
+                    </a:lnT>
+                    <a:lnB w="6350" cap="flat" cmpd="sng" algn="ctr">
+                      <a:solidFill>
+                        <a:srgbClr val="000000"/>
+                      </a:solidFill>
+                      <a:prstDash val="solid"/>
+                      <a:round/>
+                      <a:headEnd type="none" w="med" len="med"/>
+                      <a:tailEnd type="none" w="med" len="med"/>
+                    </a:lnB>
+                  </a:tcPr>
+                </a:tc>
+                <a:tc>
+                  <a:txBody>
+                    <a:bodyPr/>
+                    <a:lstStyle/>
+                    <a:p>
+                      <a:pPr algn="ctr" fontAlgn="ctr"/>
+                      <a:r>
+                        <a:rPr lang="pt-BR" sz="2000" b="0" i="0" u="none" strike="noStrike">
+                          <a:solidFill>
+                            <a:srgbClr val="000000"/>
+                          </a:solidFill>
+                          <a:effectLst/>
+                          <a:latin typeface="Calibri" panose="020F0502020204030204" pitchFamily="34" charset="0"/>
+                        </a:rPr>
+                        <a:t>Iteração</a:t>
+                      </a:r>
+                    </a:p>
+                  </a:txBody>
+                  <a:tcPr marL="6350" marR="6350" marT="6350" marB="0" anchor="ctr">
+                    <a:lnL>
+                      <a:noFill/>
+                    </a:lnL>
+                    <a:lnR>
+                      <a:noFill/>
+                    </a:lnR>
+                    <a:lnT w="6350" cap="flat" cmpd="sng" algn="ctr">
+                      <a:solidFill>
+                        <a:srgbClr val="000000"/>
+                      </a:solidFill>
+                      <a:prstDash val="solid"/>
+                      <a:round/>
+                      <a:headEnd type="none" w="med" len="med"/>
+                      <a:tailEnd type="none" w="med" len="med"/>
+                    </a:lnT>
+                    <a:lnB w="6350" cap="flat" cmpd="sng" algn="ctr">
+                      <a:solidFill>
+                        <a:srgbClr val="000000"/>
+                      </a:solidFill>
+                      <a:prstDash val="solid"/>
+                      <a:round/>
+                      <a:headEnd type="none" w="med" len="med"/>
+                      <a:tailEnd type="none" w="med" len="med"/>
+                    </a:lnB>
+                  </a:tcPr>
+                </a:tc>
+                <a:tc>
+                  <a:txBody>
+                    <a:bodyPr/>
+                    <a:lstStyle/>
+                    <a:p>
+                      <a:pPr algn="ctr" fontAlgn="ctr"/>
+                      <a:r>
+                        <a:rPr lang="pt-BR" sz="2000" b="0" i="0" u="none" strike="noStrike">
+                          <a:solidFill>
+                            <a:srgbClr val="000000"/>
+                          </a:solidFill>
+                          <a:effectLst/>
+                          <a:latin typeface="Calibri" panose="020F0502020204030204" pitchFamily="34" charset="0"/>
+                        </a:rPr>
+                        <a:t>AIC</a:t>
+                      </a:r>
+                    </a:p>
+                  </a:txBody>
+                  <a:tcPr marL="6350" marR="6350" marT="6350" marB="0" anchor="ctr">
+                    <a:lnL>
+                      <a:noFill/>
+                    </a:lnL>
+                    <a:lnR>
+                      <a:noFill/>
+                    </a:lnR>
+                    <a:lnT w="6350" cap="flat" cmpd="sng" algn="ctr">
+                      <a:solidFill>
+                        <a:srgbClr val="000000"/>
+                      </a:solidFill>
+                      <a:prstDash val="solid"/>
+                      <a:round/>
+                      <a:headEnd type="none" w="med" len="med"/>
+                      <a:tailEnd type="none" w="med" len="med"/>
+                    </a:lnT>
+                    <a:lnB w="6350" cap="flat" cmpd="sng" algn="ctr">
+                      <a:solidFill>
+                        <a:srgbClr val="000000"/>
+                      </a:solidFill>
+                      <a:prstDash val="solid"/>
+                      <a:round/>
+                      <a:headEnd type="none" w="med" len="med"/>
+                      <a:tailEnd type="none" w="med" len="med"/>
+                    </a:lnB>
+                  </a:tcPr>
+                </a:tc>
+                <a:tc>
+                  <a:txBody>
+                    <a:bodyPr/>
+                    <a:lstStyle/>
+                    <a:p>
+                      <a:pPr algn="ctr" fontAlgn="ctr"/>
+                      <a:r>
+                        <a:rPr lang="pt-BR" sz="2000" b="0" i="0" u="none" strike="noStrike">
+                          <a:solidFill>
+                            <a:srgbClr val="000000"/>
+                          </a:solidFill>
+                          <a:effectLst/>
+                          <a:latin typeface="Calibri" panose="020F0502020204030204" pitchFamily="34" charset="0"/>
+                        </a:rPr>
+                        <a:t>Quantidade de variáveis</a:t>
+                      </a:r>
+                    </a:p>
+                  </a:txBody>
+                  <a:tcPr marL="6350" marR="6350" marT="6350" marB="0" anchor="ctr">
+                    <a:lnL>
+                      <a:noFill/>
+                    </a:lnL>
+                    <a:lnR>
+                      <a:noFill/>
+                    </a:lnR>
+                    <a:lnT w="6350" cap="flat" cmpd="sng" algn="ctr">
+                      <a:solidFill>
+                        <a:srgbClr val="000000"/>
+                      </a:solidFill>
+                      <a:prstDash val="solid"/>
+                      <a:round/>
+                      <a:headEnd type="none" w="med" len="med"/>
+                      <a:tailEnd type="none" w="med" len="med"/>
+                    </a:lnT>
+                    <a:lnB w="6350" cap="flat" cmpd="sng" algn="ctr">
+                      <a:solidFill>
+                        <a:srgbClr val="000000"/>
+                      </a:solidFill>
+                      <a:prstDash val="solid"/>
+                      <a:round/>
+                      <a:headEnd type="none" w="med" len="med"/>
+                      <a:tailEnd type="none" w="med" len="med"/>
+                    </a:lnB>
+                  </a:tcPr>
+                </a:tc>
+                <a:extLst>
+                  <a:ext uri="{0D108BD9-81ED-4DB2-BD59-A6C34878D82A}">
+                    <a16:rowId xmlns:a16="http://schemas.microsoft.com/office/drawing/2014/main" val="750948604"/>
+                  </a:ext>
+                </a:extLst>
+              </a:tr>
+              <a:tr h="330200">
+                <a:tc>
+                  <a:txBody>
+                    <a:bodyPr/>
+                    <a:lstStyle/>
+                    <a:p>
+                      <a:pPr algn="l" fontAlgn="b"/>
+                      <a:r>
+                        <a:rPr lang="pt-BR" sz="2000" b="0" i="0" u="none" strike="noStrike" dirty="0">
+                          <a:solidFill>
+                            <a:srgbClr val="000000"/>
+                          </a:solidFill>
+                          <a:effectLst/>
+                          <a:latin typeface="Calibri" panose="020F0502020204030204" pitchFamily="34" charset="0"/>
+                        </a:rPr>
+                        <a:t>Progressiva</a:t>
+                      </a:r>
+                    </a:p>
+                  </a:txBody>
+                  <a:tcPr marL="6350" marR="6350" marT="6350" marB="0" anchor="b">
+                    <a:lnL>
+                      <a:noFill/>
+                    </a:lnL>
+                    <a:lnR>
+                      <a:noFill/>
+                    </a:lnR>
+                    <a:lnT w="6350" cap="flat" cmpd="sng" algn="ctr">
+                      <a:solidFill>
+                        <a:srgbClr val="000000"/>
+                      </a:solidFill>
+                      <a:prstDash val="solid"/>
+                      <a:round/>
+                      <a:headEnd type="none" w="med" len="med"/>
+                      <a:tailEnd type="none" w="med" len="med"/>
+                    </a:lnT>
+                    <a:lnB>
+                      <a:noFill/>
+                    </a:lnB>
+                  </a:tcPr>
+                </a:tc>
+                <a:tc>
+                  <a:txBody>
+                    <a:bodyPr/>
+                    <a:lstStyle/>
+                    <a:p>
+                      <a:pPr algn="r" fontAlgn="b"/>
+                      <a:r>
+                        <a:rPr lang="pt-BR" sz="2000" b="0" i="0" u="none" strike="noStrike">
+                          <a:solidFill>
+                            <a:srgbClr val="000000"/>
+                          </a:solidFill>
+                          <a:effectLst/>
+                          <a:latin typeface="Calibri" panose="020F0502020204030204" pitchFamily="34" charset="0"/>
+                        </a:rPr>
+                        <a:t>1</a:t>
+                      </a:r>
+                    </a:p>
+                  </a:txBody>
+                  <a:tcPr marL="6350" marR="6350" marT="6350" marB="0" anchor="b">
+                    <a:lnL>
+                      <a:noFill/>
+                    </a:lnL>
+                    <a:lnR>
+                      <a:noFill/>
+                    </a:lnR>
+                    <a:lnT w="6350" cap="flat" cmpd="sng" algn="ctr">
+                      <a:solidFill>
+                        <a:srgbClr val="000000"/>
+                      </a:solidFill>
+                      <a:prstDash val="solid"/>
+                      <a:round/>
+                      <a:headEnd type="none" w="med" len="med"/>
+                      <a:tailEnd type="none" w="med" len="med"/>
+                    </a:lnT>
+                    <a:lnB>
+                      <a:noFill/>
+                    </a:lnB>
+                  </a:tcPr>
+                </a:tc>
+                <a:tc>
+                  <a:txBody>
+                    <a:bodyPr/>
+                    <a:lstStyle/>
+                    <a:p>
+                      <a:pPr algn="r" fontAlgn="b"/>
+                      <a:r>
+                        <a:rPr lang="pt-BR" sz="2000" b="0" i="0" u="none" strike="noStrike">
+                          <a:solidFill>
+                            <a:srgbClr val="000000"/>
+                          </a:solidFill>
+                          <a:effectLst/>
+                          <a:latin typeface="Calibri" panose="020F0502020204030204" pitchFamily="34" charset="0"/>
+                        </a:rPr>
+                        <a:t>5709,08</a:t>
+                      </a:r>
+                    </a:p>
+                  </a:txBody>
+                  <a:tcPr marL="6350" marR="6350" marT="6350" marB="0" anchor="b">
+                    <a:lnL>
+                      <a:noFill/>
+                    </a:lnL>
+                    <a:lnR>
+                      <a:noFill/>
+                    </a:lnR>
+                    <a:lnT w="6350" cap="flat" cmpd="sng" algn="ctr">
+                      <a:solidFill>
+                        <a:srgbClr val="000000"/>
+                      </a:solidFill>
+                      <a:prstDash val="solid"/>
+                      <a:round/>
+                      <a:headEnd type="none" w="med" len="med"/>
+                      <a:tailEnd type="none" w="med" len="med"/>
+                    </a:lnT>
+                    <a:lnB>
+                      <a:noFill/>
+                    </a:lnB>
+                  </a:tcPr>
+                </a:tc>
+                <a:tc>
+                  <a:txBody>
+                    <a:bodyPr/>
+                    <a:lstStyle/>
+                    <a:p>
+                      <a:pPr algn="r" fontAlgn="b"/>
+                      <a:r>
+                        <a:rPr lang="pt-BR" sz="2000" b="0" i="0" u="none" strike="noStrike">
+                          <a:solidFill>
+                            <a:srgbClr val="000000"/>
+                          </a:solidFill>
+                          <a:effectLst/>
+                          <a:latin typeface="Calibri" panose="020F0502020204030204" pitchFamily="34" charset="0"/>
+                        </a:rPr>
+                        <a:t>0</a:t>
+                      </a:r>
+                    </a:p>
+                  </a:txBody>
+                  <a:tcPr marL="6350" marR="6350" marT="6350" marB="0" anchor="b">
+                    <a:lnL>
+                      <a:noFill/>
+                    </a:lnL>
+                    <a:lnR>
+                      <a:noFill/>
+                    </a:lnR>
+                    <a:lnT w="6350" cap="flat" cmpd="sng" algn="ctr">
+                      <a:solidFill>
+                        <a:srgbClr val="000000"/>
+                      </a:solidFill>
+                      <a:prstDash val="solid"/>
+                      <a:round/>
+                      <a:headEnd type="none" w="med" len="med"/>
+                      <a:tailEnd type="none" w="med" len="med"/>
+                    </a:lnT>
+                    <a:lnB>
+                      <a:noFill/>
+                    </a:lnB>
+                  </a:tcPr>
+                </a:tc>
+                <a:extLst>
+                  <a:ext uri="{0D108BD9-81ED-4DB2-BD59-A6C34878D82A}">
+                    <a16:rowId xmlns:a16="http://schemas.microsoft.com/office/drawing/2014/main" val="3655087635"/>
+                  </a:ext>
+                </a:extLst>
+              </a:tr>
+              <a:tr h="330200">
+                <a:tc>
+                  <a:txBody>
+                    <a:bodyPr/>
+                    <a:lstStyle/>
+                    <a:p>
+                      <a:pPr algn="l" fontAlgn="b"/>
+                      <a:r>
+                        <a:rPr lang="pt-BR" sz="2000" b="0" i="0" u="none" strike="noStrike">
+                          <a:solidFill>
+                            <a:srgbClr val="000000"/>
+                          </a:solidFill>
+                          <a:effectLst/>
+                          <a:latin typeface="Calibri" panose="020F0502020204030204" pitchFamily="34" charset="0"/>
+                        </a:rPr>
+                        <a:t>Progressiva</a:t>
+                      </a:r>
+                    </a:p>
+                  </a:txBody>
+                  <a:tcPr marL="6350" marR="6350" marT="6350" marB="0" anchor="b">
+                    <a:lnL>
+                      <a:noFill/>
+                    </a:lnL>
+                    <a:lnR>
+                      <a:noFill/>
+                    </a:lnR>
+                    <a:lnT>
+                      <a:noFill/>
+                    </a:lnT>
+                    <a:lnB>
+                      <a:noFill/>
+                    </a:lnB>
+                  </a:tcPr>
+                </a:tc>
+                <a:tc>
+                  <a:txBody>
+                    <a:bodyPr/>
+                    <a:lstStyle/>
+                    <a:p>
+                      <a:pPr algn="r" fontAlgn="b"/>
+                      <a:r>
+                        <a:rPr lang="pt-BR" sz="2000" b="0" i="0" u="none" strike="noStrike">
+                          <a:solidFill>
+                            <a:srgbClr val="000000"/>
+                          </a:solidFill>
+                          <a:effectLst/>
+                          <a:latin typeface="Calibri" panose="020F0502020204030204" pitchFamily="34" charset="0"/>
+                        </a:rPr>
+                        <a:t>35</a:t>
+                      </a:r>
+                    </a:p>
+                  </a:txBody>
+                  <a:tcPr marL="6350" marR="6350" marT="6350" marB="0" anchor="b">
+                    <a:lnL>
+                      <a:noFill/>
+                    </a:lnL>
+                    <a:lnR>
+                      <a:noFill/>
+                    </a:lnR>
+                    <a:lnT>
+                      <a:noFill/>
+                    </a:lnT>
+                    <a:lnB>
+                      <a:noFill/>
+                    </a:lnB>
+                  </a:tcPr>
+                </a:tc>
+                <a:tc>
+                  <a:txBody>
+                    <a:bodyPr/>
+                    <a:lstStyle/>
+                    <a:p>
+                      <a:pPr algn="r" fontAlgn="b"/>
+                      <a:r>
+                        <a:rPr lang="pt-BR" sz="2000" b="0" i="0" u="none" strike="noStrike">
+                          <a:solidFill>
+                            <a:srgbClr val="000000"/>
+                          </a:solidFill>
+                          <a:effectLst/>
+                          <a:latin typeface="Calibri" panose="020F0502020204030204" pitchFamily="34" charset="0"/>
+                        </a:rPr>
+                        <a:t>838,71</a:t>
+                      </a:r>
+                    </a:p>
+                  </a:txBody>
+                  <a:tcPr marL="6350" marR="6350" marT="6350" marB="0" anchor="b">
+                    <a:lnL>
+                      <a:noFill/>
+                    </a:lnL>
+                    <a:lnR>
+                      <a:noFill/>
+                    </a:lnR>
+                    <a:lnT>
+                      <a:noFill/>
+                    </a:lnT>
+                    <a:lnB>
+                      <a:noFill/>
+                    </a:lnB>
+                  </a:tcPr>
+                </a:tc>
+                <a:tc>
+                  <a:txBody>
+                    <a:bodyPr/>
+                    <a:lstStyle/>
+                    <a:p>
+                      <a:pPr algn="r" fontAlgn="b"/>
+                      <a:r>
+                        <a:rPr lang="pt-BR" sz="2000" b="0" i="0" u="none" strike="noStrike">
+                          <a:solidFill>
+                            <a:srgbClr val="000000"/>
+                          </a:solidFill>
+                          <a:effectLst/>
+                          <a:latin typeface="Calibri" panose="020F0502020204030204" pitchFamily="34" charset="0"/>
+                        </a:rPr>
+                        <a:t>34</a:t>
+                      </a:r>
+                    </a:p>
+                  </a:txBody>
+                  <a:tcPr marL="6350" marR="6350" marT="6350" marB="0" anchor="b">
+                    <a:lnL>
+                      <a:noFill/>
+                    </a:lnL>
+                    <a:lnR>
+                      <a:noFill/>
+                    </a:lnR>
+                    <a:lnT>
+                      <a:noFill/>
+                    </a:lnT>
+                    <a:lnB>
+                      <a:noFill/>
+                    </a:lnB>
+                  </a:tcPr>
+                </a:tc>
+                <a:extLst>
+                  <a:ext uri="{0D108BD9-81ED-4DB2-BD59-A6C34878D82A}">
+                    <a16:rowId xmlns:a16="http://schemas.microsoft.com/office/drawing/2014/main" val="2667373972"/>
+                  </a:ext>
+                </a:extLst>
+              </a:tr>
+              <a:tr h="330200">
+                <a:tc>
+                  <a:txBody>
+                    <a:bodyPr/>
+                    <a:lstStyle/>
+                    <a:p>
+                      <a:pPr algn="l" fontAlgn="b"/>
+                      <a:r>
+                        <a:rPr lang="pt-BR" sz="2000" b="0" i="0" u="none" strike="noStrike">
+                          <a:solidFill>
+                            <a:srgbClr val="000000"/>
+                          </a:solidFill>
+                          <a:effectLst/>
+                          <a:latin typeface="Calibri" panose="020F0502020204030204" pitchFamily="34" charset="0"/>
+                        </a:rPr>
+                        <a:t>Regressiva</a:t>
+                      </a:r>
+                    </a:p>
+                  </a:txBody>
+                  <a:tcPr marL="6350" marR="6350" marT="6350" marB="0" anchor="b">
+                    <a:lnL>
+                      <a:noFill/>
+                    </a:lnL>
+                    <a:lnR>
+                      <a:noFill/>
+                    </a:lnR>
+                    <a:lnT>
+                      <a:noFill/>
+                    </a:lnT>
+                    <a:lnB>
+                      <a:noFill/>
+                    </a:lnB>
+                  </a:tcPr>
+                </a:tc>
+                <a:tc>
+                  <a:txBody>
+                    <a:bodyPr/>
+                    <a:lstStyle/>
+                    <a:p>
+                      <a:pPr algn="r" fontAlgn="b"/>
+                      <a:r>
+                        <a:rPr lang="pt-BR" sz="2000" b="0" i="0" u="none" strike="noStrike">
+                          <a:solidFill>
+                            <a:srgbClr val="000000"/>
+                          </a:solidFill>
+                          <a:effectLst/>
+                          <a:latin typeface="Calibri" panose="020F0502020204030204" pitchFamily="34" charset="0"/>
+                        </a:rPr>
+                        <a:t>1</a:t>
+                      </a:r>
+                    </a:p>
+                  </a:txBody>
+                  <a:tcPr marL="6350" marR="6350" marT="6350" marB="0" anchor="b">
+                    <a:lnL>
+                      <a:noFill/>
+                    </a:lnL>
+                    <a:lnR>
+                      <a:noFill/>
+                    </a:lnR>
+                    <a:lnT>
+                      <a:noFill/>
+                    </a:lnT>
+                    <a:lnB>
+                      <a:noFill/>
+                    </a:lnB>
+                  </a:tcPr>
+                </a:tc>
+                <a:tc>
+                  <a:txBody>
+                    <a:bodyPr/>
+                    <a:lstStyle/>
+                    <a:p>
+                      <a:pPr algn="r" fontAlgn="b"/>
+                      <a:r>
+                        <a:rPr lang="pt-BR" sz="2000" b="0" i="0" u="none" strike="noStrike">
+                          <a:solidFill>
+                            <a:srgbClr val="000000"/>
+                          </a:solidFill>
+                          <a:effectLst/>
+                          <a:latin typeface="Calibri" panose="020F0502020204030204" pitchFamily="34" charset="0"/>
+                        </a:rPr>
+                        <a:t>926,07</a:t>
+                      </a:r>
+                    </a:p>
+                  </a:txBody>
+                  <a:tcPr marL="6350" marR="6350" marT="6350" marB="0" anchor="b">
+                    <a:lnL>
+                      <a:noFill/>
+                    </a:lnL>
+                    <a:lnR>
+                      <a:noFill/>
+                    </a:lnR>
+                    <a:lnT>
+                      <a:noFill/>
+                    </a:lnT>
+                    <a:lnB>
+                      <a:noFill/>
+                    </a:lnB>
+                  </a:tcPr>
+                </a:tc>
+                <a:tc>
+                  <a:txBody>
+                    <a:bodyPr/>
+                    <a:lstStyle/>
+                    <a:p>
+                      <a:pPr algn="r" fontAlgn="b"/>
+                      <a:r>
+                        <a:rPr lang="pt-BR" sz="2000" b="0" i="0" u="none" strike="noStrike">
+                          <a:solidFill>
+                            <a:srgbClr val="000000"/>
+                          </a:solidFill>
+                          <a:effectLst/>
+                          <a:latin typeface="Calibri" panose="020F0502020204030204" pitchFamily="34" charset="0"/>
+                        </a:rPr>
+                        <a:t>115</a:t>
+                      </a:r>
+                    </a:p>
+                  </a:txBody>
+                  <a:tcPr marL="6350" marR="6350" marT="6350" marB="0" anchor="b">
+                    <a:lnL>
+                      <a:noFill/>
+                    </a:lnL>
+                    <a:lnR>
+                      <a:noFill/>
+                    </a:lnR>
+                    <a:lnT>
+                      <a:noFill/>
+                    </a:lnT>
+                    <a:lnB>
+                      <a:noFill/>
+                    </a:lnB>
+                  </a:tcPr>
+                </a:tc>
+                <a:extLst>
+                  <a:ext uri="{0D108BD9-81ED-4DB2-BD59-A6C34878D82A}">
+                    <a16:rowId xmlns:a16="http://schemas.microsoft.com/office/drawing/2014/main" val="30593426"/>
+                  </a:ext>
+                </a:extLst>
+              </a:tr>
+              <a:tr h="330200">
+                <a:tc>
+                  <a:txBody>
+                    <a:bodyPr/>
+                    <a:lstStyle/>
+                    <a:p>
+                      <a:pPr algn="l" fontAlgn="b"/>
+                      <a:r>
+                        <a:rPr lang="pt-BR" sz="2000" b="0" i="0" u="none" strike="noStrike">
+                          <a:solidFill>
+                            <a:srgbClr val="000000"/>
+                          </a:solidFill>
+                          <a:effectLst/>
+                          <a:latin typeface="Calibri" panose="020F0502020204030204" pitchFamily="34" charset="0"/>
+                        </a:rPr>
+                        <a:t>Regressiva</a:t>
+                      </a:r>
+                    </a:p>
+                  </a:txBody>
+                  <a:tcPr marL="6350" marR="6350" marT="6350" marB="0" anchor="b">
+                    <a:lnL>
+                      <a:noFill/>
+                    </a:lnL>
+                    <a:lnR>
+                      <a:noFill/>
+                    </a:lnR>
+                    <a:lnT>
+                      <a:noFill/>
+                    </a:lnT>
+                    <a:lnB>
+                      <a:noFill/>
+                    </a:lnB>
+                  </a:tcPr>
+                </a:tc>
+                <a:tc>
+                  <a:txBody>
+                    <a:bodyPr/>
+                    <a:lstStyle/>
+                    <a:p>
+                      <a:pPr algn="r" fontAlgn="b"/>
+                      <a:r>
+                        <a:rPr lang="pt-BR" sz="2000" b="0" i="0" u="none" strike="noStrike">
+                          <a:solidFill>
+                            <a:srgbClr val="000000"/>
+                          </a:solidFill>
+                          <a:effectLst/>
+                          <a:latin typeface="Calibri" panose="020F0502020204030204" pitchFamily="34" charset="0"/>
+                        </a:rPr>
+                        <a:t>66</a:t>
+                      </a:r>
+                    </a:p>
+                  </a:txBody>
+                  <a:tcPr marL="6350" marR="6350" marT="6350" marB="0" anchor="b">
+                    <a:lnL>
+                      <a:noFill/>
+                    </a:lnL>
+                    <a:lnR>
+                      <a:noFill/>
+                    </a:lnR>
+                    <a:lnT>
+                      <a:noFill/>
+                    </a:lnT>
+                    <a:lnB>
+                      <a:noFill/>
+                    </a:lnB>
+                  </a:tcPr>
+                </a:tc>
+                <a:tc>
+                  <a:txBody>
+                    <a:bodyPr/>
+                    <a:lstStyle/>
+                    <a:p>
+                      <a:pPr algn="r" fontAlgn="b"/>
+                      <a:r>
+                        <a:rPr lang="pt-BR" sz="2000" b="0" i="0" u="none" strike="noStrike">
+                          <a:solidFill>
+                            <a:srgbClr val="000000"/>
+                          </a:solidFill>
+                          <a:effectLst/>
+                          <a:latin typeface="Calibri" panose="020F0502020204030204" pitchFamily="34" charset="0"/>
+                        </a:rPr>
+                        <a:t>852,35</a:t>
+                      </a:r>
+                    </a:p>
+                  </a:txBody>
+                  <a:tcPr marL="6350" marR="6350" marT="6350" marB="0" anchor="b">
+                    <a:lnL>
+                      <a:noFill/>
+                    </a:lnL>
+                    <a:lnR>
+                      <a:noFill/>
+                    </a:lnR>
+                    <a:lnT>
+                      <a:noFill/>
+                    </a:lnT>
+                    <a:lnB>
+                      <a:noFill/>
+                    </a:lnB>
+                  </a:tcPr>
+                </a:tc>
+                <a:tc>
+                  <a:txBody>
+                    <a:bodyPr/>
+                    <a:lstStyle/>
+                    <a:p>
+                      <a:pPr algn="r" fontAlgn="b"/>
+                      <a:r>
+                        <a:rPr lang="pt-BR" sz="2000" b="0" i="0" u="none" strike="noStrike">
+                          <a:solidFill>
+                            <a:srgbClr val="000000"/>
+                          </a:solidFill>
+                          <a:effectLst/>
+                          <a:latin typeface="Calibri" panose="020F0502020204030204" pitchFamily="34" charset="0"/>
+                        </a:rPr>
+                        <a:t>50</a:t>
+                      </a:r>
+                    </a:p>
+                  </a:txBody>
+                  <a:tcPr marL="6350" marR="6350" marT="6350" marB="0" anchor="b">
+                    <a:lnL>
+                      <a:noFill/>
+                    </a:lnL>
+                    <a:lnR>
+                      <a:noFill/>
+                    </a:lnR>
+                    <a:lnT>
+                      <a:noFill/>
+                    </a:lnT>
+                    <a:lnB>
+                      <a:noFill/>
+                    </a:lnB>
+                  </a:tcPr>
+                </a:tc>
+                <a:extLst>
+                  <a:ext uri="{0D108BD9-81ED-4DB2-BD59-A6C34878D82A}">
+                    <a16:rowId xmlns:a16="http://schemas.microsoft.com/office/drawing/2014/main" val="778860551"/>
+                  </a:ext>
+                </a:extLst>
+              </a:tr>
+              <a:tr h="330200">
+                <a:tc>
+                  <a:txBody>
+                    <a:bodyPr/>
+                    <a:lstStyle/>
+                    <a:p>
+                      <a:pPr algn="l" fontAlgn="b"/>
+                      <a:r>
+                        <a:rPr lang="pt-BR" sz="2000" b="0" i="0" u="none" strike="noStrike">
+                          <a:solidFill>
+                            <a:srgbClr val="000000"/>
+                          </a:solidFill>
+                          <a:effectLst/>
+                          <a:latin typeface="Calibri" panose="020F0502020204030204" pitchFamily="34" charset="0"/>
+                        </a:rPr>
+                        <a:t>Bidirecional</a:t>
+                      </a:r>
+                    </a:p>
+                  </a:txBody>
+                  <a:tcPr marL="6350" marR="6350" marT="6350" marB="0" anchor="b">
+                    <a:lnL>
+                      <a:noFill/>
+                    </a:lnL>
+                    <a:lnR>
+                      <a:noFill/>
+                    </a:lnR>
+                    <a:lnT>
+                      <a:noFill/>
+                    </a:lnT>
+                    <a:lnB>
+                      <a:noFill/>
+                    </a:lnB>
+                  </a:tcPr>
+                </a:tc>
+                <a:tc>
+                  <a:txBody>
+                    <a:bodyPr/>
+                    <a:lstStyle/>
+                    <a:p>
+                      <a:pPr algn="r" fontAlgn="b"/>
+                      <a:r>
+                        <a:rPr lang="pt-BR" sz="2000" b="0" i="0" u="none" strike="noStrike">
+                          <a:solidFill>
+                            <a:srgbClr val="000000"/>
+                          </a:solidFill>
+                          <a:effectLst/>
+                          <a:latin typeface="Calibri" panose="020F0502020204030204" pitchFamily="34" charset="0"/>
+                        </a:rPr>
+                        <a:t>1</a:t>
+                      </a:r>
+                    </a:p>
+                  </a:txBody>
+                  <a:tcPr marL="6350" marR="6350" marT="6350" marB="0" anchor="b">
+                    <a:lnL>
+                      <a:noFill/>
+                    </a:lnL>
+                    <a:lnR>
+                      <a:noFill/>
+                    </a:lnR>
+                    <a:lnT>
+                      <a:noFill/>
+                    </a:lnT>
+                    <a:lnB>
+                      <a:noFill/>
+                    </a:lnB>
+                  </a:tcPr>
+                </a:tc>
+                <a:tc>
+                  <a:txBody>
+                    <a:bodyPr/>
+                    <a:lstStyle/>
+                    <a:p>
+                      <a:pPr algn="r" fontAlgn="b"/>
+                      <a:r>
+                        <a:rPr lang="pt-BR" sz="2000" b="0" i="0" u="none" strike="noStrike">
+                          <a:solidFill>
+                            <a:srgbClr val="000000"/>
+                          </a:solidFill>
+                          <a:effectLst/>
+                          <a:latin typeface="Calibri" panose="020F0502020204030204" pitchFamily="34" charset="0"/>
+                        </a:rPr>
+                        <a:t>5709,08</a:t>
+                      </a:r>
+                    </a:p>
+                  </a:txBody>
+                  <a:tcPr marL="6350" marR="6350" marT="6350" marB="0" anchor="b">
+                    <a:lnL>
+                      <a:noFill/>
+                    </a:lnL>
+                    <a:lnR>
+                      <a:noFill/>
+                    </a:lnR>
+                    <a:lnT>
+                      <a:noFill/>
+                    </a:lnT>
+                    <a:lnB>
+                      <a:noFill/>
+                    </a:lnB>
+                  </a:tcPr>
+                </a:tc>
+                <a:tc>
+                  <a:txBody>
+                    <a:bodyPr/>
+                    <a:lstStyle/>
+                    <a:p>
+                      <a:pPr algn="r" fontAlgn="b"/>
+                      <a:r>
+                        <a:rPr lang="pt-BR" sz="2000" b="0" i="0" u="none" strike="noStrike">
+                          <a:solidFill>
+                            <a:srgbClr val="000000"/>
+                          </a:solidFill>
+                          <a:effectLst/>
+                          <a:latin typeface="Calibri" panose="020F0502020204030204" pitchFamily="34" charset="0"/>
+                        </a:rPr>
+                        <a:t>0</a:t>
+                      </a:r>
+                    </a:p>
+                  </a:txBody>
+                  <a:tcPr marL="6350" marR="6350" marT="6350" marB="0" anchor="b">
+                    <a:lnL>
+                      <a:noFill/>
+                    </a:lnL>
+                    <a:lnR>
+                      <a:noFill/>
+                    </a:lnR>
+                    <a:lnT>
+                      <a:noFill/>
+                    </a:lnT>
+                    <a:lnB>
+                      <a:noFill/>
+                    </a:lnB>
+                  </a:tcPr>
+                </a:tc>
+                <a:extLst>
+                  <a:ext uri="{0D108BD9-81ED-4DB2-BD59-A6C34878D82A}">
+                    <a16:rowId xmlns:a16="http://schemas.microsoft.com/office/drawing/2014/main" val="277283593"/>
+                  </a:ext>
+                </a:extLst>
+              </a:tr>
+              <a:tr h="330200">
+                <a:tc>
+                  <a:txBody>
+                    <a:bodyPr/>
+                    <a:lstStyle/>
+                    <a:p>
+                      <a:pPr algn="l" fontAlgn="b"/>
+                      <a:r>
+                        <a:rPr lang="pt-BR" sz="2000" b="0" i="0" u="none" strike="noStrike">
+                          <a:solidFill>
+                            <a:srgbClr val="000000"/>
+                          </a:solidFill>
+                          <a:effectLst/>
+                          <a:latin typeface="Calibri" panose="020F0502020204030204" pitchFamily="34" charset="0"/>
+                        </a:rPr>
+                        <a:t>Bidirecional</a:t>
+                      </a:r>
+                    </a:p>
+                  </a:txBody>
+                  <a:tcPr marL="6350" marR="6350" marT="6350" marB="0" anchor="b">
+                    <a:lnL>
+                      <a:noFill/>
+                    </a:lnL>
+                    <a:lnR>
+                      <a:noFill/>
+                    </a:lnR>
+                    <a:lnT>
+                      <a:noFill/>
+                    </a:lnT>
+                    <a:lnB w="6350" cap="flat" cmpd="sng" algn="ctr">
+                      <a:solidFill>
+                        <a:srgbClr val="000000"/>
+                      </a:solidFill>
+                      <a:prstDash val="solid"/>
+                      <a:round/>
+                      <a:headEnd type="none" w="med" len="med"/>
+                      <a:tailEnd type="none" w="med" len="med"/>
+                    </a:lnB>
+                  </a:tcPr>
+                </a:tc>
+                <a:tc>
+                  <a:txBody>
+                    <a:bodyPr/>
+                    <a:lstStyle/>
+                    <a:p>
+                      <a:pPr algn="r" fontAlgn="b"/>
+                      <a:r>
+                        <a:rPr lang="pt-BR" sz="2000" b="0" i="0" u="none" strike="noStrike">
+                          <a:solidFill>
+                            <a:srgbClr val="000000"/>
+                          </a:solidFill>
+                          <a:effectLst/>
+                          <a:latin typeface="Calibri" panose="020F0502020204030204" pitchFamily="34" charset="0"/>
+                        </a:rPr>
+                        <a:t>35</a:t>
+                      </a:r>
+                    </a:p>
+                  </a:txBody>
+                  <a:tcPr marL="6350" marR="6350" marT="6350" marB="0" anchor="b">
+                    <a:lnL>
+                      <a:noFill/>
+                    </a:lnL>
+                    <a:lnR>
+                      <a:noFill/>
+                    </a:lnR>
+                    <a:lnT>
+                      <a:noFill/>
+                    </a:lnT>
+                    <a:lnB w="6350" cap="flat" cmpd="sng" algn="ctr">
+                      <a:solidFill>
+                        <a:srgbClr val="000000"/>
+                      </a:solidFill>
+                      <a:prstDash val="solid"/>
+                      <a:round/>
+                      <a:headEnd type="none" w="med" len="med"/>
+                      <a:tailEnd type="none" w="med" len="med"/>
+                    </a:lnB>
+                  </a:tcPr>
+                </a:tc>
+                <a:tc>
+                  <a:txBody>
+                    <a:bodyPr/>
+                    <a:lstStyle/>
+                    <a:p>
+                      <a:pPr algn="r" fontAlgn="b"/>
+                      <a:r>
+                        <a:rPr lang="pt-BR" sz="2000" b="0" i="0" u="none" strike="noStrike">
+                          <a:solidFill>
+                            <a:srgbClr val="000000"/>
+                          </a:solidFill>
+                          <a:effectLst/>
+                          <a:latin typeface="Calibri" panose="020F0502020204030204" pitchFamily="34" charset="0"/>
+                        </a:rPr>
+                        <a:t>836,78</a:t>
+                      </a:r>
+                    </a:p>
+                  </a:txBody>
+                  <a:tcPr marL="6350" marR="6350" marT="6350" marB="0" anchor="b">
+                    <a:lnL>
+                      <a:noFill/>
+                    </a:lnL>
+                    <a:lnR>
+                      <a:noFill/>
+                    </a:lnR>
+                    <a:lnT>
+                      <a:noFill/>
+                    </a:lnT>
+                    <a:lnB w="6350" cap="flat" cmpd="sng" algn="ctr">
+                      <a:solidFill>
+                        <a:srgbClr val="000000"/>
+                      </a:solidFill>
+                      <a:prstDash val="solid"/>
+                      <a:round/>
+                      <a:headEnd type="none" w="med" len="med"/>
+                      <a:tailEnd type="none" w="med" len="med"/>
+                    </a:lnB>
+                  </a:tcPr>
+                </a:tc>
+                <a:tc>
+                  <a:txBody>
+                    <a:bodyPr/>
+                    <a:lstStyle/>
+                    <a:p>
+                      <a:pPr algn="r" fontAlgn="b"/>
+                      <a:r>
+                        <a:rPr lang="pt-BR" sz="2000" b="0" i="0" u="none" strike="noStrike" dirty="0">
+                          <a:solidFill>
+                            <a:srgbClr val="000000"/>
+                          </a:solidFill>
+                          <a:effectLst/>
+                          <a:latin typeface="Calibri" panose="020F0502020204030204" pitchFamily="34" charset="0"/>
+                        </a:rPr>
+                        <a:t>30</a:t>
+                      </a:r>
+                    </a:p>
+                  </a:txBody>
+                  <a:tcPr marL="6350" marR="6350" marT="6350" marB="0" anchor="b">
+                    <a:lnL>
+                      <a:noFill/>
+                    </a:lnL>
+                    <a:lnR>
+                      <a:noFill/>
+                    </a:lnR>
+                    <a:lnT>
+                      <a:noFill/>
+                    </a:lnT>
+                    <a:lnB w="6350" cap="flat" cmpd="sng" algn="ctr">
+                      <a:solidFill>
+                        <a:srgbClr val="000000"/>
+                      </a:solidFill>
+                      <a:prstDash val="solid"/>
+                      <a:round/>
+                      <a:headEnd type="none" w="med" len="med"/>
+                      <a:tailEnd type="none" w="med" len="med"/>
+                    </a:lnB>
+                  </a:tcPr>
+                </a:tc>
+                <a:extLst>
+                  <a:ext uri="{0D108BD9-81ED-4DB2-BD59-A6C34878D82A}">
+                    <a16:rowId xmlns:a16="http://schemas.microsoft.com/office/drawing/2014/main" val="4169867083"/>
+                  </a:ext>
+                </a:extLst>
+              </a:tr>
+            </a:tbl>
           </a:graphicData>
         </a:graphic>
       </p:graphicFrame>
@@ -3893,13 +5394,20 @@
         <p:spPr/>
         <p:txBody>
           <a:bodyPr>
-            <a:normAutofit fontScale="90000"/>
+            <a:normAutofit/>
           </a:bodyPr>
           <a:lstStyle/>
           <a:p>
             <a:r>
               <a:rPr lang="pt-BR" dirty="0"/>
-              <a:t>Indicadores da capacidade preditiva do modelo de regressão logística com seleção bidirecional de variáveis, para diferentes pontos de corte</a:t>
+              <a:t>Indicadores da capacidade preditiva</a:t>
+            </a:r>
+            <a:br>
+              <a:rPr lang="pt-BR" dirty="0"/>
+            </a:br>
+            <a:r>
+              <a:rPr lang="pt-BR" sz="1800" dirty="0"/>
+              <a:t>Modelo de regressão logística com seleção bidirecional de variáveis, para diferentes pontos de corte</a:t>
             </a:r>
           </a:p>
         </p:txBody>
@@ -3988,102 +5496,1582 @@
         <p:spPr/>
         <p:txBody>
           <a:bodyPr>
-            <a:normAutofit fontScale="90000"/>
+            <a:normAutofit/>
           </a:bodyPr>
           <a:lstStyle/>
           <a:p>
             <a:r>
               <a:rPr lang="pt-BR" dirty="0"/>
-              <a:t>Coeficientes estimados para cada uma das variáveis preditoras do modelo de regressão logística clássica</a:t>
+              <a:t>Coeficientes estimados</a:t>
             </a:r>
-          </a:p>
-        </p:txBody>
-      </p:sp>
-      <p:sp>
-        <p:nvSpPr>
-          <p:cNvPr id="3" name="Espaço Reservado para Conteúdo 2">
-            <a:extLst>
-              <a:ext uri="{FF2B5EF4-FFF2-40B4-BE49-F238E27FC236}">
-                <a16:creationId xmlns:a16="http://schemas.microsoft.com/office/drawing/2014/main" id="{621030C7-AC50-461D-A40A-5DAB9C476480}"/>
-              </a:ext>
-            </a:extLst>
-          </p:cNvPr>
-          <p:cNvSpPr>
-            <a:spLocks noGrp="1"/>
-          </p:cNvSpPr>
-          <p:nvPr>
-            <p:ph idx="1"/>
-          </p:nvPr>
-        </p:nvSpPr>
-        <p:spPr/>
-        <p:txBody>
-          <a:bodyPr/>
-          <a:lstStyle/>
-          <a:p>
-            <a:endParaRPr lang="pt-BR" dirty="0"/>
+            <a:br>
+              <a:rPr lang="pt-BR" dirty="0"/>
+            </a:br>
+            <a:r>
+              <a:rPr lang="pt-BR" sz="1800" dirty="0"/>
+              <a:t>Para cada uma das variáveis preditoras do modelo de regressão logística clássica</a:t>
+            </a:r>
           </a:p>
         </p:txBody>
       </p:sp>
       <p:graphicFrame>
         <p:nvGraphicFramePr>
-          <p:cNvPr id="5" name="Object 4">
+          <p:cNvPr id="6" name="Content Placeholder 5">
             <a:extLst>
               <a:ext uri="{FF2B5EF4-FFF2-40B4-BE49-F238E27FC236}">
-                <a16:creationId xmlns:a16="http://schemas.microsoft.com/office/drawing/2014/main" id="{25D896A2-ECA1-B795-B3C1-AF853EDC268F}"/>
+                <a16:creationId xmlns:a16="http://schemas.microsoft.com/office/drawing/2014/main" id="{7B480709-E240-F627-319C-46A1A536A033}"/>
               </a:ext>
             </a:extLst>
           </p:cNvPr>
           <p:cNvGraphicFramePr>
-            <a:graphicFrameLocks noChangeAspect="1"/>
+            <a:graphicFrameLocks noGrp="1"/>
           </p:cNvGraphicFramePr>
           <p:nvPr>
-            <p:extLst>
-              <p:ext uri="{D42A27DB-BD31-4B8C-83A1-F6EECF244321}">
-                <p14:modId xmlns:p14="http://schemas.microsoft.com/office/powerpoint/2010/main" val="3098035452"/>
-              </p:ext>
-            </p:extLst>
+            <p:ph idx="1"/>
           </p:nvPr>
         </p:nvGraphicFramePr>
         <p:xfrm>
-          <a:off x="1016000" y="1949450"/>
-          <a:ext cx="6947502" cy="2023460"/>
+          <a:off x="2089150" y="2680494"/>
+          <a:ext cx="8013700" cy="2641600"/>
         </p:xfrm>
         <a:graphic>
-          <a:graphicData uri="http://schemas.openxmlformats.org/presentationml/2006/ole">
-            <mc:AlternateContent xmlns:mc="http://schemas.openxmlformats.org/markup-compatibility/2006">
-              <mc:Choice xmlns:v="urn:schemas-microsoft-com:vml" Requires="v">
-                <p:oleObj name="Worksheet" r:id="rId2" imgW="5080000" imgH="1479425" progId="Excel.Sheet.12">
-                  <p:embed/>
-                </p:oleObj>
-              </mc:Choice>
-              <mc:Fallback>
-                <p:oleObj name="Worksheet" r:id="rId2" imgW="5080000" imgH="1479425" progId="Excel.Sheet.12">
-                  <p:embed/>
-                  <p:pic>
-                    <p:nvPicPr>
-                      <p:cNvPr id="0" name=""/>
-                      <p:cNvPicPr/>
-                      <p:nvPr/>
-                    </p:nvPicPr>
-                    <p:blipFill>
-                      <a:blip r:embed="rId3"/>
-                      <a:stretch>
-                        <a:fillRect/>
-                      </a:stretch>
-                    </p:blipFill>
-                    <p:spPr>
-                      <a:xfrm>
-                        <a:off x="1016000" y="1949450"/>
-                        <a:ext cx="6947502" cy="2023460"/>
-                      </a:xfrm>
-                      <a:prstGeom prst="rect">
-                        <a:avLst/>
-                      </a:prstGeom>
-                    </p:spPr>
-                  </p:pic>
-                </p:oleObj>
-              </mc:Fallback>
-            </mc:AlternateContent>
+          <a:graphicData uri="http://schemas.openxmlformats.org/drawingml/2006/table">
+            <a:tbl>
+              <a:tblPr/>
+              <a:tblGrid>
+                <a:gridCol w="2273300">
+                  <a:extLst>
+                    <a:ext uri="{9D8B030D-6E8A-4147-A177-3AD203B41FA5}">
+                      <a16:colId xmlns:a16="http://schemas.microsoft.com/office/drawing/2014/main" val="23924818"/>
+                    </a:ext>
+                  </a:extLst>
+                </a:gridCol>
+                <a:gridCol w="1435100">
+                  <a:extLst>
+                    <a:ext uri="{9D8B030D-6E8A-4147-A177-3AD203B41FA5}">
+                      <a16:colId xmlns:a16="http://schemas.microsoft.com/office/drawing/2014/main" val="3260930200"/>
+                    </a:ext>
+                  </a:extLst>
+                </a:gridCol>
+                <a:gridCol w="1435100">
+                  <a:extLst>
+                    <a:ext uri="{9D8B030D-6E8A-4147-A177-3AD203B41FA5}">
+                      <a16:colId xmlns:a16="http://schemas.microsoft.com/office/drawing/2014/main" val="3456162306"/>
+                    </a:ext>
+                  </a:extLst>
+                </a:gridCol>
+                <a:gridCol w="1435100">
+                  <a:extLst>
+                    <a:ext uri="{9D8B030D-6E8A-4147-A177-3AD203B41FA5}">
+                      <a16:colId xmlns:a16="http://schemas.microsoft.com/office/drawing/2014/main" val="3703171681"/>
+                    </a:ext>
+                  </a:extLst>
+                </a:gridCol>
+                <a:gridCol w="1435100">
+                  <a:extLst>
+                    <a:ext uri="{9D8B030D-6E8A-4147-A177-3AD203B41FA5}">
+                      <a16:colId xmlns:a16="http://schemas.microsoft.com/office/drawing/2014/main" val="2949522528"/>
+                    </a:ext>
+                  </a:extLst>
+                </a:gridCol>
+              </a:tblGrid>
+              <a:tr h="330200">
+                <a:tc>
+                  <a:txBody>
+                    <a:bodyPr/>
+                    <a:lstStyle/>
+                    <a:p>
+                      <a:pPr algn="l" fontAlgn="ctr"/>
+                      <a:r>
+                        <a:rPr lang="pt-BR" sz="2000" b="0" i="0" u="none" strike="noStrike">
+                          <a:solidFill>
+                            <a:srgbClr val="000000"/>
+                          </a:solidFill>
+                          <a:effectLst/>
+                          <a:latin typeface="Calibri" panose="020F0502020204030204" pitchFamily="34" charset="0"/>
+                        </a:rPr>
+                        <a:t>Variável preditora</a:t>
+                      </a:r>
+                    </a:p>
+                  </a:txBody>
+                  <a:tcPr marL="6350" marR="6350" marT="6350" marB="0" anchor="ctr">
+                    <a:lnL>
+                      <a:noFill/>
+                    </a:lnL>
+                    <a:lnR>
+                      <a:noFill/>
+                    </a:lnR>
+                    <a:lnT w="6350" cap="flat" cmpd="sng" algn="ctr">
+                      <a:solidFill>
+                        <a:srgbClr val="000000"/>
+                      </a:solidFill>
+                      <a:prstDash val="solid"/>
+                      <a:round/>
+                      <a:headEnd type="none" w="med" len="med"/>
+                      <a:tailEnd type="none" w="med" len="med"/>
+                    </a:lnT>
+                    <a:lnB w="6350" cap="flat" cmpd="sng" algn="ctr">
+                      <a:solidFill>
+                        <a:srgbClr val="000000"/>
+                      </a:solidFill>
+                      <a:prstDash val="solid"/>
+                      <a:round/>
+                      <a:headEnd type="none" w="med" len="med"/>
+                      <a:tailEnd type="none" w="med" len="med"/>
+                    </a:lnB>
+                  </a:tcPr>
+                </a:tc>
+                <a:tc>
+                  <a:txBody>
+                    <a:bodyPr/>
+                    <a:lstStyle/>
+                    <a:p>
+                      <a:pPr algn="ctr" fontAlgn="ctr"/>
+                      <a:r>
+                        <a:rPr lang="pt-BR" sz="2000" b="0" i="0" u="none" strike="noStrike">
+                          <a:solidFill>
+                            <a:srgbClr val="000000"/>
+                          </a:solidFill>
+                          <a:effectLst/>
+                          <a:latin typeface="Calibri" panose="020F0502020204030204" pitchFamily="34" charset="0"/>
+                        </a:rPr>
+                        <a:t>Coeficiente</a:t>
+                      </a:r>
+                    </a:p>
+                  </a:txBody>
+                  <a:tcPr marL="6350" marR="6350" marT="6350" marB="0" anchor="ctr">
+                    <a:lnL>
+                      <a:noFill/>
+                    </a:lnL>
+                    <a:lnR>
+                      <a:noFill/>
+                    </a:lnR>
+                    <a:lnT w="6350" cap="flat" cmpd="sng" algn="ctr">
+                      <a:solidFill>
+                        <a:srgbClr val="000000"/>
+                      </a:solidFill>
+                      <a:prstDash val="solid"/>
+                      <a:round/>
+                      <a:headEnd type="none" w="med" len="med"/>
+                      <a:tailEnd type="none" w="med" len="med"/>
+                    </a:lnT>
+                    <a:lnB w="6350" cap="flat" cmpd="sng" algn="ctr">
+                      <a:solidFill>
+                        <a:srgbClr val="000000"/>
+                      </a:solidFill>
+                      <a:prstDash val="solid"/>
+                      <a:round/>
+                      <a:headEnd type="none" w="med" len="med"/>
+                      <a:tailEnd type="none" w="med" len="med"/>
+                    </a:lnB>
+                  </a:tcPr>
+                </a:tc>
+                <a:tc>
+                  <a:txBody>
+                    <a:bodyPr/>
+                    <a:lstStyle/>
+                    <a:p>
+                      <a:pPr algn="ctr" fontAlgn="ctr"/>
+                      <a:r>
+                        <a:rPr lang="pt-BR" sz="2000" b="0" i="0" u="none" strike="noStrike">
+                          <a:solidFill>
+                            <a:srgbClr val="000000"/>
+                          </a:solidFill>
+                          <a:effectLst/>
+                          <a:latin typeface="Calibri" panose="020F0502020204030204" pitchFamily="34" charset="0"/>
+                        </a:rPr>
+                        <a:t>Erro padrão</a:t>
+                      </a:r>
+                    </a:p>
+                  </a:txBody>
+                  <a:tcPr marL="6350" marR="6350" marT="6350" marB="0" anchor="ctr">
+                    <a:lnL>
+                      <a:noFill/>
+                    </a:lnL>
+                    <a:lnR>
+                      <a:noFill/>
+                    </a:lnR>
+                    <a:lnT w="6350" cap="flat" cmpd="sng" algn="ctr">
+                      <a:solidFill>
+                        <a:srgbClr val="000000"/>
+                      </a:solidFill>
+                      <a:prstDash val="solid"/>
+                      <a:round/>
+                      <a:headEnd type="none" w="med" len="med"/>
+                      <a:tailEnd type="none" w="med" len="med"/>
+                    </a:lnT>
+                    <a:lnB w="6350" cap="flat" cmpd="sng" algn="ctr">
+                      <a:solidFill>
+                        <a:srgbClr val="000000"/>
+                      </a:solidFill>
+                      <a:prstDash val="solid"/>
+                      <a:round/>
+                      <a:headEnd type="none" w="med" len="med"/>
+                      <a:tailEnd type="none" w="med" len="med"/>
+                    </a:lnB>
+                  </a:tcPr>
+                </a:tc>
+                <a:tc>
+                  <a:txBody>
+                    <a:bodyPr/>
+                    <a:lstStyle/>
+                    <a:p>
+                      <a:pPr algn="ctr" fontAlgn="ctr"/>
+                      <a:r>
+                        <a:rPr lang="pt-BR" sz="2000" b="0" i="0" u="none" strike="noStrike">
+                          <a:solidFill>
+                            <a:srgbClr val="000000"/>
+                          </a:solidFill>
+                          <a:effectLst/>
+                          <a:latin typeface="Calibri" panose="020F0502020204030204" pitchFamily="34" charset="0"/>
+                        </a:rPr>
+                        <a:t>Valor z</a:t>
+                      </a:r>
+                    </a:p>
+                  </a:txBody>
+                  <a:tcPr marL="6350" marR="6350" marT="6350" marB="0" anchor="ctr">
+                    <a:lnL>
+                      <a:noFill/>
+                    </a:lnL>
+                    <a:lnR>
+                      <a:noFill/>
+                    </a:lnR>
+                    <a:lnT w="6350" cap="flat" cmpd="sng" algn="ctr">
+                      <a:solidFill>
+                        <a:srgbClr val="000000"/>
+                      </a:solidFill>
+                      <a:prstDash val="solid"/>
+                      <a:round/>
+                      <a:headEnd type="none" w="med" len="med"/>
+                      <a:tailEnd type="none" w="med" len="med"/>
+                    </a:lnT>
+                    <a:lnB w="6350" cap="flat" cmpd="sng" algn="ctr">
+                      <a:solidFill>
+                        <a:srgbClr val="000000"/>
+                      </a:solidFill>
+                      <a:prstDash val="solid"/>
+                      <a:round/>
+                      <a:headEnd type="none" w="med" len="med"/>
+                      <a:tailEnd type="none" w="med" len="med"/>
+                    </a:lnB>
+                  </a:tcPr>
+                </a:tc>
+                <a:tc>
+                  <a:txBody>
+                    <a:bodyPr/>
+                    <a:lstStyle/>
+                    <a:p>
+                      <a:pPr algn="ctr" fontAlgn="ctr"/>
+                      <a:r>
+                        <a:rPr lang="pt-BR" sz="2000" b="0" i="0" u="none" strike="noStrike">
+                          <a:solidFill>
+                            <a:srgbClr val="000000"/>
+                          </a:solidFill>
+                          <a:effectLst/>
+                          <a:latin typeface="Calibri" panose="020F0502020204030204" pitchFamily="34" charset="0"/>
+                        </a:rPr>
+                        <a:t>Pr(&gt;|z|)</a:t>
+                      </a:r>
+                    </a:p>
+                  </a:txBody>
+                  <a:tcPr marL="6350" marR="6350" marT="6350" marB="0" anchor="ctr">
+                    <a:lnL>
+                      <a:noFill/>
+                    </a:lnL>
+                    <a:lnR>
+                      <a:noFill/>
+                    </a:lnR>
+                    <a:lnT w="6350" cap="flat" cmpd="sng" algn="ctr">
+                      <a:solidFill>
+                        <a:srgbClr val="000000"/>
+                      </a:solidFill>
+                      <a:prstDash val="solid"/>
+                      <a:round/>
+                      <a:headEnd type="none" w="med" len="med"/>
+                      <a:tailEnd type="none" w="med" len="med"/>
+                    </a:lnT>
+                    <a:lnB w="6350" cap="flat" cmpd="sng" algn="ctr">
+                      <a:solidFill>
+                        <a:srgbClr val="000000"/>
+                      </a:solidFill>
+                      <a:prstDash val="solid"/>
+                      <a:round/>
+                      <a:headEnd type="none" w="med" len="med"/>
+                      <a:tailEnd type="none" w="med" len="med"/>
+                    </a:lnB>
+                  </a:tcPr>
+                </a:tc>
+                <a:extLst>
+                  <a:ext uri="{0D108BD9-81ED-4DB2-BD59-A6C34878D82A}">
+                    <a16:rowId xmlns:a16="http://schemas.microsoft.com/office/drawing/2014/main" val="673680945"/>
+                  </a:ext>
+                </a:extLst>
+              </a:tr>
+              <a:tr h="330200">
+                <a:tc>
+                  <a:txBody>
+                    <a:bodyPr/>
+                    <a:lstStyle/>
+                    <a:p>
+                      <a:pPr algn="l" fontAlgn="b"/>
+                      <a:r>
+                        <a:rPr lang="pt-BR" sz="2000" b="0" i="0" u="none" strike="noStrike">
+                          <a:solidFill>
+                            <a:srgbClr val="000000"/>
+                          </a:solidFill>
+                          <a:effectLst/>
+                          <a:latin typeface="Calibri" panose="020F0502020204030204" pitchFamily="34" charset="0"/>
+                        </a:rPr>
+                        <a:t>(Intercept)</a:t>
+                      </a:r>
+                    </a:p>
+                  </a:txBody>
+                  <a:tcPr marL="6350" marR="6350" marT="6350" marB="0" anchor="b">
+                    <a:lnL>
+                      <a:noFill/>
+                    </a:lnL>
+                    <a:lnR>
+                      <a:noFill/>
+                    </a:lnR>
+                    <a:lnT w="6350" cap="flat" cmpd="sng" algn="ctr">
+                      <a:solidFill>
+                        <a:srgbClr val="000000"/>
+                      </a:solidFill>
+                      <a:prstDash val="solid"/>
+                      <a:round/>
+                      <a:headEnd type="none" w="med" len="med"/>
+                      <a:tailEnd type="none" w="med" len="med"/>
+                    </a:lnT>
+                    <a:lnB>
+                      <a:noFill/>
+                    </a:lnB>
+                  </a:tcPr>
+                </a:tc>
+                <a:tc>
+                  <a:txBody>
+                    <a:bodyPr/>
+                    <a:lstStyle/>
+                    <a:p>
+                      <a:pPr algn="r" fontAlgn="b"/>
+                      <a:r>
+                        <a:rPr lang="pt-BR" sz="2000" b="0" i="0" u="none" strike="noStrike">
+                          <a:solidFill>
+                            <a:srgbClr val="000000"/>
+                          </a:solidFill>
+                          <a:effectLst/>
+                          <a:latin typeface="Calibri" panose="020F0502020204030204" pitchFamily="34" charset="0"/>
+                        </a:rPr>
+                        <a:t>34,794</a:t>
+                      </a:r>
+                    </a:p>
+                  </a:txBody>
+                  <a:tcPr marL="6350" marR="6350" marT="6350" marB="0" anchor="b">
+                    <a:lnL>
+                      <a:noFill/>
+                    </a:lnL>
+                    <a:lnR>
+                      <a:noFill/>
+                    </a:lnR>
+                    <a:lnT w="6350" cap="flat" cmpd="sng" algn="ctr">
+                      <a:solidFill>
+                        <a:srgbClr val="000000"/>
+                      </a:solidFill>
+                      <a:prstDash val="solid"/>
+                      <a:round/>
+                      <a:headEnd type="none" w="med" len="med"/>
+                      <a:tailEnd type="none" w="med" len="med"/>
+                    </a:lnT>
+                    <a:lnB>
+                      <a:noFill/>
+                    </a:lnB>
+                  </a:tcPr>
+                </a:tc>
+                <a:tc>
+                  <a:txBody>
+                    <a:bodyPr/>
+                    <a:lstStyle/>
+                    <a:p>
+                      <a:pPr algn="r" fontAlgn="b"/>
+                      <a:r>
+                        <a:rPr lang="pt-BR" sz="2000" b="0" i="0" u="none" strike="noStrike">
+                          <a:solidFill>
+                            <a:srgbClr val="000000"/>
+                          </a:solidFill>
+                          <a:effectLst/>
+                          <a:latin typeface="Calibri" panose="020F0502020204030204" pitchFamily="34" charset="0"/>
+                        </a:rPr>
+                        <a:t>1.380,479</a:t>
+                      </a:r>
+                    </a:p>
+                  </a:txBody>
+                  <a:tcPr marL="6350" marR="6350" marT="6350" marB="0" anchor="b">
+                    <a:lnL>
+                      <a:noFill/>
+                    </a:lnL>
+                    <a:lnR>
+                      <a:noFill/>
+                    </a:lnR>
+                    <a:lnT w="6350" cap="flat" cmpd="sng" algn="ctr">
+                      <a:solidFill>
+                        <a:srgbClr val="000000"/>
+                      </a:solidFill>
+                      <a:prstDash val="solid"/>
+                      <a:round/>
+                      <a:headEnd type="none" w="med" len="med"/>
+                      <a:tailEnd type="none" w="med" len="med"/>
+                    </a:lnT>
+                    <a:lnB>
+                      <a:noFill/>
+                    </a:lnB>
+                  </a:tcPr>
+                </a:tc>
+                <a:tc>
+                  <a:txBody>
+                    <a:bodyPr/>
+                    <a:lstStyle/>
+                    <a:p>
+                      <a:pPr algn="r" fontAlgn="b"/>
+                      <a:r>
+                        <a:rPr lang="pt-BR" sz="2000" b="0" i="0" u="none" strike="noStrike">
+                          <a:solidFill>
+                            <a:srgbClr val="000000"/>
+                          </a:solidFill>
+                          <a:effectLst/>
+                          <a:latin typeface="Calibri" panose="020F0502020204030204" pitchFamily="34" charset="0"/>
+                        </a:rPr>
+                        <a:t>0,025</a:t>
+                      </a:r>
+                    </a:p>
+                  </a:txBody>
+                  <a:tcPr marL="6350" marR="6350" marT="6350" marB="0" anchor="b">
+                    <a:lnL>
+                      <a:noFill/>
+                    </a:lnL>
+                    <a:lnR>
+                      <a:noFill/>
+                    </a:lnR>
+                    <a:lnT w="6350" cap="flat" cmpd="sng" algn="ctr">
+                      <a:solidFill>
+                        <a:srgbClr val="000000"/>
+                      </a:solidFill>
+                      <a:prstDash val="solid"/>
+                      <a:round/>
+                      <a:headEnd type="none" w="med" len="med"/>
+                      <a:tailEnd type="none" w="med" len="med"/>
+                    </a:lnT>
+                    <a:lnB>
+                      <a:noFill/>
+                    </a:lnB>
+                  </a:tcPr>
+                </a:tc>
+                <a:tc>
+                  <a:txBody>
+                    <a:bodyPr/>
+                    <a:lstStyle/>
+                    <a:p>
+                      <a:pPr algn="r" fontAlgn="b"/>
+                      <a:r>
+                        <a:rPr lang="pt-BR" sz="2000" b="0" i="0" u="none" strike="noStrike">
+                          <a:solidFill>
+                            <a:srgbClr val="000000"/>
+                          </a:solidFill>
+                          <a:effectLst/>
+                          <a:latin typeface="Calibri" panose="020F0502020204030204" pitchFamily="34" charset="0"/>
+                        </a:rPr>
+                        <a:t>0,980</a:t>
+                      </a:r>
+                    </a:p>
+                  </a:txBody>
+                  <a:tcPr marL="6350" marR="6350" marT="6350" marB="0" anchor="b">
+                    <a:lnL>
+                      <a:noFill/>
+                    </a:lnL>
+                    <a:lnR>
+                      <a:noFill/>
+                    </a:lnR>
+                    <a:lnT w="6350" cap="flat" cmpd="sng" algn="ctr">
+                      <a:solidFill>
+                        <a:srgbClr val="000000"/>
+                      </a:solidFill>
+                      <a:prstDash val="solid"/>
+                      <a:round/>
+                      <a:headEnd type="none" w="med" len="med"/>
+                      <a:tailEnd type="none" w="med" len="med"/>
+                    </a:lnT>
+                    <a:lnB>
+                      <a:noFill/>
+                    </a:lnB>
+                  </a:tcPr>
+                </a:tc>
+                <a:extLst>
+                  <a:ext uri="{0D108BD9-81ED-4DB2-BD59-A6C34878D82A}">
+                    <a16:rowId xmlns:a16="http://schemas.microsoft.com/office/drawing/2014/main" val="3240956495"/>
+                  </a:ext>
+                </a:extLst>
+              </a:tr>
+              <a:tr h="330200">
+                <a:tc>
+                  <a:txBody>
+                    <a:bodyPr/>
+                    <a:lstStyle/>
+                    <a:p>
+                      <a:pPr algn="l" fontAlgn="b"/>
+                      <a:r>
+                        <a:rPr lang="pt-BR" sz="2000" b="0" i="0" u="none" strike="noStrike">
+                          <a:solidFill>
+                            <a:srgbClr val="000000"/>
+                          </a:solidFill>
+                          <a:effectLst/>
+                          <a:latin typeface="Calibri" panose="020F0502020204030204" pitchFamily="34" charset="0"/>
+                        </a:rPr>
+                        <a:t>satisfaction_score_4</a:t>
+                      </a:r>
+                    </a:p>
+                  </a:txBody>
+                  <a:tcPr marL="6350" marR="6350" marT="6350" marB="0" anchor="b">
+                    <a:lnL>
+                      <a:noFill/>
+                    </a:lnL>
+                    <a:lnR>
+                      <a:noFill/>
+                    </a:lnR>
+                    <a:lnT>
+                      <a:noFill/>
+                    </a:lnT>
+                    <a:lnB>
+                      <a:noFill/>
+                    </a:lnB>
+                  </a:tcPr>
+                </a:tc>
+                <a:tc>
+                  <a:txBody>
+                    <a:bodyPr/>
+                    <a:lstStyle/>
+                    <a:p>
+                      <a:pPr algn="r" fontAlgn="b"/>
+                      <a:r>
+                        <a:rPr lang="pt-BR" sz="2000" b="0" i="0" u="none" strike="noStrike">
+                          <a:solidFill>
+                            <a:srgbClr val="000000"/>
+                          </a:solidFill>
+                          <a:effectLst/>
+                          <a:latin typeface="Calibri" panose="020F0502020204030204" pitchFamily="34" charset="0"/>
+                        </a:rPr>
+                        <a:t>-60,216</a:t>
+                      </a:r>
+                    </a:p>
+                  </a:txBody>
+                  <a:tcPr marL="6350" marR="6350" marT="6350" marB="0" anchor="b">
+                    <a:lnL>
+                      <a:noFill/>
+                    </a:lnL>
+                    <a:lnR>
+                      <a:noFill/>
+                    </a:lnR>
+                    <a:lnT>
+                      <a:noFill/>
+                    </a:lnT>
+                    <a:lnB>
+                      <a:noFill/>
+                    </a:lnB>
+                  </a:tcPr>
+                </a:tc>
+                <a:tc>
+                  <a:txBody>
+                    <a:bodyPr/>
+                    <a:lstStyle/>
+                    <a:p>
+                      <a:pPr algn="r" fontAlgn="b"/>
+                      <a:r>
+                        <a:rPr lang="pt-BR" sz="2000" b="0" i="0" u="none" strike="noStrike">
+                          <a:solidFill>
+                            <a:srgbClr val="000000"/>
+                          </a:solidFill>
+                          <a:effectLst/>
+                          <a:latin typeface="Calibri" panose="020F0502020204030204" pitchFamily="34" charset="0"/>
+                        </a:rPr>
+                        <a:t>1.747,677</a:t>
+                      </a:r>
+                    </a:p>
+                  </a:txBody>
+                  <a:tcPr marL="6350" marR="6350" marT="6350" marB="0" anchor="b">
+                    <a:lnL>
+                      <a:noFill/>
+                    </a:lnL>
+                    <a:lnR>
+                      <a:noFill/>
+                    </a:lnR>
+                    <a:lnT>
+                      <a:noFill/>
+                    </a:lnT>
+                    <a:lnB>
+                      <a:noFill/>
+                    </a:lnB>
+                  </a:tcPr>
+                </a:tc>
+                <a:tc>
+                  <a:txBody>
+                    <a:bodyPr/>
+                    <a:lstStyle/>
+                    <a:p>
+                      <a:pPr algn="r" fontAlgn="b"/>
+                      <a:r>
+                        <a:rPr lang="pt-BR" sz="2000" b="0" i="0" u="none" strike="noStrike">
+                          <a:solidFill>
+                            <a:srgbClr val="000000"/>
+                          </a:solidFill>
+                          <a:effectLst/>
+                          <a:latin typeface="Calibri" panose="020F0502020204030204" pitchFamily="34" charset="0"/>
+                        </a:rPr>
+                        <a:t>-0,034</a:t>
+                      </a:r>
+                    </a:p>
+                  </a:txBody>
+                  <a:tcPr marL="6350" marR="6350" marT="6350" marB="0" anchor="b">
+                    <a:lnL>
+                      <a:noFill/>
+                    </a:lnL>
+                    <a:lnR>
+                      <a:noFill/>
+                    </a:lnR>
+                    <a:lnT>
+                      <a:noFill/>
+                    </a:lnT>
+                    <a:lnB>
+                      <a:noFill/>
+                    </a:lnB>
+                  </a:tcPr>
+                </a:tc>
+                <a:tc>
+                  <a:txBody>
+                    <a:bodyPr/>
+                    <a:lstStyle/>
+                    <a:p>
+                      <a:pPr algn="r" fontAlgn="b"/>
+                      <a:r>
+                        <a:rPr lang="pt-BR" sz="2000" b="0" i="0" u="none" strike="noStrike">
+                          <a:solidFill>
+                            <a:srgbClr val="000000"/>
+                          </a:solidFill>
+                          <a:effectLst/>
+                          <a:latin typeface="Calibri" panose="020F0502020204030204" pitchFamily="34" charset="0"/>
+                        </a:rPr>
+                        <a:t>0,973</a:t>
+                      </a:r>
+                    </a:p>
+                  </a:txBody>
+                  <a:tcPr marL="6350" marR="6350" marT="6350" marB="0" anchor="b">
+                    <a:lnL>
+                      <a:noFill/>
+                    </a:lnL>
+                    <a:lnR>
+                      <a:noFill/>
+                    </a:lnR>
+                    <a:lnT>
+                      <a:noFill/>
+                    </a:lnT>
+                    <a:lnB>
+                      <a:noFill/>
+                    </a:lnB>
+                  </a:tcPr>
+                </a:tc>
+                <a:extLst>
+                  <a:ext uri="{0D108BD9-81ED-4DB2-BD59-A6C34878D82A}">
+                    <a16:rowId xmlns:a16="http://schemas.microsoft.com/office/drawing/2014/main" val="2948591873"/>
+                  </a:ext>
+                </a:extLst>
+              </a:tr>
+              <a:tr h="330200">
+                <a:tc>
+                  <a:txBody>
+                    <a:bodyPr/>
+                    <a:lstStyle/>
+                    <a:p>
+                      <a:pPr algn="l" fontAlgn="b"/>
+                      <a:r>
+                        <a:rPr lang="pt-BR" sz="2000" b="0" i="0" u="none" strike="noStrike">
+                          <a:solidFill>
+                            <a:srgbClr val="000000"/>
+                          </a:solidFill>
+                          <a:effectLst/>
+                          <a:latin typeface="Calibri" panose="020F0502020204030204" pitchFamily="34" charset="0"/>
+                        </a:rPr>
+                        <a:t>satisfaction_score_5</a:t>
+                      </a:r>
+                    </a:p>
+                  </a:txBody>
+                  <a:tcPr marL="6350" marR="6350" marT="6350" marB="0" anchor="b">
+                    <a:lnL>
+                      <a:noFill/>
+                    </a:lnL>
+                    <a:lnR>
+                      <a:noFill/>
+                    </a:lnR>
+                    <a:lnT>
+                      <a:noFill/>
+                    </a:lnT>
+                    <a:lnB>
+                      <a:noFill/>
+                    </a:lnB>
+                  </a:tcPr>
+                </a:tc>
+                <a:tc>
+                  <a:txBody>
+                    <a:bodyPr/>
+                    <a:lstStyle/>
+                    <a:p>
+                      <a:pPr algn="r" fontAlgn="b"/>
+                      <a:r>
+                        <a:rPr lang="pt-BR" sz="2000" b="0" i="0" u="none" strike="noStrike">
+                          <a:solidFill>
+                            <a:srgbClr val="000000"/>
+                          </a:solidFill>
+                          <a:effectLst/>
+                          <a:latin typeface="Calibri" panose="020F0502020204030204" pitchFamily="34" charset="0"/>
+                        </a:rPr>
+                        <a:t>-60,679</a:t>
+                      </a:r>
+                    </a:p>
+                  </a:txBody>
+                  <a:tcPr marL="6350" marR="6350" marT="6350" marB="0" anchor="b">
+                    <a:lnL>
+                      <a:noFill/>
+                    </a:lnL>
+                    <a:lnR>
+                      <a:noFill/>
+                    </a:lnR>
+                    <a:lnT>
+                      <a:noFill/>
+                    </a:lnT>
+                    <a:lnB>
+                      <a:noFill/>
+                    </a:lnB>
+                  </a:tcPr>
+                </a:tc>
+                <a:tc>
+                  <a:txBody>
+                    <a:bodyPr/>
+                    <a:lstStyle/>
+                    <a:p>
+                      <a:pPr algn="r" fontAlgn="b"/>
+                      <a:r>
+                        <a:rPr lang="pt-BR" sz="2000" b="0" i="0" u="none" strike="noStrike">
+                          <a:solidFill>
+                            <a:srgbClr val="000000"/>
+                          </a:solidFill>
+                          <a:effectLst/>
+                          <a:latin typeface="Calibri" panose="020F0502020204030204" pitchFamily="34" charset="0"/>
+                        </a:rPr>
+                        <a:t>1.970,931</a:t>
+                      </a:r>
+                    </a:p>
+                  </a:txBody>
+                  <a:tcPr marL="6350" marR="6350" marT="6350" marB="0" anchor="b">
+                    <a:lnL>
+                      <a:noFill/>
+                    </a:lnL>
+                    <a:lnR>
+                      <a:noFill/>
+                    </a:lnR>
+                    <a:lnT>
+                      <a:noFill/>
+                    </a:lnT>
+                    <a:lnB>
+                      <a:noFill/>
+                    </a:lnB>
+                  </a:tcPr>
+                </a:tc>
+                <a:tc>
+                  <a:txBody>
+                    <a:bodyPr/>
+                    <a:lstStyle/>
+                    <a:p>
+                      <a:pPr algn="r" fontAlgn="b"/>
+                      <a:r>
+                        <a:rPr lang="pt-BR" sz="2000" b="0" i="0" u="none" strike="noStrike">
+                          <a:solidFill>
+                            <a:srgbClr val="000000"/>
+                          </a:solidFill>
+                          <a:effectLst/>
+                          <a:latin typeface="Calibri" panose="020F0502020204030204" pitchFamily="34" charset="0"/>
+                        </a:rPr>
+                        <a:t>-0,031</a:t>
+                      </a:r>
+                    </a:p>
+                  </a:txBody>
+                  <a:tcPr marL="6350" marR="6350" marT="6350" marB="0" anchor="b">
+                    <a:lnL>
+                      <a:noFill/>
+                    </a:lnL>
+                    <a:lnR>
+                      <a:noFill/>
+                    </a:lnR>
+                    <a:lnT>
+                      <a:noFill/>
+                    </a:lnT>
+                    <a:lnB>
+                      <a:noFill/>
+                    </a:lnB>
+                  </a:tcPr>
+                </a:tc>
+                <a:tc>
+                  <a:txBody>
+                    <a:bodyPr/>
+                    <a:lstStyle/>
+                    <a:p>
+                      <a:pPr algn="r" fontAlgn="b"/>
+                      <a:r>
+                        <a:rPr lang="pt-BR" sz="2000" b="0" i="0" u="none" strike="noStrike">
+                          <a:solidFill>
+                            <a:srgbClr val="000000"/>
+                          </a:solidFill>
+                          <a:effectLst/>
+                          <a:latin typeface="Calibri" panose="020F0502020204030204" pitchFamily="34" charset="0"/>
+                        </a:rPr>
+                        <a:t>0,975</a:t>
+                      </a:r>
+                    </a:p>
+                  </a:txBody>
+                  <a:tcPr marL="6350" marR="6350" marT="6350" marB="0" anchor="b">
+                    <a:lnL>
+                      <a:noFill/>
+                    </a:lnL>
+                    <a:lnR>
+                      <a:noFill/>
+                    </a:lnR>
+                    <a:lnT>
+                      <a:noFill/>
+                    </a:lnT>
+                    <a:lnB>
+                      <a:noFill/>
+                    </a:lnB>
+                  </a:tcPr>
+                </a:tc>
+                <a:extLst>
+                  <a:ext uri="{0D108BD9-81ED-4DB2-BD59-A6C34878D82A}">
+                    <a16:rowId xmlns:a16="http://schemas.microsoft.com/office/drawing/2014/main" val="150104960"/>
+                  </a:ext>
+                </a:extLst>
+              </a:tr>
+              <a:tr h="330200">
+                <a:tc>
+                  <a:txBody>
+                    <a:bodyPr/>
+                    <a:lstStyle/>
+                    <a:p>
+                      <a:pPr algn="l" fontAlgn="b"/>
+                      <a:r>
+                        <a:rPr lang="pt-BR" sz="2000" b="0" i="0" u="none" strike="noStrike">
+                          <a:solidFill>
+                            <a:srgbClr val="000000"/>
+                          </a:solidFill>
+                          <a:effectLst/>
+                          <a:latin typeface="Calibri" panose="020F0502020204030204" pitchFamily="34" charset="0"/>
+                        </a:rPr>
+                        <a:t>satisfaction_score_3</a:t>
+                      </a:r>
+                    </a:p>
+                  </a:txBody>
+                  <a:tcPr marL="6350" marR="6350" marT="6350" marB="0" anchor="b">
+                    <a:lnL>
+                      <a:noFill/>
+                    </a:lnL>
+                    <a:lnR>
+                      <a:noFill/>
+                    </a:lnR>
+                    <a:lnT>
+                      <a:noFill/>
+                    </a:lnT>
+                    <a:lnB>
+                      <a:noFill/>
+                    </a:lnB>
+                  </a:tcPr>
+                </a:tc>
+                <a:tc>
+                  <a:txBody>
+                    <a:bodyPr/>
+                    <a:lstStyle/>
+                    <a:p>
+                      <a:pPr algn="r" fontAlgn="b"/>
+                      <a:r>
+                        <a:rPr lang="pt-BR" sz="2000" b="0" i="0" u="none" strike="noStrike">
+                          <a:solidFill>
+                            <a:srgbClr val="000000"/>
+                          </a:solidFill>
+                          <a:effectLst/>
+                          <a:latin typeface="Calibri" panose="020F0502020204030204" pitchFamily="34" charset="0"/>
+                        </a:rPr>
+                        <a:t>-38,961</a:t>
+                      </a:r>
+                    </a:p>
+                  </a:txBody>
+                  <a:tcPr marL="6350" marR="6350" marT="6350" marB="0" anchor="b">
+                    <a:lnL>
+                      <a:noFill/>
+                    </a:lnL>
+                    <a:lnR>
+                      <a:noFill/>
+                    </a:lnR>
+                    <a:lnT>
+                      <a:noFill/>
+                    </a:lnT>
+                    <a:lnB>
+                      <a:noFill/>
+                    </a:lnB>
+                  </a:tcPr>
+                </a:tc>
+                <a:tc>
+                  <a:txBody>
+                    <a:bodyPr/>
+                    <a:lstStyle/>
+                    <a:p>
+                      <a:pPr algn="r" fontAlgn="b"/>
+                      <a:r>
+                        <a:rPr lang="pt-BR" sz="2000" b="0" i="0" u="none" strike="noStrike">
+                          <a:solidFill>
+                            <a:srgbClr val="000000"/>
+                          </a:solidFill>
+                          <a:effectLst/>
+                          <a:latin typeface="Calibri" panose="020F0502020204030204" pitchFamily="34" charset="0"/>
+                        </a:rPr>
+                        <a:t>1.380,479</a:t>
+                      </a:r>
+                    </a:p>
+                  </a:txBody>
+                  <a:tcPr marL="6350" marR="6350" marT="6350" marB="0" anchor="b">
+                    <a:lnL>
+                      <a:noFill/>
+                    </a:lnL>
+                    <a:lnR>
+                      <a:noFill/>
+                    </a:lnR>
+                    <a:lnT>
+                      <a:noFill/>
+                    </a:lnT>
+                    <a:lnB>
+                      <a:noFill/>
+                    </a:lnB>
+                  </a:tcPr>
+                </a:tc>
+                <a:tc>
+                  <a:txBody>
+                    <a:bodyPr/>
+                    <a:lstStyle/>
+                    <a:p>
+                      <a:pPr algn="r" fontAlgn="b"/>
+                      <a:r>
+                        <a:rPr lang="pt-BR" sz="2000" b="0" i="0" u="none" strike="noStrike">
+                          <a:solidFill>
+                            <a:srgbClr val="000000"/>
+                          </a:solidFill>
+                          <a:effectLst/>
+                          <a:latin typeface="Calibri" panose="020F0502020204030204" pitchFamily="34" charset="0"/>
+                        </a:rPr>
+                        <a:t>-0,028</a:t>
+                      </a:r>
+                    </a:p>
+                  </a:txBody>
+                  <a:tcPr marL="6350" marR="6350" marT="6350" marB="0" anchor="b">
+                    <a:lnL>
+                      <a:noFill/>
+                    </a:lnL>
+                    <a:lnR>
+                      <a:noFill/>
+                    </a:lnR>
+                    <a:lnT>
+                      <a:noFill/>
+                    </a:lnT>
+                    <a:lnB>
+                      <a:noFill/>
+                    </a:lnB>
+                  </a:tcPr>
+                </a:tc>
+                <a:tc>
+                  <a:txBody>
+                    <a:bodyPr/>
+                    <a:lstStyle/>
+                    <a:p>
+                      <a:pPr algn="r" fontAlgn="b"/>
+                      <a:r>
+                        <a:rPr lang="pt-BR" sz="2000" b="0" i="0" u="none" strike="noStrike">
+                          <a:solidFill>
+                            <a:srgbClr val="000000"/>
+                          </a:solidFill>
+                          <a:effectLst/>
+                          <a:latin typeface="Calibri" panose="020F0502020204030204" pitchFamily="34" charset="0"/>
+                        </a:rPr>
+                        <a:t>0,977</a:t>
+                      </a:r>
+                    </a:p>
+                  </a:txBody>
+                  <a:tcPr marL="6350" marR="6350" marT="6350" marB="0" anchor="b">
+                    <a:lnL>
+                      <a:noFill/>
+                    </a:lnL>
+                    <a:lnR>
+                      <a:noFill/>
+                    </a:lnR>
+                    <a:lnT>
+                      <a:noFill/>
+                    </a:lnT>
+                    <a:lnB>
+                      <a:noFill/>
+                    </a:lnB>
+                  </a:tcPr>
+                </a:tc>
+                <a:extLst>
+                  <a:ext uri="{0D108BD9-81ED-4DB2-BD59-A6C34878D82A}">
+                    <a16:rowId xmlns:a16="http://schemas.microsoft.com/office/drawing/2014/main" val="3338879131"/>
+                  </a:ext>
+                </a:extLst>
+              </a:tr>
+              <a:tr h="330200">
+                <a:tc>
+                  <a:txBody>
+                    <a:bodyPr/>
+                    <a:lstStyle/>
+                    <a:p>
+                      <a:pPr algn="l" fontAlgn="b"/>
+                      <a:r>
+                        <a:rPr lang="pt-BR" sz="2000" b="0" i="0" u="none" strike="noStrike">
+                          <a:solidFill>
+                            <a:srgbClr val="000000"/>
+                          </a:solidFill>
+                          <a:effectLst/>
+                          <a:latin typeface="Calibri" panose="020F0502020204030204" pitchFamily="34" charset="0"/>
+                        </a:rPr>
+                        <a:t>flg_online_security1</a:t>
+                      </a:r>
+                    </a:p>
+                  </a:txBody>
+                  <a:tcPr marL="6350" marR="6350" marT="6350" marB="0" anchor="b">
+                    <a:lnL>
+                      <a:noFill/>
+                    </a:lnL>
+                    <a:lnR>
+                      <a:noFill/>
+                    </a:lnR>
+                    <a:lnT>
+                      <a:noFill/>
+                    </a:lnT>
+                    <a:lnB>
+                      <a:noFill/>
+                    </a:lnB>
+                  </a:tcPr>
+                </a:tc>
+                <a:tc>
+                  <a:txBody>
+                    <a:bodyPr/>
+                    <a:lstStyle/>
+                    <a:p>
+                      <a:pPr algn="r" fontAlgn="b"/>
+                      <a:r>
+                        <a:rPr lang="pt-BR" sz="2000" b="0" i="0" u="none" strike="noStrike">
+                          <a:solidFill>
+                            <a:srgbClr val="000000"/>
+                          </a:solidFill>
+                          <a:effectLst/>
+                          <a:latin typeface="Calibri" panose="020F0502020204030204" pitchFamily="34" charset="0"/>
+                        </a:rPr>
+                        <a:t>-3,701</a:t>
+                      </a:r>
+                    </a:p>
+                  </a:txBody>
+                  <a:tcPr marL="6350" marR="6350" marT="6350" marB="0" anchor="b">
+                    <a:lnL>
+                      <a:noFill/>
+                    </a:lnL>
+                    <a:lnR>
+                      <a:noFill/>
+                    </a:lnR>
+                    <a:lnT>
+                      <a:noFill/>
+                    </a:lnT>
+                    <a:lnB>
+                      <a:noFill/>
+                    </a:lnB>
+                  </a:tcPr>
+                </a:tc>
+                <a:tc>
+                  <a:txBody>
+                    <a:bodyPr/>
+                    <a:lstStyle/>
+                    <a:p>
+                      <a:pPr algn="r" fontAlgn="b"/>
+                      <a:r>
+                        <a:rPr lang="pt-BR" sz="2000" b="0" i="0" u="none" strike="noStrike">
+                          <a:solidFill>
+                            <a:srgbClr val="000000"/>
+                          </a:solidFill>
+                          <a:effectLst/>
+                          <a:latin typeface="Calibri" panose="020F0502020204030204" pitchFamily="34" charset="0"/>
+                        </a:rPr>
+                        <a:t>0,451</a:t>
+                      </a:r>
+                    </a:p>
+                  </a:txBody>
+                  <a:tcPr marL="6350" marR="6350" marT="6350" marB="0" anchor="b">
+                    <a:lnL>
+                      <a:noFill/>
+                    </a:lnL>
+                    <a:lnR>
+                      <a:noFill/>
+                    </a:lnR>
+                    <a:lnT>
+                      <a:noFill/>
+                    </a:lnT>
+                    <a:lnB>
+                      <a:noFill/>
+                    </a:lnB>
+                  </a:tcPr>
+                </a:tc>
+                <a:tc>
+                  <a:txBody>
+                    <a:bodyPr/>
+                    <a:lstStyle/>
+                    <a:p>
+                      <a:pPr algn="r" fontAlgn="b"/>
+                      <a:r>
+                        <a:rPr lang="pt-BR" sz="2000" b="0" i="0" u="none" strike="noStrike">
+                          <a:solidFill>
+                            <a:srgbClr val="000000"/>
+                          </a:solidFill>
+                          <a:effectLst/>
+                          <a:latin typeface="Calibri" panose="020F0502020204030204" pitchFamily="34" charset="0"/>
+                        </a:rPr>
+                        <a:t>-8,214</a:t>
+                      </a:r>
+                    </a:p>
+                  </a:txBody>
+                  <a:tcPr marL="6350" marR="6350" marT="6350" marB="0" anchor="b">
+                    <a:lnL>
+                      <a:noFill/>
+                    </a:lnL>
+                    <a:lnR>
+                      <a:noFill/>
+                    </a:lnR>
+                    <a:lnT>
+                      <a:noFill/>
+                    </a:lnT>
+                    <a:lnB>
+                      <a:noFill/>
+                    </a:lnB>
+                  </a:tcPr>
+                </a:tc>
+                <a:tc>
+                  <a:txBody>
+                    <a:bodyPr/>
+                    <a:lstStyle/>
+                    <a:p>
+                      <a:pPr algn="r" fontAlgn="b"/>
+                      <a:r>
+                        <a:rPr lang="pt-BR" sz="2000" b="0" i="0" u="none" strike="noStrike">
+                          <a:solidFill>
+                            <a:srgbClr val="000000"/>
+                          </a:solidFill>
+                          <a:effectLst/>
+                          <a:latin typeface="Calibri" panose="020F0502020204030204" pitchFamily="34" charset="0"/>
+                        </a:rPr>
+                        <a:t>0,000</a:t>
+                      </a:r>
+                    </a:p>
+                  </a:txBody>
+                  <a:tcPr marL="6350" marR="6350" marT="6350" marB="0" anchor="b">
+                    <a:lnL>
+                      <a:noFill/>
+                    </a:lnL>
+                    <a:lnR>
+                      <a:noFill/>
+                    </a:lnR>
+                    <a:lnT>
+                      <a:noFill/>
+                    </a:lnT>
+                    <a:lnB>
+                      <a:noFill/>
+                    </a:lnB>
+                  </a:tcPr>
+                </a:tc>
+                <a:extLst>
+                  <a:ext uri="{0D108BD9-81ED-4DB2-BD59-A6C34878D82A}">
+                    <a16:rowId xmlns:a16="http://schemas.microsoft.com/office/drawing/2014/main" val="95090162"/>
+                  </a:ext>
+                </a:extLst>
+              </a:tr>
+              <a:tr h="330200">
+                <a:tc>
+                  <a:txBody>
+                    <a:bodyPr/>
+                    <a:lstStyle/>
+                    <a:p>
+                      <a:pPr algn="l" fontAlgn="b"/>
+                      <a:r>
+                        <a:rPr lang="pt-BR" sz="2000" b="0" i="0" u="none" strike="noStrike">
+                          <a:solidFill>
+                            <a:srgbClr val="000000"/>
+                          </a:solidFill>
+                          <a:effectLst/>
+                          <a:latin typeface="Calibri" panose="020F0502020204030204" pitchFamily="34" charset="0"/>
+                        </a:rPr>
+                        <a:t>number_of_referrals</a:t>
+                      </a:r>
+                    </a:p>
+                  </a:txBody>
+                  <a:tcPr marL="6350" marR="6350" marT="6350" marB="0" anchor="b">
+                    <a:lnL>
+                      <a:noFill/>
+                    </a:lnL>
+                    <a:lnR>
+                      <a:noFill/>
+                    </a:lnR>
+                    <a:lnT>
+                      <a:noFill/>
+                    </a:lnT>
+                    <a:lnB>
+                      <a:noFill/>
+                    </a:lnB>
+                  </a:tcPr>
+                </a:tc>
+                <a:tc>
+                  <a:txBody>
+                    <a:bodyPr/>
+                    <a:lstStyle/>
+                    <a:p>
+                      <a:pPr algn="r" fontAlgn="b"/>
+                      <a:r>
+                        <a:rPr lang="pt-BR" sz="2000" b="0" i="0" u="none" strike="noStrike">
+                          <a:solidFill>
+                            <a:srgbClr val="000000"/>
+                          </a:solidFill>
+                          <a:effectLst/>
+                          <a:latin typeface="Calibri" panose="020F0502020204030204" pitchFamily="34" charset="0"/>
+                        </a:rPr>
+                        <a:t>-0,672</a:t>
+                      </a:r>
+                    </a:p>
+                  </a:txBody>
+                  <a:tcPr marL="6350" marR="6350" marT="6350" marB="0" anchor="b">
+                    <a:lnL>
+                      <a:noFill/>
+                    </a:lnL>
+                    <a:lnR>
+                      <a:noFill/>
+                    </a:lnR>
+                    <a:lnT>
+                      <a:noFill/>
+                    </a:lnT>
+                    <a:lnB>
+                      <a:noFill/>
+                    </a:lnB>
+                  </a:tcPr>
+                </a:tc>
+                <a:tc>
+                  <a:txBody>
+                    <a:bodyPr/>
+                    <a:lstStyle/>
+                    <a:p>
+                      <a:pPr algn="r" fontAlgn="b"/>
+                      <a:r>
+                        <a:rPr lang="pt-BR" sz="2000" b="0" i="0" u="none" strike="noStrike">
+                          <a:solidFill>
+                            <a:srgbClr val="000000"/>
+                          </a:solidFill>
+                          <a:effectLst/>
+                          <a:latin typeface="Calibri" panose="020F0502020204030204" pitchFamily="34" charset="0"/>
+                        </a:rPr>
+                        <a:t>0,110</a:t>
+                      </a:r>
+                    </a:p>
+                  </a:txBody>
+                  <a:tcPr marL="6350" marR="6350" marT="6350" marB="0" anchor="b">
+                    <a:lnL>
+                      <a:noFill/>
+                    </a:lnL>
+                    <a:lnR>
+                      <a:noFill/>
+                    </a:lnR>
+                    <a:lnT>
+                      <a:noFill/>
+                    </a:lnT>
+                    <a:lnB>
+                      <a:noFill/>
+                    </a:lnB>
+                  </a:tcPr>
+                </a:tc>
+                <a:tc>
+                  <a:txBody>
+                    <a:bodyPr/>
+                    <a:lstStyle/>
+                    <a:p>
+                      <a:pPr algn="r" fontAlgn="b"/>
+                      <a:r>
+                        <a:rPr lang="pt-BR" sz="2000" b="0" i="0" u="none" strike="noStrike">
+                          <a:solidFill>
+                            <a:srgbClr val="000000"/>
+                          </a:solidFill>
+                          <a:effectLst/>
+                          <a:latin typeface="Calibri" panose="020F0502020204030204" pitchFamily="34" charset="0"/>
+                        </a:rPr>
+                        <a:t>-6,115</a:t>
+                      </a:r>
+                    </a:p>
+                  </a:txBody>
+                  <a:tcPr marL="6350" marR="6350" marT="6350" marB="0" anchor="b">
+                    <a:lnL>
+                      <a:noFill/>
+                    </a:lnL>
+                    <a:lnR>
+                      <a:noFill/>
+                    </a:lnR>
+                    <a:lnT>
+                      <a:noFill/>
+                    </a:lnT>
+                    <a:lnB>
+                      <a:noFill/>
+                    </a:lnB>
+                  </a:tcPr>
+                </a:tc>
+                <a:tc>
+                  <a:txBody>
+                    <a:bodyPr/>
+                    <a:lstStyle/>
+                    <a:p>
+                      <a:pPr algn="r" fontAlgn="b"/>
+                      <a:r>
+                        <a:rPr lang="pt-BR" sz="2000" b="0" i="0" u="none" strike="noStrike">
+                          <a:solidFill>
+                            <a:srgbClr val="000000"/>
+                          </a:solidFill>
+                          <a:effectLst/>
+                          <a:latin typeface="Calibri" panose="020F0502020204030204" pitchFamily="34" charset="0"/>
+                        </a:rPr>
+                        <a:t>0,000</a:t>
+                      </a:r>
+                    </a:p>
+                  </a:txBody>
+                  <a:tcPr marL="6350" marR="6350" marT="6350" marB="0" anchor="b">
+                    <a:lnL>
+                      <a:noFill/>
+                    </a:lnL>
+                    <a:lnR>
+                      <a:noFill/>
+                    </a:lnR>
+                    <a:lnT>
+                      <a:noFill/>
+                    </a:lnT>
+                    <a:lnB>
+                      <a:noFill/>
+                    </a:lnB>
+                  </a:tcPr>
+                </a:tc>
+                <a:extLst>
+                  <a:ext uri="{0D108BD9-81ED-4DB2-BD59-A6C34878D82A}">
+                    <a16:rowId xmlns:a16="http://schemas.microsoft.com/office/drawing/2014/main" val="1497012711"/>
+                  </a:ext>
+                </a:extLst>
+              </a:tr>
+              <a:tr h="330200">
+                <a:tc>
+                  <a:txBody>
+                    <a:bodyPr/>
+                    <a:lstStyle/>
+                    <a:p>
+                      <a:pPr algn="l" fontAlgn="b"/>
+                      <a:r>
+                        <a:rPr lang="pt-BR" sz="2000" b="0" i="0" u="none" strike="noStrike">
+                          <a:solidFill>
+                            <a:srgbClr val="000000"/>
+                          </a:solidFill>
+                          <a:effectLst/>
+                          <a:latin typeface="Calibri" panose="020F0502020204030204" pitchFamily="34" charset="0"/>
+                        </a:rPr>
+                        <a:t>monthly_charge</a:t>
+                      </a:r>
+                    </a:p>
+                  </a:txBody>
+                  <a:tcPr marL="6350" marR="6350" marT="6350" marB="0" anchor="b">
+                    <a:lnL>
+                      <a:noFill/>
+                    </a:lnL>
+                    <a:lnR>
+                      <a:noFill/>
+                    </a:lnR>
+                    <a:lnT>
+                      <a:noFill/>
+                    </a:lnT>
+                    <a:lnB w="6350" cap="flat" cmpd="sng" algn="ctr">
+                      <a:solidFill>
+                        <a:srgbClr val="000000"/>
+                      </a:solidFill>
+                      <a:prstDash val="solid"/>
+                      <a:round/>
+                      <a:headEnd type="none" w="med" len="med"/>
+                      <a:tailEnd type="none" w="med" len="med"/>
+                    </a:lnB>
+                  </a:tcPr>
+                </a:tc>
+                <a:tc>
+                  <a:txBody>
+                    <a:bodyPr/>
+                    <a:lstStyle/>
+                    <a:p>
+                      <a:pPr algn="r" fontAlgn="b"/>
+                      <a:r>
+                        <a:rPr lang="pt-BR" sz="2000" b="0" i="0" u="none" strike="noStrike">
+                          <a:solidFill>
+                            <a:srgbClr val="000000"/>
+                          </a:solidFill>
+                          <a:effectLst/>
+                          <a:latin typeface="Calibri" panose="020F0502020204030204" pitchFamily="34" charset="0"/>
+                        </a:rPr>
+                        <a:t>0,077</a:t>
+                      </a:r>
+                    </a:p>
+                  </a:txBody>
+                  <a:tcPr marL="6350" marR="6350" marT="6350" marB="0" anchor="b">
+                    <a:lnL>
+                      <a:noFill/>
+                    </a:lnL>
+                    <a:lnR>
+                      <a:noFill/>
+                    </a:lnR>
+                    <a:lnT>
+                      <a:noFill/>
+                    </a:lnT>
+                    <a:lnB w="6350" cap="flat" cmpd="sng" algn="ctr">
+                      <a:solidFill>
+                        <a:srgbClr val="000000"/>
+                      </a:solidFill>
+                      <a:prstDash val="solid"/>
+                      <a:round/>
+                      <a:headEnd type="none" w="med" len="med"/>
+                      <a:tailEnd type="none" w="med" len="med"/>
+                    </a:lnB>
+                  </a:tcPr>
+                </a:tc>
+                <a:tc>
+                  <a:txBody>
+                    <a:bodyPr/>
+                    <a:lstStyle/>
+                    <a:p>
+                      <a:pPr algn="r" fontAlgn="b"/>
+                      <a:r>
+                        <a:rPr lang="pt-BR" sz="2000" b="0" i="0" u="none" strike="noStrike">
+                          <a:solidFill>
+                            <a:srgbClr val="000000"/>
+                          </a:solidFill>
+                          <a:effectLst/>
+                          <a:latin typeface="Calibri" panose="020F0502020204030204" pitchFamily="34" charset="0"/>
+                        </a:rPr>
+                        <a:t>0,012</a:t>
+                      </a:r>
+                    </a:p>
+                  </a:txBody>
+                  <a:tcPr marL="6350" marR="6350" marT="6350" marB="0" anchor="b">
+                    <a:lnL>
+                      <a:noFill/>
+                    </a:lnL>
+                    <a:lnR>
+                      <a:noFill/>
+                    </a:lnR>
+                    <a:lnT>
+                      <a:noFill/>
+                    </a:lnT>
+                    <a:lnB w="6350" cap="flat" cmpd="sng" algn="ctr">
+                      <a:solidFill>
+                        <a:srgbClr val="000000"/>
+                      </a:solidFill>
+                      <a:prstDash val="solid"/>
+                      <a:round/>
+                      <a:headEnd type="none" w="med" len="med"/>
+                      <a:tailEnd type="none" w="med" len="med"/>
+                    </a:lnB>
+                  </a:tcPr>
+                </a:tc>
+                <a:tc>
+                  <a:txBody>
+                    <a:bodyPr/>
+                    <a:lstStyle/>
+                    <a:p>
+                      <a:pPr algn="r" fontAlgn="b"/>
+                      <a:r>
+                        <a:rPr lang="pt-BR" sz="2000" b="0" i="0" u="none" strike="noStrike">
+                          <a:solidFill>
+                            <a:srgbClr val="000000"/>
+                          </a:solidFill>
+                          <a:effectLst/>
+                          <a:latin typeface="Calibri" panose="020F0502020204030204" pitchFamily="34" charset="0"/>
+                        </a:rPr>
+                        <a:t>6,242</a:t>
+                      </a:r>
+                    </a:p>
+                  </a:txBody>
+                  <a:tcPr marL="6350" marR="6350" marT="6350" marB="0" anchor="b">
+                    <a:lnL>
+                      <a:noFill/>
+                    </a:lnL>
+                    <a:lnR>
+                      <a:noFill/>
+                    </a:lnR>
+                    <a:lnT>
+                      <a:noFill/>
+                    </a:lnT>
+                    <a:lnB w="6350" cap="flat" cmpd="sng" algn="ctr">
+                      <a:solidFill>
+                        <a:srgbClr val="000000"/>
+                      </a:solidFill>
+                      <a:prstDash val="solid"/>
+                      <a:round/>
+                      <a:headEnd type="none" w="med" len="med"/>
+                      <a:tailEnd type="none" w="med" len="med"/>
+                    </a:lnB>
+                  </a:tcPr>
+                </a:tc>
+                <a:tc>
+                  <a:txBody>
+                    <a:bodyPr/>
+                    <a:lstStyle/>
+                    <a:p>
+                      <a:pPr algn="r" fontAlgn="b"/>
+                      <a:r>
+                        <a:rPr lang="pt-BR" sz="2000" b="0" i="0" u="none" strike="noStrike" dirty="0">
+                          <a:solidFill>
+                            <a:srgbClr val="000000"/>
+                          </a:solidFill>
+                          <a:effectLst/>
+                          <a:latin typeface="Calibri" panose="020F0502020204030204" pitchFamily="34" charset="0"/>
+                        </a:rPr>
+                        <a:t>0,000</a:t>
+                      </a:r>
+                    </a:p>
+                  </a:txBody>
+                  <a:tcPr marL="6350" marR="6350" marT="6350" marB="0" anchor="b">
+                    <a:lnL>
+                      <a:noFill/>
+                    </a:lnL>
+                    <a:lnR>
+                      <a:noFill/>
+                    </a:lnR>
+                    <a:lnT>
+                      <a:noFill/>
+                    </a:lnT>
+                    <a:lnB w="6350" cap="flat" cmpd="sng" algn="ctr">
+                      <a:solidFill>
+                        <a:srgbClr val="000000"/>
+                      </a:solidFill>
+                      <a:prstDash val="solid"/>
+                      <a:round/>
+                      <a:headEnd type="none" w="med" len="med"/>
+                      <a:tailEnd type="none" w="med" len="med"/>
+                    </a:lnB>
+                  </a:tcPr>
+                </a:tc>
+                <a:extLst>
+                  <a:ext uri="{0D108BD9-81ED-4DB2-BD59-A6C34878D82A}">
+                    <a16:rowId xmlns:a16="http://schemas.microsoft.com/office/drawing/2014/main" val="348234530"/>
+                  </a:ext>
+                </a:extLst>
+              </a:tr>
+            </a:tbl>
           </a:graphicData>
         </a:graphic>
       </p:graphicFrame>
@@ -4136,13 +7124,20 @@
         <p:spPr/>
         <p:txBody>
           <a:bodyPr>
-            <a:normAutofit fontScale="90000"/>
+            <a:normAutofit/>
           </a:bodyPr>
           <a:lstStyle/>
           <a:p>
             <a:r>
               <a:rPr lang="pt-BR" dirty="0"/>
-              <a:t>Indicadores da capacidade preditiva dos diversos modelos estimados, para diferentes pontos de corte</a:t>
+              <a:t>Indicadores da capacidade preditiva</a:t>
+            </a:r>
+            <a:br>
+              <a:rPr lang="pt-BR" dirty="0"/>
+            </a:br>
+            <a:r>
+              <a:rPr lang="pt-BR" sz="1800" dirty="0"/>
+              <a:t>Dos diversos modelos estimados, para diferentes pontos de corte</a:t>
             </a:r>
           </a:p>
         </p:txBody>
@@ -4230,98 +7225,1501 @@
         </p:nvSpPr>
         <p:spPr/>
         <p:txBody>
-          <a:bodyPr/>
+          <a:bodyPr>
+            <a:normAutofit/>
+          </a:bodyPr>
           <a:lstStyle/>
           <a:p>
-            <a:endParaRPr lang="pt-BR"/>
-          </a:p>
-        </p:txBody>
-      </p:sp>
-      <p:sp>
-        <p:nvSpPr>
-          <p:cNvPr id="3" name="Espaço Reservado para Conteúdo 2">
-            <a:extLst>
-              <a:ext uri="{FF2B5EF4-FFF2-40B4-BE49-F238E27FC236}">
-                <a16:creationId xmlns:a16="http://schemas.microsoft.com/office/drawing/2014/main" id="{621030C7-AC50-461D-A40A-5DAB9C476480}"/>
-              </a:ext>
-            </a:extLst>
-          </p:cNvPr>
-          <p:cNvSpPr>
-            <a:spLocks noGrp="1"/>
-          </p:cNvSpPr>
-          <p:nvPr>
-            <p:ph idx="1"/>
-          </p:nvPr>
-        </p:nvSpPr>
-        <p:spPr/>
-        <p:txBody>
-          <a:bodyPr/>
-          <a:lstStyle/>
-          <a:p>
-            <a:endParaRPr lang="pt-BR" dirty="0"/>
+            <a:r>
+              <a:rPr lang="pt-BR" dirty="0"/>
+              <a:t>Coeficientes de correlação intraclasse</a:t>
+            </a:r>
+            <a:br>
+              <a:rPr lang="pt-BR" dirty="0"/>
+            </a:br>
+            <a:r>
+              <a:rPr lang="pt-BR" sz="1800" dirty="0"/>
+              <a:t>Calculados para variáveis dependentes categóricas</a:t>
+            </a:r>
           </a:p>
         </p:txBody>
       </p:sp>
       <p:graphicFrame>
         <p:nvGraphicFramePr>
-          <p:cNvPr id="4" name="Object 3">
+          <p:cNvPr id="5" name="Content Placeholder 4">
             <a:extLst>
               <a:ext uri="{FF2B5EF4-FFF2-40B4-BE49-F238E27FC236}">
-                <a16:creationId xmlns:a16="http://schemas.microsoft.com/office/drawing/2014/main" id="{7E7DBEC8-EF34-4C3F-5B7C-93C2FBF7BF1E}"/>
+                <a16:creationId xmlns:a16="http://schemas.microsoft.com/office/drawing/2014/main" id="{E310F23E-0C5A-020B-DCB3-D3B9B7FA9D74}"/>
               </a:ext>
             </a:extLst>
           </p:cNvPr>
           <p:cNvGraphicFramePr>
-            <a:graphicFrameLocks noChangeAspect="1"/>
+            <a:graphicFrameLocks noGrp="1"/>
           </p:cNvGraphicFramePr>
           <p:nvPr>
-            <p:extLst>
-              <p:ext uri="{D42A27DB-BD31-4B8C-83A1-F6EECF244321}">
-                <p14:modId xmlns:p14="http://schemas.microsoft.com/office/powerpoint/2010/main" val="2659719792"/>
-              </p:ext>
-            </p:extLst>
+            <p:ph idx="1"/>
           </p:nvPr>
         </p:nvGraphicFramePr>
         <p:xfrm>
-          <a:off x="838200" y="1825625"/>
-          <a:ext cx="3628040" cy="4668997"/>
+          <a:off x="4566946" y="1825626"/>
+          <a:ext cx="3058108" cy="4351336"/>
         </p:xfrm>
         <a:graphic>
-          <a:graphicData uri="http://schemas.openxmlformats.org/presentationml/2006/ole">
-            <mc:AlternateContent xmlns:mc="http://schemas.openxmlformats.org/markup-compatibility/2006">
-              <mc:Choice xmlns:v="urn:schemas-microsoft-com:vml" Requires="v">
-                <p:oleObj name="Worksheet" r:id="rId2" imgW="3009727" imgH="3873383" progId="Excel.Sheet.12">
-                  <p:embed/>
-                </p:oleObj>
-              </mc:Choice>
-              <mc:Fallback>
-                <p:oleObj name="Worksheet" r:id="rId2" imgW="3009727" imgH="3873383" progId="Excel.Sheet.12">
-                  <p:embed/>
-                  <p:pic>
-                    <p:nvPicPr>
-                      <p:cNvPr id="0" name=""/>
-                      <p:cNvPicPr/>
-                      <p:nvPr/>
-                    </p:nvPicPr>
-                    <p:blipFill>
-                      <a:blip r:embed="rId3"/>
-                      <a:stretch>
-                        <a:fillRect/>
-                      </a:stretch>
-                    </p:blipFill>
-                    <p:spPr>
-                      <a:xfrm>
-                        <a:off x="838200" y="1825625"/>
-                        <a:ext cx="3628040" cy="4668997"/>
-                      </a:xfrm>
-                      <a:prstGeom prst="rect">
-                        <a:avLst/>
-                      </a:prstGeom>
-                    </p:spPr>
-                  </p:pic>
-                </p:oleObj>
-              </mc:Fallback>
-            </mc:AlternateContent>
+          <a:graphicData uri="http://schemas.openxmlformats.org/drawingml/2006/table">
+            <a:tbl>
+              <a:tblPr/>
+              <a:tblGrid>
+                <a:gridCol w="1780093">
+                  <a:extLst>
+                    <a:ext uri="{9D8B030D-6E8A-4147-A177-3AD203B41FA5}">
+                      <a16:colId xmlns:a16="http://schemas.microsoft.com/office/drawing/2014/main" val="2076752245"/>
+                    </a:ext>
+                  </a:extLst>
+                </a:gridCol>
+                <a:gridCol w="1278015">
+                  <a:extLst>
+                    <a:ext uri="{9D8B030D-6E8A-4147-A177-3AD203B41FA5}">
+                      <a16:colId xmlns:a16="http://schemas.microsoft.com/office/drawing/2014/main" val="1430313484"/>
+                    </a:ext>
+                  </a:extLst>
+                </a:gridCol>
+              </a:tblGrid>
+              <a:tr h="791152">
+                <a:tc>
+                  <a:txBody>
+                    <a:bodyPr/>
+                    <a:lstStyle/>
+                    <a:p>
+                      <a:pPr algn="l" fontAlgn="ctr"/>
+                      <a:r>
+                        <a:rPr lang="pt-BR" sz="1200" b="0" i="0" u="none" strike="noStrike">
+                          <a:solidFill>
+                            <a:srgbClr val="000000"/>
+                          </a:solidFill>
+                          <a:effectLst/>
+                          <a:latin typeface="Calibri" panose="020F0502020204030204" pitchFamily="34" charset="0"/>
+                        </a:rPr>
+                        <a:t>Efeito aleatório</a:t>
+                      </a:r>
+                    </a:p>
+                  </a:txBody>
+                  <a:tcPr marL="3804" marR="3804" marT="3804" marB="0" anchor="ctr">
+                    <a:lnL>
+                      <a:noFill/>
+                    </a:lnL>
+                    <a:lnR>
+                      <a:noFill/>
+                    </a:lnR>
+                    <a:lnT w="6350" cap="flat" cmpd="sng" algn="ctr">
+                      <a:solidFill>
+                        <a:srgbClr val="000000"/>
+                      </a:solidFill>
+                      <a:prstDash val="solid"/>
+                      <a:round/>
+                      <a:headEnd type="none" w="med" len="med"/>
+                      <a:tailEnd type="none" w="med" len="med"/>
+                    </a:lnT>
+                    <a:lnB w="6350" cap="flat" cmpd="sng" algn="ctr">
+                      <a:solidFill>
+                        <a:srgbClr val="000000"/>
+                      </a:solidFill>
+                      <a:prstDash val="solid"/>
+                      <a:round/>
+                      <a:headEnd type="none" w="med" len="med"/>
+                      <a:tailEnd type="none" w="med" len="med"/>
+                    </a:lnB>
+                  </a:tcPr>
+                </a:tc>
+                <a:tc>
+                  <a:txBody>
+                    <a:bodyPr/>
+                    <a:lstStyle/>
+                    <a:p>
+                      <a:pPr algn="ctr" fontAlgn="ctr"/>
+                      <a:r>
+                        <a:rPr lang="pt-BR" sz="1200" b="0" i="0" u="none" strike="noStrike">
+                          <a:solidFill>
+                            <a:srgbClr val="000000"/>
+                          </a:solidFill>
+                          <a:effectLst/>
+                          <a:latin typeface="Calibri" panose="020F0502020204030204" pitchFamily="34" charset="0"/>
+                        </a:rPr>
+                        <a:t>Coeficiente de correlação intraclasse ajustado</a:t>
+                      </a:r>
+                    </a:p>
+                  </a:txBody>
+                  <a:tcPr marL="3804" marR="3804" marT="3804" marB="0" anchor="ctr">
+                    <a:lnL>
+                      <a:noFill/>
+                    </a:lnL>
+                    <a:lnR>
+                      <a:noFill/>
+                    </a:lnR>
+                    <a:lnT w="6350" cap="flat" cmpd="sng" algn="ctr">
+                      <a:solidFill>
+                        <a:srgbClr val="000000"/>
+                      </a:solidFill>
+                      <a:prstDash val="solid"/>
+                      <a:round/>
+                      <a:headEnd type="none" w="med" len="med"/>
+                      <a:tailEnd type="none" w="med" len="med"/>
+                    </a:lnT>
+                    <a:lnB w="6350" cap="flat" cmpd="sng" algn="ctr">
+                      <a:solidFill>
+                        <a:srgbClr val="000000"/>
+                      </a:solidFill>
+                      <a:prstDash val="solid"/>
+                      <a:round/>
+                      <a:headEnd type="none" w="med" len="med"/>
+                      <a:tailEnd type="none" w="med" len="med"/>
+                    </a:lnB>
+                  </a:tcPr>
+                </a:tc>
+                <a:extLst>
+                  <a:ext uri="{0D108BD9-81ED-4DB2-BD59-A6C34878D82A}">
+                    <a16:rowId xmlns:a16="http://schemas.microsoft.com/office/drawing/2014/main" val="3629008020"/>
+                  </a:ext>
+                </a:extLst>
+              </a:tr>
+              <a:tr h="197788">
+                <a:tc>
+                  <a:txBody>
+                    <a:bodyPr/>
+                    <a:lstStyle/>
+                    <a:p>
+                      <a:pPr algn="l" fontAlgn="b"/>
+                      <a:r>
+                        <a:rPr lang="pt-BR" sz="1200" b="0" i="0" u="none" strike="noStrike">
+                          <a:solidFill>
+                            <a:srgbClr val="000000"/>
+                          </a:solidFill>
+                          <a:effectLst/>
+                          <a:latin typeface="Calibri" panose="020F0502020204030204" pitchFamily="34" charset="0"/>
+                        </a:rPr>
+                        <a:t>satisfaction_score</a:t>
+                      </a:r>
+                    </a:p>
+                  </a:txBody>
+                  <a:tcPr marL="3804" marR="3804" marT="3804" marB="0" anchor="b">
+                    <a:lnL>
+                      <a:noFill/>
+                    </a:lnL>
+                    <a:lnR>
+                      <a:noFill/>
+                    </a:lnR>
+                    <a:lnT w="6350" cap="flat" cmpd="sng" algn="ctr">
+                      <a:solidFill>
+                        <a:srgbClr val="000000"/>
+                      </a:solidFill>
+                      <a:prstDash val="solid"/>
+                      <a:round/>
+                      <a:headEnd type="none" w="med" len="med"/>
+                      <a:tailEnd type="none" w="med" len="med"/>
+                    </a:lnT>
+                    <a:lnB>
+                      <a:noFill/>
+                    </a:lnB>
+                  </a:tcPr>
+                </a:tc>
+                <a:tc>
+                  <a:txBody>
+                    <a:bodyPr/>
+                    <a:lstStyle/>
+                    <a:p>
+                      <a:pPr algn="r" fontAlgn="b"/>
+                      <a:r>
+                        <a:rPr lang="pt-BR" sz="1200" b="0" i="0" u="none" strike="noStrike">
+                          <a:solidFill>
+                            <a:srgbClr val="000000"/>
+                          </a:solidFill>
+                          <a:effectLst/>
+                          <a:latin typeface="Calibri" panose="020F0502020204030204" pitchFamily="34" charset="0"/>
+                        </a:rPr>
+                        <a:t>0,990</a:t>
+                      </a:r>
+                    </a:p>
+                  </a:txBody>
+                  <a:tcPr marL="3804" marR="3804" marT="3804" marB="0" anchor="b">
+                    <a:lnL>
+                      <a:noFill/>
+                    </a:lnL>
+                    <a:lnR>
+                      <a:noFill/>
+                    </a:lnR>
+                    <a:lnT w="6350" cap="flat" cmpd="sng" algn="ctr">
+                      <a:solidFill>
+                        <a:srgbClr val="000000"/>
+                      </a:solidFill>
+                      <a:prstDash val="solid"/>
+                      <a:round/>
+                      <a:headEnd type="none" w="med" len="med"/>
+                      <a:tailEnd type="none" w="med" len="med"/>
+                    </a:lnT>
+                    <a:lnB>
+                      <a:noFill/>
+                    </a:lnB>
+                  </a:tcPr>
+                </a:tc>
+                <a:extLst>
+                  <a:ext uri="{0D108BD9-81ED-4DB2-BD59-A6C34878D82A}">
+                    <a16:rowId xmlns:a16="http://schemas.microsoft.com/office/drawing/2014/main" val="251473619"/>
+                  </a:ext>
+                </a:extLst>
+              </a:tr>
+              <a:tr h="197788">
+                <a:tc>
+                  <a:txBody>
+                    <a:bodyPr/>
+                    <a:lstStyle/>
+                    <a:p>
+                      <a:pPr algn="l" fontAlgn="b"/>
+                      <a:r>
+                        <a:rPr lang="pt-BR" sz="1200" b="0" i="0" u="none" strike="noStrike">
+                          <a:solidFill>
+                            <a:srgbClr val="000000"/>
+                          </a:solidFill>
+                          <a:effectLst/>
+                          <a:latin typeface="Calibri" panose="020F0502020204030204" pitchFamily="34" charset="0"/>
+                        </a:rPr>
+                        <a:t>contract</a:t>
+                      </a:r>
+                    </a:p>
+                  </a:txBody>
+                  <a:tcPr marL="3804" marR="3804" marT="3804" marB="0" anchor="b">
+                    <a:lnL>
+                      <a:noFill/>
+                    </a:lnL>
+                    <a:lnR>
+                      <a:noFill/>
+                    </a:lnR>
+                    <a:lnT>
+                      <a:noFill/>
+                    </a:lnT>
+                    <a:lnB>
+                      <a:noFill/>
+                    </a:lnB>
+                  </a:tcPr>
+                </a:tc>
+                <a:tc>
+                  <a:txBody>
+                    <a:bodyPr/>
+                    <a:lstStyle/>
+                    <a:p>
+                      <a:pPr algn="r" fontAlgn="b"/>
+                      <a:r>
+                        <a:rPr lang="pt-BR" sz="1200" b="0" i="0" u="none" strike="noStrike">
+                          <a:solidFill>
+                            <a:srgbClr val="000000"/>
+                          </a:solidFill>
+                          <a:effectLst/>
+                          <a:latin typeface="Calibri" panose="020F0502020204030204" pitchFamily="34" charset="0"/>
+                        </a:rPr>
+                        <a:t>0,381</a:t>
+                      </a:r>
+                    </a:p>
+                  </a:txBody>
+                  <a:tcPr marL="3804" marR="3804" marT="3804" marB="0" anchor="b">
+                    <a:lnL>
+                      <a:noFill/>
+                    </a:lnL>
+                    <a:lnR>
+                      <a:noFill/>
+                    </a:lnR>
+                    <a:lnT>
+                      <a:noFill/>
+                    </a:lnT>
+                    <a:lnB>
+                      <a:noFill/>
+                    </a:lnB>
+                  </a:tcPr>
+                </a:tc>
+                <a:extLst>
+                  <a:ext uri="{0D108BD9-81ED-4DB2-BD59-A6C34878D82A}">
+                    <a16:rowId xmlns:a16="http://schemas.microsoft.com/office/drawing/2014/main" val="35298576"/>
+                  </a:ext>
+                </a:extLst>
+              </a:tr>
+              <a:tr h="197788">
+                <a:tc>
+                  <a:txBody>
+                    <a:bodyPr/>
+                    <a:lstStyle/>
+                    <a:p>
+                      <a:pPr algn="l" fontAlgn="b"/>
+                      <a:r>
+                        <a:rPr lang="pt-BR" sz="1200" b="0" i="0" u="none" strike="noStrike">
+                          <a:solidFill>
+                            <a:srgbClr val="000000"/>
+                          </a:solidFill>
+                          <a:effectLst/>
+                          <a:latin typeface="Calibri" panose="020F0502020204030204" pitchFamily="34" charset="0"/>
+                        </a:rPr>
+                        <a:t>flg_internet_service</a:t>
+                      </a:r>
+                    </a:p>
+                  </a:txBody>
+                  <a:tcPr marL="3804" marR="3804" marT="3804" marB="0" anchor="b">
+                    <a:lnL>
+                      <a:noFill/>
+                    </a:lnL>
+                    <a:lnR>
+                      <a:noFill/>
+                    </a:lnR>
+                    <a:lnT>
+                      <a:noFill/>
+                    </a:lnT>
+                    <a:lnB>
+                      <a:noFill/>
+                    </a:lnB>
+                  </a:tcPr>
+                </a:tc>
+                <a:tc>
+                  <a:txBody>
+                    <a:bodyPr/>
+                    <a:lstStyle/>
+                    <a:p>
+                      <a:pPr algn="r" fontAlgn="b"/>
+                      <a:r>
+                        <a:rPr lang="pt-BR" sz="1200" b="0" i="0" u="none" strike="noStrike">
+                          <a:solidFill>
+                            <a:srgbClr val="000000"/>
+                          </a:solidFill>
+                          <a:effectLst/>
+                          <a:latin typeface="Calibri" panose="020F0502020204030204" pitchFamily="34" charset="0"/>
+                        </a:rPr>
+                        <a:t>0,191</a:t>
+                      </a:r>
+                    </a:p>
+                  </a:txBody>
+                  <a:tcPr marL="3804" marR="3804" marT="3804" marB="0" anchor="b">
+                    <a:lnL>
+                      <a:noFill/>
+                    </a:lnL>
+                    <a:lnR>
+                      <a:noFill/>
+                    </a:lnR>
+                    <a:lnT>
+                      <a:noFill/>
+                    </a:lnT>
+                    <a:lnB>
+                      <a:noFill/>
+                    </a:lnB>
+                  </a:tcPr>
+                </a:tc>
+                <a:extLst>
+                  <a:ext uri="{0D108BD9-81ED-4DB2-BD59-A6C34878D82A}">
+                    <a16:rowId xmlns:a16="http://schemas.microsoft.com/office/drawing/2014/main" val="1863819080"/>
+                  </a:ext>
+                </a:extLst>
+              </a:tr>
+              <a:tr h="197788">
+                <a:tc>
+                  <a:txBody>
+                    <a:bodyPr/>
+                    <a:lstStyle/>
+                    <a:p>
+                      <a:pPr algn="l" fontAlgn="b"/>
+                      <a:r>
+                        <a:rPr lang="pt-BR" sz="1200" b="0" i="0" u="none" strike="noStrike">
+                          <a:solidFill>
+                            <a:srgbClr val="000000"/>
+                          </a:solidFill>
+                          <a:effectLst/>
+                          <a:latin typeface="Calibri" panose="020F0502020204030204" pitchFamily="34" charset="0"/>
+                        </a:rPr>
+                        <a:t>offer</a:t>
+                      </a:r>
+                    </a:p>
+                  </a:txBody>
+                  <a:tcPr marL="3804" marR="3804" marT="3804" marB="0" anchor="b">
+                    <a:lnL>
+                      <a:noFill/>
+                    </a:lnL>
+                    <a:lnR>
+                      <a:noFill/>
+                    </a:lnR>
+                    <a:lnT>
+                      <a:noFill/>
+                    </a:lnT>
+                    <a:lnB>
+                      <a:noFill/>
+                    </a:lnB>
+                  </a:tcPr>
+                </a:tc>
+                <a:tc>
+                  <a:txBody>
+                    <a:bodyPr/>
+                    <a:lstStyle/>
+                    <a:p>
+                      <a:pPr algn="r" fontAlgn="b"/>
+                      <a:r>
+                        <a:rPr lang="pt-BR" sz="1200" b="0" i="0" u="none" strike="noStrike">
+                          <a:solidFill>
+                            <a:srgbClr val="000000"/>
+                          </a:solidFill>
+                          <a:effectLst/>
+                          <a:latin typeface="Calibri" panose="020F0502020204030204" pitchFamily="34" charset="0"/>
+                        </a:rPr>
+                        <a:t>0,180</a:t>
+                      </a:r>
+                    </a:p>
+                  </a:txBody>
+                  <a:tcPr marL="3804" marR="3804" marT="3804" marB="0" anchor="b">
+                    <a:lnL>
+                      <a:noFill/>
+                    </a:lnL>
+                    <a:lnR>
+                      <a:noFill/>
+                    </a:lnR>
+                    <a:lnT>
+                      <a:noFill/>
+                    </a:lnT>
+                    <a:lnB>
+                      <a:noFill/>
+                    </a:lnB>
+                  </a:tcPr>
+                </a:tc>
+                <a:extLst>
+                  <a:ext uri="{0D108BD9-81ED-4DB2-BD59-A6C34878D82A}">
+                    <a16:rowId xmlns:a16="http://schemas.microsoft.com/office/drawing/2014/main" val="1779052997"/>
+                  </a:ext>
+                </a:extLst>
+              </a:tr>
+              <a:tr h="197788">
+                <a:tc>
+                  <a:txBody>
+                    <a:bodyPr/>
+                    <a:lstStyle/>
+                    <a:p>
+                      <a:pPr algn="l" fontAlgn="b"/>
+                      <a:r>
+                        <a:rPr lang="pt-BR" sz="1200" b="0" i="0" u="none" strike="noStrike">
+                          <a:solidFill>
+                            <a:srgbClr val="000000"/>
+                          </a:solidFill>
+                          <a:effectLst/>
+                          <a:latin typeface="Calibri" panose="020F0502020204030204" pitchFamily="34" charset="0"/>
+                        </a:rPr>
+                        <a:t>internet_type</a:t>
+                      </a:r>
+                    </a:p>
+                  </a:txBody>
+                  <a:tcPr marL="3804" marR="3804" marT="3804" marB="0" anchor="b">
+                    <a:lnL>
+                      <a:noFill/>
+                    </a:lnL>
+                    <a:lnR>
+                      <a:noFill/>
+                    </a:lnR>
+                    <a:lnT>
+                      <a:noFill/>
+                    </a:lnT>
+                    <a:lnB>
+                      <a:noFill/>
+                    </a:lnB>
+                  </a:tcPr>
+                </a:tc>
+                <a:tc>
+                  <a:txBody>
+                    <a:bodyPr/>
+                    <a:lstStyle/>
+                    <a:p>
+                      <a:pPr algn="r" fontAlgn="b"/>
+                      <a:r>
+                        <a:rPr lang="pt-BR" sz="1200" b="0" i="0" u="none" strike="noStrike">
+                          <a:solidFill>
+                            <a:srgbClr val="000000"/>
+                          </a:solidFill>
+                          <a:effectLst/>
+                          <a:latin typeface="Calibri" panose="020F0502020204030204" pitchFamily="34" charset="0"/>
+                        </a:rPr>
+                        <a:t>0,155</a:t>
+                      </a:r>
+                    </a:p>
+                  </a:txBody>
+                  <a:tcPr marL="3804" marR="3804" marT="3804" marB="0" anchor="b">
+                    <a:lnL>
+                      <a:noFill/>
+                    </a:lnL>
+                    <a:lnR>
+                      <a:noFill/>
+                    </a:lnR>
+                    <a:lnT>
+                      <a:noFill/>
+                    </a:lnT>
+                    <a:lnB>
+                      <a:noFill/>
+                    </a:lnB>
+                  </a:tcPr>
+                </a:tc>
+                <a:extLst>
+                  <a:ext uri="{0D108BD9-81ED-4DB2-BD59-A6C34878D82A}">
+                    <a16:rowId xmlns:a16="http://schemas.microsoft.com/office/drawing/2014/main" val="460871902"/>
+                  </a:ext>
+                </a:extLst>
+              </a:tr>
+              <a:tr h="197788">
+                <a:tc>
+                  <a:txBody>
+                    <a:bodyPr/>
+                    <a:lstStyle/>
+                    <a:p>
+                      <a:pPr algn="l" fontAlgn="b"/>
+                      <a:r>
+                        <a:rPr lang="pt-BR" sz="1200" b="0" i="0" u="none" strike="noStrike">
+                          <a:solidFill>
+                            <a:srgbClr val="000000"/>
+                          </a:solidFill>
+                          <a:effectLst/>
+                          <a:latin typeface="Calibri" panose="020F0502020204030204" pitchFamily="34" charset="0"/>
+                        </a:rPr>
+                        <a:t>payment_method</a:t>
+                      </a:r>
+                    </a:p>
+                  </a:txBody>
+                  <a:tcPr marL="3804" marR="3804" marT="3804" marB="0" anchor="b">
+                    <a:lnL>
+                      <a:noFill/>
+                    </a:lnL>
+                    <a:lnR>
+                      <a:noFill/>
+                    </a:lnR>
+                    <a:lnT>
+                      <a:noFill/>
+                    </a:lnT>
+                    <a:lnB>
+                      <a:noFill/>
+                    </a:lnB>
+                  </a:tcPr>
+                </a:tc>
+                <a:tc>
+                  <a:txBody>
+                    <a:bodyPr/>
+                    <a:lstStyle/>
+                    <a:p>
+                      <a:pPr algn="r" fontAlgn="b"/>
+                      <a:r>
+                        <a:rPr lang="pt-BR" sz="1200" b="0" i="0" u="none" strike="noStrike">
+                          <a:solidFill>
+                            <a:srgbClr val="000000"/>
+                          </a:solidFill>
+                          <a:effectLst/>
+                          <a:latin typeface="Calibri" panose="020F0502020204030204" pitchFamily="34" charset="0"/>
+                        </a:rPr>
+                        <a:t>0,085</a:t>
+                      </a:r>
+                    </a:p>
+                  </a:txBody>
+                  <a:tcPr marL="3804" marR="3804" marT="3804" marB="0" anchor="b">
+                    <a:lnL>
+                      <a:noFill/>
+                    </a:lnL>
+                    <a:lnR>
+                      <a:noFill/>
+                    </a:lnR>
+                    <a:lnT>
+                      <a:noFill/>
+                    </a:lnT>
+                    <a:lnB>
+                      <a:noFill/>
+                    </a:lnB>
+                  </a:tcPr>
+                </a:tc>
+                <a:extLst>
+                  <a:ext uri="{0D108BD9-81ED-4DB2-BD59-A6C34878D82A}">
+                    <a16:rowId xmlns:a16="http://schemas.microsoft.com/office/drawing/2014/main" val="591100572"/>
+                  </a:ext>
+                </a:extLst>
+              </a:tr>
+              <a:tr h="197788">
+                <a:tc>
+                  <a:txBody>
+                    <a:bodyPr/>
+                    <a:lstStyle/>
+                    <a:p>
+                      <a:pPr algn="l" fontAlgn="b"/>
+                      <a:r>
+                        <a:rPr lang="pt-BR" sz="1200" b="0" i="0" u="none" strike="noStrike">
+                          <a:solidFill>
+                            <a:srgbClr val="000000"/>
+                          </a:solidFill>
+                          <a:effectLst/>
+                          <a:latin typeface="Calibri" panose="020F0502020204030204" pitchFamily="34" charset="0"/>
+                        </a:rPr>
+                        <a:t>flg_online_security</a:t>
+                      </a:r>
+                    </a:p>
+                  </a:txBody>
+                  <a:tcPr marL="3804" marR="3804" marT="3804" marB="0" anchor="b">
+                    <a:lnL>
+                      <a:noFill/>
+                    </a:lnL>
+                    <a:lnR>
+                      <a:noFill/>
+                    </a:lnR>
+                    <a:lnT>
+                      <a:noFill/>
+                    </a:lnT>
+                    <a:lnB>
+                      <a:noFill/>
+                    </a:lnB>
+                  </a:tcPr>
+                </a:tc>
+                <a:tc>
+                  <a:txBody>
+                    <a:bodyPr/>
+                    <a:lstStyle/>
+                    <a:p>
+                      <a:pPr algn="r" fontAlgn="b"/>
+                      <a:r>
+                        <a:rPr lang="pt-BR" sz="1200" b="0" i="0" u="none" strike="noStrike">
+                          <a:solidFill>
+                            <a:srgbClr val="000000"/>
+                          </a:solidFill>
+                          <a:effectLst/>
+                          <a:latin typeface="Calibri" panose="020F0502020204030204" pitchFamily="34" charset="0"/>
+                        </a:rPr>
+                        <a:t>0,068</a:t>
+                      </a:r>
+                    </a:p>
+                  </a:txBody>
+                  <a:tcPr marL="3804" marR="3804" marT="3804" marB="0" anchor="b">
+                    <a:lnL>
+                      <a:noFill/>
+                    </a:lnL>
+                    <a:lnR>
+                      <a:noFill/>
+                    </a:lnR>
+                    <a:lnT>
+                      <a:noFill/>
+                    </a:lnT>
+                    <a:lnB>
+                      <a:noFill/>
+                    </a:lnB>
+                  </a:tcPr>
+                </a:tc>
+                <a:extLst>
+                  <a:ext uri="{0D108BD9-81ED-4DB2-BD59-A6C34878D82A}">
+                    <a16:rowId xmlns:a16="http://schemas.microsoft.com/office/drawing/2014/main" val="1696646816"/>
+                  </a:ext>
+                </a:extLst>
+              </a:tr>
+              <a:tr h="197788">
+                <a:tc>
+                  <a:txBody>
+                    <a:bodyPr/>
+                    <a:lstStyle/>
+                    <a:p>
+                      <a:pPr algn="l" fontAlgn="b"/>
+                      <a:r>
+                        <a:rPr lang="pt-BR" sz="1200" b="0" i="0" u="none" strike="noStrike">
+                          <a:solidFill>
+                            <a:srgbClr val="000000"/>
+                          </a:solidFill>
+                          <a:effectLst/>
+                          <a:latin typeface="Calibri" panose="020F0502020204030204" pitchFamily="34" charset="0"/>
+                        </a:rPr>
+                        <a:t>flg_paperless_billing</a:t>
+                      </a:r>
+                    </a:p>
+                  </a:txBody>
+                  <a:tcPr marL="3804" marR="3804" marT="3804" marB="0" anchor="b">
+                    <a:lnL>
+                      <a:noFill/>
+                    </a:lnL>
+                    <a:lnR>
+                      <a:noFill/>
+                    </a:lnR>
+                    <a:lnT>
+                      <a:noFill/>
+                    </a:lnT>
+                    <a:lnB>
+                      <a:noFill/>
+                    </a:lnB>
+                  </a:tcPr>
+                </a:tc>
+                <a:tc>
+                  <a:txBody>
+                    <a:bodyPr/>
+                    <a:lstStyle/>
+                    <a:p>
+                      <a:pPr algn="r" fontAlgn="b"/>
+                      <a:r>
+                        <a:rPr lang="pt-BR" sz="1200" b="0" i="0" u="none" strike="noStrike">
+                          <a:solidFill>
+                            <a:srgbClr val="000000"/>
+                          </a:solidFill>
+                          <a:effectLst/>
+                          <a:latin typeface="Calibri" panose="020F0502020204030204" pitchFamily="34" charset="0"/>
+                        </a:rPr>
+                        <a:t>0,064</a:t>
+                      </a:r>
+                    </a:p>
+                  </a:txBody>
+                  <a:tcPr marL="3804" marR="3804" marT="3804" marB="0" anchor="b">
+                    <a:lnL>
+                      <a:noFill/>
+                    </a:lnL>
+                    <a:lnR>
+                      <a:noFill/>
+                    </a:lnR>
+                    <a:lnT>
+                      <a:noFill/>
+                    </a:lnT>
+                    <a:lnB>
+                      <a:noFill/>
+                    </a:lnB>
+                  </a:tcPr>
+                </a:tc>
+                <a:extLst>
+                  <a:ext uri="{0D108BD9-81ED-4DB2-BD59-A6C34878D82A}">
+                    <a16:rowId xmlns:a16="http://schemas.microsoft.com/office/drawing/2014/main" val="2472908374"/>
+                  </a:ext>
+                </a:extLst>
+              </a:tr>
+              <a:tr h="197788">
+                <a:tc>
+                  <a:txBody>
+                    <a:bodyPr/>
+                    <a:lstStyle/>
+                    <a:p>
+                      <a:pPr algn="l" fontAlgn="b"/>
+                      <a:r>
+                        <a:rPr lang="pt-BR" sz="1200" b="0" i="0" u="none" strike="noStrike">
+                          <a:solidFill>
+                            <a:srgbClr val="000000"/>
+                          </a:solidFill>
+                          <a:effectLst/>
+                          <a:latin typeface="Calibri" panose="020F0502020204030204" pitchFamily="34" charset="0"/>
+                        </a:rPr>
+                        <a:t>flg_premium_tech_support</a:t>
+                      </a:r>
+                    </a:p>
+                  </a:txBody>
+                  <a:tcPr marL="3804" marR="3804" marT="3804" marB="0" anchor="b">
+                    <a:lnL>
+                      <a:noFill/>
+                    </a:lnL>
+                    <a:lnR>
+                      <a:noFill/>
+                    </a:lnR>
+                    <a:lnT>
+                      <a:noFill/>
+                    </a:lnT>
+                    <a:lnB>
+                      <a:noFill/>
+                    </a:lnB>
+                  </a:tcPr>
+                </a:tc>
+                <a:tc>
+                  <a:txBody>
+                    <a:bodyPr/>
+                    <a:lstStyle/>
+                    <a:p>
+                      <a:pPr algn="r" fontAlgn="b"/>
+                      <a:r>
+                        <a:rPr lang="pt-BR" sz="1200" b="0" i="0" u="none" strike="noStrike">
+                          <a:solidFill>
+                            <a:srgbClr val="000000"/>
+                          </a:solidFill>
+                          <a:effectLst/>
+                          <a:latin typeface="Calibri" panose="020F0502020204030204" pitchFamily="34" charset="0"/>
+                        </a:rPr>
+                        <a:t>0,061</a:t>
+                      </a:r>
+                    </a:p>
+                  </a:txBody>
+                  <a:tcPr marL="3804" marR="3804" marT="3804" marB="0" anchor="b">
+                    <a:lnL>
+                      <a:noFill/>
+                    </a:lnL>
+                    <a:lnR>
+                      <a:noFill/>
+                    </a:lnR>
+                    <a:lnT>
+                      <a:noFill/>
+                    </a:lnT>
+                    <a:lnB>
+                      <a:noFill/>
+                    </a:lnB>
+                  </a:tcPr>
+                </a:tc>
+                <a:extLst>
+                  <a:ext uri="{0D108BD9-81ED-4DB2-BD59-A6C34878D82A}">
+                    <a16:rowId xmlns:a16="http://schemas.microsoft.com/office/drawing/2014/main" val="783533624"/>
+                  </a:ext>
+                </a:extLst>
+              </a:tr>
+              <a:tr h="197788">
+                <a:tc>
+                  <a:txBody>
+                    <a:bodyPr/>
+                    <a:lstStyle/>
+                    <a:p>
+                      <a:pPr algn="l" fontAlgn="b"/>
+                      <a:r>
+                        <a:rPr lang="pt-BR" sz="1200" b="0" i="0" u="none" strike="noStrike">
+                          <a:solidFill>
+                            <a:srgbClr val="000000"/>
+                          </a:solidFill>
+                          <a:effectLst/>
+                          <a:latin typeface="Calibri" panose="020F0502020204030204" pitchFamily="34" charset="0"/>
+                        </a:rPr>
+                        <a:t>flg_unlimited_data</a:t>
+                      </a:r>
+                    </a:p>
+                  </a:txBody>
+                  <a:tcPr marL="3804" marR="3804" marT="3804" marB="0" anchor="b">
+                    <a:lnL>
+                      <a:noFill/>
+                    </a:lnL>
+                    <a:lnR>
+                      <a:noFill/>
+                    </a:lnR>
+                    <a:lnT>
+                      <a:noFill/>
+                    </a:lnT>
+                    <a:lnB>
+                      <a:noFill/>
+                    </a:lnB>
+                  </a:tcPr>
+                </a:tc>
+                <a:tc>
+                  <a:txBody>
+                    <a:bodyPr/>
+                    <a:lstStyle/>
+                    <a:p>
+                      <a:pPr algn="r" fontAlgn="b"/>
+                      <a:r>
+                        <a:rPr lang="pt-BR" sz="1200" b="0" i="0" u="none" strike="noStrike">
+                          <a:solidFill>
+                            <a:srgbClr val="000000"/>
+                          </a:solidFill>
+                          <a:effectLst/>
+                          <a:latin typeface="Calibri" panose="020F0502020204030204" pitchFamily="34" charset="0"/>
+                        </a:rPr>
+                        <a:t>0,056</a:t>
+                      </a:r>
+                    </a:p>
+                  </a:txBody>
+                  <a:tcPr marL="3804" marR="3804" marT="3804" marB="0" anchor="b">
+                    <a:lnL>
+                      <a:noFill/>
+                    </a:lnL>
+                    <a:lnR>
+                      <a:noFill/>
+                    </a:lnR>
+                    <a:lnT>
+                      <a:noFill/>
+                    </a:lnT>
+                    <a:lnB>
+                      <a:noFill/>
+                    </a:lnB>
+                  </a:tcPr>
+                </a:tc>
+                <a:extLst>
+                  <a:ext uri="{0D108BD9-81ED-4DB2-BD59-A6C34878D82A}">
+                    <a16:rowId xmlns:a16="http://schemas.microsoft.com/office/drawing/2014/main" val="4173257962"/>
+                  </a:ext>
+                </a:extLst>
+              </a:tr>
+              <a:tr h="197788">
+                <a:tc>
+                  <a:txBody>
+                    <a:bodyPr/>
+                    <a:lstStyle/>
+                    <a:p>
+                      <a:pPr algn="l" fontAlgn="b"/>
+                      <a:r>
+                        <a:rPr lang="pt-BR" sz="1200" b="0" i="0" u="none" strike="noStrike">
+                          <a:solidFill>
+                            <a:srgbClr val="000000"/>
+                          </a:solidFill>
+                          <a:effectLst/>
+                          <a:latin typeface="Calibri" panose="020F0502020204030204" pitchFamily="34" charset="0"/>
+                        </a:rPr>
+                        <a:t>flg_married</a:t>
+                      </a:r>
+                    </a:p>
+                  </a:txBody>
+                  <a:tcPr marL="3804" marR="3804" marT="3804" marB="0" anchor="b">
+                    <a:lnL>
+                      <a:noFill/>
+                    </a:lnL>
+                    <a:lnR>
+                      <a:noFill/>
+                    </a:lnR>
+                    <a:lnT>
+                      <a:noFill/>
+                    </a:lnT>
+                    <a:lnB>
+                      <a:noFill/>
+                    </a:lnB>
+                  </a:tcPr>
+                </a:tc>
+                <a:tc>
+                  <a:txBody>
+                    <a:bodyPr/>
+                    <a:lstStyle/>
+                    <a:p>
+                      <a:pPr algn="r" fontAlgn="b"/>
+                      <a:r>
+                        <a:rPr lang="pt-BR" sz="1200" b="0" i="0" u="none" strike="noStrike">
+                          <a:solidFill>
+                            <a:srgbClr val="000000"/>
+                          </a:solidFill>
+                          <a:effectLst/>
+                          <a:latin typeface="Calibri" panose="020F0502020204030204" pitchFamily="34" charset="0"/>
+                        </a:rPr>
+                        <a:t>0,035</a:t>
+                      </a:r>
+                    </a:p>
+                  </a:txBody>
+                  <a:tcPr marL="3804" marR="3804" marT="3804" marB="0" anchor="b">
+                    <a:lnL>
+                      <a:noFill/>
+                    </a:lnL>
+                    <a:lnR>
+                      <a:noFill/>
+                    </a:lnR>
+                    <a:lnT>
+                      <a:noFill/>
+                    </a:lnT>
+                    <a:lnB>
+                      <a:noFill/>
+                    </a:lnB>
+                  </a:tcPr>
+                </a:tc>
+                <a:extLst>
+                  <a:ext uri="{0D108BD9-81ED-4DB2-BD59-A6C34878D82A}">
+                    <a16:rowId xmlns:a16="http://schemas.microsoft.com/office/drawing/2014/main" val="2443377443"/>
+                  </a:ext>
+                </a:extLst>
+              </a:tr>
+              <a:tr h="197788">
+                <a:tc>
+                  <a:txBody>
+                    <a:bodyPr/>
+                    <a:lstStyle/>
+                    <a:p>
+                      <a:pPr algn="l" fontAlgn="b"/>
+                      <a:r>
+                        <a:rPr lang="pt-BR" sz="1200" b="0" i="0" u="none" strike="noStrike">
+                          <a:solidFill>
+                            <a:srgbClr val="000000"/>
+                          </a:solidFill>
+                          <a:effectLst/>
+                          <a:latin typeface="Calibri" panose="020F0502020204030204" pitchFamily="34" charset="0"/>
+                        </a:rPr>
+                        <a:t>county</a:t>
+                      </a:r>
+                    </a:p>
+                  </a:txBody>
+                  <a:tcPr marL="3804" marR="3804" marT="3804" marB="0" anchor="b">
+                    <a:lnL>
+                      <a:noFill/>
+                    </a:lnL>
+                    <a:lnR>
+                      <a:noFill/>
+                    </a:lnR>
+                    <a:lnT>
+                      <a:noFill/>
+                    </a:lnT>
+                    <a:lnB>
+                      <a:noFill/>
+                    </a:lnB>
+                  </a:tcPr>
+                </a:tc>
+                <a:tc>
+                  <a:txBody>
+                    <a:bodyPr/>
+                    <a:lstStyle/>
+                    <a:p>
+                      <a:pPr algn="r" fontAlgn="b"/>
+                      <a:r>
+                        <a:rPr lang="pt-BR" sz="1200" b="0" i="0" u="none" strike="noStrike">
+                          <a:solidFill>
+                            <a:srgbClr val="000000"/>
+                          </a:solidFill>
+                          <a:effectLst/>
+                          <a:latin typeface="Calibri" panose="020F0502020204030204" pitchFamily="34" charset="0"/>
+                        </a:rPr>
+                        <a:t>0,013</a:t>
+                      </a:r>
+                    </a:p>
+                  </a:txBody>
+                  <a:tcPr marL="3804" marR="3804" marT="3804" marB="0" anchor="b">
+                    <a:lnL>
+                      <a:noFill/>
+                    </a:lnL>
+                    <a:lnR>
+                      <a:noFill/>
+                    </a:lnR>
+                    <a:lnT>
+                      <a:noFill/>
+                    </a:lnT>
+                    <a:lnB>
+                      <a:noFill/>
+                    </a:lnB>
+                  </a:tcPr>
+                </a:tc>
+                <a:extLst>
+                  <a:ext uri="{0D108BD9-81ED-4DB2-BD59-A6C34878D82A}">
+                    <a16:rowId xmlns:a16="http://schemas.microsoft.com/office/drawing/2014/main" val="626162041"/>
+                  </a:ext>
+                </a:extLst>
+              </a:tr>
+              <a:tr h="197788">
+                <a:tc>
+                  <a:txBody>
+                    <a:bodyPr/>
+                    <a:lstStyle/>
+                    <a:p>
+                      <a:pPr algn="l" fontAlgn="b"/>
+                      <a:r>
+                        <a:rPr lang="pt-BR" sz="1200" b="0" i="0" u="none" strike="noStrike">
+                          <a:solidFill>
+                            <a:srgbClr val="000000"/>
+                          </a:solidFill>
+                          <a:effectLst/>
+                          <a:latin typeface="Calibri" panose="020F0502020204030204" pitchFamily="34" charset="0"/>
+                        </a:rPr>
+                        <a:t>flg_online_backup</a:t>
+                      </a:r>
+                    </a:p>
+                  </a:txBody>
+                  <a:tcPr marL="3804" marR="3804" marT="3804" marB="0" anchor="b">
+                    <a:lnL>
+                      <a:noFill/>
+                    </a:lnL>
+                    <a:lnR>
+                      <a:noFill/>
+                    </a:lnR>
+                    <a:lnT>
+                      <a:noFill/>
+                    </a:lnT>
+                    <a:lnB>
+                      <a:noFill/>
+                    </a:lnB>
+                  </a:tcPr>
+                </a:tc>
+                <a:tc>
+                  <a:txBody>
+                    <a:bodyPr/>
+                    <a:lstStyle/>
+                    <a:p>
+                      <a:pPr algn="r" fontAlgn="b"/>
+                      <a:r>
+                        <a:rPr lang="pt-BR" sz="1200" b="0" i="0" u="none" strike="noStrike">
+                          <a:solidFill>
+                            <a:srgbClr val="000000"/>
+                          </a:solidFill>
+                          <a:effectLst/>
+                          <a:latin typeface="Calibri" panose="020F0502020204030204" pitchFamily="34" charset="0"/>
+                        </a:rPr>
+                        <a:t>0,012</a:t>
+                      </a:r>
+                    </a:p>
+                  </a:txBody>
+                  <a:tcPr marL="3804" marR="3804" marT="3804" marB="0" anchor="b">
+                    <a:lnL>
+                      <a:noFill/>
+                    </a:lnL>
+                    <a:lnR>
+                      <a:noFill/>
+                    </a:lnR>
+                    <a:lnT>
+                      <a:noFill/>
+                    </a:lnT>
+                    <a:lnB>
+                      <a:noFill/>
+                    </a:lnB>
+                  </a:tcPr>
+                </a:tc>
+                <a:extLst>
+                  <a:ext uri="{0D108BD9-81ED-4DB2-BD59-A6C34878D82A}">
+                    <a16:rowId xmlns:a16="http://schemas.microsoft.com/office/drawing/2014/main" val="1021506602"/>
+                  </a:ext>
+                </a:extLst>
+              </a:tr>
+              <a:tr h="197788">
+                <a:tc>
+                  <a:txBody>
+                    <a:bodyPr/>
+                    <a:lstStyle/>
+                    <a:p>
+                      <a:pPr algn="l" fontAlgn="b"/>
+                      <a:r>
+                        <a:rPr lang="pt-BR" sz="1200" b="0" i="0" u="none" strike="noStrike">
+                          <a:solidFill>
+                            <a:srgbClr val="000000"/>
+                          </a:solidFill>
+                          <a:effectLst/>
+                          <a:latin typeface="Calibri" panose="020F0502020204030204" pitchFamily="34" charset="0"/>
+                        </a:rPr>
+                        <a:t>flg_device_protection_plan</a:t>
+                      </a:r>
+                    </a:p>
+                  </a:txBody>
+                  <a:tcPr marL="3804" marR="3804" marT="3804" marB="0" anchor="b">
+                    <a:lnL>
+                      <a:noFill/>
+                    </a:lnL>
+                    <a:lnR>
+                      <a:noFill/>
+                    </a:lnR>
+                    <a:lnT>
+                      <a:noFill/>
+                    </a:lnT>
+                    <a:lnB>
+                      <a:noFill/>
+                    </a:lnB>
+                  </a:tcPr>
+                </a:tc>
+                <a:tc>
+                  <a:txBody>
+                    <a:bodyPr/>
+                    <a:lstStyle/>
+                    <a:p>
+                      <a:pPr algn="r" fontAlgn="b"/>
+                      <a:r>
+                        <a:rPr lang="pt-BR" sz="1200" b="0" i="0" u="none" strike="noStrike">
+                          <a:solidFill>
+                            <a:srgbClr val="000000"/>
+                          </a:solidFill>
+                          <a:effectLst/>
+                          <a:latin typeface="Calibri" panose="020F0502020204030204" pitchFamily="34" charset="0"/>
+                        </a:rPr>
+                        <a:t>0,007</a:t>
+                      </a:r>
+                    </a:p>
+                  </a:txBody>
+                  <a:tcPr marL="3804" marR="3804" marT="3804" marB="0" anchor="b">
+                    <a:lnL>
+                      <a:noFill/>
+                    </a:lnL>
+                    <a:lnR>
+                      <a:noFill/>
+                    </a:lnR>
+                    <a:lnT>
+                      <a:noFill/>
+                    </a:lnT>
+                    <a:lnB>
+                      <a:noFill/>
+                    </a:lnB>
+                  </a:tcPr>
+                </a:tc>
+                <a:extLst>
+                  <a:ext uri="{0D108BD9-81ED-4DB2-BD59-A6C34878D82A}">
+                    <a16:rowId xmlns:a16="http://schemas.microsoft.com/office/drawing/2014/main" val="830755473"/>
+                  </a:ext>
+                </a:extLst>
+              </a:tr>
+              <a:tr h="197788">
+                <a:tc>
+                  <a:txBody>
+                    <a:bodyPr/>
+                    <a:lstStyle/>
+                    <a:p>
+                      <a:pPr algn="l" fontAlgn="b"/>
+                      <a:r>
+                        <a:rPr lang="pt-BR" sz="1200" b="0" i="0" u="none" strike="noStrike">
+                          <a:solidFill>
+                            <a:srgbClr val="000000"/>
+                          </a:solidFill>
+                          <a:effectLst/>
+                          <a:latin typeface="Calibri" panose="020F0502020204030204" pitchFamily="34" charset="0"/>
+                        </a:rPr>
+                        <a:t>flg_streaming_tv</a:t>
+                      </a:r>
+                    </a:p>
+                  </a:txBody>
+                  <a:tcPr marL="3804" marR="3804" marT="3804" marB="0" anchor="b">
+                    <a:lnL>
+                      <a:noFill/>
+                    </a:lnL>
+                    <a:lnR>
+                      <a:noFill/>
+                    </a:lnR>
+                    <a:lnT>
+                      <a:noFill/>
+                    </a:lnT>
+                    <a:lnB>
+                      <a:noFill/>
+                    </a:lnB>
+                  </a:tcPr>
+                </a:tc>
+                <a:tc>
+                  <a:txBody>
+                    <a:bodyPr/>
+                    <a:lstStyle/>
+                    <a:p>
+                      <a:pPr algn="r" fontAlgn="b"/>
+                      <a:r>
+                        <a:rPr lang="pt-BR" sz="1200" b="0" i="0" u="none" strike="noStrike">
+                          <a:solidFill>
+                            <a:srgbClr val="000000"/>
+                          </a:solidFill>
+                          <a:effectLst/>
+                          <a:latin typeface="Calibri" panose="020F0502020204030204" pitchFamily="34" charset="0"/>
+                        </a:rPr>
+                        <a:t>0,006</a:t>
+                      </a:r>
+                    </a:p>
+                  </a:txBody>
+                  <a:tcPr marL="3804" marR="3804" marT="3804" marB="0" anchor="b">
+                    <a:lnL>
+                      <a:noFill/>
+                    </a:lnL>
+                    <a:lnR>
+                      <a:noFill/>
+                    </a:lnR>
+                    <a:lnT>
+                      <a:noFill/>
+                    </a:lnT>
+                    <a:lnB>
+                      <a:noFill/>
+                    </a:lnB>
+                  </a:tcPr>
+                </a:tc>
+                <a:extLst>
+                  <a:ext uri="{0D108BD9-81ED-4DB2-BD59-A6C34878D82A}">
+                    <a16:rowId xmlns:a16="http://schemas.microsoft.com/office/drawing/2014/main" val="4253813755"/>
+                  </a:ext>
+                </a:extLst>
+              </a:tr>
+              <a:tr h="197788">
+                <a:tc>
+                  <a:txBody>
+                    <a:bodyPr/>
+                    <a:lstStyle/>
+                    <a:p>
+                      <a:pPr algn="l" fontAlgn="b"/>
+                      <a:r>
+                        <a:rPr lang="pt-BR" sz="1200" b="0" i="0" u="none" strike="noStrike">
+                          <a:solidFill>
+                            <a:srgbClr val="000000"/>
+                          </a:solidFill>
+                          <a:effectLst/>
+                          <a:latin typeface="Calibri" panose="020F0502020204030204" pitchFamily="34" charset="0"/>
+                        </a:rPr>
+                        <a:t>flg_streaming_movies</a:t>
+                      </a:r>
+                    </a:p>
+                  </a:txBody>
+                  <a:tcPr marL="3804" marR="3804" marT="3804" marB="0" anchor="b">
+                    <a:lnL>
+                      <a:noFill/>
+                    </a:lnL>
+                    <a:lnR>
+                      <a:noFill/>
+                    </a:lnR>
+                    <a:lnT>
+                      <a:noFill/>
+                    </a:lnT>
+                    <a:lnB>
+                      <a:noFill/>
+                    </a:lnB>
+                  </a:tcPr>
+                </a:tc>
+                <a:tc>
+                  <a:txBody>
+                    <a:bodyPr/>
+                    <a:lstStyle/>
+                    <a:p>
+                      <a:pPr algn="r" fontAlgn="b"/>
+                      <a:r>
+                        <a:rPr lang="pt-BR" sz="1200" b="0" i="0" u="none" strike="noStrike">
+                          <a:solidFill>
+                            <a:srgbClr val="000000"/>
+                          </a:solidFill>
+                          <a:effectLst/>
+                          <a:latin typeface="Calibri" panose="020F0502020204030204" pitchFamily="34" charset="0"/>
+                        </a:rPr>
+                        <a:t>0,006</a:t>
+                      </a:r>
+                    </a:p>
+                  </a:txBody>
+                  <a:tcPr marL="3804" marR="3804" marT="3804" marB="0" anchor="b">
+                    <a:lnL>
+                      <a:noFill/>
+                    </a:lnL>
+                    <a:lnR>
+                      <a:noFill/>
+                    </a:lnR>
+                    <a:lnT>
+                      <a:noFill/>
+                    </a:lnT>
+                    <a:lnB>
+                      <a:noFill/>
+                    </a:lnB>
+                  </a:tcPr>
+                </a:tc>
+                <a:extLst>
+                  <a:ext uri="{0D108BD9-81ED-4DB2-BD59-A6C34878D82A}">
+                    <a16:rowId xmlns:a16="http://schemas.microsoft.com/office/drawing/2014/main" val="365844371"/>
+                  </a:ext>
+                </a:extLst>
+              </a:tr>
+              <a:tr h="197788">
+                <a:tc>
+                  <a:txBody>
+                    <a:bodyPr/>
+                    <a:lstStyle/>
+                    <a:p>
+                      <a:pPr algn="l" fontAlgn="b"/>
+                      <a:r>
+                        <a:rPr lang="pt-BR" sz="1200" b="0" i="0" u="none" strike="noStrike">
+                          <a:solidFill>
+                            <a:srgbClr val="000000"/>
+                          </a:solidFill>
+                          <a:effectLst/>
+                          <a:latin typeface="Calibri" panose="020F0502020204030204" pitchFamily="34" charset="0"/>
+                        </a:rPr>
+                        <a:t>flg_streaming_music</a:t>
+                      </a:r>
+                    </a:p>
+                  </a:txBody>
+                  <a:tcPr marL="3804" marR="3804" marT="3804" marB="0" anchor="b">
+                    <a:lnL>
+                      <a:noFill/>
+                    </a:lnL>
+                    <a:lnR>
+                      <a:noFill/>
+                    </a:lnR>
+                    <a:lnT>
+                      <a:noFill/>
+                    </a:lnT>
+                    <a:lnB>
+                      <a:noFill/>
+                    </a:lnB>
+                  </a:tcPr>
+                </a:tc>
+                <a:tc>
+                  <a:txBody>
+                    <a:bodyPr/>
+                    <a:lstStyle/>
+                    <a:p>
+                      <a:pPr algn="r" fontAlgn="b"/>
+                      <a:r>
+                        <a:rPr lang="pt-BR" sz="1200" b="0" i="0" u="none" strike="noStrike">
+                          <a:solidFill>
+                            <a:srgbClr val="000000"/>
+                          </a:solidFill>
+                          <a:effectLst/>
+                          <a:latin typeface="Calibri" panose="020F0502020204030204" pitchFamily="34" charset="0"/>
+                        </a:rPr>
+                        <a:t>0,003</a:t>
+                      </a:r>
+                    </a:p>
+                  </a:txBody>
+                  <a:tcPr marL="3804" marR="3804" marT="3804" marB="0" anchor="b">
+                    <a:lnL>
+                      <a:noFill/>
+                    </a:lnL>
+                    <a:lnR>
+                      <a:noFill/>
+                    </a:lnR>
+                    <a:lnT>
+                      <a:noFill/>
+                    </a:lnT>
+                    <a:lnB>
+                      <a:noFill/>
+                    </a:lnB>
+                  </a:tcPr>
+                </a:tc>
+                <a:extLst>
+                  <a:ext uri="{0D108BD9-81ED-4DB2-BD59-A6C34878D82A}">
+                    <a16:rowId xmlns:a16="http://schemas.microsoft.com/office/drawing/2014/main" val="2166059220"/>
+                  </a:ext>
+                </a:extLst>
+              </a:tr>
+              <a:tr h="197788">
+                <a:tc>
+                  <a:txBody>
+                    <a:bodyPr/>
+                    <a:lstStyle/>
+                    <a:p>
+                      <a:pPr algn="l" fontAlgn="b"/>
+                      <a:r>
+                        <a:rPr lang="pt-BR" sz="1200" b="0" i="0" u="none" strike="noStrike">
+                          <a:solidFill>
+                            <a:srgbClr val="000000"/>
+                          </a:solidFill>
+                          <a:effectLst/>
+                          <a:latin typeface="Calibri" panose="020F0502020204030204" pitchFamily="34" charset="0"/>
+                        </a:rPr>
+                        <a:t>flg_multiple_lines</a:t>
+                      </a:r>
+                    </a:p>
+                  </a:txBody>
+                  <a:tcPr marL="3804" marR="3804" marT="3804" marB="0" anchor="b">
+                    <a:lnL>
+                      <a:noFill/>
+                    </a:lnL>
+                    <a:lnR>
+                      <a:noFill/>
+                    </a:lnR>
+                    <a:lnT>
+                      <a:noFill/>
+                    </a:lnT>
+                    <a:lnB w="6350" cap="flat" cmpd="sng" algn="ctr">
+                      <a:solidFill>
+                        <a:srgbClr val="000000"/>
+                      </a:solidFill>
+                      <a:prstDash val="solid"/>
+                      <a:round/>
+                      <a:headEnd type="none" w="med" len="med"/>
+                      <a:tailEnd type="none" w="med" len="med"/>
+                    </a:lnB>
+                  </a:tcPr>
+                </a:tc>
+                <a:tc>
+                  <a:txBody>
+                    <a:bodyPr/>
+                    <a:lstStyle/>
+                    <a:p>
+                      <a:pPr algn="r" fontAlgn="b"/>
+                      <a:r>
+                        <a:rPr lang="pt-BR" sz="1200" b="0" i="0" u="none" strike="noStrike" dirty="0">
+                          <a:solidFill>
+                            <a:srgbClr val="000000"/>
+                          </a:solidFill>
+                          <a:effectLst/>
+                          <a:latin typeface="Calibri" panose="020F0502020204030204" pitchFamily="34" charset="0"/>
+                        </a:rPr>
+                        <a:t>0,002</a:t>
+                      </a:r>
+                    </a:p>
+                  </a:txBody>
+                  <a:tcPr marL="3804" marR="3804" marT="3804" marB="0" anchor="b">
+                    <a:lnL>
+                      <a:noFill/>
+                    </a:lnL>
+                    <a:lnR>
+                      <a:noFill/>
+                    </a:lnR>
+                    <a:lnT>
+                      <a:noFill/>
+                    </a:lnT>
+                    <a:lnB w="6350" cap="flat" cmpd="sng" algn="ctr">
+                      <a:solidFill>
+                        <a:srgbClr val="000000"/>
+                      </a:solidFill>
+                      <a:prstDash val="solid"/>
+                      <a:round/>
+                      <a:headEnd type="none" w="med" len="med"/>
+                      <a:tailEnd type="none" w="med" len="med"/>
+                    </a:lnB>
+                  </a:tcPr>
+                </a:tc>
+                <a:extLst>
+                  <a:ext uri="{0D108BD9-81ED-4DB2-BD59-A6C34878D82A}">
+                    <a16:rowId xmlns:a16="http://schemas.microsoft.com/office/drawing/2014/main" val="3079613134"/>
+                  </a:ext>
+                </a:extLst>
+              </a:tr>
+            </a:tbl>
           </a:graphicData>
         </a:graphic>
       </p:graphicFrame>
@@ -4376,95 +8774,474 @@
           <a:bodyPr/>
           <a:lstStyle/>
           <a:p>
-            <a:endParaRPr lang="pt-BR"/>
-          </a:p>
-        </p:txBody>
-      </p:sp>
-      <p:sp>
-        <p:nvSpPr>
-          <p:cNvPr id="3" name="Espaço Reservado para Conteúdo 2">
-            <a:extLst>
-              <a:ext uri="{FF2B5EF4-FFF2-40B4-BE49-F238E27FC236}">
-                <a16:creationId xmlns:a16="http://schemas.microsoft.com/office/drawing/2014/main" id="{621030C7-AC50-461D-A40A-5DAB9C476480}"/>
-              </a:ext>
-            </a:extLst>
-          </p:cNvPr>
-          <p:cNvSpPr>
-            <a:spLocks noGrp="1"/>
-          </p:cNvSpPr>
-          <p:nvPr>
-            <p:ph idx="1"/>
-          </p:nvPr>
-        </p:nvSpPr>
-        <p:spPr/>
-        <p:txBody>
-          <a:bodyPr/>
-          <a:lstStyle/>
-          <a:p>
-            <a:endParaRPr lang="pt-BR" dirty="0"/>
+            <a:r>
+              <a:rPr lang="pt-BR" dirty="0"/>
+              <a:t>Área sob a curva ROC</a:t>
+            </a:r>
+            <a:br>
+              <a:rPr lang="pt-BR" dirty="0"/>
+            </a:br>
+            <a:r>
+              <a:rPr lang="pt-BR" sz="1600" dirty="0"/>
+              <a:t>Diversos modelos estimados</a:t>
+            </a:r>
           </a:p>
         </p:txBody>
       </p:sp>
       <p:graphicFrame>
         <p:nvGraphicFramePr>
-          <p:cNvPr id="4" name="Object 3">
+          <p:cNvPr id="5" name="Content Placeholder 4">
             <a:extLst>
               <a:ext uri="{FF2B5EF4-FFF2-40B4-BE49-F238E27FC236}">
-                <a16:creationId xmlns:a16="http://schemas.microsoft.com/office/drawing/2014/main" id="{415191EB-3EF2-5D04-73EF-17F2299270F6}"/>
+                <a16:creationId xmlns:a16="http://schemas.microsoft.com/office/drawing/2014/main" id="{F1F19866-C24E-5A44-68AF-DD66C167A3F5}"/>
               </a:ext>
             </a:extLst>
           </p:cNvPr>
           <p:cNvGraphicFramePr>
-            <a:graphicFrameLocks noChangeAspect="1"/>
+            <a:graphicFrameLocks noGrp="1"/>
           </p:cNvGraphicFramePr>
           <p:nvPr>
-            <p:extLst>
-              <p:ext uri="{D42A27DB-BD31-4B8C-83A1-F6EECF244321}">
-                <p14:modId xmlns:p14="http://schemas.microsoft.com/office/powerpoint/2010/main" val="2784418263"/>
-              </p:ext>
-            </p:extLst>
+            <p:ph idx="1"/>
           </p:nvPr>
         </p:nvGraphicFramePr>
         <p:xfrm>
-          <a:off x="838199" y="1825624"/>
-          <a:ext cx="6688051" cy="1603375"/>
+          <a:off x="2762250" y="3175794"/>
+          <a:ext cx="6667500" cy="1651000"/>
         </p:xfrm>
         <a:graphic>
-          <a:graphicData uri="http://schemas.openxmlformats.org/presentationml/2006/ole">
-            <mc:AlternateContent xmlns:mc="http://schemas.openxmlformats.org/markup-compatibility/2006">
-              <mc:Choice xmlns:v="urn:schemas-microsoft-com:vml" Requires="v">
-                <p:oleObj name="Worksheet" r:id="rId2" imgW="3867113" imgH="927217" progId="Excel.Sheet.12">
-                  <p:embed/>
-                </p:oleObj>
-              </mc:Choice>
-              <mc:Fallback>
-                <p:oleObj name="Worksheet" r:id="rId2" imgW="3867113" imgH="927217" progId="Excel.Sheet.12">
-                  <p:embed/>
-                  <p:pic>
-                    <p:nvPicPr>
-                      <p:cNvPr id="0" name=""/>
-                      <p:cNvPicPr/>
-                      <p:nvPr/>
-                    </p:nvPicPr>
-                    <p:blipFill>
-                      <a:blip r:embed="rId3"/>
-                      <a:stretch>
-                        <a:fillRect/>
-                      </a:stretch>
-                    </p:blipFill>
-                    <p:spPr>
-                      <a:xfrm>
-                        <a:off x="838199" y="1825624"/>
-                        <a:ext cx="6688051" cy="1603375"/>
-                      </a:xfrm>
-                      <a:prstGeom prst="rect">
-                        <a:avLst/>
-                      </a:prstGeom>
-                    </p:spPr>
-                  </p:pic>
-                </p:oleObj>
-              </mc:Fallback>
-            </mc:AlternateContent>
+          <a:graphicData uri="http://schemas.openxmlformats.org/drawingml/2006/table">
+            <a:tbl>
+              <a:tblPr/>
+              <a:tblGrid>
+                <a:gridCol w="5689600">
+                  <a:extLst>
+                    <a:ext uri="{9D8B030D-6E8A-4147-A177-3AD203B41FA5}">
+                      <a16:colId xmlns:a16="http://schemas.microsoft.com/office/drawing/2014/main" val="2004830432"/>
+                    </a:ext>
+                  </a:extLst>
+                </a:gridCol>
+                <a:gridCol w="977900">
+                  <a:extLst>
+                    <a:ext uri="{9D8B030D-6E8A-4147-A177-3AD203B41FA5}">
+                      <a16:colId xmlns:a16="http://schemas.microsoft.com/office/drawing/2014/main" val="2466911793"/>
+                    </a:ext>
+                  </a:extLst>
+                </a:gridCol>
+              </a:tblGrid>
+              <a:tr h="330200">
+                <a:tc>
+                  <a:txBody>
+                    <a:bodyPr/>
+                    <a:lstStyle/>
+                    <a:p>
+                      <a:pPr algn="l" fontAlgn="ctr"/>
+                      <a:r>
+                        <a:rPr lang="pt-BR" sz="2000" b="0" i="0" u="none" strike="noStrike">
+                          <a:solidFill>
+                            <a:srgbClr val="000000"/>
+                          </a:solidFill>
+                          <a:effectLst/>
+                          <a:latin typeface="Calibri" panose="020F0502020204030204" pitchFamily="34" charset="0"/>
+                        </a:rPr>
+                        <a:t>Modelo</a:t>
+                      </a:r>
+                    </a:p>
+                  </a:txBody>
+                  <a:tcPr marL="6350" marR="6350" marT="6350" marB="0" anchor="ctr">
+                    <a:lnL>
+                      <a:noFill/>
+                    </a:lnL>
+                    <a:lnR>
+                      <a:noFill/>
+                    </a:lnR>
+                    <a:lnT w="6350" cap="flat" cmpd="sng" algn="ctr">
+                      <a:solidFill>
+                        <a:srgbClr val="000000"/>
+                      </a:solidFill>
+                      <a:prstDash val="solid"/>
+                      <a:round/>
+                      <a:headEnd type="none" w="med" len="med"/>
+                      <a:tailEnd type="none" w="med" len="med"/>
+                    </a:lnT>
+                    <a:lnB w="6350" cap="flat" cmpd="sng" algn="ctr">
+                      <a:solidFill>
+                        <a:srgbClr val="000000"/>
+                      </a:solidFill>
+                      <a:prstDash val="solid"/>
+                      <a:round/>
+                      <a:headEnd type="none" w="med" len="med"/>
+                      <a:tailEnd type="none" w="med" len="med"/>
+                    </a:lnB>
+                  </a:tcPr>
+                </a:tc>
+                <a:tc>
+                  <a:txBody>
+                    <a:bodyPr/>
+                    <a:lstStyle/>
+                    <a:p>
+                      <a:pPr algn="ctr" fontAlgn="ctr"/>
+                      <a:r>
+                        <a:rPr lang="pt-BR" sz="2000" b="0" i="0" u="none" strike="noStrike">
+                          <a:solidFill>
+                            <a:srgbClr val="000000"/>
+                          </a:solidFill>
+                          <a:effectLst/>
+                          <a:latin typeface="Calibri" panose="020F0502020204030204" pitchFamily="34" charset="0"/>
+                        </a:rPr>
+                        <a:t>AUC</a:t>
+                      </a:r>
+                    </a:p>
+                  </a:txBody>
+                  <a:tcPr marL="6350" marR="6350" marT="6350" marB="0" anchor="ctr">
+                    <a:lnL>
+                      <a:noFill/>
+                    </a:lnL>
+                    <a:lnR>
+                      <a:noFill/>
+                    </a:lnR>
+                    <a:lnT w="6350" cap="flat" cmpd="sng" algn="ctr">
+                      <a:solidFill>
+                        <a:srgbClr val="000000"/>
+                      </a:solidFill>
+                      <a:prstDash val="solid"/>
+                      <a:round/>
+                      <a:headEnd type="none" w="med" len="med"/>
+                      <a:tailEnd type="none" w="med" len="med"/>
+                    </a:lnT>
+                    <a:lnB w="6350" cap="flat" cmpd="sng" algn="ctr">
+                      <a:solidFill>
+                        <a:srgbClr val="000000"/>
+                      </a:solidFill>
+                      <a:prstDash val="solid"/>
+                      <a:round/>
+                      <a:headEnd type="none" w="med" len="med"/>
+                      <a:tailEnd type="none" w="med" len="med"/>
+                    </a:lnB>
+                  </a:tcPr>
+                </a:tc>
+                <a:extLst>
+                  <a:ext uri="{0D108BD9-81ED-4DB2-BD59-A6C34878D82A}">
+                    <a16:rowId xmlns:a16="http://schemas.microsoft.com/office/drawing/2014/main" val="1410110383"/>
+                  </a:ext>
+                </a:extLst>
+              </a:tr>
+              <a:tr h="330200">
+                <a:tc>
+                  <a:txBody>
+                    <a:bodyPr/>
+                    <a:lstStyle/>
+                    <a:p>
+                      <a:pPr algn="l" fontAlgn="ctr"/>
+                      <a:r>
+                        <a:rPr lang="pt-BR" sz="2000" b="0" i="0" u="none" strike="noStrike">
+                          <a:solidFill>
+                            <a:srgbClr val="000000"/>
+                          </a:solidFill>
+                          <a:effectLst/>
+                          <a:latin typeface="Calibri" panose="020F0502020204030204" pitchFamily="34" charset="0"/>
+                        </a:rPr>
+                        <a:t>Regressão logística com seleção gradual de variáveis</a:t>
+                      </a:r>
+                    </a:p>
+                  </a:txBody>
+                  <a:tcPr marL="6350" marR="6350" marT="6350" marB="0" anchor="ctr">
+                    <a:lnL>
+                      <a:noFill/>
+                    </a:lnL>
+                    <a:lnR>
+                      <a:noFill/>
+                    </a:lnR>
+                    <a:lnT w="6350" cap="flat" cmpd="sng" algn="ctr">
+                      <a:solidFill>
+                        <a:srgbClr val="000000"/>
+                      </a:solidFill>
+                      <a:prstDash val="solid"/>
+                      <a:round/>
+                      <a:headEnd type="none" w="med" len="med"/>
+                      <a:tailEnd type="none" w="med" len="med"/>
+                    </a:lnT>
+                    <a:lnB>
+                      <a:noFill/>
+                    </a:lnB>
+                  </a:tcPr>
+                </a:tc>
+                <a:tc>
+                  <a:txBody>
+                    <a:bodyPr/>
+                    <a:lstStyle/>
+                    <a:p>
+                      <a:pPr algn="r" fontAlgn="ctr"/>
+                      <a:r>
+                        <a:rPr lang="pt-BR" sz="2000" b="0" i="0" u="none" strike="noStrike">
+                          <a:solidFill>
+                            <a:srgbClr val="000000"/>
+                          </a:solidFill>
+                          <a:effectLst/>
+                          <a:latin typeface="Calibri" panose="020F0502020204030204" pitchFamily="34" charset="0"/>
+                        </a:rPr>
+                        <a:t>0,9885</a:t>
+                      </a:r>
+                    </a:p>
+                  </a:txBody>
+                  <a:tcPr marL="6350" marR="6350" marT="6350" marB="0" anchor="ctr">
+                    <a:lnL>
+                      <a:noFill/>
+                    </a:lnL>
+                    <a:lnR>
+                      <a:noFill/>
+                    </a:lnR>
+                    <a:lnT w="6350" cap="flat" cmpd="sng" algn="ctr">
+                      <a:solidFill>
+                        <a:srgbClr val="000000"/>
+                      </a:solidFill>
+                      <a:prstDash val="solid"/>
+                      <a:round/>
+                      <a:headEnd type="none" w="med" len="med"/>
+                      <a:tailEnd type="none" w="med" len="med"/>
+                    </a:lnT>
+                    <a:lnB>
+                      <a:noFill/>
+                    </a:lnB>
+                  </a:tcPr>
+                </a:tc>
+                <a:extLst>
+                  <a:ext uri="{0D108BD9-81ED-4DB2-BD59-A6C34878D82A}">
+                    <a16:rowId xmlns:a16="http://schemas.microsoft.com/office/drawing/2014/main" val="1910315338"/>
+                  </a:ext>
+                </a:extLst>
+              </a:tr>
+              <a:tr h="330200">
+                <a:tc>
+                  <a:txBody>
+                    <a:bodyPr/>
+                    <a:lstStyle/>
+                    <a:p>
+                      <a:pPr algn="l" fontAlgn="ctr"/>
+                      <a:r>
+                        <a:rPr lang="pt-BR" sz="2000" b="0" i="0" u="none" strike="noStrike">
+                          <a:solidFill>
+                            <a:srgbClr val="000000"/>
+                          </a:solidFill>
+                          <a:effectLst/>
+                          <a:latin typeface="Calibri" panose="020F0502020204030204" pitchFamily="34" charset="0"/>
+                        </a:rPr>
+                        <a:t>Árvore de decisão</a:t>
+                      </a:r>
+                    </a:p>
+                  </a:txBody>
+                  <a:tcPr marL="6350" marR="6350" marT="6350" marB="0" anchor="ctr">
+                    <a:lnL>
+                      <a:noFill/>
+                    </a:lnL>
+                    <a:lnR>
+                      <a:noFill/>
+                    </a:lnR>
+                    <a:lnT>
+                      <a:noFill/>
+                    </a:lnT>
+                    <a:lnB>
+                      <a:noFill/>
+                    </a:lnB>
+                  </a:tcPr>
+                </a:tc>
+                <a:tc>
+                  <a:txBody>
+                    <a:bodyPr/>
+                    <a:lstStyle/>
+                    <a:p>
+                      <a:pPr algn="r" fontAlgn="ctr"/>
+                      <a:r>
+                        <a:rPr lang="pt-BR" sz="2000" b="0" i="0" u="none" strike="noStrike">
+                          <a:solidFill>
+                            <a:srgbClr val="000000"/>
+                          </a:solidFill>
+                          <a:effectLst/>
+                          <a:latin typeface="Calibri" panose="020F0502020204030204" pitchFamily="34" charset="0"/>
+                        </a:rPr>
+                        <a:t>0,9854</a:t>
+                      </a:r>
+                    </a:p>
+                  </a:txBody>
+                  <a:tcPr marL="6350" marR="6350" marT="6350" marB="0" anchor="ctr">
+                    <a:lnL>
+                      <a:noFill/>
+                    </a:lnL>
+                    <a:lnR>
+                      <a:noFill/>
+                    </a:lnR>
+                    <a:lnT>
+                      <a:noFill/>
+                    </a:lnT>
+                    <a:lnB>
+                      <a:noFill/>
+                    </a:lnB>
+                  </a:tcPr>
+                </a:tc>
+                <a:extLst>
+                  <a:ext uri="{0D108BD9-81ED-4DB2-BD59-A6C34878D82A}">
+                    <a16:rowId xmlns:a16="http://schemas.microsoft.com/office/drawing/2014/main" val="2581312047"/>
+                  </a:ext>
+                </a:extLst>
+              </a:tr>
+              <a:tr h="330200">
+                <a:tc>
+                  <a:txBody>
+                    <a:bodyPr/>
+                    <a:lstStyle/>
+                    <a:p>
+                      <a:pPr algn="l" fontAlgn="ctr"/>
+                      <a:r>
+                        <a:rPr lang="pt-BR" sz="2000" b="0" i="0" u="none" strike="noStrike">
+                          <a:solidFill>
+                            <a:srgbClr val="000000"/>
+                          </a:solidFill>
+                          <a:effectLst/>
+                          <a:latin typeface="Calibri" panose="020F0502020204030204" pitchFamily="34" charset="0"/>
+                        </a:rPr>
+                        <a:t>Random forest sem a variável categórica "county"</a:t>
+                      </a:r>
+                    </a:p>
+                  </a:txBody>
+                  <a:tcPr marL="6350" marR="6350" marT="6350" marB="0" anchor="ctr">
+                    <a:lnL>
+                      <a:noFill/>
+                    </a:lnL>
+                    <a:lnR>
+                      <a:noFill/>
+                    </a:lnR>
+                    <a:lnT>
+                      <a:noFill/>
+                    </a:lnT>
+                    <a:lnB>
+                      <a:noFill/>
+                    </a:lnB>
+                  </a:tcPr>
+                </a:tc>
+                <a:tc>
+                  <a:txBody>
+                    <a:bodyPr/>
+                    <a:lstStyle/>
+                    <a:p>
+                      <a:pPr algn="r" fontAlgn="ctr"/>
+                      <a:r>
+                        <a:rPr lang="pt-BR" sz="2000" b="0" i="0" u="none" strike="noStrike">
+                          <a:solidFill>
+                            <a:srgbClr val="000000"/>
+                          </a:solidFill>
+                          <a:effectLst/>
+                          <a:latin typeface="Calibri" panose="020F0502020204030204" pitchFamily="34" charset="0"/>
+                        </a:rPr>
+                        <a:t>0,9836</a:t>
+                      </a:r>
+                    </a:p>
+                  </a:txBody>
+                  <a:tcPr marL="6350" marR="6350" marT="6350" marB="0" anchor="ctr">
+                    <a:lnL>
+                      <a:noFill/>
+                    </a:lnL>
+                    <a:lnR>
+                      <a:noFill/>
+                    </a:lnR>
+                    <a:lnT>
+                      <a:noFill/>
+                    </a:lnT>
+                    <a:lnB>
+                      <a:noFill/>
+                    </a:lnB>
+                  </a:tcPr>
+                </a:tc>
+                <a:extLst>
+                  <a:ext uri="{0D108BD9-81ED-4DB2-BD59-A6C34878D82A}">
+                    <a16:rowId xmlns:a16="http://schemas.microsoft.com/office/drawing/2014/main" val="3975165011"/>
+                  </a:ext>
+                </a:extLst>
+              </a:tr>
+              <a:tr h="330200">
+                <a:tc>
+                  <a:txBody>
+                    <a:bodyPr/>
+                    <a:lstStyle/>
+                    <a:p>
+                      <a:pPr algn="l" fontAlgn="ctr"/>
+                      <a:r>
+                        <a:rPr lang="pt-BR" sz="2000" b="0" i="0" u="none" strike="noStrike">
+                          <a:solidFill>
+                            <a:srgbClr val="000000"/>
+                          </a:solidFill>
+                          <a:effectLst/>
+                          <a:latin typeface="Calibri" panose="020F0502020204030204" pitchFamily="34" charset="0"/>
+                        </a:rPr>
+                        <a:t>Random forest com a variável "county" transformada</a:t>
+                      </a:r>
+                    </a:p>
+                  </a:txBody>
+                  <a:tcPr marL="6350" marR="6350" marT="6350" marB="0" anchor="ctr">
+                    <a:lnL>
+                      <a:noFill/>
+                    </a:lnL>
+                    <a:lnR>
+                      <a:noFill/>
+                    </a:lnR>
+                    <a:lnT>
+                      <a:noFill/>
+                    </a:lnT>
+                    <a:lnB w="6350" cap="flat" cmpd="sng" algn="ctr">
+                      <a:solidFill>
+                        <a:srgbClr val="000000"/>
+                      </a:solidFill>
+                      <a:prstDash val="solid"/>
+                      <a:round/>
+                      <a:headEnd type="none" w="med" len="med"/>
+                      <a:tailEnd type="none" w="med" len="med"/>
+                    </a:lnB>
+                  </a:tcPr>
+                </a:tc>
+                <a:tc>
+                  <a:txBody>
+                    <a:bodyPr/>
+                    <a:lstStyle/>
+                    <a:p>
+                      <a:pPr algn="r" fontAlgn="ctr"/>
+                      <a:r>
+                        <a:rPr lang="pt-BR" sz="2000" b="0" i="0" u="none" strike="noStrike" dirty="0">
+                          <a:solidFill>
+                            <a:srgbClr val="000000"/>
+                          </a:solidFill>
+                          <a:effectLst/>
+                          <a:latin typeface="Calibri" panose="020F0502020204030204" pitchFamily="34" charset="0"/>
+                        </a:rPr>
+                        <a:t>0,9808</a:t>
+                      </a:r>
+                    </a:p>
+                  </a:txBody>
+                  <a:tcPr marL="6350" marR="6350" marT="6350" marB="0" anchor="ctr">
+                    <a:lnL>
+                      <a:noFill/>
+                    </a:lnL>
+                    <a:lnR>
+                      <a:noFill/>
+                    </a:lnR>
+                    <a:lnT>
+                      <a:noFill/>
+                    </a:lnT>
+                    <a:lnB w="6350" cap="flat" cmpd="sng" algn="ctr">
+                      <a:solidFill>
+                        <a:srgbClr val="000000"/>
+                      </a:solidFill>
+                      <a:prstDash val="solid"/>
+                      <a:round/>
+                      <a:headEnd type="none" w="med" len="med"/>
+                      <a:tailEnd type="none" w="med" len="med"/>
+                    </a:lnB>
+                  </a:tcPr>
+                </a:tc>
+                <a:extLst>
+                  <a:ext uri="{0D108BD9-81ED-4DB2-BD59-A6C34878D82A}">
+                    <a16:rowId xmlns:a16="http://schemas.microsoft.com/office/drawing/2014/main" val="1797089451"/>
+                  </a:ext>
+                </a:extLst>
+              </a:tr>
+            </a:tbl>
           </a:graphicData>
         </a:graphic>
       </p:graphicFrame>
@@ -4472,86 +9249,6 @@
     <p:extLst>
       <p:ext uri="{BB962C8B-B14F-4D97-AF65-F5344CB8AC3E}">
         <p14:creationId xmlns:p14="http://schemas.microsoft.com/office/powerpoint/2010/main" val="147509650"/>
-      </p:ext>
-    </p:extLst>
-  </p:cSld>
-  <p:clrMapOvr>
-    <a:masterClrMapping/>
-  </p:clrMapOvr>
-</p:sld>
-</file>
-
-<file path=ppt/slides/slide19.xml><?xml version="1.0" encoding="utf-8"?>
-<p:sld xmlns:a="http://schemas.openxmlformats.org/drawingml/2006/main" xmlns:r="http://schemas.openxmlformats.org/officeDocument/2006/relationships" xmlns:p="http://schemas.openxmlformats.org/presentationml/2006/main">
-  <p:cSld>
-    <p:spTree>
-      <p:nvGrpSpPr>
-        <p:cNvPr id="1" name=""/>
-        <p:cNvGrpSpPr/>
-        <p:nvPr/>
-      </p:nvGrpSpPr>
-      <p:grpSpPr>
-        <a:xfrm>
-          <a:off x="0" y="0"/>
-          <a:ext cx="0" cy="0"/>
-          <a:chOff x="0" y="0"/>
-          <a:chExt cx="0" cy="0"/>
-        </a:xfrm>
-      </p:grpSpPr>
-      <p:sp>
-        <p:nvSpPr>
-          <p:cNvPr id="2" name="Título 1">
-            <a:extLst>
-              <a:ext uri="{FF2B5EF4-FFF2-40B4-BE49-F238E27FC236}">
-                <a16:creationId xmlns:a16="http://schemas.microsoft.com/office/drawing/2014/main" id="{EEAAE684-D6CA-4DA5-9F71-C63A77ABED75}"/>
-              </a:ext>
-            </a:extLst>
-          </p:cNvPr>
-          <p:cNvSpPr>
-            <a:spLocks noGrp="1"/>
-          </p:cNvSpPr>
-          <p:nvPr>
-            <p:ph type="title"/>
-          </p:nvPr>
-        </p:nvSpPr>
-        <p:spPr/>
-        <p:txBody>
-          <a:bodyPr/>
-          <a:lstStyle/>
-          <a:p>
-            <a:endParaRPr lang="pt-BR"/>
-          </a:p>
-        </p:txBody>
-      </p:sp>
-      <p:sp>
-        <p:nvSpPr>
-          <p:cNvPr id="3" name="Espaço Reservado para Conteúdo 2">
-            <a:extLst>
-              <a:ext uri="{FF2B5EF4-FFF2-40B4-BE49-F238E27FC236}">
-                <a16:creationId xmlns:a16="http://schemas.microsoft.com/office/drawing/2014/main" id="{621030C7-AC50-461D-A40A-5DAB9C476480}"/>
-              </a:ext>
-            </a:extLst>
-          </p:cNvPr>
-          <p:cNvSpPr>
-            <a:spLocks noGrp="1"/>
-          </p:cNvSpPr>
-          <p:nvPr>
-            <p:ph idx="1"/>
-          </p:nvPr>
-        </p:nvSpPr>
-        <p:spPr/>
-        <p:txBody>
-          <a:bodyPr/>
-          <a:lstStyle/>
-          <a:p>
-            <a:endParaRPr lang="pt-BR"/>
-          </a:p>
-        </p:txBody>
-      </p:sp>
-    </p:spTree>
-    <p:extLst>
-      <p:ext uri="{BB962C8B-B14F-4D97-AF65-F5344CB8AC3E}">
-        <p14:creationId xmlns:p14="http://schemas.microsoft.com/office/powerpoint/2010/main" val="339457202"/>
       </p:ext>
     </p:extLst>
   </p:cSld>
@@ -4694,168 +9391,21 @@
         </p:nvSpPr>
         <p:spPr/>
         <p:txBody>
-          <a:bodyPr/>
-          <a:lstStyle/>
-          <a:p>
-            <a:r>
-              <a:rPr lang="pt-BR" dirty="0"/>
-              <a:t>Percentual de </a:t>
-            </a:r>
-            <a:r>
-              <a:rPr lang="pt-BR" i="1" dirty="0" err="1"/>
-              <a:t>chun</a:t>
-            </a:r>
-            <a:r>
-              <a:rPr lang="pt-BR" dirty="0"/>
-              <a:t>, por índice de satisfação do cliente</a:t>
-            </a:r>
-          </a:p>
-        </p:txBody>
-      </p:sp>
-      <p:sp>
-        <p:nvSpPr>
-          <p:cNvPr id="3" name="Espaço Reservado para Conteúdo 2">
-            <a:extLst>
-              <a:ext uri="{FF2B5EF4-FFF2-40B4-BE49-F238E27FC236}">
-                <a16:creationId xmlns:a16="http://schemas.microsoft.com/office/drawing/2014/main" id="{621030C7-AC50-461D-A40A-5DAB9C476480}"/>
-              </a:ext>
-            </a:extLst>
-          </p:cNvPr>
-          <p:cNvSpPr>
-            <a:spLocks noGrp="1"/>
-          </p:cNvSpPr>
-          <p:nvPr>
-            <p:ph idx="1"/>
-          </p:nvPr>
-        </p:nvSpPr>
-        <p:spPr/>
-        <p:txBody>
-          <a:bodyPr/>
-          <a:lstStyle/>
-          <a:p>
-            <a:endParaRPr lang="pt-BR" dirty="0"/>
-          </a:p>
-        </p:txBody>
-      </p:sp>
-      <p:graphicFrame>
-        <p:nvGraphicFramePr>
-          <p:cNvPr id="5" name="Object 4">
-            <a:extLst>
-              <a:ext uri="{FF2B5EF4-FFF2-40B4-BE49-F238E27FC236}">
-                <a16:creationId xmlns:a16="http://schemas.microsoft.com/office/drawing/2014/main" id="{AE3DB616-EA5B-3585-F365-E1C1A2156669}"/>
-              </a:ext>
-            </a:extLst>
-          </p:cNvPr>
-          <p:cNvGraphicFramePr>
-            <a:graphicFrameLocks noChangeAspect="1"/>
-          </p:cNvGraphicFramePr>
-          <p:nvPr>
-            <p:extLst>
-              <p:ext uri="{D42A27DB-BD31-4B8C-83A1-F6EECF244321}">
-                <p14:modId xmlns:p14="http://schemas.microsoft.com/office/powerpoint/2010/main" val="2153029549"/>
-              </p:ext>
-            </p:extLst>
-          </p:nvPr>
-        </p:nvGraphicFramePr>
-        <p:xfrm>
-          <a:off x="3805948" y="2987402"/>
-          <a:ext cx="4737471" cy="1752764"/>
-        </p:xfrm>
-        <a:graphic>
-          <a:graphicData uri="http://schemas.openxmlformats.org/presentationml/2006/ole">
-            <mc:AlternateContent xmlns:mc="http://schemas.openxmlformats.org/markup-compatibility/2006">
-              <mc:Choice xmlns:v="urn:schemas-microsoft-com:vml" Requires="v">
-                <p:oleObj name="Worksheet" r:id="rId2" imgW="3003414" imgH="1111155" progId="Excel.Sheet.12">
-                  <p:embed/>
-                </p:oleObj>
-              </mc:Choice>
-              <mc:Fallback>
-                <p:oleObj name="Worksheet" r:id="rId2" imgW="3003414" imgH="1111155" progId="Excel.Sheet.12">
-                  <p:embed/>
-                  <p:pic>
-                    <p:nvPicPr>
-                      <p:cNvPr id="0" name=""/>
-                      <p:cNvPicPr/>
-                      <p:nvPr/>
-                    </p:nvPicPr>
-                    <p:blipFill>
-                      <a:blip r:embed="rId3"/>
-                      <a:stretch>
-                        <a:fillRect/>
-                      </a:stretch>
-                    </p:blipFill>
-                    <p:spPr>
-                      <a:xfrm>
-                        <a:off x="3805948" y="2987402"/>
-                        <a:ext cx="4737471" cy="1752764"/>
-                      </a:xfrm>
-                      <a:prstGeom prst="rect">
-                        <a:avLst/>
-                      </a:prstGeom>
-                    </p:spPr>
-                  </p:pic>
-                </p:oleObj>
-              </mc:Fallback>
-            </mc:AlternateContent>
-          </a:graphicData>
-        </a:graphic>
-      </p:graphicFrame>
-    </p:spTree>
-    <p:extLst>
-      <p:ext uri="{BB962C8B-B14F-4D97-AF65-F5344CB8AC3E}">
-        <p14:creationId xmlns:p14="http://schemas.microsoft.com/office/powerpoint/2010/main" val="2862953440"/>
-      </p:ext>
-    </p:extLst>
-  </p:cSld>
-  <p:clrMapOvr>
-    <a:masterClrMapping/>
-  </p:clrMapOvr>
-</p:sld>
-</file>
-
-<file path=ppt/slides/slide4.xml><?xml version="1.0" encoding="utf-8"?>
-<p:sld xmlns:a="http://schemas.openxmlformats.org/drawingml/2006/main" xmlns:r="http://schemas.openxmlformats.org/officeDocument/2006/relationships" xmlns:p="http://schemas.openxmlformats.org/presentationml/2006/main">
-  <p:cSld>
-    <p:spTree>
-      <p:nvGrpSpPr>
-        <p:cNvPr id="1" name=""/>
-        <p:cNvGrpSpPr/>
-        <p:nvPr/>
-      </p:nvGrpSpPr>
-      <p:grpSpPr>
-        <a:xfrm>
-          <a:off x="0" y="0"/>
-          <a:ext cx="0" cy="0"/>
-          <a:chOff x="0" y="0"/>
-          <a:chExt cx="0" cy="0"/>
-        </a:xfrm>
-      </p:grpSpPr>
-      <p:sp>
-        <p:nvSpPr>
-          <p:cNvPr id="2" name="Título 1">
-            <a:extLst>
-              <a:ext uri="{FF2B5EF4-FFF2-40B4-BE49-F238E27FC236}">
-                <a16:creationId xmlns:a16="http://schemas.microsoft.com/office/drawing/2014/main" id="{EEAAE684-D6CA-4DA5-9F71-C63A77ABED75}"/>
-              </a:ext>
-            </a:extLst>
-          </p:cNvPr>
-          <p:cNvSpPr>
-            <a:spLocks noGrp="1"/>
-          </p:cNvSpPr>
-          <p:nvPr>
-            <p:ph type="title"/>
-          </p:nvPr>
-        </p:nvSpPr>
-        <p:spPr/>
-        <p:txBody>
           <a:bodyPr>
-            <a:normAutofit fontScale="90000"/>
+            <a:normAutofit/>
           </a:bodyPr>
           <a:lstStyle/>
           <a:p>
             <a:r>
               <a:rPr lang="pt-BR" dirty="0"/>
-              <a:t>Distribuição de clientes, por condado, com destaque para os condados com maiores e menores representatividades</a:t>
+              <a:t>Distribuição de clientes, por condado</a:t>
+            </a:r>
+            <a:br>
+              <a:rPr lang="pt-BR" dirty="0"/>
+            </a:br>
+            <a:r>
+              <a:rPr lang="pt-BR" sz="1600" dirty="0"/>
+              <a:t>Com destaque para os condados com maiores e menores representatividades</a:t>
             </a:r>
           </a:p>
         </p:txBody>
@@ -4908,7 +9458,7 @@
 </p:sld>
 </file>
 
-<file path=ppt/slides/slide5.xml><?xml version="1.0" encoding="utf-8"?>
+<file path=ppt/slides/slide4.xml><?xml version="1.0" encoding="utf-8"?>
 <p:sld xmlns:a="http://schemas.openxmlformats.org/drawingml/2006/main" xmlns:r="http://schemas.openxmlformats.org/officeDocument/2006/relationships" xmlns:p="http://schemas.openxmlformats.org/presentationml/2006/main">
   <p:cSld>
     <p:spTree>
@@ -4950,7 +9500,14 @@
           <a:p>
             <a:r>
               <a:rPr lang="pt-BR" dirty="0"/>
-              <a:t>Proporção de habitantes, por condado, que foram ou são clientes da companhia, com destaque para os condados com maiores e menores representatividades</a:t>
+              <a:t>Proporção de habitantes, por condado, que foram ou são clientes da companhia</a:t>
+            </a:r>
+            <a:br>
+              <a:rPr lang="pt-BR" dirty="0"/>
+            </a:br>
+            <a:r>
+              <a:rPr lang="pt-BR" sz="1800" dirty="0"/>
+              <a:t>Com destaque para os condados com maiores e menores representatividades</a:t>
             </a:r>
           </a:p>
         </p:txBody>
@@ -5003,7 +9560,7 @@
 </p:sld>
 </file>
 
-<file path=ppt/slides/slide6.xml><?xml version="1.0" encoding="utf-8"?>
+<file path=ppt/slides/slide5.xml><?xml version="1.0" encoding="utf-8"?>
 <p:sld xmlns:a="http://schemas.openxmlformats.org/drawingml/2006/main" xmlns:r="http://schemas.openxmlformats.org/officeDocument/2006/relationships" xmlns:p="http://schemas.openxmlformats.org/presentationml/2006/main">
   <p:cSld>
     <p:spTree>
@@ -5043,11 +9600,11 @@
           <a:p>
             <a:r>
               <a:rPr lang="pt-BR" dirty="0"/>
-              <a:t>Índice de </a:t>
+              <a:t>% </a:t>
             </a:r>
             <a:r>
               <a:rPr lang="pt-BR" i="1" dirty="0" err="1"/>
-              <a:t>churn</a:t>
+              <a:t>Churn</a:t>
             </a:r>
             <a:r>
               <a:rPr lang="pt-BR" dirty="0"/>
@@ -5104,7 +9661,7 @@
 </p:sld>
 </file>
 
-<file path=ppt/slides/slide7.xml><?xml version="1.0" encoding="utf-8"?>
+<file path=ppt/slides/slide6.xml><?xml version="1.0" encoding="utf-8"?>
 <p:sld xmlns:a="http://schemas.openxmlformats.org/drawingml/2006/main" xmlns:r="http://schemas.openxmlformats.org/officeDocument/2006/relationships" xmlns:p="http://schemas.openxmlformats.org/presentationml/2006/main">
   <p:cSld>
     <p:spTree>
@@ -5205,7 +9762,7 @@
 </p:sld>
 </file>
 
-<file path=ppt/slides/slide8.xml><?xml version="1.0" encoding="utf-8"?>
+<file path=ppt/slides/slide7.xml><?xml version="1.0" encoding="utf-8"?>
 <p:sld xmlns:a="http://schemas.openxmlformats.org/drawingml/2006/main" xmlns:r="http://schemas.openxmlformats.org/officeDocument/2006/relationships" xmlns:p="http://schemas.openxmlformats.org/presentationml/2006/main">
   <p:cSld>
     <p:spTree>
@@ -5306,6 +9863,836 @@
 </p:sld>
 </file>
 
+<file path=ppt/slides/slide8.xml><?xml version="1.0" encoding="utf-8"?>
+<p:sld xmlns:a="http://schemas.openxmlformats.org/drawingml/2006/main" xmlns:r="http://schemas.openxmlformats.org/officeDocument/2006/relationships" xmlns:p="http://schemas.openxmlformats.org/presentationml/2006/main">
+  <p:cSld>
+    <p:spTree>
+      <p:nvGrpSpPr>
+        <p:cNvPr id="1" name=""/>
+        <p:cNvGrpSpPr/>
+        <p:nvPr/>
+      </p:nvGrpSpPr>
+      <p:grpSpPr>
+        <a:xfrm>
+          <a:off x="0" y="0"/>
+          <a:ext cx="0" cy="0"/>
+          <a:chOff x="0" y="0"/>
+          <a:chExt cx="0" cy="0"/>
+        </a:xfrm>
+      </p:grpSpPr>
+      <p:sp>
+        <p:nvSpPr>
+          <p:cNvPr id="2" name="Título 1">
+            <a:extLst>
+              <a:ext uri="{FF2B5EF4-FFF2-40B4-BE49-F238E27FC236}">
+                <a16:creationId xmlns:a16="http://schemas.microsoft.com/office/drawing/2014/main" id="{EEAAE684-D6CA-4DA5-9F71-C63A77ABED75}"/>
+              </a:ext>
+            </a:extLst>
+          </p:cNvPr>
+          <p:cNvSpPr>
+            <a:spLocks noGrp="1"/>
+          </p:cNvSpPr>
+          <p:nvPr>
+            <p:ph type="title"/>
+          </p:nvPr>
+        </p:nvSpPr>
+        <p:spPr/>
+        <p:txBody>
+          <a:bodyPr>
+            <a:normAutofit/>
+          </a:bodyPr>
+          <a:lstStyle/>
+          <a:p>
+            <a:r>
+              <a:rPr lang="pt-BR" dirty="0"/>
+              <a:t>% </a:t>
+            </a:r>
+            <a:r>
+              <a:rPr lang="pt-BR" i="1" dirty="0" err="1"/>
+              <a:t>Churn</a:t>
+            </a:r>
+            <a:br>
+              <a:rPr lang="pt-BR" i="1" dirty="0"/>
+            </a:br>
+            <a:r>
+              <a:rPr lang="pt-BR" sz="1600" dirty="0"/>
+              <a:t>de acordo com a satisfação do cliente</a:t>
+            </a:r>
+          </a:p>
+        </p:txBody>
+      </p:sp>
+      <p:graphicFrame>
+        <p:nvGraphicFramePr>
+          <p:cNvPr id="15" name="Content Placeholder 14">
+            <a:extLst>
+              <a:ext uri="{FF2B5EF4-FFF2-40B4-BE49-F238E27FC236}">
+                <a16:creationId xmlns:a16="http://schemas.microsoft.com/office/drawing/2014/main" id="{1D7E70D5-359B-6EB2-16C0-F53123A6F32C}"/>
+              </a:ext>
+            </a:extLst>
+          </p:cNvPr>
+          <p:cNvGraphicFramePr>
+            <a:graphicFrameLocks noGrp="1"/>
+          </p:cNvGraphicFramePr>
+          <p:nvPr>
+            <p:ph idx="1"/>
+          </p:nvPr>
+        </p:nvGraphicFramePr>
+        <p:xfrm>
+          <a:off x="3727450" y="3010694"/>
+          <a:ext cx="4737100" cy="1981200"/>
+        </p:xfrm>
+        <a:graphic>
+          <a:graphicData uri="http://schemas.openxmlformats.org/drawingml/2006/table">
+            <a:tbl>
+              <a:tblPr/>
+              <a:tblGrid>
+                <a:gridCol w="2044700">
+                  <a:extLst>
+                    <a:ext uri="{9D8B030D-6E8A-4147-A177-3AD203B41FA5}">
+                      <a16:colId xmlns:a16="http://schemas.microsoft.com/office/drawing/2014/main" val="4051457340"/>
+                    </a:ext>
+                  </a:extLst>
+                </a:gridCol>
+                <a:gridCol w="1346200">
+                  <a:extLst>
+                    <a:ext uri="{9D8B030D-6E8A-4147-A177-3AD203B41FA5}">
+                      <a16:colId xmlns:a16="http://schemas.microsoft.com/office/drawing/2014/main" val="1399536329"/>
+                    </a:ext>
+                  </a:extLst>
+                </a:gridCol>
+                <a:gridCol w="1346200">
+                  <a:extLst>
+                    <a:ext uri="{9D8B030D-6E8A-4147-A177-3AD203B41FA5}">
+                      <a16:colId xmlns:a16="http://schemas.microsoft.com/office/drawing/2014/main" val="3445716053"/>
+                    </a:ext>
+                  </a:extLst>
+                </a:gridCol>
+              </a:tblGrid>
+              <a:tr h="330200">
+                <a:tc>
+                  <a:txBody>
+                    <a:bodyPr/>
+                    <a:lstStyle/>
+                    <a:p>
+                      <a:pPr algn="l" fontAlgn="ctr"/>
+                      <a:r>
+                        <a:rPr lang="pt-BR" sz="2000" b="0" i="0" u="none" strike="noStrike">
+                          <a:solidFill>
+                            <a:srgbClr val="000000"/>
+                          </a:solidFill>
+                          <a:effectLst/>
+                          <a:latin typeface="Calibri" panose="020F0502020204030204" pitchFamily="34" charset="0"/>
+                        </a:rPr>
+                        <a:t>satisfaction_score</a:t>
+                      </a:r>
+                    </a:p>
+                  </a:txBody>
+                  <a:tcPr marL="6350" marR="6350" marT="6350" marB="0" anchor="ctr">
+                    <a:lnL>
+                      <a:noFill/>
+                    </a:lnL>
+                    <a:lnR>
+                      <a:noFill/>
+                    </a:lnR>
+                    <a:lnT w="6350" cap="flat" cmpd="sng" algn="ctr">
+                      <a:solidFill>
+                        <a:srgbClr val="000000"/>
+                      </a:solidFill>
+                      <a:prstDash val="solid"/>
+                      <a:round/>
+                      <a:headEnd type="none" w="med" len="med"/>
+                      <a:tailEnd type="none" w="med" len="med"/>
+                    </a:lnT>
+                    <a:lnB w="6350" cap="flat" cmpd="sng" algn="ctr">
+                      <a:solidFill>
+                        <a:srgbClr val="000000"/>
+                      </a:solidFill>
+                      <a:prstDash val="solid"/>
+                      <a:round/>
+                      <a:headEnd type="none" w="med" len="med"/>
+                      <a:tailEnd type="none" w="med" len="med"/>
+                    </a:lnB>
+                  </a:tcPr>
+                </a:tc>
+                <a:tc>
+                  <a:txBody>
+                    <a:bodyPr/>
+                    <a:lstStyle/>
+                    <a:p>
+                      <a:pPr algn="ctr" fontAlgn="ctr"/>
+                      <a:r>
+                        <a:rPr lang="pt-BR" sz="2000" b="0" i="0" u="none" strike="noStrike">
+                          <a:solidFill>
+                            <a:srgbClr val="000000"/>
+                          </a:solidFill>
+                          <a:effectLst/>
+                          <a:latin typeface="Calibri" panose="020F0502020204030204" pitchFamily="34" charset="0"/>
+                        </a:rPr>
+                        <a:t>Qtd clientes</a:t>
+                      </a:r>
+                    </a:p>
+                  </a:txBody>
+                  <a:tcPr marL="6350" marR="6350" marT="6350" marB="0" anchor="ctr">
+                    <a:lnL>
+                      <a:noFill/>
+                    </a:lnL>
+                    <a:lnR>
+                      <a:noFill/>
+                    </a:lnR>
+                    <a:lnT w="6350" cap="flat" cmpd="sng" algn="ctr">
+                      <a:solidFill>
+                        <a:srgbClr val="000000"/>
+                      </a:solidFill>
+                      <a:prstDash val="solid"/>
+                      <a:round/>
+                      <a:headEnd type="none" w="med" len="med"/>
+                      <a:tailEnd type="none" w="med" len="med"/>
+                    </a:lnT>
+                    <a:lnB w="6350" cap="flat" cmpd="sng" algn="ctr">
+                      <a:solidFill>
+                        <a:srgbClr val="000000"/>
+                      </a:solidFill>
+                      <a:prstDash val="solid"/>
+                      <a:round/>
+                      <a:headEnd type="none" w="med" len="med"/>
+                      <a:tailEnd type="none" w="med" len="med"/>
+                    </a:lnB>
+                  </a:tcPr>
+                </a:tc>
+                <a:tc>
+                  <a:txBody>
+                    <a:bodyPr/>
+                    <a:lstStyle/>
+                    <a:p>
+                      <a:pPr algn="ctr" fontAlgn="ctr"/>
+                      <a:r>
+                        <a:rPr lang="pt-BR" sz="2000" b="0" i="0" u="none" strike="noStrike">
+                          <a:solidFill>
+                            <a:srgbClr val="000000"/>
+                          </a:solidFill>
+                          <a:effectLst/>
+                          <a:latin typeface="Calibri" panose="020F0502020204030204" pitchFamily="34" charset="0"/>
+                        </a:rPr>
+                        <a:t>% Churn</a:t>
+                      </a:r>
+                    </a:p>
+                  </a:txBody>
+                  <a:tcPr marL="6350" marR="6350" marT="6350" marB="0" anchor="ctr">
+                    <a:lnL>
+                      <a:noFill/>
+                    </a:lnL>
+                    <a:lnR>
+                      <a:noFill/>
+                    </a:lnR>
+                    <a:lnT w="6350" cap="flat" cmpd="sng" algn="ctr">
+                      <a:solidFill>
+                        <a:srgbClr val="000000"/>
+                      </a:solidFill>
+                      <a:prstDash val="solid"/>
+                      <a:round/>
+                      <a:headEnd type="none" w="med" len="med"/>
+                      <a:tailEnd type="none" w="med" len="med"/>
+                    </a:lnT>
+                    <a:lnB w="6350" cap="flat" cmpd="sng" algn="ctr">
+                      <a:solidFill>
+                        <a:srgbClr val="000000"/>
+                      </a:solidFill>
+                      <a:prstDash val="solid"/>
+                      <a:round/>
+                      <a:headEnd type="none" w="med" len="med"/>
+                      <a:tailEnd type="none" w="med" len="med"/>
+                    </a:lnB>
+                  </a:tcPr>
+                </a:tc>
+                <a:extLst>
+                  <a:ext uri="{0D108BD9-81ED-4DB2-BD59-A6C34878D82A}">
+                    <a16:rowId xmlns:a16="http://schemas.microsoft.com/office/drawing/2014/main" val="968904540"/>
+                  </a:ext>
+                </a:extLst>
+              </a:tr>
+              <a:tr h="330200">
+                <a:tc>
+                  <a:txBody>
+                    <a:bodyPr/>
+                    <a:lstStyle/>
+                    <a:p>
+                      <a:pPr algn="l" fontAlgn="b"/>
+                      <a:r>
+                        <a:rPr lang="pt-BR" sz="2000" b="0" i="0" u="none" strike="noStrike">
+                          <a:solidFill>
+                            <a:srgbClr val="000000"/>
+                          </a:solidFill>
+                          <a:effectLst/>
+                          <a:latin typeface="Calibri" panose="020F0502020204030204" pitchFamily="34" charset="0"/>
+                        </a:rPr>
+                        <a:t>1</a:t>
+                      </a:r>
+                    </a:p>
+                  </a:txBody>
+                  <a:tcPr marL="6350" marR="6350" marT="6350" marB="0" anchor="b">
+                    <a:lnL>
+                      <a:noFill/>
+                    </a:lnL>
+                    <a:lnR>
+                      <a:noFill/>
+                    </a:lnR>
+                    <a:lnT w="6350" cap="flat" cmpd="sng" algn="ctr">
+                      <a:solidFill>
+                        <a:srgbClr val="000000"/>
+                      </a:solidFill>
+                      <a:prstDash val="solid"/>
+                      <a:round/>
+                      <a:headEnd type="none" w="med" len="med"/>
+                      <a:tailEnd type="none" w="med" len="med"/>
+                    </a:lnT>
+                    <a:lnB>
+                      <a:noFill/>
+                    </a:lnB>
+                  </a:tcPr>
+                </a:tc>
+                <a:tc>
+                  <a:txBody>
+                    <a:bodyPr/>
+                    <a:lstStyle/>
+                    <a:p>
+                      <a:pPr algn="r" fontAlgn="b"/>
+                      <a:r>
+                        <a:rPr lang="pt-BR" sz="2000" b="0" i="0" u="none" strike="noStrike">
+                          <a:solidFill>
+                            <a:srgbClr val="000000"/>
+                          </a:solidFill>
+                          <a:effectLst/>
+                          <a:latin typeface="Calibri" panose="020F0502020204030204" pitchFamily="34" charset="0"/>
+                        </a:rPr>
+                        <a:t>              922 </a:t>
+                      </a:r>
+                    </a:p>
+                  </a:txBody>
+                  <a:tcPr marL="6350" marR="6350" marT="6350" marB="0" anchor="b">
+                    <a:lnL>
+                      <a:noFill/>
+                    </a:lnL>
+                    <a:lnR>
+                      <a:noFill/>
+                    </a:lnR>
+                    <a:lnT w="6350" cap="flat" cmpd="sng" algn="ctr">
+                      <a:solidFill>
+                        <a:srgbClr val="000000"/>
+                      </a:solidFill>
+                      <a:prstDash val="solid"/>
+                      <a:round/>
+                      <a:headEnd type="none" w="med" len="med"/>
+                      <a:tailEnd type="none" w="med" len="med"/>
+                    </a:lnT>
+                    <a:lnB>
+                      <a:noFill/>
+                    </a:lnB>
+                  </a:tcPr>
+                </a:tc>
+                <a:tc>
+                  <a:txBody>
+                    <a:bodyPr/>
+                    <a:lstStyle/>
+                    <a:p>
+                      <a:pPr algn="r" fontAlgn="b"/>
+                      <a:r>
+                        <a:rPr lang="pt-BR" sz="2000" b="0" i="0" u="none" strike="noStrike">
+                          <a:solidFill>
+                            <a:srgbClr val="000000"/>
+                          </a:solidFill>
+                          <a:effectLst/>
+                          <a:latin typeface="Calibri" panose="020F0502020204030204" pitchFamily="34" charset="0"/>
+                        </a:rPr>
+                        <a:t>100</a:t>
+                      </a:r>
+                    </a:p>
+                  </a:txBody>
+                  <a:tcPr marL="6350" marR="6350" marT="6350" marB="0" anchor="b">
+                    <a:lnL>
+                      <a:noFill/>
+                    </a:lnL>
+                    <a:lnR>
+                      <a:noFill/>
+                    </a:lnR>
+                    <a:lnT w="6350" cap="flat" cmpd="sng" algn="ctr">
+                      <a:solidFill>
+                        <a:srgbClr val="000000"/>
+                      </a:solidFill>
+                      <a:prstDash val="solid"/>
+                      <a:round/>
+                      <a:headEnd type="none" w="med" len="med"/>
+                      <a:tailEnd type="none" w="med" len="med"/>
+                    </a:lnT>
+                    <a:lnB>
+                      <a:noFill/>
+                    </a:lnB>
+                  </a:tcPr>
+                </a:tc>
+                <a:extLst>
+                  <a:ext uri="{0D108BD9-81ED-4DB2-BD59-A6C34878D82A}">
+                    <a16:rowId xmlns:a16="http://schemas.microsoft.com/office/drawing/2014/main" val="3827242555"/>
+                  </a:ext>
+                </a:extLst>
+              </a:tr>
+              <a:tr h="330200">
+                <a:tc>
+                  <a:txBody>
+                    <a:bodyPr/>
+                    <a:lstStyle/>
+                    <a:p>
+                      <a:pPr algn="l" fontAlgn="b"/>
+                      <a:r>
+                        <a:rPr lang="pt-BR" sz="2000" b="0" i="0" u="none" strike="noStrike">
+                          <a:solidFill>
+                            <a:srgbClr val="000000"/>
+                          </a:solidFill>
+                          <a:effectLst/>
+                          <a:latin typeface="Calibri" panose="020F0502020204030204" pitchFamily="34" charset="0"/>
+                        </a:rPr>
+                        <a:t>2</a:t>
+                      </a:r>
+                    </a:p>
+                  </a:txBody>
+                  <a:tcPr marL="6350" marR="6350" marT="6350" marB="0" anchor="b">
+                    <a:lnL>
+                      <a:noFill/>
+                    </a:lnL>
+                    <a:lnR>
+                      <a:noFill/>
+                    </a:lnR>
+                    <a:lnT>
+                      <a:noFill/>
+                    </a:lnT>
+                    <a:lnB>
+                      <a:noFill/>
+                    </a:lnB>
+                  </a:tcPr>
+                </a:tc>
+                <a:tc>
+                  <a:txBody>
+                    <a:bodyPr/>
+                    <a:lstStyle/>
+                    <a:p>
+                      <a:pPr algn="r" fontAlgn="b"/>
+                      <a:r>
+                        <a:rPr lang="pt-BR" sz="2000" b="0" i="0" u="none" strike="noStrike">
+                          <a:solidFill>
+                            <a:srgbClr val="000000"/>
+                          </a:solidFill>
+                          <a:effectLst/>
+                          <a:latin typeface="Calibri" panose="020F0502020204030204" pitchFamily="34" charset="0"/>
+                        </a:rPr>
+                        <a:t>              518 </a:t>
+                      </a:r>
+                    </a:p>
+                  </a:txBody>
+                  <a:tcPr marL="6350" marR="6350" marT="6350" marB="0" anchor="b">
+                    <a:lnL>
+                      <a:noFill/>
+                    </a:lnL>
+                    <a:lnR>
+                      <a:noFill/>
+                    </a:lnR>
+                    <a:lnT>
+                      <a:noFill/>
+                    </a:lnT>
+                    <a:lnB>
+                      <a:noFill/>
+                    </a:lnB>
+                  </a:tcPr>
+                </a:tc>
+                <a:tc>
+                  <a:txBody>
+                    <a:bodyPr/>
+                    <a:lstStyle/>
+                    <a:p>
+                      <a:pPr algn="r" fontAlgn="b"/>
+                      <a:r>
+                        <a:rPr lang="pt-BR" sz="2000" b="0" i="0" u="none" strike="noStrike">
+                          <a:solidFill>
+                            <a:srgbClr val="000000"/>
+                          </a:solidFill>
+                          <a:effectLst/>
+                          <a:latin typeface="Calibri" panose="020F0502020204030204" pitchFamily="34" charset="0"/>
+                        </a:rPr>
+                        <a:t>100</a:t>
+                      </a:r>
+                    </a:p>
+                  </a:txBody>
+                  <a:tcPr marL="6350" marR="6350" marT="6350" marB="0" anchor="b">
+                    <a:lnL>
+                      <a:noFill/>
+                    </a:lnL>
+                    <a:lnR>
+                      <a:noFill/>
+                    </a:lnR>
+                    <a:lnT>
+                      <a:noFill/>
+                    </a:lnT>
+                    <a:lnB>
+                      <a:noFill/>
+                    </a:lnB>
+                  </a:tcPr>
+                </a:tc>
+                <a:extLst>
+                  <a:ext uri="{0D108BD9-81ED-4DB2-BD59-A6C34878D82A}">
+                    <a16:rowId xmlns:a16="http://schemas.microsoft.com/office/drawing/2014/main" val="598245308"/>
+                  </a:ext>
+                </a:extLst>
+              </a:tr>
+              <a:tr h="330200">
+                <a:tc>
+                  <a:txBody>
+                    <a:bodyPr/>
+                    <a:lstStyle/>
+                    <a:p>
+                      <a:pPr algn="l" fontAlgn="b"/>
+                      <a:r>
+                        <a:rPr lang="pt-BR" sz="2000" b="0" i="0" u="none" strike="noStrike">
+                          <a:solidFill>
+                            <a:srgbClr val="000000"/>
+                          </a:solidFill>
+                          <a:effectLst/>
+                          <a:latin typeface="Calibri" panose="020F0502020204030204" pitchFamily="34" charset="0"/>
+                        </a:rPr>
+                        <a:t>3</a:t>
+                      </a:r>
+                    </a:p>
+                  </a:txBody>
+                  <a:tcPr marL="6350" marR="6350" marT="6350" marB="0" anchor="b">
+                    <a:lnL>
+                      <a:noFill/>
+                    </a:lnL>
+                    <a:lnR>
+                      <a:noFill/>
+                    </a:lnR>
+                    <a:lnT>
+                      <a:noFill/>
+                    </a:lnT>
+                    <a:lnB>
+                      <a:noFill/>
+                    </a:lnB>
+                  </a:tcPr>
+                </a:tc>
+                <a:tc>
+                  <a:txBody>
+                    <a:bodyPr/>
+                    <a:lstStyle/>
+                    <a:p>
+                      <a:pPr algn="r" fontAlgn="b"/>
+                      <a:r>
+                        <a:rPr lang="pt-BR" sz="2000" b="0" i="0" u="none" strike="noStrike">
+                          <a:solidFill>
+                            <a:srgbClr val="000000"/>
+                          </a:solidFill>
+                          <a:effectLst/>
+                          <a:latin typeface="Calibri" panose="020F0502020204030204" pitchFamily="34" charset="0"/>
+                        </a:rPr>
+                        <a:t>           2.665 </a:t>
+                      </a:r>
+                    </a:p>
+                  </a:txBody>
+                  <a:tcPr marL="6350" marR="6350" marT="6350" marB="0" anchor="b">
+                    <a:lnL>
+                      <a:noFill/>
+                    </a:lnL>
+                    <a:lnR>
+                      <a:noFill/>
+                    </a:lnR>
+                    <a:lnT>
+                      <a:noFill/>
+                    </a:lnT>
+                    <a:lnB>
+                      <a:noFill/>
+                    </a:lnB>
+                  </a:tcPr>
+                </a:tc>
+                <a:tc>
+                  <a:txBody>
+                    <a:bodyPr/>
+                    <a:lstStyle/>
+                    <a:p>
+                      <a:pPr algn="r" fontAlgn="b"/>
+                      <a:r>
+                        <a:rPr lang="pt-BR" sz="2000" b="0" i="0" u="none" strike="noStrike">
+                          <a:solidFill>
+                            <a:srgbClr val="000000"/>
+                          </a:solidFill>
+                          <a:effectLst/>
+                          <a:latin typeface="Calibri" panose="020F0502020204030204" pitchFamily="34" charset="0"/>
+                        </a:rPr>
+                        <a:t>16,1</a:t>
+                      </a:r>
+                    </a:p>
+                  </a:txBody>
+                  <a:tcPr marL="6350" marR="6350" marT="6350" marB="0" anchor="b">
+                    <a:lnL>
+                      <a:noFill/>
+                    </a:lnL>
+                    <a:lnR>
+                      <a:noFill/>
+                    </a:lnR>
+                    <a:lnT>
+                      <a:noFill/>
+                    </a:lnT>
+                    <a:lnB>
+                      <a:noFill/>
+                    </a:lnB>
+                  </a:tcPr>
+                </a:tc>
+                <a:extLst>
+                  <a:ext uri="{0D108BD9-81ED-4DB2-BD59-A6C34878D82A}">
+                    <a16:rowId xmlns:a16="http://schemas.microsoft.com/office/drawing/2014/main" val="2790078381"/>
+                  </a:ext>
+                </a:extLst>
+              </a:tr>
+              <a:tr h="330200">
+                <a:tc>
+                  <a:txBody>
+                    <a:bodyPr/>
+                    <a:lstStyle/>
+                    <a:p>
+                      <a:pPr algn="l" fontAlgn="b"/>
+                      <a:r>
+                        <a:rPr lang="pt-BR" sz="2000" b="0" i="0" u="none" strike="noStrike">
+                          <a:solidFill>
+                            <a:srgbClr val="000000"/>
+                          </a:solidFill>
+                          <a:effectLst/>
+                          <a:latin typeface="Calibri" panose="020F0502020204030204" pitchFamily="34" charset="0"/>
+                        </a:rPr>
+                        <a:t>4</a:t>
+                      </a:r>
+                    </a:p>
+                  </a:txBody>
+                  <a:tcPr marL="6350" marR="6350" marT="6350" marB="0" anchor="b">
+                    <a:lnL>
+                      <a:noFill/>
+                    </a:lnL>
+                    <a:lnR>
+                      <a:noFill/>
+                    </a:lnR>
+                    <a:lnT>
+                      <a:noFill/>
+                    </a:lnT>
+                    <a:lnB>
+                      <a:noFill/>
+                    </a:lnB>
+                  </a:tcPr>
+                </a:tc>
+                <a:tc>
+                  <a:txBody>
+                    <a:bodyPr/>
+                    <a:lstStyle/>
+                    <a:p>
+                      <a:pPr algn="r" fontAlgn="b"/>
+                      <a:r>
+                        <a:rPr lang="pt-BR" sz="2000" b="0" i="0" u="none" strike="noStrike">
+                          <a:solidFill>
+                            <a:srgbClr val="000000"/>
+                          </a:solidFill>
+                          <a:effectLst/>
+                          <a:latin typeface="Calibri" panose="020F0502020204030204" pitchFamily="34" charset="0"/>
+                        </a:rPr>
+                        <a:t>           1.789 </a:t>
+                      </a:r>
+                    </a:p>
+                  </a:txBody>
+                  <a:tcPr marL="6350" marR="6350" marT="6350" marB="0" anchor="b">
+                    <a:lnL>
+                      <a:noFill/>
+                    </a:lnL>
+                    <a:lnR>
+                      <a:noFill/>
+                    </a:lnR>
+                    <a:lnT>
+                      <a:noFill/>
+                    </a:lnT>
+                    <a:lnB>
+                      <a:noFill/>
+                    </a:lnB>
+                  </a:tcPr>
+                </a:tc>
+                <a:tc>
+                  <a:txBody>
+                    <a:bodyPr/>
+                    <a:lstStyle/>
+                    <a:p>
+                      <a:pPr algn="r" fontAlgn="b"/>
+                      <a:r>
+                        <a:rPr lang="pt-BR" sz="2000" b="0" i="0" u="none" strike="noStrike">
+                          <a:solidFill>
+                            <a:srgbClr val="000000"/>
+                          </a:solidFill>
+                          <a:effectLst/>
+                          <a:latin typeface="Calibri" panose="020F0502020204030204" pitchFamily="34" charset="0"/>
+                        </a:rPr>
+                        <a:t>0</a:t>
+                      </a:r>
+                    </a:p>
+                  </a:txBody>
+                  <a:tcPr marL="6350" marR="6350" marT="6350" marB="0" anchor="b">
+                    <a:lnL>
+                      <a:noFill/>
+                    </a:lnL>
+                    <a:lnR>
+                      <a:noFill/>
+                    </a:lnR>
+                    <a:lnT>
+                      <a:noFill/>
+                    </a:lnT>
+                    <a:lnB>
+                      <a:noFill/>
+                    </a:lnB>
+                  </a:tcPr>
+                </a:tc>
+                <a:extLst>
+                  <a:ext uri="{0D108BD9-81ED-4DB2-BD59-A6C34878D82A}">
+                    <a16:rowId xmlns:a16="http://schemas.microsoft.com/office/drawing/2014/main" val="268689674"/>
+                  </a:ext>
+                </a:extLst>
+              </a:tr>
+              <a:tr h="330200">
+                <a:tc>
+                  <a:txBody>
+                    <a:bodyPr/>
+                    <a:lstStyle/>
+                    <a:p>
+                      <a:pPr algn="l" fontAlgn="b"/>
+                      <a:r>
+                        <a:rPr lang="pt-BR" sz="2000" b="0" i="0" u="none" strike="noStrike">
+                          <a:solidFill>
+                            <a:srgbClr val="000000"/>
+                          </a:solidFill>
+                          <a:effectLst/>
+                          <a:latin typeface="Calibri" panose="020F0502020204030204" pitchFamily="34" charset="0"/>
+                        </a:rPr>
+                        <a:t>5</a:t>
+                      </a:r>
+                    </a:p>
+                  </a:txBody>
+                  <a:tcPr marL="6350" marR="6350" marT="6350" marB="0" anchor="b">
+                    <a:lnL>
+                      <a:noFill/>
+                    </a:lnL>
+                    <a:lnR>
+                      <a:noFill/>
+                    </a:lnR>
+                    <a:lnT>
+                      <a:noFill/>
+                    </a:lnT>
+                    <a:lnB w="6350" cap="flat" cmpd="sng" algn="ctr">
+                      <a:solidFill>
+                        <a:srgbClr val="000000"/>
+                      </a:solidFill>
+                      <a:prstDash val="solid"/>
+                      <a:round/>
+                      <a:headEnd type="none" w="med" len="med"/>
+                      <a:tailEnd type="none" w="med" len="med"/>
+                    </a:lnB>
+                  </a:tcPr>
+                </a:tc>
+                <a:tc>
+                  <a:txBody>
+                    <a:bodyPr/>
+                    <a:lstStyle/>
+                    <a:p>
+                      <a:pPr algn="r" fontAlgn="b"/>
+                      <a:r>
+                        <a:rPr lang="pt-BR" sz="2000" b="0" i="0" u="none" strike="noStrike">
+                          <a:solidFill>
+                            <a:srgbClr val="000000"/>
+                          </a:solidFill>
+                          <a:effectLst/>
+                          <a:latin typeface="Calibri" panose="020F0502020204030204" pitchFamily="34" charset="0"/>
+                        </a:rPr>
+                        <a:t>           1.149 </a:t>
+                      </a:r>
+                    </a:p>
+                  </a:txBody>
+                  <a:tcPr marL="6350" marR="6350" marT="6350" marB="0" anchor="b">
+                    <a:lnL>
+                      <a:noFill/>
+                    </a:lnL>
+                    <a:lnR>
+                      <a:noFill/>
+                    </a:lnR>
+                    <a:lnT>
+                      <a:noFill/>
+                    </a:lnT>
+                    <a:lnB w="6350" cap="flat" cmpd="sng" algn="ctr">
+                      <a:solidFill>
+                        <a:srgbClr val="000000"/>
+                      </a:solidFill>
+                      <a:prstDash val="solid"/>
+                      <a:round/>
+                      <a:headEnd type="none" w="med" len="med"/>
+                      <a:tailEnd type="none" w="med" len="med"/>
+                    </a:lnB>
+                  </a:tcPr>
+                </a:tc>
+                <a:tc>
+                  <a:txBody>
+                    <a:bodyPr/>
+                    <a:lstStyle/>
+                    <a:p>
+                      <a:pPr algn="r" fontAlgn="b"/>
+                      <a:r>
+                        <a:rPr lang="pt-BR" sz="2000" b="0" i="0" u="none" strike="noStrike" dirty="0">
+                          <a:solidFill>
+                            <a:srgbClr val="000000"/>
+                          </a:solidFill>
+                          <a:effectLst/>
+                          <a:latin typeface="Calibri" panose="020F0502020204030204" pitchFamily="34" charset="0"/>
+                        </a:rPr>
+                        <a:t>0</a:t>
+                      </a:r>
+                    </a:p>
+                  </a:txBody>
+                  <a:tcPr marL="6350" marR="6350" marT="6350" marB="0" anchor="b">
+                    <a:lnL>
+                      <a:noFill/>
+                    </a:lnL>
+                    <a:lnR>
+                      <a:noFill/>
+                    </a:lnR>
+                    <a:lnT>
+                      <a:noFill/>
+                    </a:lnT>
+                    <a:lnB w="6350" cap="flat" cmpd="sng" algn="ctr">
+                      <a:solidFill>
+                        <a:srgbClr val="000000"/>
+                      </a:solidFill>
+                      <a:prstDash val="solid"/>
+                      <a:round/>
+                      <a:headEnd type="none" w="med" len="med"/>
+                      <a:tailEnd type="none" w="med" len="med"/>
+                    </a:lnB>
+                  </a:tcPr>
+                </a:tc>
+                <a:extLst>
+                  <a:ext uri="{0D108BD9-81ED-4DB2-BD59-A6C34878D82A}">
+                    <a16:rowId xmlns:a16="http://schemas.microsoft.com/office/drawing/2014/main" val="584637977"/>
+                  </a:ext>
+                </a:extLst>
+              </a:tr>
+            </a:tbl>
+          </a:graphicData>
+        </a:graphic>
+      </p:graphicFrame>
+    </p:spTree>
+    <p:extLst>
+      <p:ext uri="{BB962C8B-B14F-4D97-AF65-F5344CB8AC3E}">
+        <p14:creationId xmlns:p14="http://schemas.microsoft.com/office/powerpoint/2010/main" val="2862953440"/>
+      </p:ext>
+    </p:extLst>
+  </p:cSld>
+  <p:clrMapOvr>
+    <a:masterClrMapping/>
+  </p:clrMapOvr>
+</p:sld>
+</file>
+
 <file path=ppt/slides/slide9.xml><?xml version="1.0" encoding="utf-8"?>
 <p:sld xmlns:a="http://schemas.openxmlformats.org/drawingml/2006/main" xmlns:r="http://schemas.openxmlformats.org/officeDocument/2006/relationships" xmlns:p="http://schemas.openxmlformats.org/presentationml/2006/main">
   <p:cSld>
@@ -5341,111 +10728,1311 @@
         </p:nvSpPr>
         <p:spPr/>
         <p:txBody>
-          <a:bodyPr/>
+          <a:bodyPr>
+            <a:normAutofit/>
+          </a:bodyPr>
           <a:lstStyle/>
           <a:p>
             <a:r>
               <a:rPr lang="pt-BR" dirty="0"/>
-              <a:t>Dez maiores correlações, em valor absoluto, entre variáveis preditoras numéricas</a:t>
+              <a:t>Dez maiores correlações</a:t>
+            </a:r>
+            <a:br>
+              <a:rPr lang="pt-BR" dirty="0"/>
+            </a:br>
+            <a:r>
+              <a:rPr lang="pt-BR" sz="1800" dirty="0"/>
+              <a:t>Em valor absoluto, entre variáveis preditoras numéricas</a:t>
             </a:r>
           </a:p>
         </p:txBody>
       </p:sp>
-      <p:pic>
-        <p:nvPicPr>
-          <p:cNvPr id="5" name="Content Placeholder 4" descr="Chart, histogram&#10;&#10;Description automatically generated">
+      <p:graphicFrame>
+        <p:nvGraphicFramePr>
+          <p:cNvPr id="13" name="Content Placeholder 12">
             <a:extLst>
               <a:ext uri="{FF2B5EF4-FFF2-40B4-BE49-F238E27FC236}">
-                <a16:creationId xmlns:a16="http://schemas.microsoft.com/office/drawing/2014/main" id="{C8D871E9-1D22-C22D-20E9-234682E5428A}"/>
-              </a:ext>
-            </a:extLst>
-          </p:cNvPr>
-          <p:cNvPicPr>
-            <a:picLocks noGrp="1" noChangeAspect="1"/>
-          </p:cNvPicPr>
-          <p:nvPr>
-            <p:ph idx="1"/>
-          </p:nvPr>
-        </p:nvPicPr>
-        <p:blipFill>
-          <a:blip r:embed="rId2">
-            <a:extLst>
-              <a:ext uri="{28A0092B-C50C-407E-A947-70E740481C1C}">
-                <a14:useLocalDpi xmlns:a14="http://schemas.microsoft.com/office/drawing/2010/main" val="0"/>
-              </a:ext>
-            </a:extLst>
-          </a:blip>
-          <a:stretch>
-            <a:fillRect/>
-          </a:stretch>
-        </p:blipFill>
-        <p:spPr>
-          <a:xfrm>
-            <a:off x="6758080" y="2013608"/>
-            <a:ext cx="5294916" cy="3971188"/>
-          </a:xfrm>
-        </p:spPr>
-      </p:pic>
-      <p:graphicFrame>
-        <p:nvGraphicFramePr>
-          <p:cNvPr id="7" name="Object 6">
-            <a:extLst>
-              <a:ext uri="{FF2B5EF4-FFF2-40B4-BE49-F238E27FC236}">
-                <a16:creationId xmlns:a16="http://schemas.microsoft.com/office/drawing/2014/main" id="{4BD177E0-9DBA-F31B-7E16-14C3CD3AC82E}"/>
+                <a16:creationId xmlns:a16="http://schemas.microsoft.com/office/drawing/2014/main" id="{04219EAD-121C-2F2B-1737-6B26317B1720}"/>
               </a:ext>
             </a:extLst>
           </p:cNvPr>
           <p:cNvGraphicFramePr>
-            <a:graphicFrameLocks noChangeAspect="1"/>
+            <a:graphicFrameLocks noGrp="1"/>
           </p:cNvGraphicFramePr>
           <p:nvPr>
-            <p:extLst>
-              <p:ext uri="{D42A27DB-BD31-4B8C-83A1-F6EECF244321}">
-                <p14:modId xmlns:p14="http://schemas.microsoft.com/office/powerpoint/2010/main" val="1739972797"/>
-              </p:ext>
-            </p:extLst>
+            <p:ph idx="1"/>
           </p:nvPr>
         </p:nvGraphicFramePr>
         <p:xfrm>
-          <a:off x="985930" y="2413000"/>
-          <a:ext cx="5772150" cy="2032000"/>
+          <a:off x="1035050" y="2185194"/>
+          <a:ext cx="10121900" cy="3632200"/>
         </p:xfrm>
         <a:graphic>
-          <a:graphicData uri="http://schemas.openxmlformats.org/presentationml/2006/ole">
-            <mc:AlternateContent xmlns:mc="http://schemas.openxmlformats.org/markup-compatibility/2006">
-              <mc:Choice xmlns:v="urn:schemas-microsoft-com:vml" Requires="v">
-                <p:oleObj name="Worksheet" r:id="rId3" imgW="5772064" imgH="2032029" progId="Excel.Sheet.12">
-                  <p:embed/>
-                </p:oleObj>
-              </mc:Choice>
-              <mc:Fallback>
-                <p:oleObj name="Worksheet" r:id="rId3" imgW="5772064" imgH="2032029" progId="Excel.Sheet.12">
-                  <p:embed/>
-                  <p:pic>
-                    <p:nvPicPr>
-                      <p:cNvPr id="0" name=""/>
-                      <p:cNvPicPr/>
-                      <p:nvPr/>
-                    </p:nvPicPr>
-                    <p:blipFill>
-                      <a:blip r:embed="rId4"/>
-                      <a:stretch>
-                        <a:fillRect/>
-                      </a:stretch>
-                    </p:blipFill>
-                    <p:spPr>
-                      <a:xfrm>
-                        <a:off x="985930" y="2413000"/>
-                        <a:ext cx="5772150" cy="2032000"/>
-                      </a:xfrm>
-                      <a:prstGeom prst="rect">
-                        <a:avLst/>
-                      </a:prstGeom>
-                    </p:spPr>
-                  </p:pic>
-                </p:oleObj>
-              </mc:Fallback>
-            </mc:AlternateContent>
+          <a:graphicData uri="http://schemas.openxmlformats.org/drawingml/2006/table">
+            <a:tbl>
+              <a:tblPr/>
+              <a:tblGrid>
+                <a:gridCol w="4876800">
+                  <a:extLst>
+                    <a:ext uri="{9D8B030D-6E8A-4147-A177-3AD203B41FA5}">
+                      <a16:colId xmlns:a16="http://schemas.microsoft.com/office/drawing/2014/main" val="2327955474"/>
+                    </a:ext>
+                  </a:extLst>
+                </a:gridCol>
+                <a:gridCol w="3987800">
+                  <a:extLst>
+                    <a:ext uri="{9D8B030D-6E8A-4147-A177-3AD203B41FA5}">
+                      <a16:colId xmlns:a16="http://schemas.microsoft.com/office/drawing/2014/main" val="2382353421"/>
+                    </a:ext>
+                  </a:extLst>
+                </a:gridCol>
+                <a:gridCol w="1257300">
+                  <a:extLst>
+                    <a:ext uri="{9D8B030D-6E8A-4147-A177-3AD203B41FA5}">
+                      <a16:colId xmlns:a16="http://schemas.microsoft.com/office/drawing/2014/main" val="2771270497"/>
+                    </a:ext>
+                  </a:extLst>
+                </a:gridCol>
+              </a:tblGrid>
+              <a:tr h="330200">
+                <a:tc>
+                  <a:txBody>
+                    <a:bodyPr/>
+                    <a:lstStyle/>
+                    <a:p>
+                      <a:pPr algn="l" fontAlgn="ctr"/>
+                      <a:r>
+                        <a:rPr lang="pt-BR" sz="2000" b="0" i="0" u="none" strike="noStrike">
+                          <a:solidFill>
+                            <a:srgbClr val="000000"/>
+                          </a:solidFill>
+                          <a:effectLst/>
+                          <a:latin typeface="Calibri" panose="020F0502020204030204" pitchFamily="34" charset="0"/>
+                        </a:rPr>
+                        <a:t>Variável 1</a:t>
+                      </a:r>
+                    </a:p>
+                  </a:txBody>
+                  <a:tcPr marL="6350" marR="6350" marT="6350" marB="0" anchor="ctr">
+                    <a:lnL>
+                      <a:noFill/>
+                    </a:lnL>
+                    <a:lnR>
+                      <a:noFill/>
+                    </a:lnR>
+                    <a:lnT w="6350" cap="flat" cmpd="sng" algn="ctr">
+                      <a:solidFill>
+                        <a:srgbClr val="000000"/>
+                      </a:solidFill>
+                      <a:prstDash val="solid"/>
+                      <a:round/>
+                      <a:headEnd type="none" w="med" len="med"/>
+                      <a:tailEnd type="none" w="med" len="med"/>
+                    </a:lnT>
+                    <a:lnB w="6350" cap="flat" cmpd="sng" algn="ctr">
+                      <a:solidFill>
+                        <a:srgbClr val="000000"/>
+                      </a:solidFill>
+                      <a:prstDash val="solid"/>
+                      <a:round/>
+                      <a:headEnd type="none" w="med" len="med"/>
+                      <a:tailEnd type="none" w="med" len="med"/>
+                    </a:lnB>
+                  </a:tcPr>
+                </a:tc>
+                <a:tc>
+                  <a:txBody>
+                    <a:bodyPr/>
+                    <a:lstStyle/>
+                    <a:p>
+                      <a:pPr algn="ctr" fontAlgn="ctr"/>
+                      <a:r>
+                        <a:rPr lang="pt-BR" sz="2000" b="0" i="0" u="none" strike="noStrike">
+                          <a:solidFill>
+                            <a:srgbClr val="000000"/>
+                          </a:solidFill>
+                          <a:effectLst/>
+                          <a:latin typeface="Calibri" panose="020F0502020204030204" pitchFamily="34" charset="0"/>
+                        </a:rPr>
+                        <a:t>Variável 2</a:t>
+                      </a:r>
+                    </a:p>
+                  </a:txBody>
+                  <a:tcPr marL="6350" marR="6350" marT="6350" marB="0" anchor="ctr">
+                    <a:lnL>
+                      <a:noFill/>
+                    </a:lnL>
+                    <a:lnR>
+                      <a:noFill/>
+                    </a:lnR>
+                    <a:lnT w="6350" cap="flat" cmpd="sng" algn="ctr">
+                      <a:solidFill>
+                        <a:srgbClr val="000000"/>
+                      </a:solidFill>
+                      <a:prstDash val="solid"/>
+                      <a:round/>
+                      <a:headEnd type="none" w="med" len="med"/>
+                      <a:tailEnd type="none" w="med" len="med"/>
+                    </a:lnT>
+                    <a:lnB w="6350" cap="flat" cmpd="sng" algn="ctr">
+                      <a:solidFill>
+                        <a:srgbClr val="000000"/>
+                      </a:solidFill>
+                      <a:prstDash val="solid"/>
+                      <a:round/>
+                      <a:headEnd type="none" w="med" len="med"/>
+                      <a:tailEnd type="none" w="med" len="med"/>
+                    </a:lnB>
+                  </a:tcPr>
+                </a:tc>
+                <a:tc>
+                  <a:txBody>
+                    <a:bodyPr/>
+                    <a:lstStyle/>
+                    <a:p>
+                      <a:pPr algn="ctr" fontAlgn="ctr"/>
+                      <a:r>
+                        <a:rPr lang="pt-BR" sz="2000" b="0" i="0" u="none" strike="noStrike">
+                          <a:solidFill>
+                            <a:srgbClr val="000000"/>
+                          </a:solidFill>
+                          <a:effectLst/>
+                          <a:latin typeface="Calibri" panose="020F0502020204030204" pitchFamily="34" charset="0"/>
+                        </a:rPr>
+                        <a:t>Correlação</a:t>
+                      </a:r>
+                    </a:p>
+                  </a:txBody>
+                  <a:tcPr marL="6350" marR="6350" marT="6350" marB="0" anchor="ctr">
+                    <a:lnL>
+                      <a:noFill/>
+                    </a:lnL>
+                    <a:lnR>
+                      <a:noFill/>
+                    </a:lnR>
+                    <a:lnT w="6350" cap="flat" cmpd="sng" algn="ctr">
+                      <a:solidFill>
+                        <a:srgbClr val="000000"/>
+                      </a:solidFill>
+                      <a:prstDash val="solid"/>
+                      <a:round/>
+                      <a:headEnd type="none" w="med" len="med"/>
+                      <a:tailEnd type="none" w="med" len="med"/>
+                    </a:lnT>
+                    <a:lnB w="6350" cap="flat" cmpd="sng" algn="ctr">
+                      <a:solidFill>
+                        <a:srgbClr val="000000"/>
+                      </a:solidFill>
+                      <a:prstDash val="solid"/>
+                      <a:round/>
+                      <a:headEnd type="none" w="med" len="med"/>
+                      <a:tailEnd type="none" w="med" len="med"/>
+                    </a:lnB>
+                  </a:tcPr>
+                </a:tc>
+                <a:extLst>
+                  <a:ext uri="{0D108BD9-81ED-4DB2-BD59-A6C34878D82A}">
+                    <a16:rowId xmlns:a16="http://schemas.microsoft.com/office/drawing/2014/main" val="3476669528"/>
+                  </a:ext>
+                </a:extLst>
+              </a:tr>
+              <a:tr h="330200">
+                <a:tc>
+                  <a:txBody>
+                    <a:bodyPr/>
+                    <a:lstStyle/>
+                    <a:p>
+                      <a:pPr algn="l" fontAlgn="ctr"/>
+                      <a:r>
+                        <a:rPr lang="pt-BR" sz="2000" b="0" i="0" u="none" strike="noStrike">
+                          <a:solidFill>
+                            <a:srgbClr val="000000"/>
+                          </a:solidFill>
+                          <a:effectLst/>
+                          <a:latin typeface="Calibri" panose="020F0502020204030204" pitchFamily="34" charset="0"/>
+                        </a:rPr>
+                        <a:t>valor_cobrancas_extras</a:t>
+                      </a:r>
+                    </a:p>
+                  </a:txBody>
+                  <a:tcPr marL="6350" marR="6350" marT="6350" marB="0" anchor="ctr">
+                    <a:lnL>
+                      <a:noFill/>
+                    </a:lnL>
+                    <a:lnR>
+                      <a:noFill/>
+                    </a:lnR>
+                    <a:lnT w="6350" cap="flat" cmpd="sng" algn="ctr">
+                      <a:solidFill>
+                        <a:srgbClr val="000000"/>
+                      </a:solidFill>
+                      <a:prstDash val="solid"/>
+                      <a:round/>
+                      <a:headEnd type="none" w="med" len="med"/>
+                      <a:tailEnd type="none" w="med" len="med"/>
+                    </a:lnT>
+                    <a:lnB>
+                      <a:noFill/>
+                    </a:lnB>
+                  </a:tcPr>
+                </a:tc>
+                <a:tc>
+                  <a:txBody>
+                    <a:bodyPr/>
+                    <a:lstStyle/>
+                    <a:p>
+                      <a:pPr algn="l" fontAlgn="ctr"/>
+                      <a:r>
+                        <a:rPr lang="pt-BR" sz="2000" b="0" i="0" u="none" strike="noStrike">
+                          <a:solidFill>
+                            <a:srgbClr val="000000"/>
+                          </a:solidFill>
+                          <a:effectLst/>
+                          <a:latin typeface="Calibri" panose="020F0502020204030204" pitchFamily="34" charset="0"/>
+                        </a:rPr>
+                        <a:t>total_long_distance_charges</a:t>
+                      </a:r>
+                    </a:p>
+                  </a:txBody>
+                  <a:tcPr marL="6350" marR="6350" marT="6350" marB="0" anchor="ctr">
+                    <a:lnL>
+                      <a:noFill/>
+                    </a:lnL>
+                    <a:lnR>
+                      <a:noFill/>
+                    </a:lnR>
+                    <a:lnT w="6350" cap="flat" cmpd="sng" algn="ctr">
+                      <a:solidFill>
+                        <a:srgbClr val="000000"/>
+                      </a:solidFill>
+                      <a:prstDash val="solid"/>
+                      <a:round/>
+                      <a:headEnd type="none" w="med" len="med"/>
+                      <a:tailEnd type="none" w="med" len="med"/>
+                    </a:lnT>
+                    <a:lnB>
+                      <a:noFill/>
+                    </a:lnB>
+                  </a:tcPr>
+                </a:tc>
+                <a:tc>
+                  <a:txBody>
+                    <a:bodyPr/>
+                    <a:lstStyle/>
+                    <a:p>
+                      <a:pPr algn="r" fontAlgn="ctr"/>
+                      <a:r>
+                        <a:rPr lang="pt-BR" sz="2000" b="0" i="0" u="none" strike="noStrike">
+                          <a:solidFill>
+                            <a:srgbClr val="000000"/>
+                          </a:solidFill>
+                          <a:effectLst/>
+                          <a:latin typeface="Calibri" panose="020F0502020204030204" pitchFamily="34" charset="0"/>
+                        </a:rPr>
+                        <a:t>1,000</a:t>
+                      </a:r>
+                    </a:p>
+                  </a:txBody>
+                  <a:tcPr marL="6350" marR="6350" marT="6350" marB="0" anchor="ctr">
+                    <a:lnL>
+                      <a:noFill/>
+                    </a:lnL>
+                    <a:lnR>
+                      <a:noFill/>
+                    </a:lnR>
+                    <a:lnT w="6350" cap="flat" cmpd="sng" algn="ctr">
+                      <a:solidFill>
+                        <a:srgbClr val="000000"/>
+                      </a:solidFill>
+                      <a:prstDash val="solid"/>
+                      <a:round/>
+                      <a:headEnd type="none" w="med" len="med"/>
+                      <a:tailEnd type="none" w="med" len="med"/>
+                    </a:lnT>
+                    <a:lnB>
+                      <a:noFill/>
+                    </a:lnB>
+                  </a:tcPr>
+                </a:tc>
+                <a:extLst>
+                  <a:ext uri="{0D108BD9-81ED-4DB2-BD59-A6C34878D82A}">
+                    <a16:rowId xmlns:a16="http://schemas.microsoft.com/office/drawing/2014/main" val="765132047"/>
+                  </a:ext>
+                </a:extLst>
+              </a:tr>
+              <a:tr h="330200">
+                <a:tc>
+                  <a:txBody>
+                    <a:bodyPr/>
+                    <a:lstStyle/>
+                    <a:p>
+                      <a:pPr algn="l" fontAlgn="ctr"/>
+                      <a:r>
+                        <a:rPr lang="pt-BR" sz="2000" b="0" i="0" u="none" strike="noStrike">
+                          <a:solidFill>
+                            <a:srgbClr val="000000"/>
+                          </a:solidFill>
+                          <a:effectLst/>
+                          <a:latin typeface="Calibri" panose="020F0502020204030204" pitchFamily="34" charset="0"/>
+                        </a:rPr>
+                        <a:t>valor_cobranca_geral</a:t>
+                      </a:r>
+                    </a:p>
+                  </a:txBody>
+                  <a:tcPr marL="6350" marR="6350" marT="6350" marB="0" anchor="ctr">
+                    <a:lnL>
+                      <a:noFill/>
+                    </a:lnL>
+                    <a:lnR>
+                      <a:noFill/>
+                    </a:lnR>
+                    <a:lnT>
+                      <a:noFill/>
+                    </a:lnT>
+                    <a:lnB>
+                      <a:noFill/>
+                    </a:lnB>
+                  </a:tcPr>
+                </a:tc>
+                <a:tc>
+                  <a:txBody>
+                    <a:bodyPr/>
+                    <a:lstStyle/>
+                    <a:p>
+                      <a:pPr algn="l" fontAlgn="ctr"/>
+                      <a:r>
+                        <a:rPr lang="pt-BR" sz="2000" b="0" i="0" u="none" strike="noStrike">
+                          <a:solidFill>
+                            <a:srgbClr val="000000"/>
+                          </a:solidFill>
+                          <a:effectLst/>
+                          <a:latin typeface="Calibri" panose="020F0502020204030204" pitchFamily="34" charset="0"/>
+                        </a:rPr>
+                        <a:t>total_charges</a:t>
+                      </a:r>
+                    </a:p>
+                  </a:txBody>
+                  <a:tcPr marL="6350" marR="6350" marT="6350" marB="0" anchor="ctr">
+                    <a:lnL>
+                      <a:noFill/>
+                    </a:lnL>
+                    <a:lnR>
+                      <a:noFill/>
+                    </a:lnR>
+                    <a:lnT>
+                      <a:noFill/>
+                    </a:lnT>
+                    <a:lnB>
+                      <a:noFill/>
+                    </a:lnB>
+                  </a:tcPr>
+                </a:tc>
+                <a:tc>
+                  <a:txBody>
+                    <a:bodyPr/>
+                    <a:lstStyle/>
+                    <a:p>
+                      <a:pPr algn="r" fontAlgn="ctr"/>
+                      <a:r>
+                        <a:rPr lang="pt-BR" sz="2000" b="0" i="0" u="none" strike="noStrike">
+                          <a:solidFill>
+                            <a:srgbClr val="000000"/>
+                          </a:solidFill>
+                          <a:effectLst/>
+                          <a:latin typeface="Calibri" panose="020F0502020204030204" pitchFamily="34" charset="0"/>
+                        </a:rPr>
+                        <a:t>0,972</a:t>
+                      </a:r>
+                    </a:p>
+                  </a:txBody>
+                  <a:tcPr marL="6350" marR="6350" marT="6350" marB="0" anchor="ctr">
+                    <a:lnL>
+                      <a:noFill/>
+                    </a:lnL>
+                    <a:lnR>
+                      <a:noFill/>
+                    </a:lnR>
+                    <a:lnT>
+                      <a:noFill/>
+                    </a:lnT>
+                    <a:lnB>
+                      <a:noFill/>
+                    </a:lnB>
+                  </a:tcPr>
+                </a:tc>
+                <a:extLst>
+                  <a:ext uri="{0D108BD9-81ED-4DB2-BD59-A6C34878D82A}">
+                    <a16:rowId xmlns:a16="http://schemas.microsoft.com/office/drawing/2014/main" val="937113129"/>
+                  </a:ext>
+                </a:extLst>
+              </a:tr>
+              <a:tr h="330200">
+                <a:tc>
+                  <a:txBody>
+                    <a:bodyPr/>
+                    <a:lstStyle/>
+                    <a:p>
+                      <a:pPr algn="l" fontAlgn="ctr"/>
+                      <a:r>
+                        <a:rPr lang="pt-BR" sz="2000" b="0" i="0" u="none" strike="noStrike">
+                          <a:solidFill>
+                            <a:srgbClr val="000000"/>
+                          </a:solidFill>
+                          <a:effectLst/>
+                          <a:latin typeface="Calibri" panose="020F0502020204030204" pitchFamily="34" charset="0"/>
+                        </a:rPr>
+                        <a:t>valor_cobranca_geral</a:t>
+                      </a:r>
+                    </a:p>
+                  </a:txBody>
+                  <a:tcPr marL="6350" marR="6350" marT="6350" marB="0" anchor="ctr">
+                    <a:lnL>
+                      <a:noFill/>
+                    </a:lnL>
+                    <a:lnR>
+                      <a:noFill/>
+                    </a:lnR>
+                    <a:lnT>
+                      <a:noFill/>
+                    </a:lnT>
+                    <a:lnB>
+                      <a:noFill/>
+                    </a:lnB>
+                  </a:tcPr>
+                </a:tc>
+                <a:tc>
+                  <a:txBody>
+                    <a:bodyPr/>
+                    <a:lstStyle/>
+                    <a:p>
+                      <a:pPr algn="l" fontAlgn="ctr"/>
+                      <a:r>
+                        <a:rPr lang="pt-BR" sz="2000" b="0" i="0" u="none" strike="noStrike">
+                          <a:solidFill>
+                            <a:srgbClr val="000000"/>
+                          </a:solidFill>
+                          <a:effectLst/>
+                          <a:latin typeface="Calibri" panose="020F0502020204030204" pitchFamily="34" charset="0"/>
+                        </a:rPr>
+                        <a:t>tenure_in_months</a:t>
+                      </a:r>
+                    </a:p>
+                  </a:txBody>
+                  <a:tcPr marL="6350" marR="6350" marT="6350" marB="0" anchor="ctr">
+                    <a:lnL>
+                      <a:noFill/>
+                    </a:lnL>
+                    <a:lnR>
+                      <a:noFill/>
+                    </a:lnR>
+                    <a:lnT>
+                      <a:noFill/>
+                    </a:lnT>
+                    <a:lnB>
+                      <a:noFill/>
+                    </a:lnB>
+                  </a:tcPr>
+                </a:tc>
+                <a:tc>
+                  <a:txBody>
+                    <a:bodyPr/>
+                    <a:lstStyle/>
+                    <a:p>
+                      <a:pPr algn="r" fontAlgn="ctr"/>
+                      <a:r>
+                        <a:rPr lang="pt-BR" sz="2000" b="0" i="0" u="none" strike="noStrike">
+                          <a:solidFill>
+                            <a:srgbClr val="000000"/>
+                          </a:solidFill>
+                          <a:effectLst/>
+                          <a:latin typeface="Calibri" panose="020F0502020204030204" pitchFamily="34" charset="0"/>
+                        </a:rPr>
+                        <a:t>0,853</a:t>
+                      </a:r>
+                    </a:p>
+                  </a:txBody>
+                  <a:tcPr marL="6350" marR="6350" marT="6350" marB="0" anchor="ctr">
+                    <a:lnL>
+                      <a:noFill/>
+                    </a:lnL>
+                    <a:lnR>
+                      <a:noFill/>
+                    </a:lnR>
+                    <a:lnT>
+                      <a:noFill/>
+                    </a:lnT>
+                    <a:lnB>
+                      <a:noFill/>
+                    </a:lnB>
+                  </a:tcPr>
+                </a:tc>
+                <a:extLst>
+                  <a:ext uri="{0D108BD9-81ED-4DB2-BD59-A6C34878D82A}">
+                    <a16:rowId xmlns:a16="http://schemas.microsoft.com/office/drawing/2014/main" val="3014113189"/>
+                  </a:ext>
+                </a:extLst>
+              </a:tr>
+              <a:tr h="330200">
+                <a:tc>
+                  <a:txBody>
+                    <a:bodyPr/>
+                    <a:lstStyle/>
+                    <a:p>
+                      <a:pPr algn="l" fontAlgn="ctr"/>
+                      <a:r>
+                        <a:rPr lang="pt-BR" sz="2000" b="0" i="0" u="none" strike="noStrike">
+                          <a:solidFill>
+                            <a:srgbClr val="000000"/>
+                          </a:solidFill>
+                          <a:effectLst/>
+                          <a:latin typeface="Calibri" panose="020F0502020204030204" pitchFamily="34" charset="0"/>
+                        </a:rPr>
+                        <a:t>qtd_servicos_principais</a:t>
+                      </a:r>
+                    </a:p>
+                  </a:txBody>
+                  <a:tcPr marL="6350" marR="6350" marT="6350" marB="0" anchor="ctr">
+                    <a:lnL>
+                      <a:noFill/>
+                    </a:lnL>
+                    <a:lnR>
+                      <a:noFill/>
+                    </a:lnR>
+                    <a:lnT>
+                      <a:noFill/>
+                    </a:lnT>
+                    <a:lnB>
+                      <a:noFill/>
+                    </a:lnB>
+                  </a:tcPr>
+                </a:tc>
+                <a:tc>
+                  <a:txBody>
+                    <a:bodyPr/>
+                    <a:lstStyle/>
+                    <a:p>
+                      <a:pPr algn="l" fontAlgn="ctr"/>
+                      <a:r>
+                        <a:rPr lang="pt-BR" sz="2000" b="0" i="0" u="none" strike="noStrike">
+                          <a:solidFill>
+                            <a:srgbClr val="000000"/>
+                          </a:solidFill>
+                          <a:effectLst/>
+                          <a:latin typeface="Calibri" panose="020F0502020204030204" pitchFamily="34" charset="0"/>
+                        </a:rPr>
+                        <a:t>monthly_charge</a:t>
+                      </a:r>
+                    </a:p>
+                  </a:txBody>
+                  <a:tcPr marL="6350" marR="6350" marT="6350" marB="0" anchor="ctr">
+                    <a:lnL>
+                      <a:noFill/>
+                    </a:lnL>
+                    <a:lnR>
+                      <a:noFill/>
+                    </a:lnR>
+                    <a:lnT>
+                      <a:noFill/>
+                    </a:lnT>
+                    <a:lnB>
+                      <a:noFill/>
+                    </a:lnB>
+                  </a:tcPr>
+                </a:tc>
+                <a:tc>
+                  <a:txBody>
+                    <a:bodyPr/>
+                    <a:lstStyle/>
+                    <a:p>
+                      <a:pPr algn="r" fontAlgn="ctr"/>
+                      <a:r>
+                        <a:rPr lang="pt-BR" sz="2000" b="0" i="0" u="none" strike="noStrike">
+                          <a:solidFill>
+                            <a:srgbClr val="000000"/>
+                          </a:solidFill>
+                          <a:effectLst/>
+                          <a:latin typeface="Calibri" panose="020F0502020204030204" pitchFamily="34" charset="0"/>
+                        </a:rPr>
+                        <a:t>0,836</a:t>
+                      </a:r>
+                    </a:p>
+                  </a:txBody>
+                  <a:tcPr marL="6350" marR="6350" marT="6350" marB="0" anchor="ctr">
+                    <a:lnL>
+                      <a:noFill/>
+                    </a:lnL>
+                    <a:lnR>
+                      <a:noFill/>
+                    </a:lnR>
+                    <a:lnT>
+                      <a:noFill/>
+                    </a:lnT>
+                    <a:lnB>
+                      <a:noFill/>
+                    </a:lnB>
+                  </a:tcPr>
+                </a:tc>
+                <a:extLst>
+                  <a:ext uri="{0D108BD9-81ED-4DB2-BD59-A6C34878D82A}">
+                    <a16:rowId xmlns:a16="http://schemas.microsoft.com/office/drawing/2014/main" val="3599489871"/>
+                  </a:ext>
+                </a:extLst>
+              </a:tr>
+              <a:tr h="330200">
+                <a:tc>
+                  <a:txBody>
+                    <a:bodyPr/>
+                    <a:lstStyle/>
+                    <a:p>
+                      <a:pPr algn="l" fontAlgn="ctr"/>
+                      <a:r>
+                        <a:rPr lang="pt-BR" sz="2000" b="0" i="0" u="none" strike="noStrike">
+                          <a:solidFill>
+                            <a:srgbClr val="000000"/>
+                          </a:solidFill>
+                          <a:effectLst/>
+                          <a:latin typeface="Calibri" panose="020F0502020204030204" pitchFamily="34" charset="0"/>
+                        </a:rPr>
+                        <a:t>total_charges</a:t>
+                      </a:r>
+                    </a:p>
+                  </a:txBody>
+                  <a:tcPr marL="6350" marR="6350" marT="6350" marB="0" anchor="ctr">
+                    <a:lnL>
+                      <a:noFill/>
+                    </a:lnL>
+                    <a:lnR>
+                      <a:noFill/>
+                    </a:lnR>
+                    <a:lnT>
+                      <a:noFill/>
+                    </a:lnT>
+                    <a:lnB>
+                      <a:noFill/>
+                    </a:lnB>
+                  </a:tcPr>
+                </a:tc>
+                <a:tc>
+                  <a:txBody>
+                    <a:bodyPr/>
+                    <a:lstStyle/>
+                    <a:p>
+                      <a:pPr algn="l" fontAlgn="ctr"/>
+                      <a:r>
+                        <a:rPr lang="pt-BR" sz="2000" b="0" i="0" u="none" strike="noStrike">
+                          <a:solidFill>
+                            <a:srgbClr val="000000"/>
+                          </a:solidFill>
+                          <a:effectLst/>
+                          <a:latin typeface="Calibri" panose="020F0502020204030204" pitchFamily="34" charset="0"/>
+                        </a:rPr>
+                        <a:t>tenure_in_months</a:t>
+                      </a:r>
+                    </a:p>
+                  </a:txBody>
+                  <a:tcPr marL="6350" marR="6350" marT="6350" marB="0" anchor="ctr">
+                    <a:lnL>
+                      <a:noFill/>
+                    </a:lnL>
+                    <a:lnR>
+                      <a:noFill/>
+                    </a:lnR>
+                    <a:lnT>
+                      <a:noFill/>
+                    </a:lnT>
+                    <a:lnB>
+                      <a:noFill/>
+                    </a:lnB>
+                  </a:tcPr>
+                </a:tc>
+                <a:tc>
+                  <a:txBody>
+                    <a:bodyPr/>
+                    <a:lstStyle/>
+                    <a:p>
+                      <a:pPr algn="r" fontAlgn="ctr"/>
+                      <a:r>
+                        <a:rPr lang="pt-BR" sz="2000" b="0" i="0" u="none" strike="noStrike">
+                          <a:solidFill>
+                            <a:srgbClr val="000000"/>
+                          </a:solidFill>
+                          <a:effectLst/>
+                          <a:latin typeface="Calibri" panose="020F0502020204030204" pitchFamily="34" charset="0"/>
+                        </a:rPr>
+                        <a:t>0,826</a:t>
+                      </a:r>
+                    </a:p>
+                  </a:txBody>
+                  <a:tcPr marL="6350" marR="6350" marT="6350" marB="0" anchor="ctr">
+                    <a:lnL>
+                      <a:noFill/>
+                    </a:lnL>
+                    <a:lnR>
+                      <a:noFill/>
+                    </a:lnR>
+                    <a:lnT>
+                      <a:noFill/>
+                    </a:lnT>
+                    <a:lnB>
+                      <a:noFill/>
+                    </a:lnB>
+                  </a:tcPr>
+                </a:tc>
+                <a:extLst>
+                  <a:ext uri="{0D108BD9-81ED-4DB2-BD59-A6C34878D82A}">
+                    <a16:rowId xmlns:a16="http://schemas.microsoft.com/office/drawing/2014/main" val="3680808949"/>
+                  </a:ext>
+                </a:extLst>
+              </a:tr>
+              <a:tr h="330200">
+                <a:tc>
+                  <a:txBody>
+                    <a:bodyPr/>
+                    <a:lstStyle/>
+                    <a:p>
+                      <a:pPr algn="l" fontAlgn="ctr"/>
+                      <a:r>
+                        <a:rPr lang="pt-BR" sz="2000" b="0" i="0" u="none" strike="noStrike">
+                          <a:solidFill>
+                            <a:srgbClr val="000000"/>
+                          </a:solidFill>
+                          <a:effectLst/>
+                          <a:latin typeface="Calibri" panose="020F0502020204030204" pitchFamily="34" charset="0"/>
+                        </a:rPr>
+                        <a:t>valor_cobrancas_extras</a:t>
+                      </a:r>
+                    </a:p>
+                  </a:txBody>
+                  <a:tcPr marL="6350" marR="6350" marT="6350" marB="0" anchor="ctr">
+                    <a:lnL>
+                      <a:noFill/>
+                    </a:lnL>
+                    <a:lnR>
+                      <a:noFill/>
+                    </a:lnR>
+                    <a:lnT>
+                      <a:noFill/>
+                    </a:lnT>
+                    <a:lnB>
+                      <a:noFill/>
+                    </a:lnB>
+                  </a:tcPr>
+                </a:tc>
+                <a:tc>
+                  <a:txBody>
+                    <a:bodyPr/>
+                    <a:lstStyle/>
+                    <a:p>
+                      <a:pPr algn="l" fontAlgn="ctr"/>
+                      <a:r>
+                        <a:rPr lang="pt-BR" sz="2000" b="0" i="0" u="none" strike="noStrike">
+                          <a:solidFill>
+                            <a:srgbClr val="000000"/>
+                          </a:solidFill>
+                          <a:effectLst/>
+                          <a:latin typeface="Calibri" panose="020F0502020204030204" pitchFamily="34" charset="0"/>
+                        </a:rPr>
+                        <a:t>valor_cobranca_geral</a:t>
+                      </a:r>
+                    </a:p>
+                  </a:txBody>
+                  <a:tcPr marL="6350" marR="6350" marT="6350" marB="0" anchor="ctr">
+                    <a:lnL>
+                      <a:noFill/>
+                    </a:lnL>
+                    <a:lnR>
+                      <a:noFill/>
+                    </a:lnR>
+                    <a:lnT>
+                      <a:noFill/>
+                    </a:lnT>
+                    <a:lnB>
+                      <a:noFill/>
+                    </a:lnB>
+                  </a:tcPr>
+                </a:tc>
+                <a:tc>
+                  <a:txBody>
+                    <a:bodyPr/>
+                    <a:lstStyle/>
+                    <a:p>
+                      <a:pPr algn="r" fontAlgn="ctr"/>
+                      <a:r>
+                        <a:rPr lang="pt-BR" sz="2000" b="0" i="0" u="none" strike="noStrike">
+                          <a:solidFill>
+                            <a:srgbClr val="000000"/>
+                          </a:solidFill>
+                          <a:effectLst/>
+                          <a:latin typeface="Calibri" panose="020F0502020204030204" pitchFamily="34" charset="0"/>
+                        </a:rPr>
+                        <a:t>0,780</a:t>
+                      </a:r>
+                    </a:p>
+                  </a:txBody>
+                  <a:tcPr marL="6350" marR="6350" marT="6350" marB="0" anchor="ctr">
+                    <a:lnL>
+                      <a:noFill/>
+                    </a:lnL>
+                    <a:lnR>
+                      <a:noFill/>
+                    </a:lnR>
+                    <a:lnT>
+                      <a:noFill/>
+                    </a:lnT>
+                    <a:lnB>
+                      <a:noFill/>
+                    </a:lnB>
+                  </a:tcPr>
+                </a:tc>
+                <a:extLst>
+                  <a:ext uri="{0D108BD9-81ED-4DB2-BD59-A6C34878D82A}">
+                    <a16:rowId xmlns:a16="http://schemas.microsoft.com/office/drawing/2014/main" val="660859865"/>
+                  </a:ext>
+                </a:extLst>
+              </a:tr>
+              <a:tr h="330200">
+                <a:tc>
+                  <a:txBody>
+                    <a:bodyPr/>
+                    <a:lstStyle/>
+                    <a:p>
+                      <a:pPr algn="l" fontAlgn="ctr"/>
+                      <a:r>
+                        <a:rPr lang="pt-BR" sz="2000" b="0" i="0" u="none" strike="noStrike">
+                          <a:solidFill>
+                            <a:srgbClr val="000000"/>
+                          </a:solidFill>
+                          <a:effectLst/>
+                          <a:latin typeface="Calibri" panose="020F0502020204030204" pitchFamily="34" charset="0"/>
+                        </a:rPr>
+                        <a:t>valor_cobranca_geral</a:t>
+                      </a:r>
+                    </a:p>
+                  </a:txBody>
+                  <a:tcPr marL="6350" marR="6350" marT="6350" marB="0" anchor="ctr">
+                    <a:lnL>
+                      <a:noFill/>
+                    </a:lnL>
+                    <a:lnR>
+                      <a:noFill/>
+                    </a:lnR>
+                    <a:lnT>
+                      <a:noFill/>
+                    </a:lnT>
+                    <a:lnB>
+                      <a:noFill/>
+                    </a:lnB>
+                  </a:tcPr>
+                </a:tc>
+                <a:tc>
+                  <a:txBody>
+                    <a:bodyPr/>
+                    <a:lstStyle/>
+                    <a:p>
+                      <a:pPr algn="l" fontAlgn="ctr"/>
+                      <a:r>
+                        <a:rPr lang="pt-BR" sz="2000" b="0" i="0" u="none" strike="noStrike">
+                          <a:solidFill>
+                            <a:srgbClr val="000000"/>
+                          </a:solidFill>
+                          <a:effectLst/>
+                          <a:latin typeface="Calibri" panose="020F0502020204030204" pitchFamily="34" charset="0"/>
+                        </a:rPr>
+                        <a:t>total_long_distance_charges</a:t>
+                      </a:r>
+                    </a:p>
+                  </a:txBody>
+                  <a:tcPr marL="6350" marR="6350" marT="6350" marB="0" anchor="ctr">
+                    <a:lnL>
+                      <a:noFill/>
+                    </a:lnL>
+                    <a:lnR>
+                      <a:noFill/>
+                    </a:lnR>
+                    <a:lnT>
+                      <a:noFill/>
+                    </a:lnT>
+                    <a:lnB>
+                      <a:noFill/>
+                    </a:lnB>
+                  </a:tcPr>
+                </a:tc>
+                <a:tc>
+                  <a:txBody>
+                    <a:bodyPr/>
+                    <a:lstStyle/>
+                    <a:p>
+                      <a:pPr algn="r" fontAlgn="ctr"/>
+                      <a:r>
+                        <a:rPr lang="pt-BR" sz="2000" b="0" i="0" u="none" strike="noStrike">
+                          <a:solidFill>
+                            <a:srgbClr val="000000"/>
+                          </a:solidFill>
+                          <a:effectLst/>
+                          <a:latin typeface="Calibri" panose="020F0502020204030204" pitchFamily="34" charset="0"/>
+                        </a:rPr>
+                        <a:t>0,779</a:t>
+                      </a:r>
+                    </a:p>
+                  </a:txBody>
+                  <a:tcPr marL="6350" marR="6350" marT="6350" marB="0" anchor="ctr">
+                    <a:lnL>
+                      <a:noFill/>
+                    </a:lnL>
+                    <a:lnR>
+                      <a:noFill/>
+                    </a:lnR>
+                    <a:lnT>
+                      <a:noFill/>
+                    </a:lnT>
+                    <a:lnB>
+                      <a:noFill/>
+                    </a:lnB>
+                  </a:tcPr>
+                </a:tc>
+                <a:extLst>
+                  <a:ext uri="{0D108BD9-81ED-4DB2-BD59-A6C34878D82A}">
+                    <a16:rowId xmlns:a16="http://schemas.microsoft.com/office/drawing/2014/main" val="2907252456"/>
+                  </a:ext>
+                </a:extLst>
+              </a:tr>
+              <a:tr h="330200">
+                <a:tc>
+                  <a:txBody>
+                    <a:bodyPr/>
+                    <a:lstStyle/>
+                    <a:p>
+                      <a:pPr algn="l" fontAlgn="ctr"/>
+                      <a:r>
+                        <a:rPr lang="pt-BR" sz="2000" b="0" i="0" u="none" strike="noStrike">
+                          <a:solidFill>
+                            <a:srgbClr val="000000"/>
+                          </a:solidFill>
+                          <a:effectLst/>
+                          <a:latin typeface="Calibri" panose="020F0502020204030204" pitchFamily="34" charset="0"/>
+                        </a:rPr>
+                        <a:t>tx_contrib_cobrancas_extras_cobranca_geral</a:t>
+                      </a:r>
+                    </a:p>
+                  </a:txBody>
+                  <a:tcPr marL="6350" marR="6350" marT="6350" marB="0" anchor="ctr">
+                    <a:lnL>
+                      <a:noFill/>
+                    </a:lnL>
+                    <a:lnR>
+                      <a:noFill/>
+                    </a:lnR>
+                    <a:lnT>
+                      <a:noFill/>
+                    </a:lnT>
+                    <a:lnB>
+                      <a:noFill/>
+                    </a:lnB>
+                  </a:tcPr>
+                </a:tc>
+                <a:tc>
+                  <a:txBody>
+                    <a:bodyPr/>
+                    <a:lstStyle/>
+                    <a:p>
+                      <a:pPr algn="l" fontAlgn="ctr"/>
+                      <a:r>
+                        <a:rPr lang="en-US" sz="2000" b="0" i="0" u="none" strike="noStrike">
+                          <a:solidFill>
+                            <a:srgbClr val="000000"/>
+                          </a:solidFill>
+                          <a:effectLst/>
+                          <a:latin typeface="Calibri" panose="020F0502020204030204" pitchFamily="34" charset="0"/>
+                        </a:rPr>
+                        <a:t>avg_monthly_long_distance_charges</a:t>
+                      </a:r>
+                    </a:p>
+                  </a:txBody>
+                  <a:tcPr marL="6350" marR="6350" marT="6350" marB="0" anchor="ctr">
+                    <a:lnL>
+                      <a:noFill/>
+                    </a:lnL>
+                    <a:lnR>
+                      <a:noFill/>
+                    </a:lnR>
+                    <a:lnT>
+                      <a:noFill/>
+                    </a:lnT>
+                    <a:lnB>
+                      <a:noFill/>
+                    </a:lnB>
+                  </a:tcPr>
+                </a:tc>
+                <a:tc>
+                  <a:txBody>
+                    <a:bodyPr/>
+                    <a:lstStyle/>
+                    <a:p>
+                      <a:pPr algn="r" fontAlgn="ctr"/>
+                      <a:r>
+                        <a:rPr lang="pt-BR" sz="2000" b="0" i="0" u="none" strike="noStrike">
+                          <a:solidFill>
+                            <a:srgbClr val="000000"/>
+                          </a:solidFill>
+                          <a:effectLst/>
+                          <a:latin typeface="Calibri" panose="020F0502020204030204" pitchFamily="34" charset="0"/>
+                        </a:rPr>
+                        <a:t>0,745</a:t>
+                      </a:r>
+                    </a:p>
+                  </a:txBody>
+                  <a:tcPr marL="6350" marR="6350" marT="6350" marB="0" anchor="ctr">
+                    <a:lnL>
+                      <a:noFill/>
+                    </a:lnL>
+                    <a:lnR>
+                      <a:noFill/>
+                    </a:lnR>
+                    <a:lnT>
+                      <a:noFill/>
+                    </a:lnT>
+                    <a:lnB>
+                      <a:noFill/>
+                    </a:lnB>
+                  </a:tcPr>
+                </a:tc>
+                <a:extLst>
+                  <a:ext uri="{0D108BD9-81ED-4DB2-BD59-A6C34878D82A}">
+                    <a16:rowId xmlns:a16="http://schemas.microsoft.com/office/drawing/2014/main" val="1705924476"/>
+                  </a:ext>
+                </a:extLst>
+              </a:tr>
+              <a:tr h="330200">
+                <a:tc>
+                  <a:txBody>
+                    <a:bodyPr/>
+                    <a:lstStyle/>
+                    <a:p>
+                      <a:pPr algn="l" fontAlgn="ctr"/>
+                      <a:r>
+                        <a:rPr lang="pt-BR" sz="2000" b="0" i="0" u="none" strike="noStrike">
+                          <a:solidFill>
+                            <a:srgbClr val="000000"/>
+                          </a:solidFill>
+                          <a:effectLst/>
+                          <a:latin typeface="Calibri" panose="020F0502020204030204" pitchFamily="34" charset="0"/>
+                        </a:rPr>
+                        <a:t>condado_tx_habitantes_menor_18_anos</a:t>
+                      </a:r>
+                    </a:p>
+                  </a:txBody>
+                  <a:tcPr marL="6350" marR="6350" marT="6350" marB="0" anchor="ctr">
+                    <a:lnL>
+                      <a:noFill/>
+                    </a:lnL>
+                    <a:lnR>
+                      <a:noFill/>
+                    </a:lnR>
+                    <a:lnT>
+                      <a:noFill/>
+                    </a:lnT>
+                    <a:lnB>
+                      <a:noFill/>
+                    </a:lnB>
+                  </a:tcPr>
+                </a:tc>
+                <a:tc>
+                  <a:txBody>
+                    <a:bodyPr/>
+                    <a:lstStyle/>
+                    <a:p>
+                      <a:pPr algn="l" fontAlgn="ctr"/>
+                      <a:r>
+                        <a:rPr lang="pt-BR" sz="2000" b="0" i="0" u="none" strike="noStrike">
+                          <a:solidFill>
+                            <a:srgbClr val="000000"/>
+                          </a:solidFill>
+                          <a:effectLst/>
+                          <a:latin typeface="Calibri" panose="020F0502020204030204" pitchFamily="34" charset="0"/>
+                        </a:rPr>
+                        <a:t>condado_idade_mediana_habitantes</a:t>
+                      </a:r>
+                    </a:p>
+                  </a:txBody>
+                  <a:tcPr marL="6350" marR="6350" marT="6350" marB="0" anchor="ctr">
+                    <a:lnL>
+                      <a:noFill/>
+                    </a:lnL>
+                    <a:lnR>
+                      <a:noFill/>
+                    </a:lnR>
+                    <a:lnT>
+                      <a:noFill/>
+                    </a:lnT>
+                    <a:lnB>
+                      <a:noFill/>
+                    </a:lnB>
+                  </a:tcPr>
+                </a:tc>
+                <a:tc>
+                  <a:txBody>
+                    <a:bodyPr/>
+                    <a:lstStyle/>
+                    <a:p>
+                      <a:pPr algn="r" fontAlgn="ctr"/>
+                      <a:r>
+                        <a:rPr lang="pt-BR" sz="2000" b="0" i="0" u="none" strike="noStrike">
+                          <a:solidFill>
+                            <a:srgbClr val="000000"/>
+                          </a:solidFill>
+                          <a:effectLst/>
+                          <a:latin typeface="Calibri" panose="020F0502020204030204" pitchFamily="34" charset="0"/>
+                        </a:rPr>
+                        <a:t>-0,723</a:t>
+                      </a:r>
+                    </a:p>
+                  </a:txBody>
+                  <a:tcPr marL="6350" marR="6350" marT="6350" marB="0" anchor="ctr">
+                    <a:lnL>
+                      <a:noFill/>
+                    </a:lnL>
+                    <a:lnR>
+                      <a:noFill/>
+                    </a:lnR>
+                    <a:lnT>
+                      <a:noFill/>
+                    </a:lnT>
+                    <a:lnB>
+                      <a:noFill/>
+                    </a:lnB>
+                  </a:tcPr>
+                </a:tc>
+                <a:extLst>
+                  <a:ext uri="{0D108BD9-81ED-4DB2-BD59-A6C34878D82A}">
+                    <a16:rowId xmlns:a16="http://schemas.microsoft.com/office/drawing/2014/main" val="1292562793"/>
+                  </a:ext>
+                </a:extLst>
+              </a:tr>
+              <a:tr h="330200">
+                <a:tc>
+                  <a:txBody>
+                    <a:bodyPr/>
+                    <a:lstStyle/>
+                    <a:p>
+                      <a:pPr algn="l" fontAlgn="ctr"/>
+                      <a:r>
+                        <a:rPr lang="pt-BR" sz="2000" b="0" i="0" u="none" strike="noStrike">
+                          <a:solidFill>
+                            <a:srgbClr val="000000"/>
+                          </a:solidFill>
+                          <a:effectLst/>
+                          <a:latin typeface="Calibri" panose="020F0502020204030204" pitchFamily="34" charset="0"/>
+                        </a:rPr>
+                        <a:t>qtd_streamings</a:t>
+                      </a:r>
+                    </a:p>
+                  </a:txBody>
+                  <a:tcPr marL="6350" marR="6350" marT="6350" marB="0" anchor="ctr">
+                    <a:lnL>
+                      <a:noFill/>
+                    </a:lnL>
+                    <a:lnR>
+                      <a:noFill/>
+                    </a:lnR>
+                    <a:lnT>
+                      <a:noFill/>
+                    </a:lnT>
+                    <a:lnB w="6350" cap="flat" cmpd="sng" algn="ctr">
+                      <a:solidFill>
+                        <a:srgbClr val="000000"/>
+                      </a:solidFill>
+                      <a:prstDash val="solid"/>
+                      <a:round/>
+                      <a:headEnd type="none" w="med" len="med"/>
+                      <a:tailEnd type="none" w="med" len="med"/>
+                    </a:lnB>
+                  </a:tcPr>
+                </a:tc>
+                <a:tc>
+                  <a:txBody>
+                    <a:bodyPr/>
+                    <a:lstStyle/>
+                    <a:p>
+                      <a:pPr algn="l" fontAlgn="ctr"/>
+                      <a:r>
+                        <a:rPr lang="pt-BR" sz="2000" b="0" i="0" u="none" strike="noStrike">
+                          <a:solidFill>
+                            <a:srgbClr val="000000"/>
+                          </a:solidFill>
+                          <a:effectLst/>
+                          <a:latin typeface="Calibri" panose="020F0502020204030204" pitchFamily="34" charset="0"/>
+                        </a:rPr>
+                        <a:t>monthly_charge</a:t>
+                      </a:r>
+                    </a:p>
+                  </a:txBody>
+                  <a:tcPr marL="6350" marR="6350" marT="6350" marB="0" anchor="ctr">
+                    <a:lnL>
+                      <a:noFill/>
+                    </a:lnL>
+                    <a:lnR>
+                      <a:noFill/>
+                    </a:lnR>
+                    <a:lnT>
+                      <a:noFill/>
+                    </a:lnT>
+                    <a:lnB w="6350" cap="flat" cmpd="sng" algn="ctr">
+                      <a:solidFill>
+                        <a:srgbClr val="000000"/>
+                      </a:solidFill>
+                      <a:prstDash val="solid"/>
+                      <a:round/>
+                      <a:headEnd type="none" w="med" len="med"/>
+                      <a:tailEnd type="none" w="med" len="med"/>
+                    </a:lnB>
+                  </a:tcPr>
+                </a:tc>
+                <a:tc>
+                  <a:txBody>
+                    <a:bodyPr/>
+                    <a:lstStyle/>
+                    <a:p>
+                      <a:pPr algn="r" fontAlgn="ctr"/>
+                      <a:r>
+                        <a:rPr lang="pt-BR" sz="2000" b="0" i="0" u="none" strike="noStrike" dirty="0">
+                          <a:solidFill>
+                            <a:srgbClr val="000000"/>
+                          </a:solidFill>
+                          <a:effectLst/>
+                          <a:latin typeface="Calibri" panose="020F0502020204030204" pitchFamily="34" charset="0"/>
+                        </a:rPr>
+                        <a:t>0,695</a:t>
+                      </a:r>
+                    </a:p>
+                  </a:txBody>
+                  <a:tcPr marL="6350" marR="6350" marT="6350" marB="0" anchor="ctr">
+                    <a:lnL>
+                      <a:noFill/>
+                    </a:lnL>
+                    <a:lnR>
+                      <a:noFill/>
+                    </a:lnR>
+                    <a:lnT>
+                      <a:noFill/>
+                    </a:lnT>
+                    <a:lnB w="6350" cap="flat" cmpd="sng" algn="ctr">
+                      <a:solidFill>
+                        <a:srgbClr val="000000"/>
+                      </a:solidFill>
+                      <a:prstDash val="solid"/>
+                      <a:round/>
+                      <a:headEnd type="none" w="med" len="med"/>
+                      <a:tailEnd type="none" w="med" len="med"/>
+                    </a:lnB>
+                  </a:tcPr>
+                </a:tc>
+                <a:extLst>
+                  <a:ext uri="{0D108BD9-81ED-4DB2-BD59-A6C34878D82A}">
+                    <a16:rowId xmlns:a16="http://schemas.microsoft.com/office/drawing/2014/main" val="705105741"/>
+                  </a:ext>
+                </a:extLst>
+              </a:tr>
+            </a:tbl>
           </a:graphicData>
         </a:graphic>
       </p:graphicFrame>

--- a/apresentacao.pptx
+++ b/apresentacao.pptx
@@ -23,6 +23,7 @@
     <p:sldId id="268" r:id="rId17"/>
     <p:sldId id="262" r:id="rId18"/>
     <p:sldId id="261" r:id="rId19"/>
+    <p:sldId id="276" r:id="rId20"/>
   </p:sldIdLst>
   <p:sldSz cx="12192000" cy="6858000"/>
   <p:notesSz cx="6858000" cy="9144000"/>
@@ -5502,14 +5503,14 @@
           <a:p>
             <a:r>
               <a:rPr lang="pt-BR" dirty="0"/>
-              <a:t>Coeficientes estimados</a:t>
+              <a:t>Amostra de coeficientes estimados</a:t>
             </a:r>
             <a:br>
               <a:rPr lang="pt-BR" dirty="0"/>
             </a:br>
             <a:r>
               <a:rPr lang="pt-BR" sz="1800" dirty="0"/>
-              <a:t>Para cada uma das variáveis preditoras do modelo de regressão logística clássica</a:t>
+              <a:t>Para variáveis preditoras do modelo de regressão logística clássica</a:t>
             </a:r>
           </a:p>
         </p:txBody>
@@ -9258,6 +9259,528 @@
 </p:sld>
 </file>
 
+<file path=ppt/slides/slide19.xml><?xml version="1.0" encoding="utf-8"?>
+<p:sld xmlns:a="http://schemas.openxmlformats.org/drawingml/2006/main" xmlns:r="http://schemas.openxmlformats.org/officeDocument/2006/relationships" xmlns:p="http://schemas.openxmlformats.org/presentationml/2006/main">
+  <p:cSld>
+    <p:spTree>
+      <p:nvGrpSpPr>
+        <p:cNvPr id="1" name=""/>
+        <p:cNvGrpSpPr/>
+        <p:nvPr/>
+      </p:nvGrpSpPr>
+      <p:grpSpPr>
+        <a:xfrm>
+          <a:off x="0" y="0"/>
+          <a:ext cx="0" cy="0"/>
+          <a:chOff x="0" y="0"/>
+          <a:chExt cx="0" cy="0"/>
+        </a:xfrm>
+      </p:grpSpPr>
+      <p:sp>
+        <p:nvSpPr>
+          <p:cNvPr id="2" name="Título 1">
+            <a:extLst>
+              <a:ext uri="{FF2B5EF4-FFF2-40B4-BE49-F238E27FC236}">
+                <a16:creationId xmlns:a16="http://schemas.microsoft.com/office/drawing/2014/main" id="{EEAAE684-D6CA-4DA5-9F71-C63A77ABED75}"/>
+              </a:ext>
+            </a:extLst>
+          </p:cNvPr>
+          <p:cNvSpPr>
+            <a:spLocks noGrp="1"/>
+          </p:cNvSpPr>
+          <p:nvPr>
+            <p:ph type="title"/>
+          </p:nvPr>
+        </p:nvSpPr>
+        <p:spPr/>
+        <p:txBody>
+          <a:bodyPr/>
+          <a:lstStyle/>
+          <a:p>
+            <a:r>
+              <a:rPr lang="pt-BR" dirty="0"/>
+              <a:t>Área sob a curva ROC</a:t>
+            </a:r>
+            <a:br>
+              <a:rPr lang="pt-BR" dirty="0"/>
+            </a:br>
+            <a:r>
+              <a:rPr lang="pt-BR" sz="1600" dirty="0"/>
+              <a:t>Diversos modelos estimados</a:t>
+            </a:r>
+          </a:p>
+        </p:txBody>
+      </p:sp>
+      <p:graphicFrame>
+        <p:nvGraphicFramePr>
+          <p:cNvPr id="5" name="Content Placeholder 4">
+            <a:extLst>
+              <a:ext uri="{FF2B5EF4-FFF2-40B4-BE49-F238E27FC236}">
+                <a16:creationId xmlns:a16="http://schemas.microsoft.com/office/drawing/2014/main" id="{F1F19866-C24E-5A44-68AF-DD66C167A3F5}"/>
+              </a:ext>
+            </a:extLst>
+          </p:cNvPr>
+          <p:cNvGraphicFramePr>
+            <a:graphicFrameLocks noGrp="1"/>
+          </p:cNvGraphicFramePr>
+          <p:nvPr>
+            <p:ph idx="1"/>
+          </p:nvPr>
+        </p:nvGraphicFramePr>
+        <p:xfrm>
+          <a:off x="2762250" y="3175794"/>
+          <a:ext cx="6667500" cy="1651000"/>
+        </p:xfrm>
+        <a:graphic>
+          <a:graphicData uri="http://schemas.openxmlformats.org/drawingml/2006/table">
+            <a:tbl>
+              <a:tblPr/>
+              <a:tblGrid>
+                <a:gridCol w="5689600">
+                  <a:extLst>
+                    <a:ext uri="{9D8B030D-6E8A-4147-A177-3AD203B41FA5}">
+                      <a16:colId xmlns:a16="http://schemas.microsoft.com/office/drawing/2014/main" val="2004830432"/>
+                    </a:ext>
+                  </a:extLst>
+                </a:gridCol>
+                <a:gridCol w="977900">
+                  <a:extLst>
+                    <a:ext uri="{9D8B030D-6E8A-4147-A177-3AD203B41FA5}">
+                      <a16:colId xmlns:a16="http://schemas.microsoft.com/office/drawing/2014/main" val="2466911793"/>
+                    </a:ext>
+                  </a:extLst>
+                </a:gridCol>
+              </a:tblGrid>
+              <a:tr h="330200">
+                <a:tc>
+                  <a:txBody>
+                    <a:bodyPr/>
+                    <a:lstStyle/>
+                    <a:p>
+                      <a:pPr algn="l" fontAlgn="ctr"/>
+                      <a:r>
+                        <a:rPr lang="pt-BR" sz="2000" b="0" i="0" u="none" strike="noStrike">
+                          <a:solidFill>
+                            <a:srgbClr val="000000"/>
+                          </a:solidFill>
+                          <a:effectLst/>
+                          <a:latin typeface="Calibri" panose="020F0502020204030204" pitchFamily="34" charset="0"/>
+                        </a:rPr>
+                        <a:t>Modelo</a:t>
+                      </a:r>
+                    </a:p>
+                  </a:txBody>
+                  <a:tcPr marL="6350" marR="6350" marT="6350" marB="0" anchor="ctr">
+                    <a:lnL>
+                      <a:noFill/>
+                    </a:lnL>
+                    <a:lnR>
+                      <a:noFill/>
+                    </a:lnR>
+                    <a:lnT w="6350" cap="flat" cmpd="sng" algn="ctr">
+                      <a:solidFill>
+                        <a:srgbClr val="000000"/>
+                      </a:solidFill>
+                      <a:prstDash val="solid"/>
+                      <a:round/>
+                      <a:headEnd type="none" w="med" len="med"/>
+                      <a:tailEnd type="none" w="med" len="med"/>
+                    </a:lnT>
+                    <a:lnB w="6350" cap="flat" cmpd="sng" algn="ctr">
+                      <a:solidFill>
+                        <a:srgbClr val="000000"/>
+                      </a:solidFill>
+                      <a:prstDash val="solid"/>
+                      <a:round/>
+                      <a:headEnd type="none" w="med" len="med"/>
+                      <a:tailEnd type="none" w="med" len="med"/>
+                    </a:lnB>
+                  </a:tcPr>
+                </a:tc>
+                <a:tc>
+                  <a:txBody>
+                    <a:bodyPr/>
+                    <a:lstStyle/>
+                    <a:p>
+                      <a:pPr algn="ctr" fontAlgn="ctr"/>
+                      <a:r>
+                        <a:rPr lang="pt-BR" sz="2000" b="0" i="0" u="none" strike="noStrike">
+                          <a:solidFill>
+                            <a:srgbClr val="000000"/>
+                          </a:solidFill>
+                          <a:effectLst/>
+                          <a:latin typeface="Calibri" panose="020F0502020204030204" pitchFamily="34" charset="0"/>
+                        </a:rPr>
+                        <a:t>AUC</a:t>
+                      </a:r>
+                    </a:p>
+                  </a:txBody>
+                  <a:tcPr marL="6350" marR="6350" marT="6350" marB="0" anchor="ctr">
+                    <a:lnL>
+                      <a:noFill/>
+                    </a:lnL>
+                    <a:lnR>
+                      <a:noFill/>
+                    </a:lnR>
+                    <a:lnT w="6350" cap="flat" cmpd="sng" algn="ctr">
+                      <a:solidFill>
+                        <a:srgbClr val="000000"/>
+                      </a:solidFill>
+                      <a:prstDash val="solid"/>
+                      <a:round/>
+                      <a:headEnd type="none" w="med" len="med"/>
+                      <a:tailEnd type="none" w="med" len="med"/>
+                    </a:lnT>
+                    <a:lnB w="6350" cap="flat" cmpd="sng" algn="ctr">
+                      <a:solidFill>
+                        <a:srgbClr val="000000"/>
+                      </a:solidFill>
+                      <a:prstDash val="solid"/>
+                      <a:round/>
+                      <a:headEnd type="none" w="med" len="med"/>
+                      <a:tailEnd type="none" w="med" len="med"/>
+                    </a:lnB>
+                  </a:tcPr>
+                </a:tc>
+                <a:extLst>
+                  <a:ext uri="{0D108BD9-81ED-4DB2-BD59-A6C34878D82A}">
+                    <a16:rowId xmlns:a16="http://schemas.microsoft.com/office/drawing/2014/main" val="1410110383"/>
+                  </a:ext>
+                </a:extLst>
+              </a:tr>
+              <a:tr h="330200">
+                <a:tc>
+                  <a:txBody>
+                    <a:bodyPr/>
+                    <a:lstStyle/>
+                    <a:p>
+                      <a:pPr algn="l" fontAlgn="ctr"/>
+                      <a:r>
+                        <a:rPr lang="pt-BR" sz="2000" b="0" i="0" u="none" strike="noStrike">
+                          <a:solidFill>
+                            <a:srgbClr val="000000"/>
+                          </a:solidFill>
+                          <a:effectLst/>
+                          <a:latin typeface="Calibri" panose="020F0502020204030204" pitchFamily="34" charset="0"/>
+                        </a:rPr>
+                        <a:t>Regressão logística com seleção gradual de variáveis</a:t>
+                      </a:r>
+                    </a:p>
+                  </a:txBody>
+                  <a:tcPr marL="6350" marR="6350" marT="6350" marB="0" anchor="ctr">
+                    <a:lnL>
+                      <a:noFill/>
+                    </a:lnL>
+                    <a:lnR>
+                      <a:noFill/>
+                    </a:lnR>
+                    <a:lnT w="6350" cap="flat" cmpd="sng" algn="ctr">
+                      <a:solidFill>
+                        <a:srgbClr val="000000"/>
+                      </a:solidFill>
+                      <a:prstDash val="solid"/>
+                      <a:round/>
+                      <a:headEnd type="none" w="med" len="med"/>
+                      <a:tailEnd type="none" w="med" len="med"/>
+                    </a:lnT>
+                    <a:lnB>
+                      <a:noFill/>
+                    </a:lnB>
+                  </a:tcPr>
+                </a:tc>
+                <a:tc>
+                  <a:txBody>
+                    <a:bodyPr/>
+                    <a:lstStyle/>
+                    <a:p>
+                      <a:pPr algn="r" fontAlgn="ctr"/>
+                      <a:r>
+                        <a:rPr lang="pt-BR" sz="2000" b="0" i="0" u="none" strike="noStrike">
+                          <a:solidFill>
+                            <a:srgbClr val="000000"/>
+                          </a:solidFill>
+                          <a:effectLst/>
+                          <a:latin typeface="Calibri" panose="020F0502020204030204" pitchFamily="34" charset="0"/>
+                        </a:rPr>
+                        <a:t>0,9885</a:t>
+                      </a:r>
+                    </a:p>
+                  </a:txBody>
+                  <a:tcPr marL="6350" marR="6350" marT="6350" marB="0" anchor="ctr">
+                    <a:lnL>
+                      <a:noFill/>
+                    </a:lnL>
+                    <a:lnR>
+                      <a:noFill/>
+                    </a:lnR>
+                    <a:lnT w="6350" cap="flat" cmpd="sng" algn="ctr">
+                      <a:solidFill>
+                        <a:srgbClr val="000000"/>
+                      </a:solidFill>
+                      <a:prstDash val="solid"/>
+                      <a:round/>
+                      <a:headEnd type="none" w="med" len="med"/>
+                      <a:tailEnd type="none" w="med" len="med"/>
+                    </a:lnT>
+                    <a:lnB>
+                      <a:noFill/>
+                    </a:lnB>
+                  </a:tcPr>
+                </a:tc>
+                <a:extLst>
+                  <a:ext uri="{0D108BD9-81ED-4DB2-BD59-A6C34878D82A}">
+                    <a16:rowId xmlns:a16="http://schemas.microsoft.com/office/drawing/2014/main" val="1910315338"/>
+                  </a:ext>
+                </a:extLst>
+              </a:tr>
+              <a:tr h="330200">
+                <a:tc>
+                  <a:txBody>
+                    <a:bodyPr/>
+                    <a:lstStyle/>
+                    <a:p>
+                      <a:pPr algn="l" fontAlgn="ctr"/>
+                      <a:r>
+                        <a:rPr lang="pt-BR" sz="2000" b="0" i="0" u="none" strike="noStrike">
+                          <a:solidFill>
+                            <a:srgbClr val="000000"/>
+                          </a:solidFill>
+                          <a:effectLst/>
+                          <a:latin typeface="Calibri" panose="020F0502020204030204" pitchFamily="34" charset="0"/>
+                        </a:rPr>
+                        <a:t>Árvore de decisão</a:t>
+                      </a:r>
+                    </a:p>
+                  </a:txBody>
+                  <a:tcPr marL="6350" marR="6350" marT="6350" marB="0" anchor="ctr">
+                    <a:lnL>
+                      <a:noFill/>
+                    </a:lnL>
+                    <a:lnR>
+                      <a:noFill/>
+                    </a:lnR>
+                    <a:lnT>
+                      <a:noFill/>
+                    </a:lnT>
+                    <a:lnB>
+                      <a:noFill/>
+                    </a:lnB>
+                  </a:tcPr>
+                </a:tc>
+                <a:tc>
+                  <a:txBody>
+                    <a:bodyPr/>
+                    <a:lstStyle/>
+                    <a:p>
+                      <a:pPr algn="r" fontAlgn="ctr"/>
+                      <a:r>
+                        <a:rPr lang="pt-BR" sz="2000" b="0" i="0" u="none" strike="noStrike">
+                          <a:solidFill>
+                            <a:srgbClr val="000000"/>
+                          </a:solidFill>
+                          <a:effectLst/>
+                          <a:latin typeface="Calibri" panose="020F0502020204030204" pitchFamily="34" charset="0"/>
+                        </a:rPr>
+                        <a:t>0,9854</a:t>
+                      </a:r>
+                    </a:p>
+                  </a:txBody>
+                  <a:tcPr marL="6350" marR="6350" marT="6350" marB="0" anchor="ctr">
+                    <a:lnL>
+                      <a:noFill/>
+                    </a:lnL>
+                    <a:lnR>
+                      <a:noFill/>
+                    </a:lnR>
+                    <a:lnT>
+                      <a:noFill/>
+                    </a:lnT>
+                    <a:lnB>
+                      <a:noFill/>
+                    </a:lnB>
+                  </a:tcPr>
+                </a:tc>
+                <a:extLst>
+                  <a:ext uri="{0D108BD9-81ED-4DB2-BD59-A6C34878D82A}">
+                    <a16:rowId xmlns:a16="http://schemas.microsoft.com/office/drawing/2014/main" val="2581312047"/>
+                  </a:ext>
+                </a:extLst>
+              </a:tr>
+              <a:tr h="330200">
+                <a:tc>
+                  <a:txBody>
+                    <a:bodyPr/>
+                    <a:lstStyle/>
+                    <a:p>
+                      <a:pPr algn="l" fontAlgn="ctr"/>
+                      <a:r>
+                        <a:rPr lang="pt-BR" sz="2000" b="0" i="0" u="none" strike="noStrike">
+                          <a:solidFill>
+                            <a:srgbClr val="000000"/>
+                          </a:solidFill>
+                          <a:effectLst/>
+                          <a:latin typeface="Calibri" panose="020F0502020204030204" pitchFamily="34" charset="0"/>
+                        </a:rPr>
+                        <a:t>Random forest sem a variável categórica "county"</a:t>
+                      </a:r>
+                    </a:p>
+                  </a:txBody>
+                  <a:tcPr marL="6350" marR="6350" marT="6350" marB="0" anchor="ctr">
+                    <a:lnL>
+                      <a:noFill/>
+                    </a:lnL>
+                    <a:lnR>
+                      <a:noFill/>
+                    </a:lnR>
+                    <a:lnT>
+                      <a:noFill/>
+                    </a:lnT>
+                    <a:lnB>
+                      <a:noFill/>
+                    </a:lnB>
+                  </a:tcPr>
+                </a:tc>
+                <a:tc>
+                  <a:txBody>
+                    <a:bodyPr/>
+                    <a:lstStyle/>
+                    <a:p>
+                      <a:pPr algn="r" fontAlgn="ctr"/>
+                      <a:r>
+                        <a:rPr lang="pt-BR" sz="2000" b="0" i="0" u="none" strike="noStrike">
+                          <a:solidFill>
+                            <a:srgbClr val="000000"/>
+                          </a:solidFill>
+                          <a:effectLst/>
+                          <a:latin typeface="Calibri" panose="020F0502020204030204" pitchFamily="34" charset="0"/>
+                        </a:rPr>
+                        <a:t>0,9836</a:t>
+                      </a:r>
+                    </a:p>
+                  </a:txBody>
+                  <a:tcPr marL="6350" marR="6350" marT="6350" marB="0" anchor="ctr">
+                    <a:lnL>
+                      <a:noFill/>
+                    </a:lnL>
+                    <a:lnR>
+                      <a:noFill/>
+                    </a:lnR>
+                    <a:lnT>
+                      <a:noFill/>
+                    </a:lnT>
+                    <a:lnB>
+                      <a:noFill/>
+                    </a:lnB>
+                  </a:tcPr>
+                </a:tc>
+                <a:extLst>
+                  <a:ext uri="{0D108BD9-81ED-4DB2-BD59-A6C34878D82A}">
+                    <a16:rowId xmlns:a16="http://schemas.microsoft.com/office/drawing/2014/main" val="3975165011"/>
+                  </a:ext>
+                </a:extLst>
+              </a:tr>
+              <a:tr h="330200">
+                <a:tc>
+                  <a:txBody>
+                    <a:bodyPr/>
+                    <a:lstStyle/>
+                    <a:p>
+                      <a:pPr algn="l" fontAlgn="ctr"/>
+                      <a:r>
+                        <a:rPr lang="pt-BR" sz="2000" b="0" i="0" u="none" strike="noStrike">
+                          <a:solidFill>
+                            <a:srgbClr val="000000"/>
+                          </a:solidFill>
+                          <a:effectLst/>
+                          <a:latin typeface="Calibri" panose="020F0502020204030204" pitchFamily="34" charset="0"/>
+                        </a:rPr>
+                        <a:t>Random forest com a variável "county" transformada</a:t>
+                      </a:r>
+                    </a:p>
+                  </a:txBody>
+                  <a:tcPr marL="6350" marR="6350" marT="6350" marB="0" anchor="ctr">
+                    <a:lnL>
+                      <a:noFill/>
+                    </a:lnL>
+                    <a:lnR>
+                      <a:noFill/>
+                    </a:lnR>
+                    <a:lnT>
+                      <a:noFill/>
+                    </a:lnT>
+                    <a:lnB w="6350" cap="flat" cmpd="sng" algn="ctr">
+                      <a:solidFill>
+                        <a:srgbClr val="000000"/>
+                      </a:solidFill>
+                      <a:prstDash val="solid"/>
+                      <a:round/>
+                      <a:headEnd type="none" w="med" len="med"/>
+                      <a:tailEnd type="none" w="med" len="med"/>
+                    </a:lnB>
+                  </a:tcPr>
+                </a:tc>
+                <a:tc>
+                  <a:txBody>
+                    <a:bodyPr/>
+                    <a:lstStyle/>
+                    <a:p>
+                      <a:pPr algn="r" fontAlgn="ctr"/>
+                      <a:r>
+                        <a:rPr lang="pt-BR" sz="2000" b="0" i="0" u="none" strike="noStrike" dirty="0">
+                          <a:solidFill>
+                            <a:srgbClr val="000000"/>
+                          </a:solidFill>
+                          <a:effectLst/>
+                          <a:latin typeface="Calibri" panose="020F0502020204030204" pitchFamily="34" charset="0"/>
+                        </a:rPr>
+                        <a:t>0,9808</a:t>
+                      </a:r>
+                    </a:p>
+                  </a:txBody>
+                  <a:tcPr marL="6350" marR="6350" marT="6350" marB="0" anchor="ctr">
+                    <a:lnL>
+                      <a:noFill/>
+                    </a:lnL>
+                    <a:lnR>
+                      <a:noFill/>
+                    </a:lnR>
+                    <a:lnT>
+                      <a:noFill/>
+                    </a:lnT>
+                    <a:lnB w="6350" cap="flat" cmpd="sng" algn="ctr">
+                      <a:solidFill>
+                        <a:srgbClr val="000000"/>
+                      </a:solidFill>
+                      <a:prstDash val="solid"/>
+                      <a:round/>
+                      <a:headEnd type="none" w="med" len="med"/>
+                      <a:tailEnd type="none" w="med" len="med"/>
+                    </a:lnB>
+                  </a:tcPr>
+                </a:tc>
+                <a:extLst>
+                  <a:ext uri="{0D108BD9-81ED-4DB2-BD59-A6C34878D82A}">
+                    <a16:rowId xmlns:a16="http://schemas.microsoft.com/office/drawing/2014/main" val="1797089451"/>
+                  </a:ext>
+                </a:extLst>
+              </a:tr>
+            </a:tbl>
+          </a:graphicData>
+        </a:graphic>
+      </p:graphicFrame>
+    </p:spTree>
+    <p:extLst>
+      <p:ext uri="{BB962C8B-B14F-4D97-AF65-F5344CB8AC3E}">
+        <p14:creationId xmlns:p14="http://schemas.microsoft.com/office/powerpoint/2010/main" val="1708905290"/>
+      </p:ext>
+    </p:extLst>
+  </p:cSld>
+  <p:clrMapOvr>
+    <a:masterClrMapping/>
+  </p:clrMapOvr>
+</p:sld>
+</file>
+
 <file path=ppt/slides/slide2.xml><?xml version="1.0" encoding="utf-8"?>
 <p:sld xmlns:a="http://schemas.openxmlformats.org/drawingml/2006/main" xmlns:r="http://schemas.openxmlformats.org/officeDocument/2006/relationships" xmlns:p="http://schemas.openxmlformats.org/presentationml/2006/main">
   <p:cSld>
@@ -9338,8 +9861,8 @@
         </p:blipFill>
         <p:spPr>
           <a:xfrm>
-            <a:off x="2366282" y="1825625"/>
-            <a:ext cx="7459436" cy="4351338"/>
+            <a:off x="1979840" y="1690688"/>
+            <a:ext cx="8232320" cy="4802187"/>
           </a:xfrm>
         </p:spPr>
       </p:pic>

--- a/apresentacao.pptx
+++ b/apresentacao.pptx
@@ -12,21 +12,21 @@
     <p:sldId id="285" r:id="rId6"/>
     <p:sldId id="284" r:id="rId7"/>
     <p:sldId id="283" r:id="rId8"/>
-    <p:sldId id="281" r:id="rId9"/>
-    <p:sldId id="279" r:id="rId10"/>
-    <p:sldId id="277" r:id="rId11"/>
-    <p:sldId id="258" r:id="rId12"/>
-    <p:sldId id="287" r:id="rId13"/>
-    <p:sldId id="272" r:id="rId14"/>
-    <p:sldId id="267" r:id="rId15"/>
-    <p:sldId id="266" r:id="rId16"/>
-    <p:sldId id="288" r:id="rId17"/>
-    <p:sldId id="271" r:id="rId18"/>
-    <p:sldId id="269" r:id="rId19"/>
-    <p:sldId id="263" r:id="rId20"/>
-    <p:sldId id="268" r:id="rId21"/>
-    <p:sldId id="289" r:id="rId22"/>
-    <p:sldId id="278" r:id="rId23"/>
+    <p:sldId id="279" r:id="rId9"/>
+    <p:sldId id="277" r:id="rId10"/>
+    <p:sldId id="258" r:id="rId11"/>
+    <p:sldId id="287" r:id="rId12"/>
+    <p:sldId id="272" r:id="rId13"/>
+    <p:sldId id="267" r:id="rId14"/>
+    <p:sldId id="266" r:id="rId15"/>
+    <p:sldId id="288" r:id="rId16"/>
+    <p:sldId id="271" r:id="rId17"/>
+    <p:sldId id="269" r:id="rId18"/>
+    <p:sldId id="263" r:id="rId19"/>
+    <p:sldId id="268" r:id="rId20"/>
+    <p:sldId id="289" r:id="rId21"/>
+    <p:sldId id="278" r:id="rId22"/>
+    <p:sldId id="290" r:id="rId23"/>
   </p:sldIdLst>
   <p:sldSz cx="12192000" cy="6858000"/>
   <p:notesSz cx="6858000" cy="9144000"/>
@@ -3411,27 +3411,91 @@
         </p:nvSpPr>
         <p:spPr/>
         <p:txBody>
-          <a:bodyPr/>
+          <a:bodyPr>
+            <a:normAutofit/>
+          </a:bodyPr>
           <a:lstStyle/>
           <a:p>
             <a:r>
               <a:rPr lang="pt-BR" dirty="0"/>
-              <a:t>Distribuição dos motivos de </a:t>
-            </a:r>
-            <a:r>
-              <a:rPr lang="pt-BR" i="1" dirty="0" err="1"/>
-              <a:t>churn</a:t>
-            </a:r>
-            <a:endParaRPr lang="pt-BR" i="1" dirty="0"/>
+              <a:t>Indicadores por condado</a:t>
+            </a:r>
+            <a:br>
+              <a:rPr lang="pt-BR" dirty="0"/>
+            </a:br>
+            <a:r>
+              <a:rPr lang="pt-BR" sz="1800" dirty="0"/>
+              <a:t>Destaque para os condados com maiores e menores representatividades</a:t>
+            </a:r>
+          </a:p>
+        </p:txBody>
+      </p:sp>
+      <p:sp>
+        <p:nvSpPr>
+          <p:cNvPr id="7" name="Text Placeholder 6">
+            <a:extLst>
+              <a:ext uri="{FF2B5EF4-FFF2-40B4-BE49-F238E27FC236}">
+                <a16:creationId xmlns:a16="http://schemas.microsoft.com/office/drawing/2014/main" id="{7C937255-5E9C-FBD1-A20D-54288982C102}"/>
+              </a:ext>
+            </a:extLst>
+          </p:cNvPr>
+          <p:cNvSpPr>
+            <a:spLocks noGrp="1"/>
+          </p:cNvSpPr>
+          <p:nvPr>
+            <p:ph type="body" idx="1"/>
+          </p:nvPr>
+        </p:nvSpPr>
+        <p:spPr/>
+        <p:txBody>
+          <a:bodyPr anchor="ctr">
+            <a:normAutofit/>
+          </a:bodyPr>
+          <a:lstStyle/>
+          <a:p>
+            <a:r>
+              <a:rPr lang="pt-BR" sz="2200" dirty="0"/>
+              <a:t>Distribuição de clientes</a:t>
+            </a:r>
+          </a:p>
+        </p:txBody>
+      </p:sp>
+      <p:sp>
+        <p:nvSpPr>
+          <p:cNvPr id="8" name="Text Placeholder 7">
+            <a:extLst>
+              <a:ext uri="{FF2B5EF4-FFF2-40B4-BE49-F238E27FC236}">
+                <a16:creationId xmlns:a16="http://schemas.microsoft.com/office/drawing/2014/main" id="{EFF9A3E8-A32E-B138-0DBF-5D21D8B86B8C}"/>
+              </a:ext>
+            </a:extLst>
+          </p:cNvPr>
+          <p:cNvSpPr>
+            <a:spLocks noGrp="1"/>
+          </p:cNvSpPr>
+          <p:nvPr>
+            <p:ph type="body" sz="quarter" idx="3"/>
+          </p:nvPr>
+        </p:nvSpPr>
+        <p:spPr/>
+        <p:txBody>
+          <a:bodyPr anchor="ctr">
+            <a:normAutofit/>
+          </a:bodyPr>
+          <a:lstStyle/>
+          <a:p>
+            <a:r>
+              <a:rPr lang="pt-BR" sz="2200" dirty="0"/>
+              <a:t>Proporção de habitantes, que foram ou são clientes da companhia</a:t>
+            </a:r>
           </a:p>
         </p:txBody>
       </p:sp>
       <p:pic>
         <p:nvPicPr>
-          <p:cNvPr id="5" name="Content Placeholder 4" descr="Chart, bar chart&#10;&#10;Description automatically generated">
-            <a:extLst>
-              <a:ext uri="{FF2B5EF4-FFF2-40B4-BE49-F238E27FC236}">
-                <a16:creationId xmlns:a16="http://schemas.microsoft.com/office/drawing/2014/main" id="{4F8B2046-5B82-21AC-4199-10375D92CCCF}"/>
+          <p:cNvPr id="18" name="Content Placeholder 17" descr="Chart&#10;&#10;Description automatically generated with medium confidence">
+            <a:extLst>
+              <a:ext uri="{FF2B5EF4-FFF2-40B4-BE49-F238E27FC236}">
+                <a16:creationId xmlns:a16="http://schemas.microsoft.com/office/drawing/2014/main" id="{36055148-06BC-B070-EA36-F2FFD412212A}"/>
               </a:ext>
             </a:extLst>
           </p:cNvPr>
@@ -3439,7 +3503,7 @@
             <a:picLocks noGrp="1" noChangeAspect="1"/>
           </p:cNvPicPr>
           <p:nvPr>
-            <p:ph idx="1"/>
+            <p:ph sz="half" idx="2"/>
           </p:nvPr>
         </p:nvPicPr>
         <p:blipFill>
@@ -3456,15 +3520,50 @@
         </p:blipFill>
         <p:spPr>
           <a:xfrm>
-            <a:off x="1979840" y="1690688"/>
-            <a:ext cx="8232320" cy="4802187"/>
+            <a:off x="836612" y="2430646"/>
+            <a:ext cx="4500932" cy="4177846"/>
+          </a:xfrm>
+        </p:spPr>
+      </p:pic>
+      <p:pic>
+        <p:nvPicPr>
+          <p:cNvPr id="24" name="Content Placeholder 23" descr="Chart&#10;&#10;Description automatically generated">
+            <a:extLst>
+              <a:ext uri="{FF2B5EF4-FFF2-40B4-BE49-F238E27FC236}">
+                <a16:creationId xmlns:a16="http://schemas.microsoft.com/office/drawing/2014/main" id="{44505A24-65F4-CA8D-E7A2-04B02A834C66}"/>
+              </a:ext>
+            </a:extLst>
+          </p:cNvPr>
+          <p:cNvPicPr>
+            <a:picLocks noGrp="1" noChangeAspect="1"/>
+          </p:cNvPicPr>
+          <p:nvPr>
+            <p:ph sz="quarter" idx="4"/>
+          </p:nvPr>
+        </p:nvPicPr>
+        <p:blipFill>
+          <a:blip r:embed="rId3">
+            <a:extLst>
+              <a:ext uri="{28A0092B-C50C-407E-A947-70E740481C1C}">
+                <a14:useLocalDpi xmlns:a14="http://schemas.microsoft.com/office/drawing/2010/main" val="0"/>
+              </a:ext>
+            </a:extLst>
+          </a:blip>
+          <a:stretch>
+            <a:fillRect/>
+          </a:stretch>
+        </p:blipFill>
+        <p:spPr>
+          <a:xfrm>
+            <a:off x="6194427" y="2430647"/>
+            <a:ext cx="4567777" cy="4177845"/>
           </a:xfrm>
         </p:spPr>
       </p:pic>
     </p:spTree>
     <p:extLst>
       <p:ext uri="{BB962C8B-B14F-4D97-AF65-F5344CB8AC3E}">
-        <p14:creationId xmlns:p14="http://schemas.microsoft.com/office/powerpoint/2010/main" val="2901189269"/>
+        <p14:creationId xmlns:p14="http://schemas.microsoft.com/office/powerpoint/2010/main" val="3964000865"/>
       </p:ext>
     </p:extLst>
   </p:cSld>
@@ -3523,17 +3622,17 @@
             </a:br>
             <a:r>
               <a:rPr lang="pt-BR" sz="1800" dirty="0"/>
-              <a:t>Com destaque para os condados com maiores e menores representatividades</a:t>
+              <a:t>Destaque para os condados com maiores e menores representatividades</a:t>
             </a:r>
           </a:p>
         </p:txBody>
       </p:sp>
       <p:sp>
         <p:nvSpPr>
-          <p:cNvPr id="7" name="Text Placeholder 6">
-            <a:extLst>
-              <a:ext uri="{FF2B5EF4-FFF2-40B4-BE49-F238E27FC236}">
-                <a16:creationId xmlns:a16="http://schemas.microsoft.com/office/drawing/2014/main" id="{7C937255-5E9C-FBD1-A20D-54288982C102}"/>
+          <p:cNvPr id="3" name="Text Placeholder 2">
+            <a:extLst>
+              <a:ext uri="{FF2B5EF4-FFF2-40B4-BE49-F238E27FC236}">
+                <a16:creationId xmlns:a16="http://schemas.microsoft.com/office/drawing/2014/main" id="{C452771B-3770-80CE-FE93-CE93A33CAF86}"/>
               </a:ext>
             </a:extLst>
           </p:cNvPr>
@@ -3553,17 +3652,22 @@
           <a:p>
             <a:r>
               <a:rPr lang="pt-BR" sz="2200" dirty="0"/>
-              <a:t>Distribuição de clientes</a:t>
-            </a:r>
+              <a:t>% </a:t>
+            </a:r>
+            <a:r>
+              <a:rPr lang="pt-BR" sz="2200" i="1" dirty="0" err="1"/>
+              <a:t>Churn</a:t>
+            </a:r>
+            <a:endParaRPr lang="pt-BR" sz="2200" dirty="0"/>
           </a:p>
         </p:txBody>
       </p:sp>
       <p:sp>
         <p:nvSpPr>
-          <p:cNvPr id="8" name="Text Placeholder 7">
-            <a:extLst>
-              <a:ext uri="{FF2B5EF4-FFF2-40B4-BE49-F238E27FC236}">
-                <a16:creationId xmlns:a16="http://schemas.microsoft.com/office/drawing/2014/main" id="{EFF9A3E8-A32E-B138-0DBF-5D21D8B86B8C}"/>
+          <p:cNvPr id="4" name="Text Placeholder 3">
+            <a:extLst>
+              <a:ext uri="{FF2B5EF4-FFF2-40B4-BE49-F238E27FC236}">
+                <a16:creationId xmlns:a16="http://schemas.microsoft.com/office/drawing/2014/main" id="{D914889F-3935-B35A-1EA4-4DEA891820B0}"/>
               </a:ext>
             </a:extLst>
           </p:cNvPr>
@@ -3583,17 +3687,22 @@
           <a:p>
             <a:r>
               <a:rPr lang="pt-BR" sz="2200" dirty="0"/>
-              <a:t>Proporção de habitantes, que foram ou são clientes da companhia</a:t>
-            </a:r>
+              <a:t>Distribuição do </a:t>
+            </a:r>
+            <a:r>
+              <a:rPr lang="pt-BR" sz="2200" i="1" dirty="0" err="1"/>
+              <a:t>churn</a:t>
+            </a:r>
+            <a:endParaRPr lang="pt-BR" sz="2200" dirty="0"/>
           </a:p>
         </p:txBody>
       </p:sp>
       <p:pic>
         <p:nvPicPr>
-          <p:cNvPr id="18" name="Content Placeholder 17" descr="Chart&#10;&#10;Description automatically generated with medium confidence">
-            <a:extLst>
-              <a:ext uri="{FF2B5EF4-FFF2-40B4-BE49-F238E27FC236}">
-                <a16:creationId xmlns:a16="http://schemas.microsoft.com/office/drawing/2014/main" id="{36055148-06BC-B070-EA36-F2FFD412212A}"/>
+          <p:cNvPr id="12" name="Content Placeholder 11" descr="Chart&#10;&#10;Description automatically generated with low confidence">
+            <a:extLst>
+              <a:ext uri="{FF2B5EF4-FFF2-40B4-BE49-F238E27FC236}">
+                <a16:creationId xmlns:a16="http://schemas.microsoft.com/office/drawing/2014/main" id="{9D2BE798-808E-AC99-D52C-D59ED10F9C65}"/>
               </a:ext>
             </a:extLst>
           </p:cNvPr>
@@ -3601,7 +3710,7 @@
             <a:picLocks noGrp="1" noChangeAspect="1"/>
           </p:cNvPicPr>
           <p:nvPr>
-            <p:ph sz="half" idx="2"/>
+            <p:ph sz="quarter" idx="4"/>
           </p:nvPr>
         </p:nvPicPr>
         <p:blipFill>
@@ -3618,17 +3727,17 @@
         </p:blipFill>
         <p:spPr>
           <a:xfrm>
-            <a:off x="836612" y="2430646"/>
-            <a:ext cx="4500932" cy="4177846"/>
+            <a:off x="6194427" y="2505074"/>
+            <a:ext cx="4542541" cy="4129584"/>
           </a:xfrm>
         </p:spPr>
       </p:pic>
       <p:pic>
         <p:nvPicPr>
-          <p:cNvPr id="24" name="Content Placeholder 23" descr="Chart&#10;&#10;Description automatically generated">
-            <a:extLst>
-              <a:ext uri="{FF2B5EF4-FFF2-40B4-BE49-F238E27FC236}">
-                <a16:creationId xmlns:a16="http://schemas.microsoft.com/office/drawing/2014/main" id="{44505A24-65F4-CA8D-E7A2-04B02A834C66}"/>
+          <p:cNvPr id="10" name="Content Placeholder 9" descr="Map&#10;&#10;Description automatically generated with medium confidence">
+            <a:extLst>
+              <a:ext uri="{FF2B5EF4-FFF2-40B4-BE49-F238E27FC236}">
+                <a16:creationId xmlns:a16="http://schemas.microsoft.com/office/drawing/2014/main" id="{86F904EC-FBB6-6189-25F5-95A2FE8A6A84}"/>
               </a:ext>
             </a:extLst>
           </p:cNvPr>
@@ -3636,7 +3745,7 @@
             <a:picLocks noGrp="1" noChangeAspect="1"/>
           </p:cNvPicPr>
           <p:nvPr>
-            <p:ph sz="quarter" idx="4"/>
+            <p:ph sz="half" idx="2"/>
           </p:nvPr>
         </p:nvPicPr>
         <p:blipFill>
@@ -3653,15 +3762,15 @@
         </p:blipFill>
         <p:spPr>
           <a:xfrm>
-            <a:off x="6194427" y="2430647"/>
-            <a:ext cx="4567777" cy="4177845"/>
+            <a:off x="836612" y="2505074"/>
+            <a:ext cx="4443432" cy="4129584"/>
           </a:xfrm>
         </p:spPr>
       </p:pic>
     </p:spTree>
     <p:extLst>
       <p:ext uri="{BB962C8B-B14F-4D97-AF65-F5344CB8AC3E}">
-        <p14:creationId xmlns:p14="http://schemas.microsoft.com/office/powerpoint/2010/main" val="3964000865"/>
+        <p14:creationId xmlns:p14="http://schemas.microsoft.com/office/powerpoint/2010/main" val="3714916947"/>
       </p:ext>
     </p:extLst>
   </p:cSld>
@@ -3706,213 +3815,6 @@
         </p:nvSpPr>
         <p:spPr/>
         <p:txBody>
-          <a:bodyPr>
-            <a:normAutofit/>
-          </a:bodyPr>
-          <a:lstStyle/>
-          <a:p>
-            <a:r>
-              <a:rPr lang="pt-BR" dirty="0"/>
-              <a:t>Indicadores por condado</a:t>
-            </a:r>
-            <a:br>
-              <a:rPr lang="pt-BR" dirty="0"/>
-            </a:br>
-            <a:r>
-              <a:rPr lang="pt-BR" sz="1800" dirty="0"/>
-              <a:t>Com destaque para os condados com maiores e menores representatividades</a:t>
-            </a:r>
-          </a:p>
-        </p:txBody>
-      </p:sp>
-      <p:sp>
-        <p:nvSpPr>
-          <p:cNvPr id="3" name="Text Placeholder 2">
-            <a:extLst>
-              <a:ext uri="{FF2B5EF4-FFF2-40B4-BE49-F238E27FC236}">
-                <a16:creationId xmlns:a16="http://schemas.microsoft.com/office/drawing/2014/main" id="{C452771B-3770-80CE-FE93-CE93A33CAF86}"/>
-              </a:ext>
-            </a:extLst>
-          </p:cNvPr>
-          <p:cNvSpPr>
-            <a:spLocks noGrp="1"/>
-          </p:cNvSpPr>
-          <p:nvPr>
-            <p:ph type="body" idx="1"/>
-          </p:nvPr>
-        </p:nvSpPr>
-        <p:spPr/>
-        <p:txBody>
-          <a:bodyPr anchor="ctr">
-            <a:normAutofit/>
-          </a:bodyPr>
-          <a:lstStyle/>
-          <a:p>
-            <a:r>
-              <a:rPr lang="pt-BR" sz="2200" dirty="0"/>
-              <a:t>% </a:t>
-            </a:r>
-            <a:r>
-              <a:rPr lang="pt-BR" sz="2200" i="1" dirty="0" err="1"/>
-              <a:t>Churn</a:t>
-            </a:r>
-            <a:endParaRPr lang="pt-BR" sz="2200" dirty="0"/>
-          </a:p>
-        </p:txBody>
-      </p:sp>
-      <p:sp>
-        <p:nvSpPr>
-          <p:cNvPr id="4" name="Text Placeholder 3">
-            <a:extLst>
-              <a:ext uri="{FF2B5EF4-FFF2-40B4-BE49-F238E27FC236}">
-                <a16:creationId xmlns:a16="http://schemas.microsoft.com/office/drawing/2014/main" id="{D914889F-3935-B35A-1EA4-4DEA891820B0}"/>
-              </a:ext>
-            </a:extLst>
-          </p:cNvPr>
-          <p:cNvSpPr>
-            <a:spLocks noGrp="1"/>
-          </p:cNvSpPr>
-          <p:nvPr>
-            <p:ph type="body" sz="quarter" idx="3"/>
-          </p:nvPr>
-        </p:nvSpPr>
-        <p:spPr/>
-        <p:txBody>
-          <a:bodyPr anchor="ctr">
-            <a:normAutofit/>
-          </a:bodyPr>
-          <a:lstStyle/>
-          <a:p>
-            <a:r>
-              <a:rPr lang="pt-BR" sz="2200" dirty="0"/>
-              <a:t>Distribuição do </a:t>
-            </a:r>
-            <a:r>
-              <a:rPr lang="pt-BR" sz="2200" i="1" dirty="0" err="1"/>
-              <a:t>churn</a:t>
-            </a:r>
-            <a:endParaRPr lang="pt-BR" sz="2200" dirty="0"/>
-          </a:p>
-        </p:txBody>
-      </p:sp>
-      <p:pic>
-        <p:nvPicPr>
-          <p:cNvPr id="12" name="Content Placeholder 11" descr="Chart&#10;&#10;Description automatically generated with low confidence">
-            <a:extLst>
-              <a:ext uri="{FF2B5EF4-FFF2-40B4-BE49-F238E27FC236}">
-                <a16:creationId xmlns:a16="http://schemas.microsoft.com/office/drawing/2014/main" id="{9D2BE798-808E-AC99-D52C-D59ED10F9C65}"/>
-              </a:ext>
-            </a:extLst>
-          </p:cNvPr>
-          <p:cNvPicPr>
-            <a:picLocks noGrp="1" noChangeAspect="1"/>
-          </p:cNvPicPr>
-          <p:nvPr>
-            <p:ph sz="quarter" idx="4"/>
-          </p:nvPr>
-        </p:nvPicPr>
-        <p:blipFill>
-          <a:blip r:embed="rId2">
-            <a:extLst>
-              <a:ext uri="{28A0092B-C50C-407E-A947-70E740481C1C}">
-                <a14:useLocalDpi xmlns:a14="http://schemas.microsoft.com/office/drawing/2010/main" val="0"/>
-              </a:ext>
-            </a:extLst>
-          </a:blip>
-          <a:stretch>
-            <a:fillRect/>
-          </a:stretch>
-        </p:blipFill>
-        <p:spPr>
-          <a:xfrm>
-            <a:off x="6194427" y="2505074"/>
-            <a:ext cx="4542541" cy="4129584"/>
-          </a:xfrm>
-        </p:spPr>
-      </p:pic>
-      <p:pic>
-        <p:nvPicPr>
-          <p:cNvPr id="10" name="Content Placeholder 9" descr="Map&#10;&#10;Description automatically generated with medium confidence">
-            <a:extLst>
-              <a:ext uri="{FF2B5EF4-FFF2-40B4-BE49-F238E27FC236}">
-                <a16:creationId xmlns:a16="http://schemas.microsoft.com/office/drawing/2014/main" id="{86F904EC-FBB6-6189-25F5-95A2FE8A6A84}"/>
-              </a:ext>
-            </a:extLst>
-          </p:cNvPr>
-          <p:cNvPicPr>
-            <a:picLocks noGrp="1" noChangeAspect="1"/>
-          </p:cNvPicPr>
-          <p:nvPr>
-            <p:ph sz="half" idx="2"/>
-          </p:nvPr>
-        </p:nvPicPr>
-        <p:blipFill>
-          <a:blip r:embed="rId3">
-            <a:extLst>
-              <a:ext uri="{28A0092B-C50C-407E-A947-70E740481C1C}">
-                <a14:useLocalDpi xmlns:a14="http://schemas.microsoft.com/office/drawing/2010/main" val="0"/>
-              </a:ext>
-            </a:extLst>
-          </a:blip>
-          <a:stretch>
-            <a:fillRect/>
-          </a:stretch>
-        </p:blipFill>
-        <p:spPr>
-          <a:xfrm>
-            <a:off x="836612" y="2505074"/>
-            <a:ext cx="4443432" cy="4129584"/>
-          </a:xfrm>
-        </p:spPr>
-      </p:pic>
-    </p:spTree>
-    <p:extLst>
-      <p:ext uri="{BB962C8B-B14F-4D97-AF65-F5344CB8AC3E}">
-        <p14:creationId xmlns:p14="http://schemas.microsoft.com/office/powerpoint/2010/main" val="3714916947"/>
-      </p:ext>
-    </p:extLst>
-  </p:cSld>
-  <p:clrMapOvr>
-    <a:masterClrMapping/>
-  </p:clrMapOvr>
-</p:sld>
-</file>
-
-<file path=ppt/slides/slide13.xml><?xml version="1.0" encoding="utf-8"?>
-<p:sld xmlns:a="http://schemas.openxmlformats.org/drawingml/2006/main" xmlns:r="http://schemas.openxmlformats.org/officeDocument/2006/relationships" xmlns:p="http://schemas.openxmlformats.org/presentationml/2006/main">
-  <p:cSld>
-    <p:spTree>
-      <p:nvGrpSpPr>
-        <p:cNvPr id="1" name=""/>
-        <p:cNvGrpSpPr/>
-        <p:nvPr/>
-      </p:nvGrpSpPr>
-      <p:grpSpPr>
-        <a:xfrm>
-          <a:off x="0" y="0"/>
-          <a:ext cx="0" cy="0"/>
-          <a:chOff x="0" y="0"/>
-          <a:chExt cx="0" cy="0"/>
-        </a:xfrm>
-      </p:grpSpPr>
-      <p:sp>
-        <p:nvSpPr>
-          <p:cNvPr id="2" name="Título 1">
-            <a:extLst>
-              <a:ext uri="{FF2B5EF4-FFF2-40B4-BE49-F238E27FC236}">
-                <a16:creationId xmlns:a16="http://schemas.microsoft.com/office/drawing/2014/main" id="{EEAAE684-D6CA-4DA5-9F71-C63A77ABED75}"/>
-              </a:ext>
-            </a:extLst>
-          </p:cNvPr>
-          <p:cNvSpPr>
-            <a:spLocks noGrp="1"/>
-          </p:cNvSpPr>
-          <p:nvPr>
-            <p:ph type="title"/>
-          </p:nvPr>
-        </p:nvSpPr>
-        <p:spPr/>
-        <p:txBody>
           <a:bodyPr/>
           <a:lstStyle/>
           <a:p>
@@ -3982,7 +3884,7 @@
 </p:sld>
 </file>
 
-<file path=ppt/slides/slide14.xml><?xml version="1.0" encoding="utf-8"?>
+<file path=ppt/slides/slide13.xml><?xml version="1.0" encoding="utf-8"?>
 <p:sld xmlns:a="http://schemas.openxmlformats.org/drawingml/2006/main" xmlns:r="http://schemas.openxmlformats.org/officeDocument/2006/relationships" xmlns:p="http://schemas.openxmlformats.org/presentationml/2006/main">
   <p:cSld>
     <p:spTree>
@@ -4914,7 +4816,7 @@
 </p:sld>
 </file>
 
-<file path=ppt/slides/slide15.xml><?xml version="1.0" encoding="utf-8"?>
+<file path=ppt/slides/slide14.xml><?xml version="1.0" encoding="utf-8"?>
 <p:sld xmlns:a="http://schemas.openxmlformats.org/drawingml/2006/main" xmlns:r="http://schemas.openxmlformats.org/officeDocument/2006/relationships" xmlns:p="http://schemas.openxmlformats.org/presentationml/2006/main">
   <p:cSld>
     <p:spTree>
@@ -6270,6 +6172,92 @@
 </p:sld>
 </file>
 
+<file path=ppt/slides/slide15.xml><?xml version="1.0" encoding="utf-8"?>
+<p:sld xmlns:a="http://schemas.openxmlformats.org/drawingml/2006/main" xmlns:r="http://schemas.openxmlformats.org/officeDocument/2006/relationships" xmlns:p="http://schemas.openxmlformats.org/presentationml/2006/main">
+  <p:cSld>
+    <p:spTree>
+      <p:nvGrpSpPr>
+        <p:cNvPr id="1" name=""/>
+        <p:cNvGrpSpPr/>
+        <p:nvPr/>
+      </p:nvGrpSpPr>
+      <p:grpSpPr>
+        <a:xfrm>
+          <a:off x="0" y="0"/>
+          <a:ext cx="0" cy="0"/>
+          <a:chOff x="0" y="0"/>
+          <a:chExt cx="0" cy="0"/>
+        </a:xfrm>
+      </p:grpSpPr>
+      <p:sp>
+        <p:nvSpPr>
+          <p:cNvPr id="2" name="Título 1">
+            <a:extLst>
+              <a:ext uri="{FF2B5EF4-FFF2-40B4-BE49-F238E27FC236}">
+                <a16:creationId xmlns:a16="http://schemas.microsoft.com/office/drawing/2014/main" id="{EEAAE684-D6CA-4DA5-9F71-C63A77ABED75}"/>
+              </a:ext>
+            </a:extLst>
+          </p:cNvPr>
+          <p:cNvSpPr>
+            <a:spLocks noGrp="1"/>
+          </p:cNvSpPr>
+          <p:nvPr>
+            <p:ph type="title"/>
+          </p:nvPr>
+        </p:nvSpPr>
+        <p:spPr/>
+        <p:txBody>
+          <a:bodyPr>
+            <a:normAutofit/>
+          </a:bodyPr>
+          <a:lstStyle/>
+          <a:p>
+            <a:r>
+              <a:rPr lang="pt-BR" dirty="0"/>
+              <a:t>Regressão logística binária</a:t>
+            </a:r>
+            <a:endParaRPr lang="pt-BR" sz="1600" dirty="0"/>
+          </a:p>
+        </p:txBody>
+      </p:sp>
+      <p:sp>
+        <p:nvSpPr>
+          <p:cNvPr id="7" name="Text Placeholder 6">
+            <a:extLst>
+              <a:ext uri="{FF2B5EF4-FFF2-40B4-BE49-F238E27FC236}">
+                <a16:creationId xmlns:a16="http://schemas.microsoft.com/office/drawing/2014/main" id="{CF7297E8-ABB8-617D-E42B-61A59B52C3E0}"/>
+              </a:ext>
+            </a:extLst>
+          </p:cNvPr>
+          <p:cNvSpPr>
+            <a:spLocks noGrp="1"/>
+          </p:cNvSpPr>
+          <p:nvPr>
+            <p:ph type="body" idx="1"/>
+          </p:nvPr>
+        </p:nvSpPr>
+        <p:spPr/>
+        <p:txBody>
+          <a:bodyPr/>
+          <a:lstStyle/>
+          <a:p>
+            <a:endParaRPr lang="pt-BR"/>
+          </a:p>
+        </p:txBody>
+      </p:sp>
+    </p:spTree>
+    <p:extLst>
+      <p:ext uri="{BB962C8B-B14F-4D97-AF65-F5344CB8AC3E}">
+        <p14:creationId xmlns:p14="http://schemas.microsoft.com/office/powerpoint/2010/main" val="1805097756"/>
+      </p:ext>
+    </p:extLst>
+  </p:cSld>
+  <p:clrMapOvr>
+    <a:masterClrMapping/>
+  </p:clrMapOvr>
+</p:sld>
+</file>
+
 <file path=ppt/slides/slide16.xml><?xml version="1.0" encoding="utf-8"?>
 <p:sld xmlns:a="http://schemas.openxmlformats.org/drawingml/2006/main" xmlns:r="http://schemas.openxmlformats.org/officeDocument/2006/relationships" xmlns:p="http://schemas.openxmlformats.org/presentationml/2006/main">
   <p:cSld>
@@ -6312,18 +6300,24 @@
           <a:p>
             <a:r>
               <a:rPr lang="pt-BR" dirty="0"/>
-              <a:t>Regressão logística binária</a:t>
-            </a:r>
-            <a:endParaRPr lang="pt-BR" sz="1600" dirty="0"/>
+              <a:t>Seleção de variáveis</a:t>
+            </a:r>
+            <a:br>
+              <a:rPr lang="pt-BR" dirty="0"/>
+            </a:br>
+            <a:r>
+              <a:rPr lang="pt-BR" sz="1800" dirty="0"/>
+              <a:t>Sequência de iterações, para diferentes estratégias</a:t>
+            </a:r>
           </a:p>
         </p:txBody>
       </p:sp>
       <p:sp>
         <p:nvSpPr>
-          <p:cNvPr id="7" name="Text Placeholder 6">
-            <a:extLst>
-              <a:ext uri="{FF2B5EF4-FFF2-40B4-BE49-F238E27FC236}">
-                <a16:creationId xmlns:a16="http://schemas.microsoft.com/office/drawing/2014/main" id="{CF7297E8-ABB8-617D-E42B-61A59B52C3E0}"/>
+          <p:cNvPr id="3" name="Text Placeholder 2">
+            <a:extLst>
+              <a:ext uri="{FF2B5EF4-FFF2-40B4-BE49-F238E27FC236}">
+                <a16:creationId xmlns:a16="http://schemas.microsoft.com/office/drawing/2014/main" id="{61A38D34-DC11-537F-1C82-E8A68C3CC50D}"/>
               </a:ext>
             </a:extLst>
           </p:cNvPr>
@@ -6336,17 +6330,122 @@
         </p:nvSpPr>
         <p:spPr/>
         <p:txBody>
-          <a:bodyPr/>
+          <a:bodyPr anchor="b">
+            <a:normAutofit/>
+          </a:bodyPr>
           <a:lstStyle/>
           <a:p>
-            <a:endParaRPr lang="pt-BR"/>
+            <a:r>
+              <a:rPr lang="pt-BR" sz="2200" dirty="0"/>
+              <a:t>Quantidade de variáveis selecionadas</a:t>
+            </a:r>
           </a:p>
         </p:txBody>
       </p:sp>
+      <p:pic>
+        <p:nvPicPr>
+          <p:cNvPr id="5" name="Content Placeholder 4" descr="Chart, line chart&#10;&#10;Description automatically generated">
+            <a:extLst>
+              <a:ext uri="{FF2B5EF4-FFF2-40B4-BE49-F238E27FC236}">
+                <a16:creationId xmlns:a16="http://schemas.microsoft.com/office/drawing/2014/main" id="{95486BA8-85EA-7710-7185-31430DE70FFD}"/>
+              </a:ext>
+            </a:extLst>
+          </p:cNvPr>
+          <p:cNvPicPr>
+            <a:picLocks noGrp="1" noChangeAspect="1"/>
+          </p:cNvPicPr>
+          <p:nvPr>
+            <p:ph sz="half" idx="2"/>
+          </p:nvPr>
+        </p:nvPicPr>
+        <p:blipFill>
+          <a:blip r:embed="rId2">
+            <a:extLst>
+              <a:ext uri="{28A0092B-C50C-407E-A947-70E740481C1C}">
+                <a14:useLocalDpi xmlns:a14="http://schemas.microsoft.com/office/drawing/2010/main" val="0"/>
+              </a:ext>
+            </a:extLst>
+          </a:blip>
+          <a:stretch>
+            <a:fillRect/>
+          </a:stretch>
+        </p:blipFill>
+        <p:spPr>
+          <a:xfrm>
+            <a:off x="839788" y="2914651"/>
+            <a:ext cx="5157787" cy="2865436"/>
+          </a:xfrm>
+        </p:spPr>
+      </p:pic>
+      <p:sp>
+        <p:nvSpPr>
+          <p:cNvPr id="4" name="Text Placeholder 3">
+            <a:extLst>
+              <a:ext uri="{FF2B5EF4-FFF2-40B4-BE49-F238E27FC236}">
+                <a16:creationId xmlns:a16="http://schemas.microsoft.com/office/drawing/2014/main" id="{86BF4464-F126-C3CF-E422-F2580E081633}"/>
+              </a:ext>
+            </a:extLst>
+          </p:cNvPr>
+          <p:cNvSpPr>
+            <a:spLocks noGrp="1"/>
+          </p:cNvSpPr>
+          <p:nvPr>
+            <p:ph type="body" sz="quarter" idx="3"/>
+          </p:nvPr>
+        </p:nvSpPr>
+        <p:spPr/>
+        <p:txBody>
+          <a:bodyPr anchor="b">
+            <a:normAutofit/>
+          </a:bodyPr>
+          <a:lstStyle/>
+          <a:p>
+            <a:r>
+              <a:rPr lang="pt-BR" sz="2200" dirty="0"/>
+              <a:t>Redução do AIC</a:t>
+            </a:r>
+          </a:p>
+        </p:txBody>
+      </p:sp>
+      <p:pic>
+        <p:nvPicPr>
+          <p:cNvPr id="7" name="Content Placeholder 4" descr="Chart, line chart&#10;&#10;Description automatically generated">
+            <a:extLst>
+              <a:ext uri="{FF2B5EF4-FFF2-40B4-BE49-F238E27FC236}">
+                <a16:creationId xmlns:a16="http://schemas.microsoft.com/office/drawing/2014/main" id="{618BD267-EBB4-FE9A-4BDF-A31BB22FF1CF}"/>
+              </a:ext>
+            </a:extLst>
+          </p:cNvPr>
+          <p:cNvPicPr>
+            <a:picLocks noGrp="1" noChangeAspect="1"/>
+          </p:cNvPicPr>
+          <p:nvPr>
+            <p:ph sz="quarter" idx="4"/>
+          </p:nvPr>
+        </p:nvPicPr>
+        <p:blipFill>
+          <a:blip r:embed="rId3">
+            <a:extLst>
+              <a:ext uri="{28A0092B-C50C-407E-A947-70E740481C1C}">
+                <a14:useLocalDpi xmlns:a14="http://schemas.microsoft.com/office/drawing/2010/main" val="0"/>
+              </a:ext>
+            </a:extLst>
+          </a:blip>
+          <a:stretch>
+            <a:fillRect/>
+          </a:stretch>
+        </p:blipFill>
+        <p:spPr>
+          <a:xfrm>
+            <a:off x="6172200" y="2907595"/>
+            <a:ext cx="5183188" cy="2879548"/>
+          </a:xfrm>
+        </p:spPr>
+      </p:pic>
     </p:spTree>
     <p:extLst>
       <p:ext uri="{BB962C8B-B14F-4D97-AF65-F5344CB8AC3E}">
-        <p14:creationId xmlns:p14="http://schemas.microsoft.com/office/powerpoint/2010/main" val="1805097756"/>
+        <p14:creationId xmlns:p14="http://schemas.microsoft.com/office/powerpoint/2010/main" val="316793386"/>
       </p:ext>
     </p:extLst>
   </p:cSld>
@@ -6405,203 +6504,6 @@
             </a:br>
             <a:r>
               <a:rPr lang="pt-BR" sz="1800" dirty="0"/>
-              <a:t>Sequência de iterações, para diferentes estratégias</a:t>
-            </a:r>
-          </a:p>
-        </p:txBody>
-      </p:sp>
-      <p:sp>
-        <p:nvSpPr>
-          <p:cNvPr id="3" name="Text Placeholder 2">
-            <a:extLst>
-              <a:ext uri="{FF2B5EF4-FFF2-40B4-BE49-F238E27FC236}">
-                <a16:creationId xmlns:a16="http://schemas.microsoft.com/office/drawing/2014/main" id="{61A38D34-DC11-537F-1C82-E8A68C3CC50D}"/>
-              </a:ext>
-            </a:extLst>
-          </p:cNvPr>
-          <p:cNvSpPr>
-            <a:spLocks noGrp="1"/>
-          </p:cNvSpPr>
-          <p:nvPr>
-            <p:ph type="body" idx="1"/>
-          </p:nvPr>
-        </p:nvSpPr>
-        <p:spPr/>
-        <p:txBody>
-          <a:bodyPr anchor="b">
-            <a:normAutofit/>
-          </a:bodyPr>
-          <a:lstStyle/>
-          <a:p>
-            <a:r>
-              <a:rPr lang="pt-BR" sz="2200" dirty="0"/>
-              <a:t>Quantidade de variáveis selecionadas</a:t>
-            </a:r>
-          </a:p>
-        </p:txBody>
-      </p:sp>
-      <p:pic>
-        <p:nvPicPr>
-          <p:cNvPr id="5" name="Content Placeholder 4" descr="Chart, line chart&#10;&#10;Description automatically generated">
-            <a:extLst>
-              <a:ext uri="{FF2B5EF4-FFF2-40B4-BE49-F238E27FC236}">
-                <a16:creationId xmlns:a16="http://schemas.microsoft.com/office/drawing/2014/main" id="{95486BA8-85EA-7710-7185-31430DE70FFD}"/>
-              </a:ext>
-            </a:extLst>
-          </p:cNvPr>
-          <p:cNvPicPr>
-            <a:picLocks noGrp="1" noChangeAspect="1"/>
-          </p:cNvPicPr>
-          <p:nvPr>
-            <p:ph sz="half" idx="2"/>
-          </p:nvPr>
-        </p:nvPicPr>
-        <p:blipFill>
-          <a:blip r:embed="rId2">
-            <a:extLst>
-              <a:ext uri="{28A0092B-C50C-407E-A947-70E740481C1C}">
-                <a14:useLocalDpi xmlns:a14="http://schemas.microsoft.com/office/drawing/2010/main" val="0"/>
-              </a:ext>
-            </a:extLst>
-          </a:blip>
-          <a:stretch>
-            <a:fillRect/>
-          </a:stretch>
-        </p:blipFill>
-        <p:spPr>
-          <a:xfrm>
-            <a:off x="839788" y="2914651"/>
-            <a:ext cx="5157787" cy="2865436"/>
-          </a:xfrm>
-        </p:spPr>
-      </p:pic>
-      <p:sp>
-        <p:nvSpPr>
-          <p:cNvPr id="4" name="Text Placeholder 3">
-            <a:extLst>
-              <a:ext uri="{FF2B5EF4-FFF2-40B4-BE49-F238E27FC236}">
-                <a16:creationId xmlns:a16="http://schemas.microsoft.com/office/drawing/2014/main" id="{86BF4464-F126-C3CF-E422-F2580E081633}"/>
-              </a:ext>
-            </a:extLst>
-          </p:cNvPr>
-          <p:cNvSpPr>
-            <a:spLocks noGrp="1"/>
-          </p:cNvSpPr>
-          <p:nvPr>
-            <p:ph type="body" sz="quarter" idx="3"/>
-          </p:nvPr>
-        </p:nvSpPr>
-        <p:spPr/>
-        <p:txBody>
-          <a:bodyPr anchor="b">
-            <a:normAutofit/>
-          </a:bodyPr>
-          <a:lstStyle/>
-          <a:p>
-            <a:r>
-              <a:rPr lang="pt-BR" sz="2200" dirty="0"/>
-              <a:t>Redução do AIC</a:t>
-            </a:r>
-          </a:p>
-        </p:txBody>
-      </p:sp>
-      <p:pic>
-        <p:nvPicPr>
-          <p:cNvPr id="7" name="Content Placeholder 4" descr="Chart, line chart&#10;&#10;Description automatically generated">
-            <a:extLst>
-              <a:ext uri="{FF2B5EF4-FFF2-40B4-BE49-F238E27FC236}">
-                <a16:creationId xmlns:a16="http://schemas.microsoft.com/office/drawing/2014/main" id="{618BD267-EBB4-FE9A-4BDF-A31BB22FF1CF}"/>
-              </a:ext>
-            </a:extLst>
-          </p:cNvPr>
-          <p:cNvPicPr>
-            <a:picLocks noGrp="1" noChangeAspect="1"/>
-          </p:cNvPicPr>
-          <p:nvPr>
-            <p:ph sz="quarter" idx="4"/>
-          </p:nvPr>
-        </p:nvPicPr>
-        <p:blipFill>
-          <a:blip r:embed="rId3">
-            <a:extLst>
-              <a:ext uri="{28A0092B-C50C-407E-A947-70E740481C1C}">
-                <a14:useLocalDpi xmlns:a14="http://schemas.microsoft.com/office/drawing/2010/main" val="0"/>
-              </a:ext>
-            </a:extLst>
-          </a:blip>
-          <a:stretch>
-            <a:fillRect/>
-          </a:stretch>
-        </p:blipFill>
-        <p:spPr>
-          <a:xfrm>
-            <a:off x="6172200" y="2907595"/>
-            <a:ext cx="5183188" cy="2879548"/>
-          </a:xfrm>
-        </p:spPr>
-      </p:pic>
-    </p:spTree>
-    <p:extLst>
-      <p:ext uri="{BB962C8B-B14F-4D97-AF65-F5344CB8AC3E}">
-        <p14:creationId xmlns:p14="http://schemas.microsoft.com/office/powerpoint/2010/main" val="316793386"/>
-      </p:ext>
-    </p:extLst>
-  </p:cSld>
-  <p:clrMapOvr>
-    <a:masterClrMapping/>
-  </p:clrMapOvr>
-</p:sld>
-</file>
-
-<file path=ppt/slides/slide18.xml><?xml version="1.0" encoding="utf-8"?>
-<p:sld xmlns:a="http://schemas.openxmlformats.org/drawingml/2006/main" xmlns:r="http://schemas.openxmlformats.org/officeDocument/2006/relationships" xmlns:p="http://schemas.openxmlformats.org/presentationml/2006/main">
-  <p:cSld>
-    <p:spTree>
-      <p:nvGrpSpPr>
-        <p:cNvPr id="1" name=""/>
-        <p:cNvGrpSpPr/>
-        <p:nvPr/>
-      </p:nvGrpSpPr>
-      <p:grpSpPr>
-        <a:xfrm>
-          <a:off x="0" y="0"/>
-          <a:ext cx="0" cy="0"/>
-          <a:chOff x="0" y="0"/>
-          <a:chExt cx="0" cy="0"/>
-        </a:xfrm>
-      </p:grpSpPr>
-      <p:sp>
-        <p:nvSpPr>
-          <p:cNvPr id="2" name="Título 1">
-            <a:extLst>
-              <a:ext uri="{FF2B5EF4-FFF2-40B4-BE49-F238E27FC236}">
-                <a16:creationId xmlns:a16="http://schemas.microsoft.com/office/drawing/2014/main" id="{EEAAE684-D6CA-4DA5-9F71-C63A77ABED75}"/>
-              </a:ext>
-            </a:extLst>
-          </p:cNvPr>
-          <p:cNvSpPr>
-            <a:spLocks noGrp="1"/>
-          </p:cNvSpPr>
-          <p:nvPr>
-            <p:ph type="title"/>
-          </p:nvPr>
-        </p:nvSpPr>
-        <p:spPr/>
-        <p:txBody>
-          <a:bodyPr>
-            <a:normAutofit/>
-          </a:bodyPr>
-          <a:lstStyle/>
-          <a:p>
-            <a:r>
-              <a:rPr lang="pt-BR" dirty="0"/>
-              <a:t>Seleção de variáveis</a:t>
-            </a:r>
-            <a:br>
-              <a:rPr lang="pt-BR" dirty="0"/>
-            </a:br>
-            <a:r>
-              <a:rPr lang="pt-BR" sz="1800" dirty="0"/>
               <a:t>Regressão logística binária</a:t>
             </a:r>
           </a:p>
@@ -6662,7 +6564,19 @@
           <a:p>
             <a:r>
               <a:rPr lang="pt-BR" dirty="0"/>
-              <a:t>Capacidade preditiva do modelo de regressão logística com seleção bidirecional de variáveis, para diferentes pontos de corte</a:t>
+              <a:t>Capacidade preditiva do modelo de regressão logística com seleção </a:t>
+            </a:r>
+            <a:r>
+              <a:rPr lang="pt-BR" dirty="0">
+                <a:solidFill>
+                  <a:schemeClr val="accent1"/>
+                </a:solidFill>
+              </a:rPr>
+              <a:t>bidirecional</a:t>
+            </a:r>
+            <a:r>
+              <a:rPr lang="pt-BR" dirty="0"/>
+              <a:t> de variáveis, para diferentes pontos de corte</a:t>
             </a:r>
           </a:p>
         </p:txBody>
@@ -6833,6 +6747,120 @@
           </a:p>
         </p:txBody>
       </p:sp>
+      <p:sp>
+        <p:nvSpPr>
+          <p:cNvPr id="5" name="Rectangle: Rounded Corners 4">
+            <a:extLst>
+              <a:ext uri="{FF2B5EF4-FFF2-40B4-BE49-F238E27FC236}">
+                <a16:creationId xmlns:a16="http://schemas.microsoft.com/office/drawing/2014/main" id="{DFF43991-B58D-F394-F8F8-FFF28626E7F9}"/>
+              </a:ext>
+            </a:extLst>
+          </p:cNvPr>
+          <p:cNvSpPr/>
+          <p:nvPr/>
+        </p:nvSpPr>
+        <p:spPr>
+          <a:xfrm rot="5400000">
+            <a:off x="7007914" y="4105973"/>
+            <a:ext cx="2879547" cy="205171"/>
+          </a:xfrm>
+          <a:prstGeom prst="roundRect">
+            <a:avLst/>
+          </a:prstGeom>
+          <a:noFill/>
+          <a:ln w="19050">
+            <a:solidFill>
+              <a:schemeClr val="accent3">
+                <a:lumMod val="75000"/>
+              </a:schemeClr>
+            </a:solidFill>
+            <a:prstDash val="sysDash"/>
+          </a:ln>
+        </p:spPr>
+        <p:style>
+          <a:lnRef idx="1">
+            <a:schemeClr val="accent6"/>
+          </a:lnRef>
+          <a:fillRef idx="2">
+            <a:schemeClr val="accent6"/>
+          </a:fillRef>
+          <a:effectRef idx="1">
+            <a:schemeClr val="accent6"/>
+          </a:effectRef>
+          <a:fontRef idx="minor">
+            <a:schemeClr val="dk1"/>
+          </a:fontRef>
+        </p:style>
+        <p:txBody>
+          <a:bodyPr rtlCol="0" anchor="ctr"/>
+          <a:lstStyle/>
+          <a:p>
+            <a:pPr algn="ctr"/>
+            <a:endParaRPr lang="pt-BR"/>
+          </a:p>
+        </p:txBody>
+      </p:sp>
+      <p:sp>
+        <p:nvSpPr>
+          <p:cNvPr id="7" name="TextBox 6">
+            <a:extLst>
+              <a:ext uri="{FF2B5EF4-FFF2-40B4-BE49-F238E27FC236}">
+                <a16:creationId xmlns:a16="http://schemas.microsoft.com/office/drawing/2014/main" id="{AA5733C1-CCA5-1BD1-63A2-B5DFD3F8E2E8}"/>
+              </a:ext>
+            </a:extLst>
+          </p:cNvPr>
+          <p:cNvSpPr txBox="1"/>
+          <p:nvPr/>
+        </p:nvSpPr>
+        <p:spPr>
+          <a:xfrm>
+            <a:off x="6172200" y="5787142"/>
+            <a:ext cx="6097604" cy="830997"/>
+          </a:xfrm>
+          <a:prstGeom prst="rect">
+            <a:avLst/>
+          </a:prstGeom>
+          <a:noFill/>
+        </p:spPr>
+        <p:txBody>
+          <a:bodyPr wrap="square">
+            <a:spAutoFit/>
+          </a:bodyPr>
+          <a:lstStyle/>
+          <a:p>
+            <a:r>
+              <a:rPr lang="pt-BR" sz="1200" dirty="0"/>
+              <a:t>90% dos consumidores efetivamente perdidos</a:t>
+            </a:r>
+          </a:p>
+          <a:p>
+            <a:r>
+              <a:rPr lang="pt-BR" sz="1200" dirty="0"/>
+              <a:t>97% dos clientes que continuam utilizando os serviços da companhia</a:t>
+            </a:r>
+          </a:p>
+          <a:p>
+            <a:r>
+              <a:rPr lang="pt-BR" sz="1200" dirty="0"/>
+              <a:t>são corretamente classificados como incidentes</a:t>
+            </a:r>
+          </a:p>
+          <a:p>
+            <a:r>
+              <a:rPr lang="pt-BR" sz="1200" dirty="0"/>
+              <a:t>e não incidentes no evento de </a:t>
+            </a:r>
+            <a:r>
+              <a:rPr lang="pt-BR" sz="1200" i="1" dirty="0" err="1"/>
+              <a:t>churn</a:t>
+            </a:r>
+            <a:r>
+              <a:rPr lang="pt-BR" sz="1200" dirty="0"/>
+              <a:t>, respectivamente</a:t>
+            </a:r>
+          </a:p>
+        </p:txBody>
+      </p:sp>
     </p:spTree>
     <p:extLst>
       <p:ext uri="{BB962C8B-B14F-4D97-AF65-F5344CB8AC3E}">
@@ -6846,7 +6874,7 @@
 </p:sld>
 </file>
 
-<file path=ppt/slides/slide19.xml><?xml version="1.0" encoding="utf-8"?>
+<file path=ppt/slides/slide18.xml><?xml version="1.0" encoding="utf-8"?>
 <p:sld xmlns:a="http://schemas.openxmlformats.org/drawingml/2006/main" xmlns:r="http://schemas.openxmlformats.org/officeDocument/2006/relationships" xmlns:p="http://schemas.openxmlformats.org/presentationml/2006/main">
   <p:cSld>
     <p:spTree>
@@ -6895,7 +6923,7 @@
             </a:br>
             <a:r>
               <a:rPr lang="pt-BR" sz="1800" dirty="0"/>
-              <a:t>Para variáveis preditoras do modelo de regressão logística clássica</a:t>
+              <a:t>Para variáveis preditoras do modelo de regressão logística</a:t>
             </a:r>
           </a:p>
         </p:txBody>
@@ -8577,6 +8605,100 @@
 </p:sld>
 </file>
 
+<file path=ppt/slides/slide19.xml><?xml version="1.0" encoding="utf-8"?>
+<p:sld xmlns:a="http://schemas.openxmlformats.org/drawingml/2006/main" xmlns:r="http://schemas.openxmlformats.org/officeDocument/2006/relationships" xmlns:p="http://schemas.openxmlformats.org/presentationml/2006/main">
+  <p:cSld>
+    <p:spTree>
+      <p:nvGrpSpPr>
+        <p:cNvPr id="1" name=""/>
+        <p:cNvGrpSpPr/>
+        <p:nvPr/>
+      </p:nvGrpSpPr>
+      <p:grpSpPr>
+        <a:xfrm>
+          <a:off x="0" y="0"/>
+          <a:ext cx="0" cy="0"/>
+          <a:chOff x="0" y="0"/>
+          <a:chExt cx="0" cy="0"/>
+        </a:xfrm>
+      </p:grpSpPr>
+      <p:sp>
+        <p:nvSpPr>
+          <p:cNvPr id="2" name="Título 1">
+            <a:extLst>
+              <a:ext uri="{FF2B5EF4-FFF2-40B4-BE49-F238E27FC236}">
+                <a16:creationId xmlns:a16="http://schemas.microsoft.com/office/drawing/2014/main" id="{EEAAE684-D6CA-4DA5-9F71-C63A77ABED75}"/>
+              </a:ext>
+            </a:extLst>
+          </p:cNvPr>
+          <p:cNvSpPr>
+            <a:spLocks noGrp="1"/>
+          </p:cNvSpPr>
+          <p:nvPr>
+            <p:ph type="title"/>
+          </p:nvPr>
+        </p:nvSpPr>
+        <p:spPr/>
+        <p:txBody>
+          <a:bodyPr>
+            <a:normAutofit/>
+          </a:bodyPr>
+          <a:lstStyle/>
+          <a:p>
+            <a:r>
+              <a:rPr lang="pt-BR" dirty="0"/>
+              <a:t>Demais modelos</a:t>
+            </a:r>
+            <a:endParaRPr lang="pt-BR" sz="1800" dirty="0"/>
+          </a:p>
+        </p:txBody>
+      </p:sp>
+      <p:sp>
+        <p:nvSpPr>
+          <p:cNvPr id="6" name="Text Placeholder 5">
+            <a:extLst>
+              <a:ext uri="{FF2B5EF4-FFF2-40B4-BE49-F238E27FC236}">
+                <a16:creationId xmlns:a16="http://schemas.microsoft.com/office/drawing/2014/main" id="{95BD25A6-E154-F7FF-3316-C7A6709677DF}"/>
+              </a:ext>
+            </a:extLst>
+          </p:cNvPr>
+          <p:cNvSpPr>
+            <a:spLocks noGrp="1"/>
+          </p:cNvSpPr>
+          <p:nvPr>
+            <p:ph type="body" idx="1"/>
+          </p:nvPr>
+        </p:nvSpPr>
+        <p:spPr/>
+        <p:txBody>
+          <a:bodyPr/>
+          <a:lstStyle/>
+          <a:p>
+            <a:r>
+              <a:rPr lang="pt-BR" dirty="0"/>
+              <a:t>Síntese dos </a:t>
+            </a:r>
+            <a:r>
+              <a:rPr lang="pt-BR"/>
+              <a:t>resultados obtidos</a:t>
+            </a:r>
+            <a:endParaRPr lang="pt-BR" dirty="0"/>
+          </a:p>
+        </p:txBody>
+      </p:sp>
+    </p:spTree>
+    <p:extLst>
+      <p:ext uri="{BB962C8B-B14F-4D97-AF65-F5344CB8AC3E}">
+        <p14:creationId xmlns:p14="http://schemas.microsoft.com/office/powerpoint/2010/main" val="2598672704"/>
+      </p:ext>
+    </p:extLst>
+  </p:cSld>
+  <p:clrMapOvr>
+    <a:masterClrMapping/>
+  </p:clrMapOvr>
+</p:sld>
+</file>
+
 <file path=ppt/slides/slide2.xml><?xml version="1.0" encoding="utf-8"?>
 <p:sld xmlns:a="http://schemas.openxmlformats.org/drawingml/2006/main" xmlns:r="http://schemas.openxmlformats.org/officeDocument/2006/relationships" xmlns:p="http://schemas.openxmlformats.org/presentationml/2006/main">
   <p:cSld>
@@ -8694,101 +8816,12 @@
             <p:ph type="title"/>
           </p:nvPr>
         </p:nvSpPr>
-        <p:spPr/>
-        <p:txBody>
-          <a:bodyPr>
-            <a:normAutofit/>
-          </a:bodyPr>
-          <a:lstStyle/>
-          <a:p>
-            <a:r>
-              <a:rPr lang="pt-BR" dirty="0"/>
-              <a:t>Demais modelos</a:t>
-            </a:r>
-            <a:endParaRPr lang="pt-BR" sz="1800" dirty="0"/>
-          </a:p>
-        </p:txBody>
-      </p:sp>
-      <p:sp>
-        <p:nvSpPr>
-          <p:cNvPr id="6" name="Text Placeholder 5">
-            <a:extLst>
-              <a:ext uri="{FF2B5EF4-FFF2-40B4-BE49-F238E27FC236}">
-                <a16:creationId xmlns:a16="http://schemas.microsoft.com/office/drawing/2014/main" id="{95BD25A6-E154-F7FF-3316-C7A6709677DF}"/>
-              </a:ext>
-            </a:extLst>
-          </p:cNvPr>
-          <p:cNvSpPr>
-            <a:spLocks noGrp="1"/>
-          </p:cNvSpPr>
-          <p:nvPr>
-            <p:ph type="body" idx="1"/>
-          </p:nvPr>
-        </p:nvSpPr>
-        <p:spPr/>
-        <p:txBody>
-          <a:bodyPr/>
-          <a:lstStyle/>
-          <a:p>
-            <a:r>
-              <a:rPr lang="pt-BR" dirty="0"/>
-              <a:t>Síntese dos </a:t>
-            </a:r>
-            <a:r>
-              <a:rPr lang="pt-BR"/>
-              <a:t>resultados obtidos</a:t>
-            </a:r>
-            <a:endParaRPr lang="pt-BR" dirty="0"/>
-          </a:p>
-        </p:txBody>
-      </p:sp>
-    </p:spTree>
-    <p:extLst>
-      <p:ext uri="{BB962C8B-B14F-4D97-AF65-F5344CB8AC3E}">
-        <p14:creationId xmlns:p14="http://schemas.microsoft.com/office/powerpoint/2010/main" val="2598672704"/>
-      </p:ext>
-    </p:extLst>
-  </p:cSld>
-  <p:clrMapOvr>
-    <a:masterClrMapping/>
-  </p:clrMapOvr>
-</p:sld>
-</file>
-
-<file path=ppt/slides/slide21.xml><?xml version="1.0" encoding="utf-8"?>
-<p:sld xmlns:a="http://schemas.openxmlformats.org/drawingml/2006/main" xmlns:r="http://schemas.openxmlformats.org/officeDocument/2006/relationships" xmlns:p="http://schemas.openxmlformats.org/presentationml/2006/main">
-  <p:cSld>
-    <p:spTree>
-      <p:nvGrpSpPr>
-        <p:cNvPr id="1" name=""/>
-        <p:cNvGrpSpPr/>
-        <p:nvPr/>
-      </p:nvGrpSpPr>
-      <p:grpSpPr>
-        <a:xfrm>
-          <a:off x="0" y="0"/>
-          <a:ext cx="0" cy="0"/>
-          <a:chOff x="0" y="0"/>
-          <a:chExt cx="0" cy="0"/>
-        </a:xfrm>
-      </p:grpSpPr>
-      <p:sp>
-        <p:nvSpPr>
-          <p:cNvPr id="2" name="Título 1">
-            <a:extLst>
-              <a:ext uri="{FF2B5EF4-FFF2-40B4-BE49-F238E27FC236}">
-                <a16:creationId xmlns:a16="http://schemas.microsoft.com/office/drawing/2014/main" id="{EEAAE684-D6CA-4DA5-9F71-C63A77ABED75}"/>
-              </a:ext>
-            </a:extLst>
-          </p:cNvPr>
-          <p:cNvSpPr>
-            <a:spLocks noGrp="1"/>
-          </p:cNvSpPr>
-          <p:nvPr>
-            <p:ph type="title"/>
-          </p:nvPr>
-        </p:nvSpPr>
-        <p:spPr/>
+        <p:spPr>
+          <a:xfrm>
+            <a:off x="617483" y="493141"/>
+            <a:ext cx="10515600" cy="1325563"/>
+          </a:xfrm>
+        </p:spPr>
         <p:txBody>
           <a:bodyPr>
             <a:normAutofit/>
@@ -8938,6 +8971,149 @@
 </p:sld>
 </file>
 
+<file path=ppt/slides/slide21.xml><?xml version="1.0" encoding="utf-8"?>
+<p:sld xmlns:a="http://schemas.openxmlformats.org/drawingml/2006/main" xmlns:r="http://schemas.openxmlformats.org/officeDocument/2006/relationships" xmlns:p="http://schemas.openxmlformats.org/presentationml/2006/main">
+  <p:cSld>
+    <p:spTree>
+      <p:nvGrpSpPr>
+        <p:cNvPr id="1" name=""/>
+        <p:cNvGrpSpPr/>
+        <p:nvPr/>
+      </p:nvGrpSpPr>
+      <p:grpSpPr>
+        <a:xfrm>
+          <a:off x="0" y="0"/>
+          <a:ext cx="0" cy="0"/>
+          <a:chOff x="0" y="0"/>
+          <a:chExt cx="0" cy="0"/>
+        </a:xfrm>
+      </p:grpSpPr>
+      <p:sp>
+        <p:nvSpPr>
+          <p:cNvPr id="2" name="Título 1">
+            <a:extLst>
+              <a:ext uri="{FF2B5EF4-FFF2-40B4-BE49-F238E27FC236}">
+                <a16:creationId xmlns:a16="http://schemas.microsoft.com/office/drawing/2014/main" id="{EEAAE684-D6CA-4DA5-9F71-C63A77ABED75}"/>
+              </a:ext>
+            </a:extLst>
+          </p:cNvPr>
+          <p:cNvSpPr>
+            <a:spLocks noGrp="1"/>
+          </p:cNvSpPr>
+          <p:nvPr>
+            <p:ph type="title"/>
+          </p:nvPr>
+        </p:nvSpPr>
+        <p:spPr/>
+        <p:txBody>
+          <a:bodyPr/>
+          <a:lstStyle/>
+          <a:p>
+            <a:r>
+              <a:rPr lang="pt-BR" dirty="0"/>
+              <a:t>Conclusão</a:t>
+            </a:r>
+            <a:endParaRPr lang="pt-BR" i="1" dirty="0"/>
+          </a:p>
+        </p:txBody>
+      </p:sp>
+      <p:sp>
+        <p:nvSpPr>
+          <p:cNvPr id="4" name="Content Placeholder 3">
+            <a:extLst>
+              <a:ext uri="{FF2B5EF4-FFF2-40B4-BE49-F238E27FC236}">
+                <a16:creationId xmlns:a16="http://schemas.microsoft.com/office/drawing/2014/main" id="{7A396A32-B3DB-9192-9BB0-A369BD33383C}"/>
+              </a:ext>
+            </a:extLst>
+          </p:cNvPr>
+          <p:cNvSpPr>
+            <a:spLocks noGrp="1"/>
+          </p:cNvSpPr>
+          <p:nvPr>
+            <p:ph idx="1"/>
+          </p:nvPr>
+        </p:nvSpPr>
+        <p:spPr/>
+        <p:txBody>
+          <a:bodyPr>
+            <a:normAutofit fontScale="70000" lnSpcReduction="20000"/>
+          </a:bodyPr>
+          <a:lstStyle/>
+          <a:p>
+            <a:pPr>
+              <a:lnSpc>
+                <a:spcPct val="160000"/>
+              </a:lnSpc>
+            </a:pPr>
+            <a:r>
+              <a:rPr lang="pt-BR" sz="2800" dirty="0"/>
+              <a:t>Oportunidade para aplicar estratégias de retenção em clientes com maior probabilidade de </a:t>
+            </a:r>
+            <a:r>
+              <a:rPr lang="pt-BR" sz="2800" i="1" dirty="0" err="1"/>
+              <a:t>churn</a:t>
+            </a:r>
+            <a:endParaRPr lang="pt-BR" sz="2800" i="1" dirty="0"/>
+          </a:p>
+          <a:p>
+            <a:pPr lvl="1">
+              <a:lnSpc>
+                <a:spcPct val="160000"/>
+              </a:lnSpc>
+            </a:pPr>
+            <a:r>
+              <a:rPr lang="pt-BR" dirty="0"/>
+              <a:t>Redução potencial de 90% no total de clientes perdidos</a:t>
+            </a:r>
+          </a:p>
+          <a:p>
+            <a:pPr>
+              <a:lnSpc>
+                <a:spcPct val="160000"/>
+              </a:lnSpc>
+            </a:pPr>
+            <a:r>
+              <a:rPr lang="pt-BR" dirty="0"/>
+              <a:t>Variável com maior capacidade de separação entre os clientes: Índice de satisfação do cliente</a:t>
+            </a:r>
+          </a:p>
+          <a:p>
+            <a:pPr>
+              <a:lnSpc>
+                <a:spcPct val="160000"/>
+              </a:lnSpc>
+            </a:pPr>
+            <a:r>
+              <a:rPr lang="pt-BR" dirty="0"/>
+              <a:t>O modelo com maior capacidade preditiva: Regressão logística, com seleção gradual de variáveis, em abordagem bidirecional</a:t>
+            </a:r>
+          </a:p>
+          <a:p>
+            <a:pPr>
+              <a:lnSpc>
+                <a:spcPct val="160000"/>
+              </a:lnSpc>
+            </a:pPr>
+            <a:r>
+              <a:rPr lang="pt-BR" dirty="0"/>
+              <a:t>A performance dos demais modelos treinados, não revelaram grandes diferenças entre as áreas sob a curva ROC</a:t>
+            </a:r>
+          </a:p>
+        </p:txBody>
+      </p:sp>
+    </p:spTree>
+    <p:extLst>
+      <p:ext uri="{BB962C8B-B14F-4D97-AF65-F5344CB8AC3E}">
+        <p14:creationId xmlns:p14="http://schemas.microsoft.com/office/powerpoint/2010/main" val="2080213887"/>
+      </p:ext>
+    </p:extLst>
+  </p:cSld>
+  <p:clrMapOvr>
+    <a:masterClrMapping/>
+  </p:clrMapOvr>
+</p:sld>
+</file>
+
 <file path=ppt/slides/slide22.xml><?xml version="1.0" encoding="utf-8"?>
 <p:sld xmlns:a="http://schemas.openxmlformats.org/drawingml/2006/main" xmlns:r="http://schemas.openxmlformats.org/officeDocument/2006/relationships" xmlns:p="http://schemas.openxmlformats.org/presentationml/2006/main">
   <p:cSld>
@@ -8971,48 +9147,28 @@
             <p:ph type="title"/>
           </p:nvPr>
         </p:nvSpPr>
-        <p:spPr/>
+        <p:spPr>
+          <a:xfrm>
+            <a:off x="5361957" y="2878050"/>
+            <a:ext cx="1468085" cy="1101899"/>
+          </a:xfrm>
+        </p:spPr>
         <p:txBody>
           <a:bodyPr/>
           <a:lstStyle/>
           <a:p>
             <a:r>
               <a:rPr lang="pt-BR" dirty="0"/>
-              <a:t>Considerações finais</a:t>
+              <a:t>Grato</a:t>
             </a:r>
             <a:endParaRPr lang="pt-BR" i="1" dirty="0"/>
-          </a:p>
-        </p:txBody>
-      </p:sp>
-      <p:sp>
-        <p:nvSpPr>
-          <p:cNvPr id="4" name="Content Placeholder 3">
-            <a:extLst>
-              <a:ext uri="{FF2B5EF4-FFF2-40B4-BE49-F238E27FC236}">
-                <a16:creationId xmlns:a16="http://schemas.microsoft.com/office/drawing/2014/main" id="{7A396A32-B3DB-9192-9BB0-A369BD33383C}"/>
-              </a:ext>
-            </a:extLst>
-          </p:cNvPr>
-          <p:cNvSpPr>
-            <a:spLocks noGrp="1"/>
-          </p:cNvSpPr>
-          <p:nvPr>
-            <p:ph idx="1"/>
-          </p:nvPr>
-        </p:nvSpPr>
-        <p:spPr/>
-        <p:txBody>
-          <a:bodyPr/>
-          <a:lstStyle/>
-          <a:p>
-            <a:endParaRPr lang="pt-BR"/>
           </a:p>
         </p:txBody>
       </p:sp>
     </p:spTree>
     <p:extLst>
       <p:ext uri="{BB962C8B-B14F-4D97-AF65-F5344CB8AC3E}">
-        <p14:creationId xmlns:p14="http://schemas.microsoft.com/office/powerpoint/2010/main" val="2080213887"/>
+        <p14:creationId xmlns:p14="http://schemas.microsoft.com/office/powerpoint/2010/main" val="4044269284"/>
       </p:ext>
     </p:extLst>
   </p:cSld>
@@ -9090,6 +9246,22 @@
             <a:normAutofit/>
           </a:bodyPr>
           <a:lstStyle/>
+          <a:p>
+            <a:pPr lvl="1">
+              <a:lnSpc>
+                <a:spcPct val="150000"/>
+              </a:lnSpc>
+            </a:pPr>
+            <a:r>
+              <a:rPr lang="pt-BR" dirty="0"/>
+              <a:t>Evitar o </a:t>
+            </a:r>
+            <a:r>
+              <a:rPr lang="pt-BR" i="1" dirty="0" err="1"/>
+              <a:t>churn</a:t>
+            </a:r>
+            <a:endParaRPr lang="pt-BR" i="1" dirty="0"/>
+          </a:p>
           <a:p>
             <a:pPr lvl="1">
               <a:lnSpc>
@@ -9469,7 +9641,11 @@
               </a:lnSpc>
             </a:pPr>
             <a:r>
-              <a:rPr lang="pt-BR" dirty="0"/>
+              <a:rPr lang="pt-BR" dirty="0">
+                <a:solidFill>
+                  <a:schemeClr val="accent1"/>
+                </a:solidFill>
+              </a:rPr>
               <a:t>Regressão logística binária</a:t>
             </a:r>
           </a:p>
@@ -9548,7 +9724,12 @@
             <p:ph type="title"/>
           </p:nvPr>
         </p:nvSpPr>
-        <p:spPr/>
+        <p:spPr>
+          <a:xfrm>
+            <a:off x="690308" y="354267"/>
+            <a:ext cx="10515600" cy="1325563"/>
+          </a:xfrm>
+        </p:spPr>
         <p:txBody>
           <a:bodyPr>
             <a:normAutofit/>
@@ -9557,9 +9738,44 @@
           <a:p>
             <a:r>
               <a:rPr lang="pt-BR" dirty="0"/>
-              <a:t>Amostra de variáveis originais</a:t>
+              <a:t>Variáveis</a:t>
             </a:r>
             <a:endParaRPr lang="pt-BR" i="1" dirty="0"/>
+          </a:p>
+        </p:txBody>
+      </p:sp>
+      <p:sp>
+        <p:nvSpPr>
+          <p:cNvPr id="6" name="Text Placeholder 5">
+            <a:extLst>
+              <a:ext uri="{FF2B5EF4-FFF2-40B4-BE49-F238E27FC236}">
+                <a16:creationId xmlns:a16="http://schemas.microsoft.com/office/drawing/2014/main" id="{E7E5C475-EBA7-850A-38FE-59AB5733B4A2}"/>
+              </a:ext>
+            </a:extLst>
+          </p:cNvPr>
+          <p:cNvSpPr>
+            <a:spLocks noGrp="1"/>
+          </p:cNvSpPr>
+          <p:nvPr>
+            <p:ph type="body" idx="1"/>
+          </p:nvPr>
+        </p:nvSpPr>
+        <p:spPr>
+          <a:xfrm>
+            <a:off x="693484" y="1681163"/>
+            <a:ext cx="5157787" cy="823912"/>
+          </a:xfrm>
+        </p:spPr>
+        <p:txBody>
+          <a:bodyPr anchor="ctr">
+            <a:normAutofit/>
+          </a:bodyPr>
+          <a:lstStyle/>
+          <a:p>
+            <a:r>
+              <a:rPr lang="pt-BR" sz="2200" dirty="0"/>
+              <a:t>Amostra das variáveis originais</a:t>
+            </a:r>
           </a:p>
         </p:txBody>
       </p:sp>
@@ -9576,26 +9792,31 @@
             <a:graphicFrameLocks noGrp="1"/>
           </p:cNvGraphicFramePr>
           <p:nvPr>
-            <p:ph idx="1"/>
+            <p:ph sz="half" idx="2"/>
+            <p:extLst>
+              <p:ext uri="{D42A27DB-BD31-4B8C-83A1-F6EECF244321}">
+                <p14:modId xmlns:p14="http://schemas.microsoft.com/office/powerpoint/2010/main" val="2094779478"/>
+              </p:ext>
+            </p:extLst>
           </p:nvPr>
         </p:nvGraphicFramePr>
         <p:xfrm>
-          <a:off x="1587500" y="1854994"/>
-          <a:ext cx="9017000" cy="4292600"/>
+          <a:off x="690308" y="2404491"/>
+          <a:ext cx="5157786" cy="3709670"/>
         </p:xfrm>
         <a:graphic>
           <a:graphicData uri="http://schemas.openxmlformats.org/drawingml/2006/table">
             <a:tbl>
               <a:tblPr/>
               <a:tblGrid>
-                <a:gridCol w="2641600">
+                <a:gridCol w="1857691">
                   <a:extLst>
                     <a:ext uri="{9D8B030D-6E8A-4147-A177-3AD203B41FA5}">
                       <a16:colId xmlns:a16="http://schemas.microsoft.com/office/drawing/2014/main" val="3329862329"/>
                     </a:ext>
                   </a:extLst>
                 </a:gridCol>
-                <a:gridCol w="6375400">
+                <a:gridCol w="3300095">
                   <a:extLst>
                     <a:ext uri="{9D8B030D-6E8A-4147-A177-3AD203B41FA5}">
                       <a16:colId xmlns:a16="http://schemas.microsoft.com/office/drawing/2014/main" val="702396080"/>
@@ -9603,7 +9824,7 @@
                   </a:extLst>
                 </a:gridCol>
               </a:tblGrid>
-              <a:tr h="330200">
+              <a:tr h="167908">
                 <a:tc>
                   <a:txBody>
                     <a:bodyPr/>
@@ -9611,7 +9832,7 @@
                     <a:p>
                       <a:pPr algn="l" fontAlgn="b"/>
                       <a:r>
-                        <a:rPr lang="pt-BR" sz="2000" b="0" i="0" u="none" strike="noStrike">
+                        <a:rPr lang="pt-BR" sz="1400" b="0" i="0" u="none" strike="noStrike">
                           <a:solidFill>
                             <a:srgbClr val="000000"/>
                           </a:solidFill>
@@ -9656,7 +9877,7 @@
                     <a:p>
                       <a:pPr algn="l" fontAlgn="b"/>
                       <a:r>
-                        <a:rPr lang="pt-BR" sz="2000" b="0" i="0" u="none" strike="noStrike">
+                        <a:rPr lang="pt-BR" sz="1400" b="0" i="0" u="none" strike="noStrike">
                           <a:solidFill>
                             <a:srgbClr val="000000"/>
                           </a:solidFill>
@@ -9700,7 +9921,7 @@
                   </a:ext>
                 </a:extLst>
               </a:tr>
-              <a:tr h="330200">
+              <a:tr h="167908">
                 <a:tc>
                   <a:txBody>
                     <a:bodyPr/>
@@ -9708,7 +9929,7 @@
                     <a:p>
                       <a:pPr algn="l" fontAlgn="b"/>
                       <a:r>
-                        <a:rPr lang="pt-BR" sz="2000" b="0" i="0" u="none" strike="noStrike">
+                        <a:rPr lang="pt-BR" sz="1400" b="0" i="0" u="none" strike="noStrike">
                           <a:solidFill>
                             <a:srgbClr val="000000"/>
                           </a:solidFill>
@@ -9719,7 +9940,7 @@
                       </a:r>
                     </a:p>
                   </a:txBody>
-                  <a:tcPr marL="6350" marR="6350" marT="6350" marB="0" anchor="b">
+                  <a:tcPr marL="6350" marR="6350" marT="6350" marB="0" anchor="ctr">
                     <a:lnL>
                       <a:noFill/>
                     </a:lnL>
@@ -9747,7 +9968,7 @@
                     <a:p>
                       <a:pPr algn="l" fontAlgn="b"/>
                       <a:r>
-                        <a:rPr lang="pt-BR" sz="2000" b="0" i="0" u="none" strike="noStrike">
+                        <a:rPr lang="pt-BR" sz="1400" b="0" i="0" u="none" strike="noStrike" dirty="0">
                           <a:solidFill>
                             <a:srgbClr val="000000"/>
                           </a:solidFill>
@@ -9785,7 +10006,7 @@
                   </a:ext>
                 </a:extLst>
               </a:tr>
-              <a:tr h="330200">
+              <a:tr h="167908">
                 <a:tc>
                   <a:txBody>
                     <a:bodyPr/>
@@ -9793,7 +10014,7 @@
                     <a:p>
                       <a:pPr algn="l" fontAlgn="b"/>
                       <a:r>
-                        <a:rPr lang="pt-BR" sz="2000" b="0" i="0" u="none" strike="noStrike">
+                        <a:rPr lang="pt-BR" sz="1400" b="0" i="0" u="none" strike="noStrike">
                           <a:solidFill>
                             <a:srgbClr val="000000"/>
                           </a:solidFill>
@@ -9804,7 +10025,7 @@
                       </a:r>
                     </a:p>
                   </a:txBody>
-                  <a:tcPr marL="6350" marR="6350" marT="6350" marB="0" anchor="b">
+                  <a:tcPr marL="6350" marR="6350" marT="6350" marB="0" anchor="ctr">
                     <a:lnL>
                       <a:noFill/>
                     </a:lnL>
@@ -9826,7 +10047,7 @@
                     <a:p>
                       <a:pPr algn="l" fontAlgn="b"/>
                       <a:r>
-                        <a:rPr lang="pt-BR" sz="2000" b="0" i="0" u="none" strike="noStrike">
+                        <a:rPr lang="pt-BR" sz="1400" b="0" i="0" u="none" strike="noStrike" dirty="0">
                           <a:solidFill>
                             <a:srgbClr val="000000"/>
                           </a:solidFill>
@@ -9858,7 +10079,7 @@
                   </a:ext>
                 </a:extLst>
               </a:tr>
-              <a:tr h="330200">
+              <a:tr h="167908">
                 <a:tc>
                   <a:txBody>
                     <a:bodyPr/>
@@ -9866,7 +10087,7 @@
                     <a:p>
                       <a:pPr algn="l" fontAlgn="b"/>
                       <a:r>
-                        <a:rPr lang="pt-BR" sz="2000" b="0" i="0" u="none" strike="noStrike">
+                        <a:rPr lang="pt-BR" sz="1400" b="0" i="0" u="none" strike="noStrike">
                           <a:solidFill>
                             <a:srgbClr val="000000"/>
                           </a:solidFill>
@@ -9877,7 +10098,7 @@
                       </a:r>
                     </a:p>
                   </a:txBody>
-                  <a:tcPr marL="6350" marR="6350" marT="6350" marB="0" anchor="b">
+                  <a:tcPr marL="6350" marR="6350" marT="6350" marB="0" anchor="ctr">
                     <a:lnL>
                       <a:noFill/>
                     </a:lnL>
@@ -9899,7 +10120,7 @@
                     <a:p>
                       <a:pPr algn="l" fontAlgn="b"/>
                       <a:r>
-                        <a:rPr lang="pt-BR" sz="2000" b="0" i="0" u="none" strike="noStrike">
+                        <a:rPr lang="pt-BR" sz="1400" b="0" i="0" u="none" strike="noStrike" dirty="0">
                           <a:solidFill>
                             <a:srgbClr val="000000"/>
                           </a:solidFill>
@@ -9931,7 +10152,7 @@
                   </a:ext>
                 </a:extLst>
               </a:tr>
-              <a:tr h="330200">
+              <a:tr h="167908">
                 <a:tc>
                   <a:txBody>
                     <a:bodyPr/>
@@ -9939,7 +10160,7 @@
                     <a:p>
                       <a:pPr algn="l" fontAlgn="b"/>
                       <a:r>
-                        <a:rPr lang="pt-BR" sz="2000" b="0" i="0" u="none" strike="noStrike">
+                        <a:rPr lang="pt-BR" sz="1400" b="0" i="0" u="none" strike="noStrike">
                           <a:solidFill>
                             <a:srgbClr val="000000"/>
                           </a:solidFill>
@@ -9950,7 +10171,7 @@
                       </a:r>
                     </a:p>
                   </a:txBody>
-                  <a:tcPr marL="6350" marR="6350" marT="6350" marB="0" anchor="b">
+                  <a:tcPr marL="6350" marR="6350" marT="6350" marB="0" anchor="ctr">
                     <a:lnL>
                       <a:noFill/>
                     </a:lnL>
@@ -9972,7 +10193,7 @@
                     <a:p>
                       <a:pPr algn="l" fontAlgn="b"/>
                       <a:r>
-                        <a:rPr lang="pt-BR" sz="2000" b="0" i="0" u="none" strike="noStrike">
+                        <a:rPr lang="pt-BR" sz="1400" b="0" i="0" u="none" strike="noStrike">
                           <a:solidFill>
                             <a:srgbClr val="000000"/>
                           </a:solidFill>
@@ -10004,7 +10225,7 @@
                   </a:ext>
                 </a:extLst>
               </a:tr>
-              <a:tr h="330200">
+              <a:tr h="330963">
                 <a:tc>
                   <a:txBody>
                     <a:bodyPr/>
@@ -10012,7 +10233,7 @@
                     <a:p>
                       <a:pPr algn="l" fontAlgn="b"/>
                       <a:r>
-                        <a:rPr lang="pt-BR" sz="2000" b="0" i="0" u="none" strike="noStrike">
+                        <a:rPr lang="pt-BR" sz="1400" b="0" i="0" u="none" strike="noStrike" dirty="0" err="1">
                           <a:solidFill>
                             <a:srgbClr val="000000"/>
                           </a:solidFill>
@@ -10021,9 +10242,16 @@
                         </a:rPr>
                         <a:t>number_of_dependents</a:t>
                       </a:r>
-                    </a:p>
-                  </a:txBody>
-                  <a:tcPr marL="6350" marR="6350" marT="6350" marB="0" anchor="b">
+                      <a:endParaRPr lang="pt-BR" sz="1400" b="0" i="0" u="none" strike="noStrike" dirty="0">
+                        <a:solidFill>
+                          <a:srgbClr val="000000"/>
+                        </a:solidFill>
+                        <a:effectLst/>
+                        <a:latin typeface="Calibri" panose="020F0502020204030204" pitchFamily="34" charset="0"/>
+                      </a:endParaRPr>
+                    </a:p>
+                  </a:txBody>
+                  <a:tcPr marL="6350" marR="6350" marT="6350" marB="0" anchor="ctr">
                     <a:lnL>
                       <a:noFill/>
                     </a:lnL>
@@ -10045,7 +10273,7 @@
                     <a:p>
                       <a:pPr algn="l" fontAlgn="b"/>
                       <a:r>
-                        <a:rPr lang="pt-BR" sz="2000" b="0" i="0" u="none" strike="noStrike">
+                        <a:rPr lang="pt-BR" sz="1400" b="0" i="0" u="none" strike="noStrike" dirty="0">
                           <a:solidFill>
                             <a:srgbClr val="000000"/>
                           </a:solidFill>
@@ -10077,7 +10305,7 @@
                   </a:ext>
                 </a:extLst>
               </a:tr>
-              <a:tr h="330200">
+              <a:tr h="167908">
                 <a:tc>
                   <a:txBody>
                     <a:bodyPr/>
@@ -10085,7 +10313,7 @@
                     <a:p>
                       <a:pPr algn="l" fontAlgn="b"/>
                       <a:r>
-                        <a:rPr lang="pt-BR" sz="2000" b="0" i="0" u="none" strike="noStrike">
+                        <a:rPr lang="pt-BR" sz="1400" b="0" i="0" u="none" strike="noStrike">
                           <a:solidFill>
                             <a:srgbClr val="000000"/>
                           </a:solidFill>
@@ -10096,7 +10324,7 @@
                       </a:r>
                     </a:p>
                   </a:txBody>
-                  <a:tcPr marL="6350" marR="6350" marT="6350" marB="0" anchor="b">
+                  <a:tcPr marL="6350" marR="6350" marT="6350" marB="0" anchor="ctr">
                     <a:lnL>
                       <a:noFill/>
                     </a:lnL>
@@ -10118,7 +10346,7 @@
                     <a:p>
                       <a:pPr algn="l" fontAlgn="b"/>
                       <a:r>
-                        <a:rPr lang="pt-BR" sz="2000" b="0" i="0" u="none" strike="noStrike">
+                        <a:rPr lang="pt-BR" sz="1400" b="0" i="0" u="none" strike="noStrike">
                           <a:solidFill>
                             <a:srgbClr val="000000"/>
                           </a:solidFill>
@@ -10150,7 +10378,7 @@
                   </a:ext>
                 </a:extLst>
               </a:tr>
-              <a:tr h="330200">
+              <a:tr h="167908">
                 <a:tc>
                   <a:txBody>
                     <a:bodyPr/>
@@ -10158,7 +10386,7 @@
                     <a:p>
                       <a:pPr algn="l" fontAlgn="b"/>
                       <a:r>
-                        <a:rPr lang="pt-BR" sz="2000" b="0" i="0" u="none" strike="noStrike">
+                        <a:rPr lang="pt-BR" sz="1400" b="0" i="0" u="none" strike="noStrike">
                           <a:solidFill>
                             <a:srgbClr val="000000"/>
                           </a:solidFill>
@@ -10169,7 +10397,7 @@
                       </a:r>
                     </a:p>
                   </a:txBody>
-                  <a:tcPr marL="6350" marR="6350" marT="6350" marB="0" anchor="b">
+                  <a:tcPr marL="6350" marR="6350" marT="6350" marB="0" anchor="ctr">
                     <a:lnL>
                       <a:noFill/>
                     </a:lnL>
@@ -10191,7 +10419,7 @@
                     <a:p>
                       <a:pPr algn="l" fontAlgn="b"/>
                       <a:r>
-                        <a:rPr lang="pt-BR" sz="2000" b="0" i="0" u="none" strike="noStrike">
+                        <a:rPr lang="pt-BR" sz="1400" b="0" i="0" u="none" strike="noStrike">
                           <a:solidFill>
                             <a:srgbClr val="000000"/>
                           </a:solidFill>
@@ -10223,7 +10451,7 @@
                   </a:ext>
                 </a:extLst>
               </a:tr>
-              <a:tr h="330200">
+              <a:tr h="167908">
                 <a:tc>
                   <a:txBody>
                     <a:bodyPr/>
@@ -10231,7 +10459,7 @@
                     <a:p>
                       <a:pPr algn="l" fontAlgn="b"/>
                       <a:r>
-                        <a:rPr lang="pt-BR" sz="2000" b="0" i="0" u="none" strike="noStrike">
+                        <a:rPr lang="pt-BR" sz="1400" b="0" i="0" u="none" strike="noStrike">
                           <a:solidFill>
                             <a:srgbClr val="000000"/>
                           </a:solidFill>
@@ -10242,7 +10470,7 @@
                       </a:r>
                     </a:p>
                   </a:txBody>
-                  <a:tcPr marL="6350" marR="6350" marT="6350" marB="0" anchor="b">
+                  <a:tcPr marL="6350" marR="6350" marT="6350" marB="0" anchor="ctr">
                     <a:lnL>
                       <a:noFill/>
                     </a:lnL>
@@ -10264,7 +10492,7 @@
                     <a:p>
                       <a:pPr algn="l" fontAlgn="b"/>
                       <a:r>
-                        <a:rPr lang="pt-BR" sz="2000" b="0" i="0" u="none" strike="noStrike">
+                        <a:rPr lang="pt-BR" sz="1400" b="0" i="0" u="none" strike="noStrike">
                           <a:solidFill>
                             <a:srgbClr val="000000"/>
                           </a:solidFill>
@@ -10296,7 +10524,7 @@
                   </a:ext>
                 </a:extLst>
               </a:tr>
-              <a:tr h="330200">
+              <a:tr h="167908">
                 <a:tc>
                   <a:txBody>
                     <a:bodyPr/>
@@ -10304,7 +10532,7 @@
                     <a:p>
                       <a:pPr algn="l" fontAlgn="b"/>
                       <a:r>
-                        <a:rPr lang="pt-BR" sz="2000" b="0" i="0" u="none" strike="noStrike">
+                        <a:rPr lang="pt-BR" sz="1400" b="0" i="0" u="none" strike="noStrike">
                           <a:solidFill>
                             <a:srgbClr val="000000"/>
                           </a:solidFill>
@@ -10315,7 +10543,7 @@
                       </a:r>
                     </a:p>
                   </a:txBody>
-                  <a:tcPr marL="6350" marR="6350" marT="6350" marB="0" anchor="b">
+                  <a:tcPr marL="6350" marR="6350" marT="6350" marB="0" anchor="ctr">
                     <a:lnL>
                       <a:noFill/>
                     </a:lnL>
@@ -10337,7 +10565,7 @@
                     <a:p>
                       <a:pPr algn="l" fontAlgn="b"/>
                       <a:r>
-                        <a:rPr lang="pt-BR" sz="2000" b="0" i="0" u="none" strike="noStrike">
+                        <a:rPr lang="pt-BR" sz="1400" b="0" i="0" u="none" strike="noStrike">
                           <a:solidFill>
                             <a:srgbClr val="000000"/>
                           </a:solidFill>
@@ -10369,7 +10597,7 @@
                   </a:ext>
                 </a:extLst>
               </a:tr>
-              <a:tr h="330200">
+              <a:tr h="330963">
                 <a:tc>
                   <a:txBody>
                     <a:bodyPr/>
@@ -10377,7 +10605,7 @@
                     <a:p>
                       <a:pPr algn="l" fontAlgn="b"/>
                       <a:r>
-                        <a:rPr lang="pt-BR" sz="2000" b="0" i="0" u="none" strike="noStrike">
+                        <a:rPr lang="pt-BR" sz="1400" b="0" i="0" u="none" strike="noStrike">
                           <a:solidFill>
                             <a:srgbClr val="000000"/>
                           </a:solidFill>
@@ -10388,7 +10616,7 @@
                       </a:r>
                     </a:p>
                   </a:txBody>
-                  <a:tcPr marL="6350" marR="6350" marT="6350" marB="0" anchor="b">
+                  <a:tcPr marL="6350" marR="6350" marT="6350" marB="0" anchor="ctr">
                     <a:lnL>
                       <a:noFill/>
                     </a:lnL>
@@ -10410,7 +10638,7 @@
                     <a:p>
                       <a:pPr algn="l" fontAlgn="b"/>
                       <a:r>
-                        <a:rPr lang="pt-BR" sz="2000" b="0" i="0" u="none" strike="noStrike">
+                        <a:rPr lang="pt-BR" sz="1400" b="0" i="0" u="none" strike="noStrike">
                           <a:solidFill>
                             <a:srgbClr val="000000"/>
                           </a:solidFill>
@@ -10442,7 +10670,7 @@
                   </a:ext>
                 </a:extLst>
               </a:tr>
-              <a:tr h="330200">
+              <a:tr h="330963">
                 <a:tc>
                   <a:txBody>
                     <a:bodyPr/>
@@ -10450,7 +10678,7 @@
                     <a:p>
                       <a:pPr algn="l" fontAlgn="b"/>
                       <a:r>
-                        <a:rPr lang="pt-BR" sz="2000" b="0" i="0" u="none" strike="noStrike">
+                        <a:rPr lang="pt-BR" sz="1400" b="0" i="0" u="none" strike="noStrike">
                           <a:solidFill>
                             <a:srgbClr val="000000"/>
                           </a:solidFill>
@@ -10461,7 +10689,7 @@
                       </a:r>
                     </a:p>
                   </a:txBody>
-                  <a:tcPr marL="6350" marR="6350" marT="6350" marB="0" anchor="b">
+                  <a:tcPr marL="6350" marR="6350" marT="6350" marB="0" anchor="ctr">
                     <a:lnL>
                       <a:noFill/>
                     </a:lnL>
@@ -10483,7 +10711,7 @@
                     <a:p>
                       <a:pPr algn="l" fontAlgn="b"/>
                       <a:r>
-                        <a:rPr lang="pt-BR" sz="2000" b="0" i="0" u="none" strike="noStrike">
+                        <a:rPr lang="pt-BR" sz="1400" b="0" i="0" u="none" strike="noStrike">
                           <a:solidFill>
                             <a:srgbClr val="000000"/>
                           </a:solidFill>
@@ -10515,7 +10743,7 @@
                   </a:ext>
                 </a:extLst>
               </a:tr>
-              <a:tr h="330200">
+              <a:tr h="330963">
                 <a:tc>
                   <a:txBody>
                     <a:bodyPr/>
@@ -10523,7 +10751,7 @@
                     <a:p>
                       <a:pPr algn="l" fontAlgn="b"/>
                       <a:r>
-                        <a:rPr lang="pt-BR" sz="2000" b="0" i="0" u="none" strike="noStrike">
+                        <a:rPr lang="pt-BR" sz="1400" b="0" i="0" u="none" strike="noStrike" dirty="0" err="1">
                           <a:solidFill>
                             <a:srgbClr val="000000"/>
                           </a:solidFill>
@@ -10532,9 +10760,16 @@
                         </a:rPr>
                         <a:t>offer</a:t>
                       </a:r>
-                    </a:p>
-                  </a:txBody>
-                  <a:tcPr marL="6350" marR="6350" marT="6350" marB="0" anchor="b">
+                      <a:endParaRPr lang="pt-BR" sz="1400" b="0" i="0" u="none" strike="noStrike" dirty="0">
+                        <a:solidFill>
+                          <a:srgbClr val="000000"/>
+                        </a:solidFill>
+                        <a:effectLst/>
+                        <a:latin typeface="Calibri" panose="020F0502020204030204" pitchFamily="34" charset="0"/>
+                      </a:endParaRPr>
+                    </a:p>
+                  </a:txBody>
+                  <a:tcPr marL="6350" marR="6350" marT="6350" marB="0" anchor="ctr">
                     <a:lnL>
                       <a:noFill/>
                     </a:lnL>
@@ -10562,7 +10797,7 @@
                     <a:p>
                       <a:pPr algn="l" fontAlgn="b"/>
                       <a:r>
-                        <a:rPr lang="pt-BR" sz="2000" b="0" i="0" u="none" strike="noStrike" dirty="0">
+                        <a:rPr lang="pt-BR" sz="1400" b="0" i="0" u="none" strike="noStrike" dirty="0">
                           <a:solidFill>
                             <a:srgbClr val="000000"/>
                           </a:solidFill>
@@ -10604,6 +10839,147 @@
           </a:graphicData>
         </a:graphic>
       </p:graphicFrame>
+      <p:sp>
+        <p:nvSpPr>
+          <p:cNvPr id="7" name="Text Placeholder 6">
+            <a:extLst>
+              <a:ext uri="{FF2B5EF4-FFF2-40B4-BE49-F238E27FC236}">
+                <a16:creationId xmlns:a16="http://schemas.microsoft.com/office/drawing/2014/main" id="{95991F89-E4CE-9BAC-69FC-BFD4A3D095E8}"/>
+              </a:ext>
+            </a:extLst>
+          </p:cNvPr>
+          <p:cNvSpPr>
+            <a:spLocks noGrp="1"/>
+          </p:cNvSpPr>
+          <p:nvPr>
+            <p:ph type="body" sz="quarter" idx="3"/>
+          </p:nvPr>
+        </p:nvSpPr>
+        <p:spPr/>
+        <p:txBody>
+          <a:bodyPr anchor="ctr">
+            <a:normAutofit/>
+          </a:bodyPr>
+          <a:lstStyle/>
+          <a:p>
+            <a:r>
+              <a:rPr lang="pt-BR" sz="2200" dirty="0"/>
+              <a:t>Fonte de enriquecimento</a:t>
+            </a:r>
+          </a:p>
+        </p:txBody>
+      </p:sp>
+      <p:sp>
+        <p:nvSpPr>
+          <p:cNvPr id="8" name="Content Placeholder 7">
+            <a:extLst>
+              <a:ext uri="{FF2B5EF4-FFF2-40B4-BE49-F238E27FC236}">
+                <a16:creationId xmlns:a16="http://schemas.microsoft.com/office/drawing/2014/main" id="{C197A82A-F4B8-4A73-0F4D-F72478603BAE}"/>
+              </a:ext>
+            </a:extLst>
+          </p:cNvPr>
+          <p:cNvSpPr>
+            <a:spLocks noGrp="1"/>
+          </p:cNvSpPr>
+          <p:nvPr>
+            <p:ph sz="quarter" idx="4"/>
+          </p:nvPr>
+        </p:nvSpPr>
+        <p:spPr>
+          <a:xfrm>
+            <a:off x="6194427" y="2404491"/>
+            <a:ext cx="5183188" cy="3684588"/>
+          </a:xfrm>
+        </p:spPr>
+        <p:txBody>
+          <a:bodyPr>
+            <a:normAutofit/>
+          </a:bodyPr>
+          <a:lstStyle/>
+          <a:p>
+            <a:pPr marL="0" indent="0">
+              <a:lnSpc>
+                <a:spcPct val="150000"/>
+              </a:lnSpc>
+              <a:buNone/>
+            </a:pPr>
+            <a:r>
+              <a:rPr lang="pt-BR" sz="1500" i="1" dirty="0"/>
+              <a:t>American Community </a:t>
+            </a:r>
+            <a:r>
+              <a:rPr lang="pt-BR" sz="1500" i="1" dirty="0" err="1"/>
+              <a:t>Survey</a:t>
+            </a:r>
+            <a:endParaRPr lang="pt-BR" sz="1500" i="1" dirty="0"/>
+          </a:p>
+          <a:p>
+            <a:pPr marL="285750" indent="-285750">
+              <a:lnSpc>
+                <a:spcPct val="150000"/>
+              </a:lnSpc>
+              <a:buFont typeface="Arial" panose="020B0604020202020204" pitchFamily="34" charset="0"/>
+              <a:buChar char="•"/>
+            </a:pPr>
+            <a:r>
+              <a:rPr lang="pt-BR" sz="1500" dirty="0"/>
+              <a:t>Variáveis censitárias da população norte-americana</a:t>
+            </a:r>
+            <a:endParaRPr lang="pt-BR" sz="1500" i="1" dirty="0"/>
+          </a:p>
+          <a:p>
+            <a:pPr marL="285750" indent="-285750">
+              <a:lnSpc>
+                <a:spcPct val="150000"/>
+              </a:lnSpc>
+            </a:pPr>
+            <a:r>
+              <a:rPr lang="pt-BR" sz="1500" dirty="0"/>
+              <a:t>Características sociais, econômicas, demográficas e habitacionais</a:t>
+            </a:r>
+          </a:p>
+          <a:p>
+            <a:pPr marL="285750" indent="-285750">
+              <a:lnSpc>
+                <a:spcPct val="150000"/>
+              </a:lnSpc>
+            </a:pPr>
+            <a:r>
+              <a:rPr lang="pt-BR" sz="1500" dirty="0"/>
+              <a:t>Período: </a:t>
+            </a:r>
+            <a:r>
+              <a:rPr lang="pt-BR" sz="1500" b="0" i="0" u="none" strike="noStrike" baseline="0" dirty="0">
+                <a:solidFill>
+                  <a:srgbClr val="000000"/>
+                </a:solidFill>
+                <a:latin typeface="Arial" panose="020B0604020202020204" pitchFamily="34" charset="0"/>
+              </a:rPr>
+              <a:t>2013 a 2017</a:t>
+            </a:r>
+          </a:p>
+          <a:p>
+            <a:pPr marL="285750" indent="-285750">
+              <a:lnSpc>
+                <a:spcPct val="150000"/>
+              </a:lnSpc>
+            </a:pPr>
+            <a:r>
+              <a:rPr lang="pt-BR" sz="1500" b="0" i="0" u="none" strike="noStrike" baseline="0" dirty="0">
+                <a:solidFill>
+                  <a:srgbClr val="000000"/>
+                </a:solidFill>
+                <a:latin typeface="Arial" panose="020B0604020202020204" pitchFamily="34" charset="0"/>
+              </a:rPr>
+              <a:t>Maior confiabilidade estatística para áreas geográficas menos populosas.</a:t>
+            </a:r>
+            <a:endParaRPr lang="pt-BR" sz="1500" dirty="0"/>
+          </a:p>
+          <a:p>
+            <a:endParaRPr lang="pt-BR" sz="1500" dirty="0"/>
+          </a:p>
+        </p:txBody>
+      </p:sp>
     </p:spTree>
     <p:extLst>
       <p:ext uri="{BB962C8B-B14F-4D97-AF65-F5344CB8AC3E}">
@@ -10657,7 +11033,7 @@
           <a:p>
             <a:r>
               <a:rPr lang="pt-BR" dirty="0"/>
-              <a:t>Enriquecimento dos dados</a:t>
+              <a:t>Resultados e discussão</a:t>
             </a:r>
             <a:endParaRPr lang="pt-BR" i="1" dirty="0"/>
           </a:p>
@@ -10665,10 +11041,10 @@
       </p:sp>
       <p:sp>
         <p:nvSpPr>
-          <p:cNvPr id="4" name="Content Placeholder 3">
-            <a:extLst>
-              <a:ext uri="{FF2B5EF4-FFF2-40B4-BE49-F238E27FC236}">
-                <a16:creationId xmlns:a16="http://schemas.microsoft.com/office/drawing/2014/main" id="{7A396A32-B3DB-9192-9BB0-A369BD33383C}"/>
+          <p:cNvPr id="3" name="Text Placeholder 2">
+            <a:extLst>
+              <a:ext uri="{FF2B5EF4-FFF2-40B4-BE49-F238E27FC236}">
+                <a16:creationId xmlns:a16="http://schemas.microsoft.com/office/drawing/2014/main" id="{37DCF7C7-1DF8-EE70-D859-AA88F6C2FFED}"/>
               </a:ext>
             </a:extLst>
           </p:cNvPr>
@@ -10676,89 +11052,22 @@
             <a:spLocks noGrp="1"/>
           </p:cNvSpPr>
           <p:nvPr>
-            <p:ph idx="1"/>
+            <p:ph type="body" idx="1"/>
           </p:nvPr>
         </p:nvSpPr>
         <p:spPr/>
         <p:txBody>
-          <a:bodyPr>
-            <a:normAutofit/>
-          </a:bodyPr>
+          <a:bodyPr/>
           <a:lstStyle/>
           <a:p>
-            <a:pPr lvl="1">
-              <a:lnSpc>
-                <a:spcPct val="150000"/>
-              </a:lnSpc>
-            </a:pPr>
-            <a:r>
-              <a:rPr lang="pt-BR" dirty="0"/>
-              <a:t>Variáveis censitárias da população norte-americana, disponibilizadas pela pesquisa anual </a:t>
-            </a:r>
-            <a:r>
-              <a:rPr lang="pt-BR" i="1" dirty="0"/>
-              <a:t>American Community </a:t>
-            </a:r>
-            <a:r>
-              <a:rPr lang="pt-BR" i="1" dirty="0" err="1"/>
-              <a:t>Survey</a:t>
-            </a:r>
-            <a:endParaRPr lang="pt-BR" i="1" dirty="0"/>
-          </a:p>
-          <a:p>
-            <a:pPr lvl="2">
-              <a:lnSpc>
-                <a:spcPct val="150000"/>
-              </a:lnSpc>
-            </a:pPr>
-            <a:r>
-              <a:rPr lang="pt-BR" dirty="0"/>
-              <a:t>Características sociais, econômicas, demográficas e habitacionais da nação</a:t>
-            </a:r>
-          </a:p>
-          <a:p>
-            <a:pPr lvl="2">
-              <a:lnSpc>
-                <a:spcPct val="150000"/>
-              </a:lnSpc>
-            </a:pPr>
-            <a:r>
-              <a:rPr lang="pt-BR" dirty="0"/>
-              <a:t>Período: </a:t>
-            </a:r>
-            <a:r>
-              <a:rPr lang="pt-BR" sz="1800" b="0" i="0" u="none" strike="noStrike" baseline="0" dirty="0">
-                <a:solidFill>
-                  <a:srgbClr val="000000"/>
-                </a:solidFill>
-                <a:latin typeface="Arial" panose="020B0604020202020204" pitchFamily="34" charset="0"/>
-              </a:rPr>
-              <a:t>2013 a 2017</a:t>
-            </a:r>
-          </a:p>
-          <a:p>
-            <a:pPr lvl="2">
-              <a:lnSpc>
-                <a:spcPct val="150000"/>
-              </a:lnSpc>
-            </a:pPr>
-            <a:r>
-              <a:rPr lang="pt-BR" sz="1800" b="0" i="0" u="none" strike="noStrike" baseline="0" dirty="0">
-                <a:solidFill>
-                  <a:srgbClr val="000000"/>
-                </a:solidFill>
-                <a:latin typeface="Arial" panose="020B0604020202020204" pitchFamily="34" charset="0"/>
-              </a:rPr>
-              <a:t>Maior confiabilidade estatística para áreas geográficas menos populosas.</a:t>
-            </a:r>
-            <a:endParaRPr lang="pt-BR" dirty="0"/>
+            <a:endParaRPr lang="pt-BR"/>
           </a:p>
         </p:txBody>
       </p:sp>
     </p:spTree>
     <p:extLst>
       <p:ext uri="{BB962C8B-B14F-4D97-AF65-F5344CB8AC3E}">
-        <p14:creationId xmlns:p14="http://schemas.microsoft.com/office/powerpoint/2010/main" val="3760594378"/>
+        <p14:creationId xmlns:p14="http://schemas.microsoft.com/office/powerpoint/2010/main" val="2676983441"/>
       </p:ext>
     </p:extLst>
   </p:cSld>
@@ -10808,41 +11117,55 @@
           <a:p>
             <a:r>
               <a:rPr lang="pt-BR" dirty="0"/>
-              <a:t>Resultados e discussão</a:t>
+              <a:t>Distribuição dos motivos de </a:t>
+            </a:r>
+            <a:r>
+              <a:rPr lang="pt-BR" i="1" dirty="0" err="1"/>
+              <a:t>churn</a:t>
             </a:r>
             <a:endParaRPr lang="pt-BR" i="1" dirty="0"/>
           </a:p>
         </p:txBody>
       </p:sp>
-      <p:sp>
-        <p:nvSpPr>
-          <p:cNvPr id="3" name="Text Placeholder 2">
-            <a:extLst>
-              <a:ext uri="{FF2B5EF4-FFF2-40B4-BE49-F238E27FC236}">
-                <a16:creationId xmlns:a16="http://schemas.microsoft.com/office/drawing/2014/main" id="{37DCF7C7-1DF8-EE70-D859-AA88F6C2FFED}"/>
-              </a:ext>
-            </a:extLst>
-          </p:cNvPr>
-          <p:cNvSpPr>
-            <a:spLocks noGrp="1"/>
-          </p:cNvSpPr>
-          <p:nvPr>
-            <p:ph type="body" idx="1"/>
-          </p:nvPr>
-        </p:nvSpPr>
-        <p:spPr/>
-        <p:txBody>
-          <a:bodyPr/>
-          <a:lstStyle/>
-          <a:p>
-            <a:endParaRPr lang="pt-BR"/>
-          </a:p>
-        </p:txBody>
-      </p:sp>
+      <p:pic>
+        <p:nvPicPr>
+          <p:cNvPr id="5" name="Content Placeholder 4" descr="Chart, bar chart&#10;&#10;Description automatically generated">
+            <a:extLst>
+              <a:ext uri="{FF2B5EF4-FFF2-40B4-BE49-F238E27FC236}">
+                <a16:creationId xmlns:a16="http://schemas.microsoft.com/office/drawing/2014/main" id="{4F8B2046-5B82-21AC-4199-10375D92CCCF}"/>
+              </a:ext>
+            </a:extLst>
+          </p:cNvPr>
+          <p:cNvPicPr>
+            <a:picLocks noGrp="1" noChangeAspect="1"/>
+          </p:cNvPicPr>
+          <p:nvPr>
+            <p:ph idx="1"/>
+          </p:nvPr>
+        </p:nvPicPr>
+        <p:blipFill>
+          <a:blip r:embed="rId2">
+            <a:extLst>
+              <a:ext uri="{28A0092B-C50C-407E-A947-70E740481C1C}">
+                <a14:useLocalDpi xmlns:a14="http://schemas.microsoft.com/office/drawing/2010/main" val="0"/>
+              </a:ext>
+            </a:extLst>
+          </a:blip>
+          <a:stretch>
+            <a:fillRect/>
+          </a:stretch>
+        </p:blipFill>
+        <p:spPr>
+          <a:xfrm>
+            <a:off x="1979840" y="1690688"/>
+            <a:ext cx="8232320" cy="4802187"/>
+          </a:xfrm>
+        </p:spPr>
+      </p:pic>
     </p:spTree>
     <p:extLst>
       <p:ext uri="{BB962C8B-B14F-4D97-AF65-F5344CB8AC3E}">
-        <p14:creationId xmlns:p14="http://schemas.microsoft.com/office/powerpoint/2010/main" val="2676983441"/>
+        <p14:creationId xmlns:p14="http://schemas.microsoft.com/office/powerpoint/2010/main" val="2901189269"/>
       </p:ext>
     </p:extLst>
   </p:cSld>
